--- a/libs/spirit/doc/cppnow_2013/Inside Spirit X3.pptx
+++ b/libs/spirit/doc/cppnow_2013/Inside Spirit X3.pptx
@@ -6,7 +6,7 @@
     <p:sldMasterId id="2147483674" r:id="rId3"/>
   </p:sldMasterIdLst>
   <p:notesMasterIdLst>
-    <p:notesMasterId r:id="rId96"/>
+    <p:notesMasterId r:id="rId120"/>
   </p:notesMasterIdLst>
   <p:sldIdLst>
     <p:sldId id="257" r:id="rId4"/>
@@ -101,6 +101,30 @@
     <p:sldId id="351" r:id="rId93"/>
     <p:sldId id="353" r:id="rId94"/>
     <p:sldId id="352" r:id="rId95"/>
+    <p:sldId id="354" r:id="rId96"/>
+    <p:sldId id="356" r:id="rId97"/>
+    <p:sldId id="355" r:id="rId98"/>
+    <p:sldId id="362" r:id="rId99"/>
+    <p:sldId id="369" r:id="rId100"/>
+    <p:sldId id="357" r:id="rId101"/>
+    <p:sldId id="358" r:id="rId102"/>
+    <p:sldId id="359" r:id="rId103"/>
+    <p:sldId id="360" r:id="rId104"/>
+    <p:sldId id="361" r:id="rId105"/>
+    <p:sldId id="363" r:id="rId106"/>
+    <p:sldId id="364" r:id="rId107"/>
+    <p:sldId id="365" r:id="rId108"/>
+    <p:sldId id="366" r:id="rId109"/>
+    <p:sldId id="367" r:id="rId110"/>
+    <p:sldId id="368" r:id="rId111"/>
+    <p:sldId id="370" r:id="rId112"/>
+    <p:sldId id="371" r:id="rId113"/>
+    <p:sldId id="372" r:id="rId114"/>
+    <p:sldId id="375" r:id="rId115"/>
+    <p:sldId id="373" r:id="rId116"/>
+    <p:sldId id="374" r:id="rId117"/>
+    <p:sldId id="376" r:id="rId118"/>
+    <p:sldId id="377" r:id="rId119"/>
   </p:sldIdLst>
   <p:sldSz cx="9144000" cy="6858000" type="screen4x3"/>
   <p:notesSz cx="6858000" cy="9144000"/>
@@ -285,7 +309,7 @@
             <a:fld id="{DDA4625E-77BF-4A78-977C-B395AFC63D3E}" type="datetimeFigureOut">
               <a:rPr lang="en-US" smtClean="0"/>
               <a:pPr/>
-              <a:t>5/8/2013</a:t>
+              <a:t>5/9/2013</a:t>
             </a:fld>
             <a:endParaRPr lang="en-US"/>
           </a:p>
@@ -638,7 +662,7 @@
             <a:fld id="{81331B57-0BE5-4F82-AA58-76F53EFF3ADA}" type="datetime8">
               <a:rPr lang="en-US" smtClean="0"/>
               <a:pPr/>
-              <a:t>5/8/2013 10:24 AM</a:t>
+              <a:t>5/9/2013 8:19 AM</a:t>
             </a:fld>
             <a:endParaRPr lang="en-US" dirty="0"/>
           </a:p>
@@ -1046,6 +1070,170 @@
 </p:notes>
 </file>
 
+<file path=ppt/notesSlides/notesSlide13.xml><?xml version="1.0" encoding="utf-8"?>
+<p:notes xmlns:a="http://schemas.openxmlformats.org/drawingml/2006/main" xmlns:r="http://schemas.openxmlformats.org/officeDocument/2006/relationships" xmlns:p="http://schemas.openxmlformats.org/presentationml/2006/main">
+  <p:cSld>
+    <p:spTree>
+      <p:nvGrpSpPr>
+        <p:cNvPr id="1" name=""/>
+        <p:cNvGrpSpPr/>
+        <p:nvPr/>
+      </p:nvGrpSpPr>
+      <p:grpSpPr>
+        <a:xfrm>
+          <a:off x="0" y="0"/>
+          <a:ext cx="0" cy="0"/>
+          <a:chOff x="0" y="0"/>
+          <a:chExt cx="0" cy="0"/>
+        </a:xfrm>
+      </p:grpSpPr>
+      <p:sp>
+        <p:nvSpPr>
+          <p:cNvPr id="2" name="Slide Image Placeholder 1"/>
+          <p:cNvSpPr>
+            <a:spLocks noGrp="1" noRot="1" noChangeAspect="1"/>
+          </p:cNvSpPr>
+          <p:nvPr>
+            <p:ph type="sldImg"/>
+          </p:nvPr>
+        </p:nvSpPr>
+        <p:spPr/>
+      </p:sp>
+      <p:sp>
+        <p:nvSpPr>
+          <p:cNvPr id="3" name="Notes Placeholder 2"/>
+          <p:cNvSpPr>
+            <a:spLocks noGrp="1"/>
+          </p:cNvSpPr>
+          <p:nvPr>
+            <p:ph type="body" idx="1"/>
+          </p:nvPr>
+        </p:nvSpPr>
+        <p:spPr/>
+        <p:txBody>
+          <a:bodyPr>
+            <a:normAutofit/>
+          </a:bodyPr>
+          <a:lstStyle/>
+          <a:p>
+            <a:endParaRPr lang="en-US" dirty="0"/>
+          </a:p>
+        </p:txBody>
+      </p:sp>
+      <p:sp>
+        <p:nvSpPr>
+          <p:cNvPr id="4" name="Slide Number Placeholder 3"/>
+          <p:cNvSpPr>
+            <a:spLocks noGrp="1"/>
+          </p:cNvSpPr>
+          <p:nvPr>
+            <p:ph type="sldNum" sz="quarter" idx="10"/>
+          </p:nvPr>
+        </p:nvSpPr>
+        <p:spPr/>
+        <p:txBody>
+          <a:bodyPr/>
+          <a:lstStyle/>
+          <a:p>
+            <a:fld id="{5D02DC67-C434-444F-9788-90976544AD11}" type="slidenum">
+              <a:rPr lang="en-US" smtClean="0"/>
+              <a:pPr/>
+              <a:t>104</a:t>
+            </a:fld>
+            <a:endParaRPr lang="en-US"/>
+          </a:p>
+        </p:txBody>
+      </p:sp>
+    </p:spTree>
+  </p:cSld>
+  <p:clrMapOvr>
+    <a:masterClrMapping/>
+  </p:clrMapOvr>
+</p:notes>
+</file>
+
+<file path=ppt/notesSlides/notesSlide14.xml><?xml version="1.0" encoding="utf-8"?>
+<p:notes xmlns:a="http://schemas.openxmlformats.org/drawingml/2006/main" xmlns:r="http://schemas.openxmlformats.org/officeDocument/2006/relationships" xmlns:p="http://schemas.openxmlformats.org/presentationml/2006/main">
+  <p:cSld>
+    <p:spTree>
+      <p:nvGrpSpPr>
+        <p:cNvPr id="1" name=""/>
+        <p:cNvGrpSpPr/>
+        <p:nvPr/>
+      </p:nvGrpSpPr>
+      <p:grpSpPr>
+        <a:xfrm>
+          <a:off x="0" y="0"/>
+          <a:ext cx="0" cy="0"/>
+          <a:chOff x="0" y="0"/>
+          <a:chExt cx="0" cy="0"/>
+        </a:xfrm>
+      </p:grpSpPr>
+      <p:sp>
+        <p:nvSpPr>
+          <p:cNvPr id="2" name="Slide Image Placeholder 1"/>
+          <p:cNvSpPr>
+            <a:spLocks noGrp="1" noRot="1" noChangeAspect="1"/>
+          </p:cNvSpPr>
+          <p:nvPr>
+            <p:ph type="sldImg"/>
+          </p:nvPr>
+        </p:nvSpPr>
+        <p:spPr/>
+      </p:sp>
+      <p:sp>
+        <p:nvSpPr>
+          <p:cNvPr id="3" name="Notes Placeholder 2"/>
+          <p:cNvSpPr>
+            <a:spLocks noGrp="1"/>
+          </p:cNvSpPr>
+          <p:nvPr>
+            <p:ph type="body" idx="1"/>
+          </p:nvPr>
+        </p:nvSpPr>
+        <p:spPr/>
+        <p:txBody>
+          <a:bodyPr>
+            <a:normAutofit/>
+          </a:bodyPr>
+          <a:lstStyle/>
+          <a:p>
+            <a:endParaRPr lang="en-US" dirty="0"/>
+          </a:p>
+        </p:txBody>
+      </p:sp>
+      <p:sp>
+        <p:nvSpPr>
+          <p:cNvPr id="4" name="Slide Number Placeholder 3"/>
+          <p:cNvSpPr>
+            <a:spLocks noGrp="1"/>
+          </p:cNvSpPr>
+          <p:nvPr>
+            <p:ph type="sldNum" sz="quarter" idx="10"/>
+          </p:nvPr>
+        </p:nvSpPr>
+        <p:spPr/>
+        <p:txBody>
+          <a:bodyPr/>
+          <a:lstStyle/>
+          <a:p>
+            <a:fld id="{5D02DC67-C434-444F-9788-90976544AD11}" type="slidenum">
+              <a:rPr lang="en-US" smtClean="0"/>
+              <a:pPr/>
+              <a:t>105</a:t>
+            </a:fld>
+            <a:endParaRPr lang="en-US"/>
+          </a:p>
+        </p:txBody>
+      </p:sp>
+    </p:spTree>
+  </p:cSld>
+  <p:clrMapOvr>
+    <a:masterClrMapping/>
+  </p:clrMapOvr>
+</p:notes>
+</file>
+
 <file path=ppt/notesSlides/notesSlide2.xml><?xml version="1.0" encoding="utf-8"?>
 <p:notes xmlns:a="http://schemas.openxmlformats.org/drawingml/2006/main" xmlns:r="http://schemas.openxmlformats.org/officeDocument/2006/relationships" xmlns:p="http://schemas.openxmlformats.org/presentationml/2006/main">
   <p:cSld>
@@ -1133,7 +1321,7 @@
             <a:fld id="{81331B57-0BE5-4F82-AA58-76F53EFF3ADA}" type="datetime8">
               <a:rPr lang="en-US" smtClean="0"/>
               <a:pPr/>
-              <a:t>5/8/2013 10:24 AM</a:t>
+              <a:t>5/9/2013 8:19 AM</a:t>
             </a:fld>
             <a:endParaRPr lang="en-US"/>
           </a:p>
@@ -1758,6 +1946,23 @@
             </a:r>
           </a:p>
           <a:p>
+            <a:endParaRPr lang="en-US" dirty="0" smtClean="0"/>
+          </a:p>
+          <a:p>
+            <a:r>
+              <a:rPr lang="en-US" dirty="0" smtClean="0"/>
+              <a:t>Any C++ user introduced to the C++11 features of auto, lambdas, and trailing return types immediately wonders why they can't just write auto on their function declaration and have the return type deduced. This functionality was proposed previously in </a:t>
+            </a:r>
+            <a:r>
+              <a:rPr lang="en-US" dirty="0" smtClean="0">
+                <a:hlinkClick r:id="rId3"/>
+              </a:rPr>
+              <a:t>N2954</a:t>
+            </a:r>
+            <a:r>
+              <a:rPr lang="en-US" dirty="0" smtClean="0"/>
+              <a:t>, but dropped from C++11 due to time constraints, as the drafting didn't address various questions and concerns that the Core WG had. I have now implemented this functionality in GCC, and propose to add it to C++1y. I discuss some of the less obvious aspects of the semantics below. </a:t>
+            </a:r>
             <a:endParaRPr lang="en-US" dirty="0"/>
           </a:p>
         </p:txBody>
@@ -6322,6 +6527,3133 @@
 </p:sld>
 </file>
 
+<file path=ppt/slides/slide100.xml><?xml version="1.0" encoding="utf-8"?>
+<p:sld xmlns:a="http://schemas.openxmlformats.org/drawingml/2006/main" xmlns:r="http://schemas.openxmlformats.org/officeDocument/2006/relationships" xmlns:p="http://schemas.openxmlformats.org/presentationml/2006/main">
+  <p:cSld>
+    <p:spTree>
+      <p:nvGrpSpPr>
+        <p:cNvPr id="1" name=""/>
+        <p:cNvGrpSpPr/>
+        <p:nvPr/>
+      </p:nvGrpSpPr>
+      <p:grpSpPr>
+        <a:xfrm>
+          <a:off x="0" y="0"/>
+          <a:ext cx="0" cy="0"/>
+          <a:chOff x="0" y="0"/>
+          <a:chExt cx="0" cy="0"/>
+        </a:xfrm>
+      </p:grpSpPr>
+      <p:sp>
+        <p:nvSpPr>
+          <p:cNvPr id="2" name="Title 1"/>
+          <p:cNvSpPr>
+            <a:spLocks noGrp="1"/>
+          </p:cNvSpPr>
+          <p:nvPr>
+            <p:ph type="title"/>
+          </p:nvPr>
+        </p:nvSpPr>
+        <p:spPr/>
+        <p:txBody>
+          <a:bodyPr/>
+          <a:lstStyle/>
+          <a:p>
+            <a:r>
+              <a:rPr lang="en-US" dirty="0" smtClean="0"/>
+              <a:t>Rule</a:t>
+            </a:r>
+            <a:endParaRPr lang="en-US" dirty="0"/>
+          </a:p>
+        </p:txBody>
+      </p:sp>
+      <p:sp>
+        <p:nvSpPr>
+          <p:cNvPr id="3" name="Text Placeholder 2"/>
+          <p:cNvSpPr>
+            <a:spLocks noGrp="1"/>
+          </p:cNvSpPr>
+          <p:nvPr>
+            <p:ph type="body" sz="quarter" idx="10"/>
+          </p:nvPr>
+        </p:nvSpPr>
+        <p:spPr>
+          <a:xfrm>
+            <a:off x="381000" y="1295400"/>
+            <a:ext cx="8382000" cy="2985433"/>
+          </a:xfrm>
+        </p:spPr>
+        <p:txBody>
+          <a:bodyPr/>
+          <a:lstStyle/>
+          <a:p>
+            <a:pPr>
+              <a:buNone/>
+            </a:pPr>
+            <a:r>
+              <a:rPr lang="en-US" sz="2000" dirty="0" smtClean="0"/>
+              <a:t>template &lt;</a:t>
+            </a:r>
+            <a:r>
+              <a:rPr lang="en-US" sz="2000" dirty="0" err="1" smtClean="0"/>
+              <a:t>typename</a:t>
+            </a:r>
+            <a:r>
+              <a:rPr lang="en-US" sz="2000" dirty="0" smtClean="0"/>
+              <a:t> </a:t>
+            </a:r>
+            <a:r>
+              <a:rPr lang="en-US" sz="2000" dirty="0" err="1" smtClean="0"/>
+              <a:t>Iterator</a:t>
+            </a:r>
+            <a:r>
+              <a:rPr lang="en-US" sz="2000" dirty="0" smtClean="0"/>
+              <a:t>, </a:t>
+            </a:r>
+            <a:r>
+              <a:rPr lang="en-US" sz="2000" dirty="0" err="1" smtClean="0"/>
+              <a:t>typename</a:t>
+            </a:r>
+            <a:r>
+              <a:rPr lang="en-US" sz="2000" dirty="0" smtClean="0"/>
+              <a:t> Context, </a:t>
+            </a:r>
+            <a:r>
+              <a:rPr lang="en-US" sz="2000" dirty="0" err="1" smtClean="0"/>
+              <a:t>typename</a:t>
+            </a:r>
+            <a:r>
+              <a:rPr lang="en-US" sz="2000" dirty="0" smtClean="0"/>
+              <a:t> Attribute_&gt;</a:t>
+            </a:r>
+          </a:p>
+          <a:p>
+            <a:pPr>
+              <a:buNone/>
+            </a:pPr>
+            <a:r>
+              <a:rPr lang="en-US" sz="2000" dirty="0" err="1" smtClean="0"/>
+              <a:t>bool</a:t>
+            </a:r>
+            <a:r>
+              <a:rPr lang="en-US" sz="2000" dirty="0" smtClean="0"/>
+              <a:t> parse(</a:t>
+            </a:r>
+            <a:r>
+              <a:rPr lang="en-US" sz="2000" dirty="0" err="1" smtClean="0"/>
+              <a:t>Iterator</a:t>
+            </a:r>
+            <a:r>
+              <a:rPr lang="en-US" sz="2000" dirty="0" smtClean="0"/>
+              <a:t>&amp; first, </a:t>
+            </a:r>
+            <a:r>
+              <a:rPr lang="en-US" sz="2000" dirty="0" err="1" smtClean="0"/>
+              <a:t>Iterator</a:t>
+            </a:r>
+            <a:r>
+              <a:rPr lang="en-US" sz="2000" dirty="0" smtClean="0"/>
+              <a:t> const&amp; last</a:t>
+            </a:r>
+          </a:p>
+          <a:p>
+            <a:pPr>
+              <a:buNone/>
+            </a:pPr>
+            <a:r>
+              <a:rPr lang="en-US" sz="2000" dirty="0" smtClean="0"/>
+              <a:t>  , Context const&amp; context, Attribute_&amp; </a:t>
+            </a:r>
+            <a:r>
+              <a:rPr lang="en-US" sz="2000" dirty="0" err="1" smtClean="0"/>
+              <a:t>attr</a:t>
+            </a:r>
+            <a:r>
+              <a:rPr lang="en-US" sz="2000" dirty="0" smtClean="0"/>
+              <a:t>) const</a:t>
+            </a:r>
+          </a:p>
+          <a:p>
+            <a:pPr>
+              <a:buNone/>
+            </a:pPr>
+            <a:r>
+              <a:rPr lang="en-US" sz="2000" dirty="0" smtClean="0"/>
+              <a:t>{</a:t>
+            </a:r>
+          </a:p>
+          <a:p>
+            <a:pPr>
+              <a:buNone/>
+            </a:pPr>
+            <a:r>
+              <a:rPr lang="en-US" sz="2000" dirty="0" smtClean="0"/>
+              <a:t>    return detail::</a:t>
+            </a:r>
+            <a:r>
+              <a:rPr lang="en-US" sz="2000" dirty="0" err="1" smtClean="0"/>
+              <a:t>parse_rule</a:t>
+            </a:r>
+            <a:r>
+              <a:rPr lang="en-US" sz="2000" dirty="0" smtClean="0"/>
+              <a:t>&lt;</a:t>
+            </a:r>
+            <a:r>
+              <a:rPr lang="en-US" sz="2000" dirty="0" err="1" smtClean="0"/>
+              <a:t>attribute_type</a:t>
+            </a:r>
+            <a:r>
+              <a:rPr lang="en-US" sz="2000" dirty="0" smtClean="0"/>
+              <a:t>, ID&gt;::</a:t>
+            </a:r>
+            <a:r>
+              <a:rPr lang="en-US" sz="2000" dirty="0" err="1" smtClean="0"/>
+              <a:t>call_from_rule</a:t>
+            </a:r>
+            <a:r>
+              <a:rPr lang="en-US" sz="2000" dirty="0" smtClean="0"/>
+              <a:t>(</a:t>
+            </a:r>
+          </a:p>
+          <a:p>
+            <a:pPr>
+              <a:buNone/>
+            </a:pPr>
+            <a:r>
+              <a:rPr lang="en-US" sz="2000" dirty="0" smtClean="0"/>
+              <a:t>        spirit::get&lt;ID&gt;(context), name</a:t>
+            </a:r>
+          </a:p>
+          <a:p>
+            <a:pPr>
+              <a:buNone/>
+            </a:pPr>
+            <a:r>
+              <a:rPr lang="en-US" sz="2000" dirty="0" smtClean="0"/>
+              <a:t>      , first, last, context, </a:t>
+            </a:r>
+            <a:r>
+              <a:rPr lang="en-US" sz="2000" dirty="0" err="1" smtClean="0"/>
+              <a:t>attr</a:t>
+            </a:r>
+            <a:endParaRPr lang="en-US" sz="2000" dirty="0" smtClean="0"/>
+          </a:p>
+          <a:p>
+            <a:pPr>
+              <a:buNone/>
+            </a:pPr>
+            <a:r>
+              <a:rPr lang="en-US" sz="2000" dirty="0" smtClean="0"/>
+              <a:t>      , spirit::get&lt;</a:t>
+            </a:r>
+            <a:r>
+              <a:rPr lang="en-US" sz="2000" dirty="0" err="1" smtClean="0"/>
+              <a:t>rule_context_with_id_tag</a:t>
+            </a:r>
+            <a:r>
+              <a:rPr lang="en-US" sz="2000" dirty="0" smtClean="0"/>
+              <a:t>&lt;ID&gt;&gt;(context));</a:t>
+            </a:r>
+          </a:p>
+          <a:p>
+            <a:pPr>
+              <a:buNone/>
+            </a:pPr>
+            <a:r>
+              <a:rPr lang="en-US" sz="2000" dirty="0" smtClean="0"/>
+              <a:t>}</a:t>
+            </a:r>
+          </a:p>
+        </p:txBody>
+      </p:sp>
+    </p:spTree>
+  </p:cSld>
+  <p:clrMapOvr>
+    <a:masterClrMapping/>
+  </p:clrMapOvr>
+  <p:transition>
+    <p:fade/>
+  </p:transition>
+  <p:timing>
+    <p:tnLst>
+      <p:par>
+        <p:cTn id="1" dur="indefinite" restart="never" nodeType="tmRoot"/>
+      </p:par>
+    </p:tnLst>
+  </p:timing>
+</p:sld>
+</file>
+
+<file path=ppt/slides/slide101.xml><?xml version="1.0" encoding="utf-8"?>
+<p:sld xmlns:a="http://schemas.openxmlformats.org/drawingml/2006/main" xmlns:r="http://schemas.openxmlformats.org/officeDocument/2006/relationships" xmlns:p="http://schemas.openxmlformats.org/presentationml/2006/main">
+  <p:cSld>
+    <p:spTree>
+      <p:nvGrpSpPr>
+        <p:cNvPr id="1" name=""/>
+        <p:cNvGrpSpPr/>
+        <p:nvPr/>
+      </p:nvGrpSpPr>
+      <p:grpSpPr>
+        <a:xfrm>
+          <a:off x="0" y="0"/>
+          <a:ext cx="0" cy="0"/>
+          <a:chOff x="0" y="0"/>
+          <a:chExt cx="0" cy="0"/>
+        </a:xfrm>
+      </p:grpSpPr>
+      <p:sp>
+        <p:nvSpPr>
+          <p:cNvPr id="2" name="Title 1"/>
+          <p:cNvSpPr>
+            <a:spLocks noGrp="1"/>
+          </p:cNvSpPr>
+          <p:nvPr>
+            <p:ph type="title"/>
+          </p:nvPr>
+        </p:nvSpPr>
+        <p:spPr/>
+        <p:txBody>
+          <a:bodyPr/>
+          <a:lstStyle/>
+          <a:p>
+            <a:r>
+              <a:rPr lang="en-US" dirty="0" smtClean="0"/>
+              <a:t>Rule</a:t>
+            </a:r>
+            <a:endParaRPr lang="en-US" dirty="0"/>
+          </a:p>
+        </p:txBody>
+      </p:sp>
+      <p:sp>
+        <p:nvSpPr>
+          <p:cNvPr id="3" name="Text Placeholder 2"/>
+          <p:cNvSpPr>
+            <a:spLocks noGrp="1"/>
+          </p:cNvSpPr>
+          <p:nvPr>
+            <p:ph type="body" sz="quarter" idx="10"/>
+          </p:nvPr>
+        </p:nvSpPr>
+        <p:spPr>
+          <a:xfrm>
+            <a:off x="381000" y="1295400"/>
+            <a:ext cx="8382000" cy="4678204"/>
+          </a:xfrm>
+        </p:spPr>
+        <p:txBody>
+          <a:bodyPr/>
+          <a:lstStyle/>
+          <a:p>
+            <a:pPr>
+              <a:buNone/>
+            </a:pPr>
+            <a:r>
+              <a:rPr lang="en-US" sz="2000" dirty="0" smtClean="0"/>
+              <a:t>template &lt;</a:t>
+            </a:r>
+            <a:r>
+              <a:rPr lang="en-US" sz="2000" dirty="0" err="1" smtClean="0"/>
+              <a:t>typename</a:t>
+            </a:r>
+            <a:r>
+              <a:rPr lang="en-US" sz="2000" dirty="0" smtClean="0"/>
+              <a:t> </a:t>
+            </a:r>
+            <a:r>
+              <a:rPr lang="en-US" sz="2000" dirty="0" err="1" smtClean="0"/>
+              <a:t>RuleDef</a:t>
+            </a:r>
+            <a:r>
+              <a:rPr lang="en-US" sz="2000" dirty="0" smtClean="0"/>
+              <a:t>, </a:t>
+            </a:r>
+            <a:r>
+              <a:rPr lang="en-US" sz="2000" dirty="0" err="1" smtClean="0"/>
+              <a:t>typename</a:t>
+            </a:r>
+            <a:r>
+              <a:rPr lang="en-US" sz="2000" dirty="0" smtClean="0"/>
+              <a:t> </a:t>
+            </a:r>
+            <a:r>
+              <a:rPr lang="en-US" sz="2000" dirty="0" err="1" smtClean="0"/>
+              <a:t>Iterator</a:t>
+            </a:r>
+            <a:r>
+              <a:rPr lang="en-US" sz="2000" dirty="0" smtClean="0"/>
+              <a:t>, </a:t>
+            </a:r>
+            <a:r>
+              <a:rPr lang="en-US" sz="2000" dirty="0" err="1" smtClean="0"/>
+              <a:t>typename</a:t>
+            </a:r>
+            <a:r>
+              <a:rPr lang="en-US" sz="2000" dirty="0" smtClean="0"/>
+              <a:t> Context</a:t>
+            </a:r>
+          </a:p>
+          <a:p>
+            <a:pPr>
+              <a:buNone/>
+            </a:pPr>
+            <a:r>
+              <a:rPr lang="en-US" sz="2000" dirty="0" smtClean="0"/>
+              <a:t>    , </a:t>
+            </a:r>
+            <a:r>
+              <a:rPr lang="en-US" sz="2000" dirty="0" err="1" smtClean="0"/>
+              <a:t>typename</a:t>
+            </a:r>
+            <a:r>
+              <a:rPr lang="en-US" sz="2000" dirty="0" smtClean="0"/>
+              <a:t> </a:t>
+            </a:r>
+            <a:r>
+              <a:rPr lang="en-US" sz="2000" dirty="0" err="1" smtClean="0"/>
+              <a:t>ActualAttribute</a:t>
+            </a:r>
+            <a:r>
+              <a:rPr lang="en-US" sz="2000" dirty="0" smtClean="0"/>
+              <a:t>&gt;</a:t>
+            </a:r>
+          </a:p>
+          <a:p>
+            <a:pPr>
+              <a:buNone/>
+            </a:pPr>
+            <a:r>
+              <a:rPr lang="en-US" sz="2000" dirty="0" smtClean="0"/>
+              <a:t>static </a:t>
+            </a:r>
+            <a:r>
+              <a:rPr lang="en-US" sz="2000" dirty="0" err="1" smtClean="0"/>
+              <a:t>bool</a:t>
+            </a:r>
+            <a:r>
+              <a:rPr lang="en-US" sz="2000" dirty="0" smtClean="0"/>
+              <a:t> </a:t>
+            </a:r>
+            <a:r>
+              <a:rPr lang="en-US" sz="2000" dirty="0" err="1" smtClean="0"/>
+              <a:t>call_from_rule</a:t>
+            </a:r>
+            <a:r>
+              <a:rPr lang="en-US" sz="2000" dirty="0" smtClean="0"/>
+              <a:t>(</a:t>
+            </a:r>
+          </a:p>
+          <a:p>
+            <a:pPr>
+              <a:buNone/>
+            </a:pPr>
+            <a:r>
+              <a:rPr lang="en-US" sz="2000" dirty="0" smtClean="0"/>
+              <a:t>    </a:t>
+            </a:r>
+            <a:r>
+              <a:rPr lang="en-US" sz="2000" dirty="0" err="1" smtClean="0"/>
+              <a:t>RuleDef</a:t>
+            </a:r>
+            <a:r>
+              <a:rPr lang="en-US" sz="2000" dirty="0" smtClean="0"/>
+              <a:t> const&amp; </a:t>
+            </a:r>
+            <a:r>
+              <a:rPr lang="en-US" sz="2000" dirty="0" err="1" smtClean="0"/>
+              <a:t>rule_def</a:t>
+            </a:r>
+            <a:endParaRPr lang="en-US" sz="2000" dirty="0" smtClean="0"/>
+          </a:p>
+          <a:p>
+            <a:pPr>
+              <a:buNone/>
+            </a:pPr>
+            <a:r>
+              <a:rPr lang="en-US" sz="2000" dirty="0" smtClean="0"/>
+              <a:t>  , char const* </a:t>
+            </a:r>
+            <a:r>
+              <a:rPr lang="en-US" sz="2000" dirty="0" err="1" smtClean="0"/>
+              <a:t>rule_name</a:t>
+            </a:r>
+            <a:endParaRPr lang="en-US" sz="2000" dirty="0" smtClean="0"/>
+          </a:p>
+          <a:p>
+            <a:pPr>
+              <a:buNone/>
+            </a:pPr>
+            <a:r>
+              <a:rPr lang="en-US" sz="2000" dirty="0" smtClean="0"/>
+              <a:t>  , </a:t>
+            </a:r>
+            <a:r>
+              <a:rPr lang="en-US" sz="2000" dirty="0" err="1" smtClean="0"/>
+              <a:t>Iterator</a:t>
+            </a:r>
+            <a:r>
+              <a:rPr lang="en-US" sz="2000" dirty="0" smtClean="0"/>
+              <a:t>&amp; first, </a:t>
+            </a:r>
+            <a:r>
+              <a:rPr lang="en-US" sz="2000" dirty="0" err="1" smtClean="0"/>
+              <a:t>Iterator</a:t>
+            </a:r>
+            <a:r>
+              <a:rPr lang="en-US" sz="2000" dirty="0" smtClean="0"/>
+              <a:t> const&amp; last</a:t>
+            </a:r>
+          </a:p>
+          <a:p>
+            <a:pPr>
+              <a:buNone/>
+            </a:pPr>
+            <a:r>
+              <a:rPr lang="en-US" sz="2000" dirty="0" smtClean="0"/>
+              <a:t>  , Context const&amp; context, </a:t>
+            </a:r>
+            <a:r>
+              <a:rPr lang="en-US" sz="2000" dirty="0" err="1" smtClean="0"/>
+              <a:t>ActualAttribute</a:t>
+            </a:r>
+            <a:r>
+              <a:rPr lang="en-US" sz="2000" dirty="0" smtClean="0"/>
+              <a:t>&amp; </a:t>
+            </a:r>
+            <a:r>
+              <a:rPr lang="en-US" sz="2000" dirty="0" err="1" smtClean="0"/>
+              <a:t>attr</a:t>
+            </a:r>
+            <a:r>
+              <a:rPr lang="en-US" sz="2000" dirty="0" smtClean="0"/>
+              <a:t>, </a:t>
+            </a:r>
+            <a:r>
+              <a:rPr lang="en-US" sz="2000" dirty="0" err="1" smtClean="0"/>
+              <a:t>unused_type</a:t>
+            </a:r>
+            <a:r>
+              <a:rPr lang="en-US" sz="2000" dirty="0" smtClean="0"/>
+              <a:t>)</a:t>
+            </a:r>
+          </a:p>
+          <a:p>
+            <a:pPr>
+              <a:buNone/>
+            </a:pPr>
+            <a:r>
+              <a:rPr lang="en-US" sz="2000" dirty="0" smtClean="0"/>
+              <a:t>{</a:t>
+            </a:r>
+          </a:p>
+          <a:p>
+            <a:pPr>
+              <a:buNone/>
+            </a:pPr>
+            <a:r>
+              <a:rPr lang="en-US" sz="2000" dirty="0" smtClean="0"/>
+              <a:t>    // This is called when a rule-body has *not yet* been established.</a:t>
+            </a:r>
+          </a:p>
+          <a:p>
+            <a:pPr>
+              <a:buNone/>
+            </a:pPr>
+            <a:r>
+              <a:rPr lang="en-US" sz="2000" dirty="0" smtClean="0"/>
+              <a:t>    // The rule body is established by the </a:t>
+            </a:r>
+            <a:r>
+              <a:rPr lang="en-US" sz="2000" dirty="0" err="1" smtClean="0"/>
+              <a:t>rule_definition</a:t>
+            </a:r>
+            <a:r>
+              <a:rPr lang="en-US" sz="2000" dirty="0" smtClean="0"/>
+              <a:t> class, so</a:t>
+            </a:r>
+          </a:p>
+          <a:p>
+            <a:pPr>
+              <a:buNone/>
+            </a:pPr>
+            <a:r>
+              <a:rPr lang="en-US" sz="2000" dirty="0" smtClean="0"/>
+              <a:t>    // we call it to parse and establish the rule-body.</a:t>
+            </a:r>
+          </a:p>
+          <a:p>
+            <a:pPr>
+              <a:buNone/>
+            </a:pPr>
+            <a:endParaRPr lang="en-US" sz="2000" dirty="0" smtClean="0"/>
+          </a:p>
+          <a:p>
+            <a:pPr>
+              <a:buNone/>
+            </a:pPr>
+            <a:r>
+              <a:rPr lang="en-US" sz="2000" dirty="0" smtClean="0"/>
+              <a:t>    return </a:t>
+            </a:r>
+            <a:r>
+              <a:rPr lang="en-US" sz="2000" dirty="0" err="1" smtClean="0"/>
+              <a:t>rule_def.parse</a:t>
+            </a:r>
+            <a:r>
+              <a:rPr lang="en-US" sz="2000" dirty="0" smtClean="0"/>
+              <a:t>(first, last, context, </a:t>
+            </a:r>
+            <a:r>
+              <a:rPr lang="en-US" sz="2000" dirty="0" err="1" smtClean="0"/>
+              <a:t>attr</a:t>
+            </a:r>
+            <a:r>
+              <a:rPr lang="en-US" sz="2000" dirty="0" smtClean="0"/>
+              <a:t>);</a:t>
+            </a:r>
+          </a:p>
+          <a:p>
+            <a:pPr>
+              <a:buNone/>
+            </a:pPr>
+            <a:r>
+              <a:rPr lang="en-US" sz="2000" dirty="0" smtClean="0"/>
+              <a:t>}</a:t>
+            </a:r>
+          </a:p>
+        </p:txBody>
+      </p:sp>
+    </p:spTree>
+  </p:cSld>
+  <p:clrMapOvr>
+    <a:masterClrMapping/>
+  </p:clrMapOvr>
+  <p:transition>
+    <p:fade/>
+  </p:transition>
+  <p:timing>
+    <p:tnLst>
+      <p:par>
+        <p:cTn id="1" dur="indefinite" restart="never" nodeType="tmRoot"/>
+      </p:par>
+    </p:tnLst>
+  </p:timing>
+</p:sld>
+</file>
+
+<file path=ppt/slides/slide102.xml><?xml version="1.0" encoding="utf-8"?>
+<p:sld xmlns:a="http://schemas.openxmlformats.org/drawingml/2006/main" xmlns:r="http://schemas.openxmlformats.org/officeDocument/2006/relationships" xmlns:p="http://schemas.openxmlformats.org/presentationml/2006/main">
+  <p:cSld>
+    <p:spTree>
+      <p:nvGrpSpPr>
+        <p:cNvPr id="1" name=""/>
+        <p:cNvGrpSpPr/>
+        <p:nvPr/>
+      </p:nvGrpSpPr>
+      <p:grpSpPr>
+        <a:xfrm>
+          <a:off x="0" y="0"/>
+          <a:ext cx="0" cy="0"/>
+          <a:chOff x="0" y="0"/>
+          <a:chExt cx="0" cy="0"/>
+        </a:xfrm>
+      </p:grpSpPr>
+      <p:sp>
+        <p:nvSpPr>
+          <p:cNvPr id="2" name="Title 1"/>
+          <p:cNvSpPr>
+            <a:spLocks noGrp="1"/>
+          </p:cNvSpPr>
+          <p:nvPr>
+            <p:ph type="title"/>
+          </p:nvPr>
+        </p:nvSpPr>
+        <p:spPr/>
+        <p:txBody>
+          <a:bodyPr/>
+          <a:lstStyle/>
+          <a:p>
+            <a:r>
+              <a:rPr lang="en-US" dirty="0" smtClean="0"/>
+              <a:t>Rule</a:t>
+            </a:r>
+            <a:endParaRPr lang="en-US" dirty="0"/>
+          </a:p>
+        </p:txBody>
+      </p:sp>
+      <p:sp>
+        <p:nvSpPr>
+          <p:cNvPr id="3" name="Text Placeholder 2"/>
+          <p:cNvSpPr>
+            <a:spLocks noGrp="1"/>
+          </p:cNvSpPr>
+          <p:nvPr>
+            <p:ph type="body" sz="quarter" idx="10"/>
+          </p:nvPr>
+        </p:nvSpPr>
+        <p:spPr>
+          <a:xfrm>
+            <a:off x="381000" y="990600"/>
+            <a:ext cx="8382000" cy="5693866"/>
+          </a:xfrm>
+        </p:spPr>
+        <p:txBody>
+          <a:bodyPr/>
+          <a:lstStyle/>
+          <a:p>
+            <a:pPr>
+              <a:buNone/>
+            </a:pPr>
+            <a:r>
+              <a:rPr lang="en-US" sz="2000" dirty="0" smtClean="0"/>
+              <a:t>template &lt;</a:t>
+            </a:r>
+            <a:r>
+              <a:rPr lang="en-US" sz="2000" dirty="0" err="1" smtClean="0"/>
+              <a:t>typename</a:t>
+            </a:r>
+            <a:r>
+              <a:rPr lang="en-US" sz="2000" dirty="0" smtClean="0"/>
+              <a:t> </a:t>
+            </a:r>
+            <a:r>
+              <a:rPr lang="en-US" sz="2000" dirty="0" err="1" smtClean="0"/>
+              <a:t>RuleDef</a:t>
+            </a:r>
+            <a:r>
+              <a:rPr lang="en-US" sz="2000" dirty="0" smtClean="0"/>
+              <a:t>, </a:t>
+            </a:r>
+            <a:r>
+              <a:rPr lang="en-US" sz="2000" dirty="0" err="1" smtClean="0"/>
+              <a:t>typename</a:t>
+            </a:r>
+            <a:r>
+              <a:rPr lang="en-US" sz="2000" dirty="0" smtClean="0"/>
+              <a:t> </a:t>
+            </a:r>
+            <a:r>
+              <a:rPr lang="en-US" sz="2000" dirty="0" err="1" smtClean="0"/>
+              <a:t>Iterator</a:t>
+            </a:r>
+            <a:r>
+              <a:rPr lang="en-US" sz="2000" dirty="0" smtClean="0"/>
+              <a:t>, </a:t>
+            </a:r>
+            <a:r>
+              <a:rPr lang="en-US" sz="2000" dirty="0" err="1" smtClean="0"/>
+              <a:t>typename</a:t>
+            </a:r>
+            <a:r>
+              <a:rPr lang="en-US" sz="2000" dirty="0" smtClean="0"/>
+              <a:t> Context</a:t>
+            </a:r>
+          </a:p>
+          <a:p>
+            <a:pPr>
+              <a:buNone/>
+            </a:pPr>
+            <a:r>
+              <a:rPr lang="en-US" sz="2000" dirty="0" smtClean="0"/>
+              <a:t>    , </a:t>
+            </a:r>
+            <a:r>
+              <a:rPr lang="en-US" sz="2000" dirty="0" err="1" smtClean="0"/>
+              <a:t>typename</a:t>
+            </a:r>
+            <a:r>
+              <a:rPr lang="en-US" sz="2000" dirty="0" smtClean="0"/>
+              <a:t> </a:t>
+            </a:r>
+            <a:r>
+              <a:rPr lang="en-US" sz="2000" dirty="0" err="1" smtClean="0"/>
+              <a:t>ActualAttribute</a:t>
+            </a:r>
+            <a:r>
+              <a:rPr lang="en-US" sz="2000" dirty="0" smtClean="0"/>
+              <a:t>, </a:t>
+            </a:r>
+            <a:r>
+              <a:rPr lang="en-US" sz="2000" dirty="0" err="1" smtClean="0"/>
+              <a:t>typename</a:t>
+            </a:r>
+            <a:r>
+              <a:rPr lang="en-US" sz="2000" dirty="0" smtClean="0"/>
+              <a:t> </a:t>
+            </a:r>
+            <a:r>
+              <a:rPr lang="en-US" sz="2000" dirty="0" err="1" smtClean="0"/>
+              <a:t>AttributeContext</a:t>
+            </a:r>
+            <a:r>
+              <a:rPr lang="en-US" sz="2000" dirty="0" smtClean="0"/>
+              <a:t>&gt;</a:t>
+            </a:r>
+          </a:p>
+          <a:p>
+            <a:pPr>
+              <a:buNone/>
+            </a:pPr>
+            <a:r>
+              <a:rPr lang="en-US" sz="2000" dirty="0" smtClean="0"/>
+              <a:t>static </a:t>
+            </a:r>
+            <a:r>
+              <a:rPr lang="en-US" sz="2000" dirty="0" err="1" smtClean="0"/>
+              <a:t>bool</a:t>
+            </a:r>
+            <a:r>
+              <a:rPr lang="en-US" sz="2000" dirty="0" smtClean="0"/>
+              <a:t> </a:t>
+            </a:r>
+            <a:r>
+              <a:rPr lang="en-US" sz="2000" dirty="0" err="1" smtClean="0"/>
+              <a:t>call_from_rule</a:t>
+            </a:r>
+            <a:r>
+              <a:rPr lang="en-US" sz="2000" dirty="0" smtClean="0"/>
+              <a:t>(</a:t>
+            </a:r>
+          </a:p>
+          <a:p>
+            <a:pPr>
+              <a:buNone/>
+            </a:pPr>
+            <a:r>
+              <a:rPr lang="en-US" sz="2000" dirty="0" smtClean="0"/>
+              <a:t>    </a:t>
+            </a:r>
+            <a:r>
+              <a:rPr lang="en-US" sz="2000" dirty="0" err="1" smtClean="0"/>
+              <a:t>RuleDef</a:t>
+            </a:r>
+            <a:r>
+              <a:rPr lang="en-US" sz="2000" dirty="0" smtClean="0"/>
+              <a:t> const&amp; </a:t>
+            </a:r>
+            <a:r>
+              <a:rPr lang="en-US" sz="2000" dirty="0" err="1" smtClean="0"/>
+              <a:t>rule_def</a:t>
+            </a:r>
+            <a:endParaRPr lang="en-US" sz="2000" dirty="0" smtClean="0"/>
+          </a:p>
+          <a:p>
+            <a:pPr>
+              <a:buNone/>
+            </a:pPr>
+            <a:r>
+              <a:rPr lang="en-US" sz="2000" dirty="0" smtClean="0"/>
+              <a:t>  , char const* </a:t>
+            </a:r>
+            <a:r>
+              <a:rPr lang="en-US" sz="2000" dirty="0" err="1" smtClean="0"/>
+              <a:t>rule_name</a:t>
+            </a:r>
+            <a:endParaRPr lang="en-US" sz="2000" dirty="0" smtClean="0"/>
+          </a:p>
+          <a:p>
+            <a:pPr>
+              <a:buNone/>
+            </a:pPr>
+            <a:r>
+              <a:rPr lang="en-US" sz="2000" dirty="0" smtClean="0"/>
+              <a:t>  , </a:t>
+            </a:r>
+            <a:r>
+              <a:rPr lang="en-US" sz="2000" dirty="0" err="1" smtClean="0"/>
+              <a:t>Iterator</a:t>
+            </a:r>
+            <a:r>
+              <a:rPr lang="en-US" sz="2000" dirty="0" smtClean="0"/>
+              <a:t>&amp; first, </a:t>
+            </a:r>
+            <a:r>
+              <a:rPr lang="en-US" sz="2000" dirty="0" err="1" smtClean="0"/>
+              <a:t>Iterator</a:t>
+            </a:r>
+            <a:r>
+              <a:rPr lang="en-US" sz="2000" dirty="0" smtClean="0"/>
+              <a:t> const&amp; last</a:t>
+            </a:r>
+          </a:p>
+          <a:p>
+            <a:pPr>
+              <a:buNone/>
+            </a:pPr>
+            <a:r>
+              <a:rPr lang="en-US" sz="2000" dirty="0" smtClean="0"/>
+              <a:t>  , Context const&amp; context, </a:t>
+            </a:r>
+            <a:r>
+              <a:rPr lang="en-US" sz="2000" dirty="0" err="1" smtClean="0"/>
+              <a:t>ActualAttribute</a:t>
+            </a:r>
+            <a:r>
+              <a:rPr lang="en-US" sz="2000" dirty="0" smtClean="0"/>
+              <a:t>&amp; </a:t>
+            </a:r>
+            <a:r>
+              <a:rPr lang="en-US" sz="2000" dirty="0" err="1" smtClean="0"/>
+              <a:t>attr</a:t>
+            </a:r>
+            <a:r>
+              <a:rPr lang="en-US" sz="2000" dirty="0" smtClean="0"/>
+              <a:t>, </a:t>
+            </a:r>
+            <a:r>
+              <a:rPr lang="en-US" sz="2000" dirty="0" err="1" smtClean="0"/>
+              <a:t>AttributeContext</a:t>
+            </a:r>
+            <a:r>
+              <a:rPr lang="en-US" sz="2000" dirty="0" smtClean="0"/>
+              <a:t>&amp; </a:t>
+            </a:r>
+            <a:r>
+              <a:rPr lang="en-US" sz="2000" dirty="0" err="1" smtClean="0"/>
+              <a:t>attr_ctx</a:t>
+            </a:r>
+            <a:r>
+              <a:rPr lang="en-US" sz="2000" dirty="0" smtClean="0"/>
+              <a:t>)</a:t>
+            </a:r>
+          </a:p>
+          <a:p>
+            <a:pPr>
+              <a:buNone/>
+            </a:pPr>
+            <a:r>
+              <a:rPr lang="en-US" sz="2000" dirty="0" smtClean="0"/>
+              <a:t>{</a:t>
+            </a:r>
+          </a:p>
+          <a:p>
+            <a:pPr>
+              <a:buNone/>
+            </a:pPr>
+            <a:r>
+              <a:rPr lang="en-US" sz="2000" dirty="0" smtClean="0"/>
+              <a:t>    // This is called when a rule-body has already been established.</a:t>
+            </a:r>
+          </a:p>
+          <a:p>
+            <a:pPr>
+              <a:buNone/>
+            </a:pPr>
+            <a:r>
+              <a:rPr lang="en-US" sz="2000" dirty="0" smtClean="0"/>
+              <a:t>    // The rule body is already established by the </a:t>
+            </a:r>
+            <a:r>
+              <a:rPr lang="en-US" sz="2000" dirty="0" err="1" smtClean="0"/>
+              <a:t>rule_definition</a:t>
+            </a:r>
+            <a:r>
+              <a:rPr lang="en-US" sz="2000" dirty="0" smtClean="0"/>
+              <a:t> class,</a:t>
+            </a:r>
+          </a:p>
+          <a:p>
+            <a:pPr>
+              <a:buNone/>
+            </a:pPr>
+            <a:r>
+              <a:rPr lang="en-US" sz="2000" dirty="0" smtClean="0"/>
+              <a:t>    // we will not do it again. We'll simply call the RHS by calling</a:t>
+            </a:r>
+          </a:p>
+          <a:p>
+            <a:pPr>
+              <a:buNone/>
+            </a:pPr>
+            <a:r>
+              <a:rPr lang="en-US" sz="2000" dirty="0" smtClean="0"/>
+              <a:t>    // </a:t>
+            </a:r>
+            <a:r>
+              <a:rPr lang="en-US" sz="2000" dirty="0" err="1" smtClean="0"/>
+              <a:t>call_rule_definition</a:t>
+            </a:r>
+            <a:r>
+              <a:rPr lang="en-US" sz="2000" dirty="0" smtClean="0"/>
+              <a:t>.</a:t>
+            </a:r>
+          </a:p>
+          <a:p>
+            <a:pPr>
+              <a:buNone/>
+            </a:pPr>
+            <a:endParaRPr lang="en-US" sz="2000" dirty="0" smtClean="0"/>
+          </a:p>
+          <a:p>
+            <a:pPr>
+              <a:buNone/>
+            </a:pPr>
+            <a:r>
+              <a:rPr lang="en-US" sz="2000" dirty="0" smtClean="0"/>
+              <a:t>    return </a:t>
+            </a:r>
+            <a:r>
+              <a:rPr lang="en-US" sz="2000" dirty="0" err="1" smtClean="0"/>
+              <a:t>call_rule_definition</a:t>
+            </a:r>
+            <a:r>
+              <a:rPr lang="en-US" sz="2000" dirty="0" smtClean="0"/>
+              <a:t>(</a:t>
+            </a:r>
+          </a:p>
+          <a:p>
+            <a:pPr>
+              <a:buNone/>
+            </a:pPr>
+            <a:r>
+              <a:rPr lang="en-US" sz="2000" dirty="0" smtClean="0"/>
+              <a:t>        rule_def.rhs, </a:t>
+            </a:r>
+            <a:r>
+              <a:rPr lang="en-US" sz="2000" dirty="0" err="1" smtClean="0"/>
+              <a:t>rule_name</a:t>
+            </a:r>
+            <a:r>
+              <a:rPr lang="en-US" sz="2000" dirty="0" smtClean="0"/>
+              <a:t>, first, last</a:t>
+            </a:r>
+          </a:p>
+          <a:p>
+            <a:pPr>
+              <a:buNone/>
+            </a:pPr>
+            <a:r>
+              <a:rPr lang="en-US" sz="2000" dirty="0" smtClean="0"/>
+              <a:t>      , context, </a:t>
+            </a:r>
+            <a:r>
+              <a:rPr lang="en-US" sz="2000" dirty="0" err="1" smtClean="0"/>
+              <a:t>attr</a:t>
+            </a:r>
+            <a:r>
+              <a:rPr lang="en-US" sz="2000" dirty="0" smtClean="0"/>
+              <a:t>, </a:t>
+            </a:r>
+            <a:r>
+              <a:rPr lang="en-US" sz="2000" dirty="0" err="1" smtClean="0"/>
+              <a:t>attr_ctx.attr_ptr</a:t>
+            </a:r>
+            <a:r>
+              <a:rPr lang="en-US" sz="2000" dirty="0" smtClean="0"/>
+              <a:t>);</a:t>
+            </a:r>
+          </a:p>
+          <a:p>
+            <a:pPr>
+              <a:buNone/>
+            </a:pPr>
+            <a:r>
+              <a:rPr lang="en-US" sz="2000" dirty="0" smtClean="0"/>
+              <a:t>}</a:t>
+            </a:r>
+          </a:p>
+        </p:txBody>
+      </p:sp>
+    </p:spTree>
+  </p:cSld>
+  <p:clrMapOvr>
+    <a:masterClrMapping/>
+  </p:clrMapOvr>
+  <p:transition>
+    <p:fade/>
+  </p:transition>
+  <p:timing>
+    <p:tnLst>
+      <p:par>
+        <p:cTn id="1" dur="indefinite" restart="never" nodeType="tmRoot"/>
+      </p:par>
+    </p:tnLst>
+  </p:timing>
+</p:sld>
+</file>
+
+<file path=ppt/slides/slide103.xml><?xml version="1.0" encoding="utf-8"?>
+<p:sld xmlns:a="http://schemas.openxmlformats.org/drawingml/2006/main" xmlns:r="http://schemas.openxmlformats.org/officeDocument/2006/relationships" xmlns:p="http://schemas.openxmlformats.org/presentationml/2006/main">
+  <p:cSld>
+    <p:spTree>
+      <p:nvGrpSpPr>
+        <p:cNvPr id="1" name=""/>
+        <p:cNvGrpSpPr/>
+        <p:nvPr/>
+      </p:nvGrpSpPr>
+      <p:grpSpPr>
+        <a:xfrm>
+          <a:off x="0" y="0"/>
+          <a:ext cx="0" cy="0"/>
+          <a:chOff x="0" y="0"/>
+          <a:chExt cx="0" cy="0"/>
+        </a:xfrm>
+      </p:grpSpPr>
+      <p:sp>
+        <p:nvSpPr>
+          <p:cNvPr id="2" name="Title 1"/>
+          <p:cNvSpPr>
+            <a:spLocks noGrp="1"/>
+          </p:cNvSpPr>
+          <p:nvPr>
+            <p:ph type="title"/>
+          </p:nvPr>
+        </p:nvSpPr>
+        <p:spPr/>
+        <p:txBody>
+          <a:bodyPr/>
+          <a:lstStyle/>
+          <a:p>
+            <a:r>
+              <a:rPr lang="en-US" dirty="0"/>
+              <a:t>X3 Calculator Grammar</a:t>
+            </a:r>
+          </a:p>
+        </p:txBody>
+      </p:sp>
+      <p:sp>
+        <p:nvSpPr>
+          <p:cNvPr id="3" name="Text Placeholder 2"/>
+          <p:cNvSpPr>
+            <a:spLocks noGrp="1"/>
+          </p:cNvSpPr>
+          <p:nvPr>
+            <p:ph type="body" sz="quarter" idx="10"/>
+          </p:nvPr>
+        </p:nvSpPr>
+        <p:spPr>
+          <a:xfrm>
+            <a:off x="381000" y="1411552"/>
+            <a:ext cx="8382000" cy="4001095"/>
+          </a:xfrm>
+        </p:spPr>
+        <p:txBody>
+          <a:bodyPr/>
+          <a:lstStyle/>
+          <a:p>
+            <a:pPr>
+              <a:buNone/>
+            </a:pPr>
+            <a:r>
+              <a:rPr lang="en-US" sz="2000" dirty="0" smtClean="0"/>
+              <a:t> ///////////////////////////////////////////////////////////////////////////////    </a:t>
+            </a:r>
+          </a:p>
+          <a:p>
+            <a:pPr>
+              <a:buNone/>
+            </a:pPr>
+            <a:r>
+              <a:rPr lang="en-US" sz="2000" dirty="0" smtClean="0"/>
+              <a:t>//  The calculator grammar</a:t>
+            </a:r>
+          </a:p>
+          <a:p>
+            <a:pPr>
+              <a:buNone/>
+            </a:pPr>
+            <a:r>
+              <a:rPr lang="en-US" sz="2000" dirty="0" smtClean="0"/>
+              <a:t>///////////////////////////////////////////////////////////////////////////////  </a:t>
+            </a:r>
+          </a:p>
+          <a:p>
+            <a:pPr>
+              <a:buNone/>
+            </a:pPr>
+            <a:r>
+              <a:rPr lang="en-US" sz="2000" dirty="0" smtClean="0"/>
+              <a:t>namespace </a:t>
+            </a:r>
+            <a:r>
+              <a:rPr lang="en-US" sz="2000" dirty="0" err="1" smtClean="0"/>
+              <a:t>calculator_grammar</a:t>
+            </a:r>
+            <a:r>
+              <a:rPr lang="en-US" sz="2000" dirty="0" smtClean="0"/>
+              <a:t>    </a:t>
+            </a:r>
+          </a:p>
+          <a:p>
+            <a:pPr>
+              <a:buNone/>
+            </a:pPr>
+            <a:r>
+              <a:rPr lang="en-US" sz="2000" dirty="0" smtClean="0"/>
+              <a:t>{ </a:t>
+            </a:r>
+          </a:p>
+          <a:p>
+            <a:pPr>
+              <a:buNone/>
+            </a:pPr>
+            <a:r>
+              <a:rPr lang="en-US" sz="2000" dirty="0" smtClean="0"/>
+              <a:t>	using x3::</a:t>
+            </a:r>
+            <a:r>
+              <a:rPr lang="en-US" sz="2000" dirty="0" err="1" smtClean="0"/>
+              <a:t>uint</a:t>
+            </a:r>
+            <a:r>
+              <a:rPr lang="en-US" sz="2000" dirty="0" smtClean="0"/>
+              <a:t>_;</a:t>
+            </a:r>
+          </a:p>
+          <a:p>
+            <a:pPr>
+              <a:buNone/>
+            </a:pPr>
+            <a:r>
+              <a:rPr lang="en-US" sz="2000" dirty="0" smtClean="0"/>
+              <a:t>	using x3::char_;</a:t>
+            </a:r>
+          </a:p>
+          <a:p>
+            <a:pPr>
+              <a:buNone/>
+            </a:pPr>
+            <a:endParaRPr lang="en-US" sz="2000" dirty="0" smtClean="0"/>
+          </a:p>
+          <a:p>
+            <a:pPr>
+              <a:buNone/>
+            </a:pPr>
+            <a:r>
+              <a:rPr lang="en-US" sz="2000" dirty="0" smtClean="0"/>
+              <a:t>	x3::rule&lt;class expression, </a:t>
+            </a:r>
+            <a:r>
+              <a:rPr lang="en-US" sz="2000" dirty="0" err="1" smtClean="0"/>
+              <a:t>ast</a:t>
+            </a:r>
+            <a:r>
+              <a:rPr lang="en-US" sz="2000" dirty="0" smtClean="0"/>
+              <a:t>::program&gt; const expression("expression");</a:t>
+            </a:r>
+          </a:p>
+          <a:p>
+            <a:pPr>
+              <a:buNone/>
+            </a:pPr>
+            <a:r>
+              <a:rPr lang="en-US" sz="2000" dirty="0" smtClean="0"/>
+              <a:t>	x3::rule&lt;class term, </a:t>
+            </a:r>
+            <a:r>
+              <a:rPr lang="en-US" sz="2000" dirty="0" err="1" smtClean="0"/>
+              <a:t>ast</a:t>
+            </a:r>
+            <a:r>
+              <a:rPr lang="en-US" sz="2000" dirty="0" smtClean="0"/>
+              <a:t>::program&gt; const  term("term");</a:t>
+            </a:r>
+          </a:p>
+          <a:p>
+            <a:pPr>
+              <a:buNone/>
+            </a:pPr>
+            <a:r>
+              <a:rPr lang="en-US" sz="2000" dirty="0" smtClean="0"/>
+              <a:t>	x3::rule&lt;class factor, </a:t>
+            </a:r>
+            <a:r>
+              <a:rPr lang="en-US" sz="2000" dirty="0" err="1" smtClean="0"/>
+              <a:t>ast</a:t>
+            </a:r>
+            <a:r>
+              <a:rPr lang="en-US" sz="2000" dirty="0" smtClean="0"/>
+              <a:t>::operand&gt; const  factor("factor");</a:t>
+            </a:r>
+          </a:p>
+          <a:p>
+            <a:endParaRPr lang="en-US" sz="2000" dirty="0"/>
+          </a:p>
+        </p:txBody>
+      </p:sp>
+    </p:spTree>
+  </p:cSld>
+  <p:clrMapOvr>
+    <a:masterClrMapping/>
+  </p:clrMapOvr>
+  <p:transition>
+    <p:fade thruBlk="1"/>
+  </p:transition>
+  <p:timing>
+    <p:tnLst>
+      <p:par>
+        <p:cTn id="1" dur="indefinite" restart="never" nodeType="tmRoot"/>
+      </p:par>
+    </p:tnLst>
+  </p:timing>
+</p:sld>
+</file>
+
+<file path=ppt/slides/slide104.xml><?xml version="1.0" encoding="utf-8"?>
+<p:sld xmlns:a="http://schemas.openxmlformats.org/drawingml/2006/main" xmlns:r="http://schemas.openxmlformats.org/officeDocument/2006/relationships" xmlns:p="http://schemas.openxmlformats.org/presentationml/2006/main">
+  <p:cSld>
+    <p:spTree>
+      <p:nvGrpSpPr>
+        <p:cNvPr id="1" name=""/>
+        <p:cNvGrpSpPr/>
+        <p:nvPr/>
+      </p:nvGrpSpPr>
+      <p:grpSpPr>
+        <a:xfrm>
+          <a:off x="0" y="0"/>
+          <a:ext cx="0" cy="0"/>
+          <a:chOff x="0" y="0"/>
+          <a:chExt cx="0" cy="0"/>
+        </a:xfrm>
+      </p:grpSpPr>
+      <p:sp>
+        <p:nvSpPr>
+          <p:cNvPr id="2" name="Title 1"/>
+          <p:cNvSpPr>
+            <a:spLocks noGrp="1"/>
+          </p:cNvSpPr>
+          <p:nvPr>
+            <p:ph type="title"/>
+          </p:nvPr>
+        </p:nvSpPr>
+        <p:spPr/>
+        <p:txBody>
+          <a:bodyPr/>
+          <a:lstStyle/>
+          <a:p>
+            <a:r>
+              <a:rPr lang="en-US" dirty="0" smtClean="0"/>
+              <a:t>X3 Calculator Grammar</a:t>
+            </a:r>
+            <a:endParaRPr lang="en-US" dirty="0"/>
+          </a:p>
+        </p:txBody>
+      </p:sp>
+      <p:sp>
+        <p:nvSpPr>
+          <p:cNvPr id="3" name="Text Placeholder 2"/>
+          <p:cNvSpPr>
+            <a:spLocks noGrp="1"/>
+          </p:cNvSpPr>
+          <p:nvPr>
+            <p:ph type="body" sz="quarter" idx="10"/>
+          </p:nvPr>
+        </p:nvSpPr>
+        <p:spPr>
+          <a:xfrm>
+            <a:off x="762000" y="1143000"/>
+            <a:ext cx="8001000" cy="5291423"/>
+          </a:xfrm>
+        </p:spPr>
+        <p:txBody>
+          <a:bodyPr/>
+          <a:lstStyle/>
+          <a:p>
+            <a:pPr>
+              <a:buNone/>
+            </a:pPr>
+            <a:r>
+              <a:rPr lang="en-US" sz="1600" dirty="0" smtClean="0"/>
+              <a:t>auto const </a:t>
+            </a:r>
+            <a:r>
+              <a:rPr lang="en-US" sz="1600" dirty="0" err="1" smtClean="0"/>
+              <a:t>expression_def</a:t>
+            </a:r>
+            <a:r>
+              <a:rPr lang="en-US" sz="1600" dirty="0" smtClean="0"/>
+              <a:t> =</a:t>
+            </a:r>
+          </a:p>
+          <a:p>
+            <a:pPr>
+              <a:buNone/>
+            </a:pPr>
+            <a:r>
+              <a:rPr lang="en-US" sz="1600" dirty="0" smtClean="0"/>
+              <a:t> 	term</a:t>
+            </a:r>
+          </a:p>
+          <a:p>
+            <a:pPr>
+              <a:buNone/>
+            </a:pPr>
+            <a:r>
+              <a:rPr lang="en-US" sz="1600" dirty="0" smtClean="0"/>
+              <a:t> 	&gt;&gt;     *(   (char_('+') &gt;&gt; term)</a:t>
+            </a:r>
+          </a:p>
+          <a:p>
+            <a:pPr>
+              <a:buNone/>
+            </a:pPr>
+            <a:r>
+              <a:rPr lang="en-US" sz="1600" dirty="0" smtClean="0"/>
+              <a:t>        		|   (char_('-') &gt;&gt; term)</a:t>
+            </a:r>
+          </a:p>
+          <a:p>
+            <a:pPr>
+              <a:buNone/>
+            </a:pPr>
+            <a:r>
+              <a:rPr lang="en-US" sz="1600" dirty="0" smtClean="0"/>
+              <a:t>        		)</a:t>
+            </a:r>
+          </a:p>
+          <a:p>
+            <a:pPr>
+              <a:buNone/>
+            </a:pPr>
+            <a:r>
+              <a:rPr lang="en-US" sz="1600" dirty="0" smtClean="0"/>
+              <a:t> 	;</a:t>
+            </a:r>
+          </a:p>
+          <a:p>
+            <a:pPr>
+              <a:buNone/>
+            </a:pPr>
+            <a:endParaRPr lang="en-US" sz="1600" dirty="0" smtClean="0"/>
+          </a:p>
+          <a:p>
+            <a:pPr>
+              <a:buNone/>
+            </a:pPr>
+            <a:r>
+              <a:rPr lang="en-US" sz="1600" dirty="0" smtClean="0"/>
+              <a:t>auto const </a:t>
+            </a:r>
+            <a:r>
+              <a:rPr lang="en-US" sz="1600" dirty="0" err="1" smtClean="0"/>
+              <a:t>term_def</a:t>
+            </a:r>
+            <a:r>
+              <a:rPr lang="en-US" sz="1600" dirty="0" smtClean="0"/>
+              <a:t> =</a:t>
+            </a:r>
+          </a:p>
+          <a:p>
+            <a:pPr>
+              <a:buNone/>
+            </a:pPr>
+            <a:r>
+              <a:rPr lang="en-US" sz="1600" dirty="0" smtClean="0"/>
+              <a:t>    	factor</a:t>
+            </a:r>
+          </a:p>
+          <a:p>
+            <a:pPr>
+              <a:buNone/>
+            </a:pPr>
+            <a:r>
+              <a:rPr lang="en-US" sz="1600" dirty="0" smtClean="0"/>
+              <a:t>    	&gt;&gt;     *(   (char_('*') &gt;&gt; factor)</a:t>
+            </a:r>
+          </a:p>
+          <a:p>
+            <a:pPr>
+              <a:buNone/>
+            </a:pPr>
+            <a:r>
+              <a:rPr lang="en-US" sz="1600" dirty="0" smtClean="0"/>
+              <a:t>        		|   (char_('/') &gt;&gt; factor)</a:t>
+            </a:r>
+          </a:p>
+          <a:p>
+            <a:pPr>
+              <a:buNone/>
+            </a:pPr>
+            <a:r>
+              <a:rPr lang="en-US" sz="1600" dirty="0" smtClean="0"/>
+              <a:t>        		)</a:t>
+            </a:r>
+          </a:p>
+          <a:p>
+            <a:pPr>
+              <a:buNone/>
+            </a:pPr>
+            <a:r>
+              <a:rPr lang="en-US" sz="1600" dirty="0" smtClean="0"/>
+              <a:t>    ;</a:t>
+            </a:r>
+          </a:p>
+          <a:p>
+            <a:pPr>
+              <a:buNone/>
+            </a:pPr>
+            <a:endParaRPr lang="en-US" sz="1600" dirty="0" smtClean="0"/>
+          </a:p>
+          <a:p>
+            <a:pPr>
+              <a:buNone/>
+            </a:pPr>
+            <a:r>
+              <a:rPr lang="en-US" sz="1600" dirty="0" smtClean="0"/>
+              <a:t>auto const </a:t>
+            </a:r>
+            <a:r>
+              <a:rPr lang="en-US" sz="1600" dirty="0" err="1" smtClean="0"/>
+              <a:t>factor_def</a:t>
+            </a:r>
+            <a:r>
+              <a:rPr lang="en-US" sz="1600" dirty="0" smtClean="0"/>
+              <a:t> =</a:t>
+            </a:r>
+          </a:p>
+          <a:p>
+            <a:pPr>
+              <a:buNone/>
+            </a:pPr>
+            <a:r>
+              <a:rPr lang="en-US" sz="1600" dirty="0" smtClean="0"/>
+              <a:t>        		</a:t>
+            </a:r>
+            <a:r>
+              <a:rPr lang="en-US" sz="1600" dirty="0" err="1" smtClean="0"/>
+              <a:t>uint</a:t>
+            </a:r>
+            <a:r>
+              <a:rPr lang="en-US" sz="1600" dirty="0" smtClean="0"/>
+              <a:t>_</a:t>
+            </a:r>
+          </a:p>
+          <a:p>
+            <a:pPr>
+              <a:buNone/>
+            </a:pPr>
+            <a:r>
+              <a:rPr lang="en-US" sz="1600" dirty="0" smtClean="0"/>
+              <a:t>    	|   	'(' &gt;&gt; expression &gt;&gt; ')'</a:t>
+            </a:r>
+          </a:p>
+          <a:p>
+            <a:pPr>
+              <a:buNone/>
+            </a:pPr>
+            <a:r>
+              <a:rPr lang="en-US" sz="1600" dirty="0" smtClean="0"/>
+              <a:t>    	|   	(char_('-') &gt;&gt; factor)</a:t>
+            </a:r>
+          </a:p>
+          <a:p>
+            <a:pPr>
+              <a:buNone/>
+            </a:pPr>
+            <a:r>
+              <a:rPr lang="en-US" sz="1600" dirty="0" smtClean="0"/>
+              <a:t>    	|   	(char_('+') &gt;&gt; factor)</a:t>
+            </a:r>
+          </a:p>
+          <a:p>
+            <a:pPr>
+              <a:buNone/>
+            </a:pPr>
+            <a:r>
+              <a:rPr lang="en-US" sz="1600" dirty="0" smtClean="0"/>
+              <a:t> ;</a:t>
+            </a:r>
+            <a:endParaRPr lang="en-US" sz="1600" dirty="0"/>
+          </a:p>
+        </p:txBody>
+      </p:sp>
+    </p:spTree>
+  </p:cSld>
+  <p:clrMapOvr>
+    <a:masterClrMapping/>
+  </p:clrMapOvr>
+  <p:transition>
+    <p:fade/>
+  </p:transition>
+  <p:timing>
+    <p:tnLst>
+      <p:par>
+        <p:cTn id="1" dur="indefinite" restart="never" nodeType="tmRoot"/>
+      </p:par>
+    </p:tnLst>
+  </p:timing>
+</p:sld>
+</file>
+
+<file path=ppt/slides/slide105.xml><?xml version="1.0" encoding="utf-8"?>
+<p:sld xmlns:a="http://schemas.openxmlformats.org/drawingml/2006/main" xmlns:r="http://schemas.openxmlformats.org/officeDocument/2006/relationships" xmlns:p="http://schemas.openxmlformats.org/presentationml/2006/main">
+  <p:cSld>
+    <p:spTree>
+      <p:nvGrpSpPr>
+        <p:cNvPr id="1" name=""/>
+        <p:cNvGrpSpPr/>
+        <p:nvPr/>
+      </p:nvGrpSpPr>
+      <p:grpSpPr>
+        <a:xfrm>
+          <a:off x="0" y="0"/>
+          <a:ext cx="0" cy="0"/>
+          <a:chOff x="0" y="0"/>
+          <a:chExt cx="0" cy="0"/>
+        </a:xfrm>
+      </p:grpSpPr>
+      <p:sp>
+        <p:nvSpPr>
+          <p:cNvPr id="2" name="Title 1"/>
+          <p:cNvSpPr>
+            <a:spLocks noGrp="1"/>
+          </p:cNvSpPr>
+          <p:nvPr>
+            <p:ph type="title"/>
+          </p:nvPr>
+        </p:nvSpPr>
+        <p:spPr/>
+        <p:txBody>
+          <a:bodyPr/>
+          <a:lstStyle/>
+          <a:p>
+            <a:r>
+              <a:rPr lang="en-US" dirty="0" smtClean="0"/>
+              <a:t>X3 Calculator Grammar</a:t>
+            </a:r>
+            <a:endParaRPr lang="en-US" dirty="0"/>
+          </a:p>
+        </p:txBody>
+      </p:sp>
+      <p:sp>
+        <p:nvSpPr>
+          <p:cNvPr id="3" name="Text Placeholder 2"/>
+          <p:cNvSpPr>
+            <a:spLocks noGrp="1"/>
+          </p:cNvSpPr>
+          <p:nvPr>
+            <p:ph type="body" sz="quarter" idx="10"/>
+          </p:nvPr>
+        </p:nvSpPr>
+        <p:spPr>
+          <a:xfrm>
+            <a:off x="533400" y="1447800"/>
+            <a:ext cx="8229600" cy="4343400"/>
+          </a:xfrm>
+        </p:spPr>
+        <p:txBody>
+          <a:bodyPr/>
+          <a:lstStyle/>
+          <a:p>
+            <a:pPr>
+              <a:buNone/>
+            </a:pPr>
+            <a:r>
+              <a:rPr lang="en-US" sz="2400" dirty="0" smtClean="0"/>
+              <a:t>	auto const calculator = x3::grammar(</a:t>
+            </a:r>
+          </a:p>
+          <a:p>
+            <a:pPr>
+              <a:buNone/>
+            </a:pPr>
+            <a:r>
+              <a:rPr lang="en-US" sz="2400" dirty="0" smtClean="0"/>
+              <a:t>           	  "calculator"</a:t>
+            </a:r>
+          </a:p>
+          <a:p>
+            <a:pPr>
+              <a:buNone/>
+            </a:pPr>
+            <a:r>
+              <a:rPr lang="en-US" sz="2400" dirty="0" smtClean="0"/>
+              <a:t>          	, expression = </a:t>
+            </a:r>
+            <a:r>
+              <a:rPr lang="en-US" sz="2400" dirty="0" err="1" smtClean="0"/>
+              <a:t>expression_def</a:t>
+            </a:r>
+            <a:endParaRPr lang="en-US" sz="2400" dirty="0" smtClean="0"/>
+          </a:p>
+          <a:p>
+            <a:pPr>
+              <a:buNone/>
+            </a:pPr>
+            <a:r>
+              <a:rPr lang="en-US" sz="2400" dirty="0" smtClean="0"/>
+              <a:t>          	, term = </a:t>
+            </a:r>
+            <a:r>
+              <a:rPr lang="en-US" sz="2400" dirty="0" err="1" smtClean="0"/>
+              <a:t>term_def</a:t>
+            </a:r>
+            <a:endParaRPr lang="en-US" sz="2400" dirty="0" smtClean="0"/>
+          </a:p>
+          <a:p>
+            <a:pPr>
+              <a:buNone/>
+            </a:pPr>
+            <a:r>
+              <a:rPr lang="en-US" sz="2400" dirty="0" smtClean="0"/>
+              <a:t>            	, factor = </a:t>
+            </a:r>
+            <a:r>
+              <a:rPr lang="en-US" sz="2400" dirty="0" err="1" smtClean="0"/>
+              <a:t>factor_def</a:t>
+            </a:r>
+            <a:endParaRPr lang="en-US" sz="2400" dirty="0" smtClean="0"/>
+          </a:p>
+          <a:p>
+            <a:pPr>
+              <a:buNone/>
+            </a:pPr>
+            <a:r>
+              <a:rPr lang="en-US" sz="2400" dirty="0" smtClean="0"/>
+              <a:t> 	);</a:t>
+            </a:r>
+          </a:p>
+          <a:p>
+            <a:pPr>
+              <a:buNone/>
+            </a:pPr>
+            <a:endParaRPr lang="en-US" sz="2400" dirty="0" smtClean="0"/>
+          </a:p>
+          <a:p>
+            <a:pPr>
+              <a:buNone/>
+            </a:pPr>
+            <a:r>
+              <a:rPr lang="en-US" sz="2400" dirty="0" smtClean="0"/>
+              <a:t>} // namespace </a:t>
+            </a:r>
+            <a:r>
+              <a:rPr lang="en-US" sz="2400" dirty="0" err="1" smtClean="0"/>
+              <a:t>calculator_grammar</a:t>
+            </a:r>
+            <a:r>
+              <a:rPr lang="en-US" sz="2400" dirty="0" smtClean="0"/>
+              <a:t> end </a:t>
+            </a:r>
+          </a:p>
+          <a:p>
+            <a:pPr>
+              <a:buNone/>
+            </a:pPr>
+            <a:endParaRPr lang="en-US" sz="2400" dirty="0" smtClean="0"/>
+          </a:p>
+          <a:p>
+            <a:pPr>
+              <a:buNone/>
+            </a:pPr>
+            <a:r>
+              <a:rPr lang="en-US" sz="2400" dirty="0" smtClean="0"/>
+              <a:t>using </a:t>
+            </a:r>
+            <a:r>
+              <a:rPr lang="en-US" sz="2400" dirty="0" err="1" smtClean="0"/>
+              <a:t>calculator_grammar</a:t>
+            </a:r>
+            <a:r>
+              <a:rPr lang="en-US" sz="2400" dirty="0" smtClean="0"/>
+              <a:t>::calculator;</a:t>
+            </a:r>
+            <a:endParaRPr lang="en-US" sz="1600" dirty="0"/>
+          </a:p>
+        </p:txBody>
+      </p:sp>
+    </p:spTree>
+  </p:cSld>
+  <p:clrMapOvr>
+    <a:masterClrMapping/>
+  </p:clrMapOvr>
+  <p:transition>
+    <p:fade/>
+  </p:transition>
+  <p:timing>
+    <p:tnLst>
+      <p:par>
+        <p:cTn id="1" dur="indefinite" restart="never" nodeType="tmRoot"/>
+      </p:par>
+    </p:tnLst>
+  </p:timing>
+</p:sld>
+</file>
+
+<file path=ppt/slides/slide106.xml><?xml version="1.0" encoding="utf-8"?>
+<p:sld xmlns:a="http://schemas.openxmlformats.org/drawingml/2006/main" xmlns:r="http://schemas.openxmlformats.org/officeDocument/2006/relationships" xmlns:p="http://schemas.openxmlformats.org/presentationml/2006/main">
+  <p:cSld>
+    <p:spTree>
+      <p:nvGrpSpPr>
+        <p:cNvPr id="1" name=""/>
+        <p:cNvGrpSpPr/>
+        <p:nvPr/>
+      </p:nvGrpSpPr>
+      <p:grpSpPr>
+        <a:xfrm>
+          <a:off x="0" y="0"/>
+          <a:ext cx="0" cy="0"/>
+          <a:chOff x="0" y="0"/>
+          <a:chExt cx="0" cy="0"/>
+        </a:xfrm>
+      </p:grpSpPr>
+      <p:sp>
+        <p:nvSpPr>
+          <p:cNvPr id="2" name="Title 1"/>
+          <p:cNvSpPr>
+            <a:spLocks noGrp="1"/>
+          </p:cNvSpPr>
+          <p:nvPr>
+            <p:ph type="title"/>
+          </p:nvPr>
+        </p:nvSpPr>
+        <p:spPr/>
+        <p:txBody>
+          <a:bodyPr/>
+          <a:lstStyle/>
+          <a:p>
+            <a:r>
+              <a:rPr lang="en-US" dirty="0" smtClean="0"/>
+              <a:t>Grammar</a:t>
+            </a:r>
+            <a:endParaRPr lang="en-US" dirty="0"/>
+          </a:p>
+        </p:txBody>
+      </p:sp>
+      <p:sp>
+        <p:nvSpPr>
+          <p:cNvPr id="3" name="Text Placeholder 2"/>
+          <p:cNvSpPr>
+            <a:spLocks noGrp="1"/>
+          </p:cNvSpPr>
+          <p:nvPr>
+            <p:ph type="body" sz="quarter" idx="10"/>
+          </p:nvPr>
+        </p:nvSpPr>
+        <p:spPr>
+          <a:xfrm>
+            <a:off x="381000" y="1143000"/>
+            <a:ext cx="8382000" cy="4286482"/>
+          </a:xfrm>
+        </p:spPr>
+        <p:txBody>
+          <a:bodyPr/>
+          <a:lstStyle/>
+          <a:p>
+            <a:pPr>
+              <a:buNone/>
+            </a:pPr>
+            <a:r>
+              <a:rPr lang="en-US" sz="1800" dirty="0" smtClean="0"/>
+              <a:t>template &lt;</a:t>
+            </a:r>
+            <a:r>
+              <a:rPr lang="en-US" sz="1800" dirty="0" err="1" smtClean="0"/>
+              <a:t>typename</a:t>
+            </a:r>
+            <a:r>
+              <a:rPr lang="en-US" sz="1800" dirty="0" smtClean="0"/>
+              <a:t> Elements&gt;</a:t>
+            </a:r>
+          </a:p>
+          <a:p>
+            <a:pPr>
+              <a:buNone/>
+            </a:pPr>
+            <a:r>
+              <a:rPr lang="en-US" sz="1800" dirty="0" err="1" smtClean="0"/>
+              <a:t>struct</a:t>
+            </a:r>
+            <a:r>
+              <a:rPr lang="en-US" sz="1800" dirty="0" smtClean="0"/>
+              <a:t> </a:t>
+            </a:r>
+            <a:r>
+              <a:rPr lang="en-US" sz="1800" dirty="0" err="1" smtClean="0"/>
+              <a:t>grammar_parser</a:t>
+            </a:r>
+            <a:r>
+              <a:rPr lang="en-US" sz="1800" dirty="0" smtClean="0"/>
+              <a:t> : parser&lt;</a:t>
+            </a:r>
+            <a:r>
+              <a:rPr lang="en-US" sz="1800" dirty="0" err="1" smtClean="0"/>
+              <a:t>grammar_parser</a:t>
+            </a:r>
+            <a:r>
+              <a:rPr lang="en-US" sz="1800" dirty="0" smtClean="0"/>
+              <a:t>&lt;Elements&gt;&gt;</a:t>
+            </a:r>
+          </a:p>
+          <a:p>
+            <a:pPr>
+              <a:buNone/>
+            </a:pPr>
+            <a:r>
+              <a:rPr lang="en-US" sz="1800" dirty="0" smtClean="0"/>
+              <a:t>{</a:t>
+            </a:r>
+          </a:p>
+          <a:p>
+            <a:pPr>
+              <a:buNone/>
+            </a:pPr>
+            <a:r>
+              <a:rPr lang="en-US" sz="1800" dirty="0" smtClean="0"/>
+              <a:t>    </a:t>
+            </a:r>
+            <a:r>
+              <a:rPr lang="en-US" sz="1800" dirty="0" err="1" smtClean="0"/>
+              <a:t>typedef</a:t>
+            </a:r>
+            <a:r>
+              <a:rPr lang="en-US" sz="1800" dirty="0" smtClean="0"/>
+              <a:t> </a:t>
+            </a:r>
+            <a:r>
+              <a:rPr lang="en-US" sz="1800" dirty="0" err="1" smtClean="0"/>
+              <a:t>typename</a:t>
+            </a:r>
+            <a:endParaRPr lang="en-US" sz="1800" dirty="0" smtClean="0"/>
+          </a:p>
+          <a:p>
+            <a:pPr>
+              <a:buNone/>
+            </a:pPr>
+            <a:r>
+              <a:rPr lang="en-US" sz="1800" dirty="0" smtClean="0"/>
+              <a:t>        </a:t>
+            </a:r>
+            <a:r>
+              <a:rPr lang="en-US" sz="1800" dirty="0" err="1" smtClean="0"/>
+              <a:t>remove_reference</a:t>
+            </a:r>
+            <a:r>
+              <a:rPr lang="en-US" sz="1800" dirty="0" smtClean="0"/>
+              <a:t>&lt;</a:t>
+            </a:r>
+          </a:p>
+          <a:p>
+            <a:pPr>
+              <a:buNone/>
+            </a:pPr>
+            <a:r>
+              <a:rPr lang="en-US" sz="1800" dirty="0" smtClean="0"/>
+              <a:t>            </a:t>
+            </a:r>
+            <a:r>
+              <a:rPr lang="en-US" sz="1800" dirty="0" err="1" smtClean="0"/>
+              <a:t>typename</a:t>
+            </a:r>
+            <a:r>
+              <a:rPr lang="en-US" sz="1800" dirty="0" smtClean="0"/>
+              <a:t> fusion::</a:t>
+            </a:r>
+            <a:r>
+              <a:rPr lang="en-US" sz="1800" dirty="0" err="1" smtClean="0"/>
+              <a:t>result_of</a:t>
+            </a:r>
+            <a:r>
+              <a:rPr lang="en-US" sz="1800" dirty="0" smtClean="0"/>
+              <a:t>::front&lt;Elements&gt;::type</a:t>
+            </a:r>
+          </a:p>
+          <a:p>
+            <a:pPr>
+              <a:buNone/>
+            </a:pPr>
+            <a:r>
+              <a:rPr lang="en-US" sz="1800" dirty="0" smtClean="0"/>
+              <a:t>        &gt;::type</a:t>
+            </a:r>
+          </a:p>
+          <a:p>
+            <a:pPr>
+              <a:buNone/>
+            </a:pPr>
+            <a:r>
+              <a:rPr lang="en-US" sz="1800" dirty="0" smtClean="0"/>
+              <a:t>    </a:t>
+            </a:r>
+            <a:r>
+              <a:rPr lang="en-US" sz="1800" dirty="0" err="1" smtClean="0"/>
+              <a:t>start_rule</a:t>
+            </a:r>
+            <a:r>
+              <a:rPr lang="en-US" sz="1800" dirty="0" smtClean="0"/>
+              <a:t>;</a:t>
+            </a:r>
+          </a:p>
+          <a:p>
+            <a:pPr>
+              <a:buNone/>
+            </a:pPr>
+            <a:endParaRPr lang="en-US" sz="1800" dirty="0" smtClean="0"/>
+          </a:p>
+          <a:p>
+            <a:pPr>
+              <a:buNone/>
+            </a:pPr>
+            <a:r>
+              <a:rPr lang="en-US" sz="1800" dirty="0" smtClean="0"/>
+              <a:t>    </a:t>
+            </a:r>
+            <a:r>
+              <a:rPr lang="en-US" sz="1800" dirty="0" err="1" smtClean="0"/>
+              <a:t>typedef</a:t>
+            </a:r>
+            <a:r>
+              <a:rPr lang="en-US" sz="1800" dirty="0" smtClean="0"/>
+              <a:t> </a:t>
+            </a:r>
+            <a:r>
+              <a:rPr lang="en-US" sz="1800" dirty="0" err="1" smtClean="0"/>
+              <a:t>typename</a:t>
+            </a:r>
+            <a:r>
+              <a:rPr lang="en-US" sz="1800" dirty="0" smtClean="0"/>
+              <a:t> </a:t>
+            </a:r>
+            <a:r>
+              <a:rPr lang="en-US" sz="1800" dirty="0" err="1" smtClean="0"/>
+              <a:t>start_rule</a:t>
+            </a:r>
+            <a:r>
+              <a:rPr lang="en-US" sz="1800" dirty="0" smtClean="0"/>
+              <a:t>::</a:t>
+            </a:r>
+            <a:r>
+              <a:rPr lang="en-US" sz="1800" dirty="0" err="1" smtClean="0"/>
+              <a:t>attribute_type</a:t>
+            </a:r>
+            <a:r>
+              <a:rPr lang="en-US" sz="1800" dirty="0" smtClean="0"/>
+              <a:t> </a:t>
+            </a:r>
+            <a:r>
+              <a:rPr lang="en-US" sz="1800" dirty="0" err="1" smtClean="0"/>
+              <a:t>attribute_type</a:t>
+            </a:r>
+            <a:r>
+              <a:rPr lang="en-US" sz="1800" dirty="0" smtClean="0"/>
+              <a:t>;</a:t>
+            </a:r>
+          </a:p>
+          <a:p>
+            <a:pPr>
+              <a:buNone/>
+            </a:pPr>
+            <a:r>
+              <a:rPr lang="en-US" sz="1800" dirty="0" smtClean="0"/>
+              <a:t>    static </a:t>
+            </a:r>
+            <a:r>
+              <a:rPr lang="en-US" sz="1800" dirty="0" err="1" smtClean="0"/>
+              <a:t>bool</a:t>
+            </a:r>
+            <a:r>
+              <a:rPr lang="en-US" sz="1800" dirty="0" smtClean="0"/>
+              <a:t> const </a:t>
+            </a:r>
+            <a:r>
+              <a:rPr lang="en-US" sz="1800" dirty="0" err="1" smtClean="0"/>
+              <a:t>has_attribute</a:t>
+            </a:r>
+            <a:r>
+              <a:rPr lang="en-US" sz="1800" dirty="0" smtClean="0"/>
+              <a:t> = </a:t>
+            </a:r>
+            <a:r>
+              <a:rPr lang="en-US" sz="1800" dirty="0" err="1" smtClean="0"/>
+              <a:t>start_rule</a:t>
+            </a:r>
+            <a:r>
+              <a:rPr lang="en-US" sz="1800" dirty="0" smtClean="0"/>
+              <a:t>::</a:t>
+            </a:r>
+            <a:r>
+              <a:rPr lang="en-US" sz="1800" dirty="0" err="1" smtClean="0"/>
+              <a:t>has_attribute</a:t>
+            </a:r>
+            <a:r>
+              <a:rPr lang="en-US" sz="1800" dirty="0" smtClean="0"/>
+              <a:t>;</a:t>
+            </a:r>
+          </a:p>
+          <a:p>
+            <a:pPr>
+              <a:buNone/>
+            </a:pPr>
+            <a:endParaRPr lang="en-US" sz="1800" dirty="0" smtClean="0"/>
+          </a:p>
+          <a:p>
+            <a:pPr>
+              <a:buNone/>
+            </a:pPr>
+            <a:r>
+              <a:rPr lang="en-US" sz="1800" dirty="0" smtClean="0"/>
+              <a:t>    </a:t>
+            </a:r>
+            <a:r>
+              <a:rPr lang="en-US" sz="1800" dirty="0" err="1" smtClean="0"/>
+              <a:t>grammar_parser</a:t>
+            </a:r>
+            <a:r>
+              <a:rPr lang="en-US" sz="1800" dirty="0" smtClean="0"/>
+              <a:t>(char const* name, Elements const&amp; elements)</a:t>
+            </a:r>
+          </a:p>
+          <a:p>
+            <a:pPr>
+              <a:buNone/>
+            </a:pPr>
+            <a:r>
+              <a:rPr lang="en-US" sz="1800" dirty="0" smtClean="0"/>
+              <a:t>      : name(name), elements(elements) {}</a:t>
+            </a:r>
+          </a:p>
+          <a:p>
+            <a:pPr>
+              <a:buNone/>
+            </a:pPr>
+            <a:endParaRPr lang="en-US" sz="1800" dirty="0"/>
+          </a:p>
+        </p:txBody>
+      </p:sp>
+      <p:sp>
+        <p:nvSpPr>
+          <p:cNvPr id="4" name="TextBox 3"/>
+          <p:cNvSpPr txBox="1"/>
+          <p:nvPr/>
+        </p:nvSpPr>
+        <p:spPr>
+          <a:xfrm>
+            <a:off x="3505200" y="5562600"/>
+            <a:ext cx="1946238" cy="523220"/>
+          </a:xfrm>
+          <a:prstGeom prst="rect">
+            <a:avLst/>
+          </a:prstGeom>
+          <a:noFill/>
+        </p:spPr>
+        <p:txBody>
+          <a:bodyPr wrap="none" rtlCol="0">
+            <a:spAutoFit/>
+          </a:bodyPr>
+          <a:lstStyle/>
+          <a:p>
+            <a:r>
+              <a:rPr lang="en-US" sz="2800" dirty="0" smtClean="0">
+                <a:solidFill>
+                  <a:srgbClr val="FF0000"/>
+                </a:solidFill>
+              </a:rPr>
+              <a:t>Continued…</a:t>
+            </a:r>
+            <a:endParaRPr lang="en-US" sz="2800" dirty="0">
+              <a:solidFill>
+                <a:srgbClr val="FF0000"/>
+              </a:solidFill>
+            </a:endParaRPr>
+          </a:p>
+        </p:txBody>
+      </p:sp>
+    </p:spTree>
+  </p:cSld>
+  <p:clrMapOvr>
+    <a:masterClrMapping/>
+  </p:clrMapOvr>
+  <p:transition>
+    <p:fade/>
+  </p:transition>
+  <p:timing>
+    <p:tnLst>
+      <p:par>
+        <p:cTn id="1" dur="indefinite" restart="never" nodeType="tmRoot"/>
+      </p:par>
+    </p:tnLst>
+  </p:timing>
+</p:sld>
+</file>
+
+<file path=ppt/slides/slide107.xml><?xml version="1.0" encoding="utf-8"?>
+<p:sld xmlns:a="http://schemas.openxmlformats.org/drawingml/2006/main" xmlns:r="http://schemas.openxmlformats.org/officeDocument/2006/relationships" xmlns:p="http://schemas.openxmlformats.org/presentationml/2006/main">
+  <p:cSld>
+    <p:spTree>
+      <p:nvGrpSpPr>
+        <p:cNvPr id="1" name=""/>
+        <p:cNvGrpSpPr/>
+        <p:nvPr/>
+      </p:nvGrpSpPr>
+      <p:grpSpPr>
+        <a:xfrm>
+          <a:off x="0" y="0"/>
+          <a:ext cx="0" cy="0"/>
+          <a:chOff x="0" y="0"/>
+          <a:chExt cx="0" cy="0"/>
+        </a:xfrm>
+      </p:grpSpPr>
+      <p:sp>
+        <p:nvSpPr>
+          <p:cNvPr id="2" name="Title 1"/>
+          <p:cNvSpPr>
+            <a:spLocks noGrp="1"/>
+          </p:cNvSpPr>
+          <p:nvPr>
+            <p:ph type="title"/>
+          </p:nvPr>
+        </p:nvSpPr>
+        <p:spPr/>
+        <p:txBody>
+          <a:bodyPr/>
+          <a:lstStyle/>
+          <a:p>
+            <a:r>
+              <a:rPr lang="en-US" dirty="0" smtClean="0"/>
+              <a:t>Grammar</a:t>
+            </a:r>
+            <a:endParaRPr lang="en-US" dirty="0"/>
+          </a:p>
+        </p:txBody>
+      </p:sp>
+      <p:sp>
+        <p:nvSpPr>
+          <p:cNvPr id="3" name="Text Placeholder 2"/>
+          <p:cNvSpPr>
+            <a:spLocks noGrp="1"/>
+          </p:cNvSpPr>
+          <p:nvPr>
+            <p:ph type="body" sz="quarter" idx="10"/>
+          </p:nvPr>
+        </p:nvSpPr>
+        <p:spPr>
+          <a:xfrm>
+            <a:off x="381000" y="914400"/>
+            <a:ext cx="8382000" cy="3600986"/>
+          </a:xfrm>
+        </p:spPr>
+        <p:txBody>
+          <a:bodyPr/>
+          <a:lstStyle/>
+          <a:p>
+            <a:pPr>
+              <a:buNone/>
+            </a:pPr>
+            <a:endParaRPr lang="en-US" sz="1800" dirty="0" smtClean="0"/>
+          </a:p>
+          <a:p>
+            <a:pPr>
+              <a:buNone/>
+            </a:pPr>
+            <a:r>
+              <a:rPr lang="en-US" sz="1800" dirty="0" smtClean="0"/>
+              <a:t>    template &lt;</a:t>
+            </a:r>
+            <a:r>
+              <a:rPr lang="en-US" sz="1800" dirty="0" err="1" smtClean="0"/>
+              <a:t>typename</a:t>
+            </a:r>
+            <a:r>
+              <a:rPr lang="en-US" sz="1800" dirty="0" smtClean="0"/>
+              <a:t> </a:t>
+            </a:r>
+            <a:r>
+              <a:rPr lang="en-US" sz="1800" dirty="0" err="1" smtClean="0"/>
+              <a:t>Iterator</a:t>
+            </a:r>
+            <a:r>
+              <a:rPr lang="en-US" sz="1800" dirty="0" smtClean="0"/>
+              <a:t>, </a:t>
+            </a:r>
+            <a:r>
+              <a:rPr lang="en-US" sz="1800" dirty="0" err="1" smtClean="0"/>
+              <a:t>typename</a:t>
+            </a:r>
+            <a:r>
+              <a:rPr lang="en-US" sz="1800" dirty="0" smtClean="0"/>
+              <a:t> Context, </a:t>
+            </a:r>
+            <a:r>
+              <a:rPr lang="en-US" sz="1800" dirty="0" err="1" smtClean="0"/>
+              <a:t>typename</a:t>
+            </a:r>
+            <a:r>
+              <a:rPr lang="en-US" sz="1800" dirty="0" smtClean="0"/>
+              <a:t> Attribute_&gt;</a:t>
+            </a:r>
+          </a:p>
+          <a:p>
+            <a:pPr>
+              <a:buNone/>
+            </a:pPr>
+            <a:r>
+              <a:rPr lang="en-US" sz="1800" dirty="0" smtClean="0"/>
+              <a:t>    </a:t>
+            </a:r>
+            <a:r>
+              <a:rPr lang="en-US" sz="1800" dirty="0" err="1" smtClean="0"/>
+              <a:t>bool</a:t>
+            </a:r>
+            <a:r>
+              <a:rPr lang="en-US" sz="1800" dirty="0" smtClean="0"/>
+              <a:t> parse(</a:t>
+            </a:r>
+            <a:r>
+              <a:rPr lang="en-US" sz="1800" dirty="0" err="1" smtClean="0"/>
+              <a:t>Iterator</a:t>
+            </a:r>
+            <a:r>
+              <a:rPr lang="en-US" sz="1800" dirty="0" smtClean="0"/>
+              <a:t>&amp; first, </a:t>
+            </a:r>
+            <a:r>
+              <a:rPr lang="en-US" sz="1800" dirty="0" err="1" smtClean="0"/>
+              <a:t>Iterator</a:t>
+            </a:r>
+            <a:r>
+              <a:rPr lang="en-US" sz="1800" dirty="0" smtClean="0"/>
+              <a:t> const&amp; last</a:t>
+            </a:r>
+          </a:p>
+          <a:p>
+            <a:pPr>
+              <a:buNone/>
+            </a:pPr>
+            <a:r>
+              <a:rPr lang="en-US" sz="1800" dirty="0" smtClean="0"/>
+              <a:t>      , Context const&amp; context, Attribute_&amp; </a:t>
+            </a:r>
+            <a:r>
+              <a:rPr lang="en-US" sz="1800" dirty="0" err="1" smtClean="0"/>
+              <a:t>attr</a:t>
+            </a:r>
+            <a:r>
+              <a:rPr lang="en-US" sz="1800" dirty="0" smtClean="0"/>
+              <a:t>) const</a:t>
+            </a:r>
+          </a:p>
+          <a:p>
+            <a:pPr>
+              <a:buNone/>
+            </a:pPr>
+            <a:r>
+              <a:rPr lang="en-US" sz="1800" dirty="0" smtClean="0"/>
+              <a:t>    {</a:t>
+            </a:r>
+          </a:p>
+          <a:p>
+            <a:pPr>
+              <a:buNone/>
+            </a:pPr>
+            <a:r>
+              <a:rPr lang="en-US" sz="1800" dirty="0" smtClean="0"/>
+              <a:t>        </a:t>
+            </a:r>
+            <a:r>
+              <a:rPr lang="en-US" sz="1800" dirty="0" err="1" smtClean="0"/>
+              <a:t>grammar_context</a:t>
+            </a:r>
+            <a:r>
+              <a:rPr lang="en-US" sz="1800" dirty="0" smtClean="0"/>
+              <a:t>&lt;Elements, Context&gt; </a:t>
+            </a:r>
+            <a:r>
+              <a:rPr lang="en-US" sz="1800" dirty="0" err="1" smtClean="0"/>
+              <a:t>our_context</a:t>
+            </a:r>
+            <a:r>
+              <a:rPr lang="en-US" sz="1800" dirty="0" smtClean="0"/>
+              <a:t>(elements, context);</a:t>
+            </a:r>
+          </a:p>
+          <a:p>
+            <a:pPr>
+              <a:buNone/>
+            </a:pPr>
+            <a:r>
+              <a:rPr lang="en-US" sz="1800" dirty="0" smtClean="0"/>
+              <a:t>        return fusion::front(elements).parse(first, last, </a:t>
+            </a:r>
+            <a:r>
+              <a:rPr lang="en-US" sz="1800" dirty="0" err="1" smtClean="0"/>
+              <a:t>our_context</a:t>
+            </a:r>
+            <a:r>
+              <a:rPr lang="en-US" sz="1800" dirty="0" smtClean="0"/>
+              <a:t>, </a:t>
+            </a:r>
+            <a:r>
+              <a:rPr lang="en-US" sz="1800" dirty="0" err="1" smtClean="0"/>
+              <a:t>attr</a:t>
+            </a:r>
+            <a:r>
+              <a:rPr lang="en-US" sz="1800" dirty="0" smtClean="0"/>
+              <a:t>);</a:t>
+            </a:r>
+          </a:p>
+          <a:p>
+            <a:pPr>
+              <a:buNone/>
+            </a:pPr>
+            <a:r>
+              <a:rPr lang="en-US" sz="1800" dirty="0" smtClean="0"/>
+              <a:t>    }</a:t>
+            </a:r>
+          </a:p>
+          <a:p>
+            <a:pPr>
+              <a:buNone/>
+            </a:pPr>
+            <a:endParaRPr lang="en-US" sz="1800" dirty="0" smtClean="0"/>
+          </a:p>
+          <a:p>
+            <a:pPr>
+              <a:buNone/>
+            </a:pPr>
+            <a:r>
+              <a:rPr lang="en-US" sz="1800" dirty="0" smtClean="0"/>
+              <a:t>    char const* name;</a:t>
+            </a:r>
+          </a:p>
+          <a:p>
+            <a:pPr>
+              <a:buNone/>
+            </a:pPr>
+            <a:r>
+              <a:rPr lang="en-US" sz="1800" dirty="0" smtClean="0"/>
+              <a:t>    Elements </a:t>
+            </a:r>
+            <a:r>
+              <a:rPr lang="en-US" sz="1800" dirty="0" err="1" smtClean="0"/>
+              <a:t>elements</a:t>
+            </a:r>
+            <a:r>
+              <a:rPr lang="en-US" sz="1800" dirty="0" smtClean="0"/>
+              <a:t>;</a:t>
+            </a:r>
+          </a:p>
+          <a:p>
+            <a:pPr>
+              <a:buNone/>
+            </a:pPr>
+            <a:r>
+              <a:rPr lang="en-US" sz="1800" dirty="0" smtClean="0"/>
+              <a:t>};</a:t>
+            </a:r>
+            <a:endParaRPr lang="en-US" sz="1800" dirty="0"/>
+          </a:p>
+        </p:txBody>
+      </p:sp>
+    </p:spTree>
+  </p:cSld>
+  <p:clrMapOvr>
+    <a:masterClrMapping/>
+  </p:clrMapOvr>
+  <p:transition>
+    <p:fade/>
+  </p:transition>
+  <p:timing>
+    <p:tnLst>
+      <p:par>
+        <p:cTn id="1" dur="indefinite" restart="never" nodeType="tmRoot"/>
+      </p:par>
+    </p:tnLst>
+  </p:timing>
+</p:sld>
+</file>
+
+<file path=ppt/slides/slide108.xml><?xml version="1.0" encoding="utf-8"?>
+<p:sld xmlns:a="http://schemas.openxmlformats.org/drawingml/2006/main" xmlns:r="http://schemas.openxmlformats.org/officeDocument/2006/relationships" xmlns:p="http://schemas.openxmlformats.org/presentationml/2006/main">
+  <p:cSld>
+    <p:spTree>
+      <p:nvGrpSpPr>
+        <p:cNvPr id="1" name=""/>
+        <p:cNvGrpSpPr/>
+        <p:nvPr/>
+      </p:nvGrpSpPr>
+      <p:grpSpPr>
+        <a:xfrm>
+          <a:off x="0" y="0"/>
+          <a:ext cx="0" cy="0"/>
+          <a:chOff x="0" y="0"/>
+          <a:chExt cx="0" cy="0"/>
+        </a:xfrm>
+      </p:grpSpPr>
+      <p:sp>
+        <p:nvSpPr>
+          <p:cNvPr id="2" name="Title 1"/>
+          <p:cNvSpPr>
+            <a:spLocks noGrp="1"/>
+          </p:cNvSpPr>
+          <p:nvPr>
+            <p:ph type="title"/>
+          </p:nvPr>
+        </p:nvSpPr>
+        <p:spPr/>
+        <p:txBody>
+          <a:bodyPr/>
+          <a:lstStyle/>
+          <a:p>
+            <a:r>
+              <a:rPr lang="en-US" dirty="0" smtClean="0"/>
+              <a:t>Grammar</a:t>
+            </a:r>
+            <a:endParaRPr lang="en-US" dirty="0"/>
+          </a:p>
+        </p:txBody>
+      </p:sp>
+      <p:sp>
+        <p:nvSpPr>
+          <p:cNvPr id="3" name="Text Placeholder 2"/>
+          <p:cNvSpPr>
+            <a:spLocks noGrp="1"/>
+          </p:cNvSpPr>
+          <p:nvPr>
+            <p:ph type="body" sz="quarter" idx="10"/>
+          </p:nvPr>
+        </p:nvSpPr>
+        <p:spPr>
+          <a:xfrm>
+            <a:off x="381000" y="1295400"/>
+            <a:ext cx="8382000" cy="2077492"/>
+          </a:xfrm>
+        </p:spPr>
+        <p:txBody>
+          <a:bodyPr/>
+          <a:lstStyle/>
+          <a:p>
+            <a:pPr>
+              <a:buNone/>
+            </a:pPr>
+            <a:r>
+              <a:rPr lang="en-US" sz="1800" dirty="0" smtClean="0"/>
+              <a:t>template &lt;</a:t>
+            </a:r>
+            <a:r>
+              <a:rPr lang="en-US" sz="1800" dirty="0" err="1" smtClean="0"/>
+              <a:t>typename</a:t>
+            </a:r>
+            <a:r>
+              <a:rPr lang="en-US" sz="1800" dirty="0" smtClean="0"/>
+              <a:t> ...Elements&gt;</a:t>
+            </a:r>
+          </a:p>
+          <a:p>
+            <a:pPr>
+              <a:buNone/>
+            </a:pPr>
+            <a:r>
+              <a:rPr lang="en-US" sz="1800" dirty="0" err="1" smtClean="0"/>
+              <a:t>grammar_parser</a:t>
+            </a:r>
+            <a:r>
+              <a:rPr lang="en-US" sz="1800" dirty="0" smtClean="0"/>
+              <a:t>&lt;fusion::</a:t>
+            </a:r>
+            <a:r>
+              <a:rPr lang="en-US" sz="1800" dirty="0" err="1" smtClean="0"/>
+              <a:t>deque</a:t>
+            </a:r>
+            <a:r>
+              <a:rPr lang="en-US" sz="1800" dirty="0" smtClean="0"/>
+              <a:t>&lt;Elements...&gt;&gt;</a:t>
+            </a:r>
+          </a:p>
+          <a:p>
+            <a:pPr>
+              <a:buNone/>
+            </a:pPr>
+            <a:r>
+              <a:rPr lang="en-US" sz="1800" dirty="0" smtClean="0"/>
+              <a:t>grammar(char const* name, Elements const&amp;... elements)</a:t>
+            </a:r>
+          </a:p>
+          <a:p>
+            <a:pPr>
+              <a:buNone/>
+            </a:pPr>
+            <a:r>
+              <a:rPr lang="en-US" sz="1800" dirty="0" smtClean="0"/>
+              <a:t>{</a:t>
+            </a:r>
+          </a:p>
+          <a:p>
+            <a:pPr>
+              <a:buNone/>
+            </a:pPr>
+            <a:r>
+              <a:rPr lang="en-US" sz="1800" dirty="0" smtClean="0"/>
+              <a:t>    </a:t>
+            </a:r>
+            <a:r>
+              <a:rPr lang="en-US" sz="1800" dirty="0" err="1" smtClean="0"/>
+              <a:t>typedef</a:t>
+            </a:r>
+            <a:r>
+              <a:rPr lang="en-US" sz="1800" dirty="0" smtClean="0"/>
+              <a:t> fusion::</a:t>
+            </a:r>
+            <a:r>
+              <a:rPr lang="en-US" sz="1800" dirty="0" err="1" smtClean="0"/>
+              <a:t>deque</a:t>
+            </a:r>
+            <a:r>
+              <a:rPr lang="en-US" sz="1800" dirty="0" smtClean="0"/>
+              <a:t>&lt;Elements...&gt; sequence;</a:t>
+            </a:r>
+          </a:p>
+          <a:p>
+            <a:pPr>
+              <a:buNone/>
+            </a:pPr>
+            <a:r>
+              <a:rPr lang="en-US" sz="1800" dirty="0" smtClean="0"/>
+              <a:t>    return </a:t>
+            </a:r>
+            <a:r>
+              <a:rPr lang="en-US" sz="1800" dirty="0" err="1" smtClean="0"/>
+              <a:t>grammar_parser</a:t>
+            </a:r>
+            <a:r>
+              <a:rPr lang="en-US" sz="1800" dirty="0" smtClean="0"/>
+              <a:t>&lt;sequence&gt;(name, sequence(elements...));</a:t>
+            </a:r>
+          </a:p>
+          <a:p>
+            <a:pPr>
+              <a:buNone/>
+            </a:pPr>
+            <a:r>
+              <a:rPr lang="en-US" sz="1800" dirty="0" smtClean="0"/>
+              <a:t>}</a:t>
+            </a:r>
+            <a:endParaRPr lang="en-US" sz="1800" dirty="0"/>
+          </a:p>
+        </p:txBody>
+      </p:sp>
+    </p:spTree>
+  </p:cSld>
+  <p:clrMapOvr>
+    <a:masterClrMapping/>
+  </p:clrMapOvr>
+  <p:transition>
+    <p:fade/>
+  </p:transition>
+  <p:timing>
+    <p:tnLst>
+      <p:par>
+        <p:cTn id="1" dur="indefinite" restart="never" nodeType="tmRoot"/>
+      </p:par>
+    </p:tnLst>
+  </p:timing>
+</p:sld>
+</file>
+
+<file path=ppt/slides/slide109.xml><?xml version="1.0" encoding="utf-8"?>
+<p:sld xmlns:a="http://schemas.openxmlformats.org/drawingml/2006/main" xmlns:r="http://schemas.openxmlformats.org/officeDocument/2006/relationships" xmlns:p="http://schemas.openxmlformats.org/presentationml/2006/main">
+  <p:cSld>
+    <p:spTree>
+      <p:nvGrpSpPr>
+        <p:cNvPr id="1" name=""/>
+        <p:cNvGrpSpPr/>
+        <p:nvPr/>
+      </p:nvGrpSpPr>
+      <p:grpSpPr>
+        <a:xfrm>
+          <a:off x="0" y="0"/>
+          <a:ext cx="0" cy="0"/>
+          <a:chOff x="0" y="0"/>
+          <a:chExt cx="0" cy="0"/>
+        </a:xfrm>
+      </p:grpSpPr>
+      <p:sp>
+        <p:nvSpPr>
+          <p:cNvPr id="2" name="Title 1"/>
+          <p:cNvSpPr>
+            <a:spLocks noGrp="1"/>
+          </p:cNvSpPr>
+          <p:nvPr>
+            <p:ph type="title"/>
+          </p:nvPr>
+        </p:nvSpPr>
+        <p:spPr/>
+        <p:txBody>
+          <a:bodyPr/>
+          <a:lstStyle/>
+          <a:p>
+            <a:r>
+              <a:rPr lang="en-US" dirty="0" smtClean="0"/>
+              <a:t>Semantic Actions</a:t>
+            </a:r>
+            <a:endParaRPr lang="en-US" dirty="0"/>
+          </a:p>
+        </p:txBody>
+      </p:sp>
+      <p:sp>
+        <p:nvSpPr>
+          <p:cNvPr id="3" name="Text Placeholder 2"/>
+          <p:cNvSpPr>
+            <a:spLocks noGrp="1"/>
+          </p:cNvSpPr>
+          <p:nvPr>
+            <p:ph type="body" sz="quarter" idx="10"/>
+          </p:nvPr>
+        </p:nvSpPr>
+        <p:spPr>
+          <a:xfrm>
+            <a:off x="381000" y="990600"/>
+            <a:ext cx="8382000" cy="5367623"/>
+          </a:xfrm>
+        </p:spPr>
+        <p:txBody>
+          <a:bodyPr/>
+          <a:lstStyle/>
+          <a:p>
+            <a:pPr>
+              <a:buNone/>
+            </a:pPr>
+            <a:r>
+              <a:rPr lang="en-US" sz="1600" dirty="0" smtClean="0"/>
+              <a:t>template &lt;</a:t>
+            </a:r>
+            <a:r>
+              <a:rPr lang="en-US" sz="1600" dirty="0" err="1" smtClean="0"/>
+              <a:t>typename</a:t>
+            </a:r>
+            <a:r>
+              <a:rPr lang="en-US" sz="1600" dirty="0" smtClean="0"/>
+              <a:t> Subject, </a:t>
+            </a:r>
+            <a:r>
+              <a:rPr lang="en-US" sz="1600" dirty="0" err="1" smtClean="0"/>
+              <a:t>typename</a:t>
+            </a:r>
+            <a:r>
+              <a:rPr lang="en-US" sz="1600" dirty="0" smtClean="0"/>
+              <a:t> Action&gt;</a:t>
+            </a:r>
+          </a:p>
+          <a:p>
+            <a:pPr>
+              <a:buNone/>
+            </a:pPr>
+            <a:r>
+              <a:rPr lang="en-US" sz="1600" dirty="0" err="1" smtClean="0"/>
+              <a:t>struct</a:t>
+            </a:r>
+            <a:r>
+              <a:rPr lang="en-US" sz="1600" dirty="0" smtClean="0"/>
+              <a:t> action : </a:t>
+            </a:r>
+            <a:r>
+              <a:rPr lang="en-US" sz="1600" dirty="0" err="1" smtClean="0"/>
+              <a:t>unary_parser</a:t>
+            </a:r>
+            <a:r>
+              <a:rPr lang="en-US" sz="1600" dirty="0" smtClean="0"/>
+              <a:t>&lt;Subject, action&lt;Subject, Action&gt;&gt;</a:t>
+            </a:r>
+          </a:p>
+          <a:p>
+            <a:pPr>
+              <a:buNone/>
+            </a:pPr>
+            <a:r>
+              <a:rPr lang="en-US" sz="1600" dirty="0" smtClean="0"/>
+              <a:t>{</a:t>
+            </a:r>
+          </a:p>
+          <a:p>
+            <a:pPr>
+              <a:buNone/>
+            </a:pPr>
+            <a:r>
+              <a:rPr lang="en-US" sz="1600" dirty="0" smtClean="0"/>
+              <a:t>    </a:t>
+            </a:r>
+            <a:r>
+              <a:rPr lang="en-US" sz="1600" dirty="0" err="1" smtClean="0"/>
+              <a:t>typedef</a:t>
+            </a:r>
+            <a:r>
+              <a:rPr lang="en-US" sz="1600" dirty="0" smtClean="0"/>
+              <a:t> </a:t>
+            </a:r>
+            <a:r>
+              <a:rPr lang="en-US" sz="1600" dirty="0" err="1" smtClean="0"/>
+              <a:t>unary_parser</a:t>
+            </a:r>
+            <a:r>
+              <a:rPr lang="en-US" sz="1600" dirty="0" smtClean="0"/>
+              <a:t>&lt;Subject, action&lt;Subject, Action&gt;&gt; </a:t>
+            </a:r>
+            <a:r>
+              <a:rPr lang="en-US" sz="1600" dirty="0" err="1" smtClean="0"/>
+              <a:t>base_type</a:t>
+            </a:r>
+            <a:r>
+              <a:rPr lang="en-US" sz="1600" dirty="0" smtClean="0"/>
+              <a:t>;</a:t>
+            </a:r>
+          </a:p>
+          <a:p>
+            <a:pPr>
+              <a:buNone/>
+            </a:pPr>
+            <a:r>
+              <a:rPr lang="en-US" sz="1600" dirty="0" smtClean="0"/>
+              <a:t>    static </a:t>
+            </a:r>
+            <a:r>
+              <a:rPr lang="en-US" sz="1600" dirty="0" err="1" smtClean="0"/>
+              <a:t>bool</a:t>
+            </a:r>
+            <a:r>
+              <a:rPr lang="en-US" sz="1600" dirty="0" smtClean="0"/>
+              <a:t> const </a:t>
+            </a:r>
+            <a:r>
+              <a:rPr lang="en-US" sz="1600" dirty="0" err="1" smtClean="0"/>
+              <a:t>is_pass_through_unary</a:t>
+            </a:r>
+            <a:r>
+              <a:rPr lang="en-US" sz="1600" dirty="0" smtClean="0"/>
+              <a:t> = true;</a:t>
+            </a:r>
+          </a:p>
+          <a:p>
+            <a:pPr>
+              <a:buNone/>
+            </a:pPr>
+            <a:r>
+              <a:rPr lang="en-US" sz="1600" dirty="0" smtClean="0"/>
+              <a:t>    static </a:t>
+            </a:r>
+            <a:r>
+              <a:rPr lang="en-US" sz="1600" dirty="0" err="1" smtClean="0"/>
+              <a:t>bool</a:t>
+            </a:r>
+            <a:r>
+              <a:rPr lang="en-US" sz="1600" dirty="0" smtClean="0"/>
+              <a:t> const </a:t>
+            </a:r>
+            <a:r>
+              <a:rPr lang="en-US" sz="1600" dirty="0" err="1" smtClean="0"/>
+              <a:t>has_action</a:t>
+            </a:r>
+            <a:r>
+              <a:rPr lang="en-US" sz="1600" dirty="0" smtClean="0"/>
+              <a:t> = true;</a:t>
+            </a:r>
+          </a:p>
+          <a:p>
+            <a:pPr>
+              <a:buNone/>
+            </a:pPr>
+            <a:endParaRPr lang="en-US" sz="1600" dirty="0" smtClean="0"/>
+          </a:p>
+          <a:p>
+            <a:pPr>
+              <a:buNone/>
+            </a:pPr>
+            <a:r>
+              <a:rPr lang="en-US" sz="1600" dirty="0" smtClean="0"/>
+              <a:t>    action(Subject const&amp; subject, Action f)</a:t>
+            </a:r>
+          </a:p>
+          <a:p>
+            <a:pPr>
+              <a:buNone/>
+            </a:pPr>
+            <a:r>
+              <a:rPr lang="en-US" sz="1600" dirty="0" smtClean="0"/>
+              <a:t>      : </a:t>
+            </a:r>
+            <a:r>
+              <a:rPr lang="en-US" sz="1600" dirty="0" err="1" smtClean="0"/>
+              <a:t>base_type</a:t>
+            </a:r>
+            <a:r>
+              <a:rPr lang="en-US" sz="1600" dirty="0" smtClean="0"/>
+              <a:t>(subject), f(f) {}</a:t>
+            </a:r>
+          </a:p>
+          <a:p>
+            <a:pPr>
+              <a:buNone/>
+            </a:pPr>
+            <a:endParaRPr lang="en-US" sz="1600" dirty="0" smtClean="0"/>
+          </a:p>
+          <a:p>
+            <a:pPr>
+              <a:buNone/>
+            </a:pPr>
+            <a:r>
+              <a:rPr lang="en-US" sz="1600" dirty="0" smtClean="0"/>
+              <a:t>    </a:t>
+            </a:r>
+            <a:r>
+              <a:rPr lang="en-US" sz="1600" dirty="0" err="1" smtClean="0"/>
+              <a:t>typedef</a:t>
+            </a:r>
+            <a:r>
+              <a:rPr lang="en-US" sz="1600" dirty="0" smtClean="0"/>
+              <a:t> </a:t>
+            </a:r>
+            <a:r>
+              <a:rPr lang="en-US" sz="1600" dirty="0" err="1" smtClean="0"/>
+              <a:t>typename</a:t>
+            </a:r>
+            <a:r>
+              <a:rPr lang="en-US" sz="1600" dirty="0" smtClean="0"/>
+              <a:t> traits</a:t>
+            </a:r>
+            <a:r>
+              <a:rPr lang="en-US" sz="1600" dirty="0" smtClean="0"/>
+              <a:t>::</a:t>
+            </a:r>
+            <a:r>
+              <a:rPr lang="en-US" sz="1600" dirty="0" err="1" smtClean="0"/>
+              <a:t>attribute_of</a:t>
+            </a:r>
+            <a:r>
+              <a:rPr lang="en-US" sz="1600" dirty="0" smtClean="0"/>
+              <a:t>&lt;Subject&gt;::</a:t>
+            </a:r>
+            <a:r>
+              <a:rPr lang="en-US" sz="1600" dirty="0" smtClean="0"/>
+              <a:t>type </a:t>
+            </a:r>
+            <a:r>
+              <a:rPr lang="en-US" sz="1600" dirty="0" err="1" smtClean="0"/>
+              <a:t>attribute_type</a:t>
+            </a:r>
+            <a:r>
+              <a:rPr lang="en-US" sz="1600" dirty="0" smtClean="0"/>
+              <a:t>;</a:t>
+            </a:r>
+          </a:p>
+          <a:p>
+            <a:pPr>
+              <a:buNone/>
+            </a:pPr>
+            <a:endParaRPr lang="en-US" sz="1600" dirty="0" smtClean="0"/>
+          </a:p>
+          <a:p>
+            <a:pPr>
+              <a:buNone/>
+            </a:pPr>
+            <a:r>
+              <a:rPr lang="en-US" sz="1600" dirty="0" smtClean="0"/>
+              <a:t>    template &lt;</a:t>
+            </a:r>
+            <a:r>
+              <a:rPr lang="en-US" sz="1600" dirty="0" err="1" smtClean="0"/>
+              <a:t>typename</a:t>
+            </a:r>
+            <a:r>
+              <a:rPr lang="en-US" sz="1600" dirty="0" smtClean="0"/>
+              <a:t> </a:t>
+            </a:r>
+            <a:r>
+              <a:rPr lang="en-US" sz="1600" dirty="0" err="1" smtClean="0"/>
+              <a:t>Iterator</a:t>
+            </a:r>
+            <a:r>
+              <a:rPr lang="en-US" sz="1600" dirty="0" smtClean="0"/>
+              <a:t>, </a:t>
+            </a:r>
+            <a:r>
+              <a:rPr lang="en-US" sz="1600" dirty="0" err="1" smtClean="0"/>
+              <a:t>typename</a:t>
+            </a:r>
+            <a:r>
+              <a:rPr lang="en-US" sz="1600" dirty="0" smtClean="0"/>
+              <a:t> Context, </a:t>
+            </a:r>
+            <a:r>
+              <a:rPr lang="en-US" sz="1600" dirty="0" err="1" smtClean="0"/>
+              <a:t>typename</a:t>
+            </a:r>
+            <a:r>
+              <a:rPr lang="en-US" sz="1600" dirty="0" smtClean="0"/>
+              <a:t> Attribute&gt;</a:t>
+            </a:r>
+          </a:p>
+          <a:p>
+            <a:pPr>
+              <a:buNone/>
+            </a:pPr>
+            <a:r>
+              <a:rPr lang="en-US" sz="1600" dirty="0" smtClean="0"/>
+              <a:t>    </a:t>
+            </a:r>
+            <a:r>
+              <a:rPr lang="en-US" sz="1600" dirty="0" err="1" smtClean="0"/>
+              <a:t>bool</a:t>
+            </a:r>
+            <a:r>
+              <a:rPr lang="en-US" sz="1600" dirty="0" smtClean="0"/>
+              <a:t> parse(</a:t>
+            </a:r>
+            <a:r>
+              <a:rPr lang="en-US" sz="1600" dirty="0" err="1" smtClean="0"/>
+              <a:t>Iterator</a:t>
+            </a:r>
+            <a:r>
+              <a:rPr lang="en-US" sz="1600" dirty="0" smtClean="0"/>
+              <a:t>&amp; first, </a:t>
+            </a:r>
+            <a:r>
+              <a:rPr lang="en-US" sz="1600" dirty="0" err="1" smtClean="0"/>
+              <a:t>Iterator</a:t>
+            </a:r>
+            <a:r>
+              <a:rPr lang="en-US" sz="1600" dirty="0" smtClean="0"/>
+              <a:t> const&amp; </a:t>
+            </a:r>
+            <a:r>
+              <a:rPr lang="en-US" sz="1600" dirty="0" smtClean="0"/>
+              <a:t>last, </a:t>
+            </a:r>
+            <a:r>
+              <a:rPr lang="en-US" sz="1600" dirty="0" smtClean="0"/>
+              <a:t>Context const&amp; context, Attribute&amp; </a:t>
+            </a:r>
+            <a:r>
+              <a:rPr lang="en-US" sz="1600" dirty="0" err="1" smtClean="0"/>
+              <a:t>attr</a:t>
+            </a:r>
+            <a:r>
+              <a:rPr lang="en-US" sz="1600" dirty="0" smtClean="0"/>
+              <a:t>) const;</a:t>
+            </a:r>
+          </a:p>
+          <a:p>
+            <a:pPr>
+              <a:buNone/>
+            </a:pPr>
+            <a:endParaRPr lang="en-US" sz="1600" dirty="0" smtClean="0"/>
+          </a:p>
+          <a:p>
+            <a:pPr>
+              <a:buNone/>
+            </a:pPr>
+            <a:r>
+              <a:rPr lang="en-US" sz="1600" dirty="0" smtClean="0"/>
+              <a:t>    template &lt;</a:t>
+            </a:r>
+            <a:r>
+              <a:rPr lang="en-US" sz="1600" dirty="0" err="1" smtClean="0"/>
+              <a:t>typename</a:t>
+            </a:r>
+            <a:r>
+              <a:rPr lang="en-US" sz="1600" dirty="0" smtClean="0"/>
+              <a:t> </a:t>
+            </a:r>
+            <a:r>
+              <a:rPr lang="en-US" sz="1600" dirty="0" err="1" smtClean="0"/>
+              <a:t>Iterator</a:t>
+            </a:r>
+            <a:r>
+              <a:rPr lang="en-US" sz="1600" dirty="0" smtClean="0"/>
+              <a:t>, </a:t>
+            </a:r>
+            <a:r>
+              <a:rPr lang="en-US" sz="1600" dirty="0" err="1" smtClean="0"/>
+              <a:t>typename</a:t>
+            </a:r>
+            <a:r>
+              <a:rPr lang="en-US" sz="1600" dirty="0" smtClean="0"/>
+              <a:t> Context&gt;</a:t>
+            </a:r>
+          </a:p>
+          <a:p>
+            <a:pPr>
+              <a:buNone/>
+            </a:pPr>
+            <a:r>
+              <a:rPr lang="en-US" sz="1600" dirty="0" smtClean="0"/>
+              <a:t>    </a:t>
+            </a:r>
+            <a:r>
+              <a:rPr lang="en-US" sz="1600" dirty="0" err="1" smtClean="0"/>
+              <a:t>bool</a:t>
+            </a:r>
+            <a:r>
+              <a:rPr lang="en-US" sz="1600" dirty="0" smtClean="0"/>
+              <a:t> parse(</a:t>
+            </a:r>
+            <a:r>
+              <a:rPr lang="en-US" sz="1600" dirty="0" err="1" smtClean="0"/>
+              <a:t>Iterator</a:t>
+            </a:r>
+            <a:r>
+              <a:rPr lang="en-US" sz="1600" dirty="0" smtClean="0"/>
+              <a:t>&amp; first, </a:t>
+            </a:r>
+            <a:r>
+              <a:rPr lang="en-US" sz="1600" dirty="0" err="1" smtClean="0"/>
+              <a:t>Iterator</a:t>
+            </a:r>
+            <a:r>
+              <a:rPr lang="en-US" sz="1600" dirty="0" smtClean="0"/>
+              <a:t> const&amp; </a:t>
+            </a:r>
+            <a:r>
+              <a:rPr lang="en-US" sz="1600" dirty="0" smtClean="0"/>
+              <a:t>last, </a:t>
+            </a:r>
+            <a:r>
+              <a:rPr lang="en-US" sz="1600" dirty="0" smtClean="0"/>
+              <a:t>Context const&amp; context, </a:t>
+            </a:r>
+            <a:r>
+              <a:rPr lang="en-US" sz="1600" dirty="0" err="1" smtClean="0"/>
+              <a:t>unused_type</a:t>
+            </a:r>
+            <a:r>
+              <a:rPr lang="en-US" sz="1600" dirty="0" smtClean="0"/>
+              <a:t>) const;</a:t>
+            </a:r>
+          </a:p>
+          <a:p>
+            <a:pPr>
+              <a:buNone/>
+            </a:pPr>
+            <a:r>
+              <a:rPr lang="en-US" sz="1600" dirty="0" smtClean="0"/>
+              <a:t>      </a:t>
+            </a:r>
+          </a:p>
+          <a:p>
+            <a:pPr>
+              <a:buNone/>
+            </a:pPr>
+            <a:r>
+              <a:rPr lang="en-US" sz="1600" dirty="0" smtClean="0"/>
+              <a:t>    Action f;</a:t>
+            </a:r>
+          </a:p>
+          <a:p>
+            <a:pPr>
+              <a:buNone/>
+            </a:pPr>
+            <a:r>
+              <a:rPr lang="en-US" sz="1600" dirty="0" smtClean="0"/>
+              <a:t>};</a:t>
+            </a:r>
+            <a:endParaRPr lang="en-US" sz="1600" dirty="0"/>
+          </a:p>
+        </p:txBody>
+      </p:sp>
+    </p:spTree>
+  </p:cSld>
+  <p:clrMapOvr>
+    <a:masterClrMapping/>
+  </p:clrMapOvr>
+  <p:transition>
+    <p:fade/>
+  </p:transition>
+  <p:timing>
+    <p:tnLst>
+      <p:par>
+        <p:cTn id="1" dur="indefinite" restart="never" nodeType="tmRoot"/>
+      </p:par>
+    </p:tnLst>
+  </p:timing>
+</p:sld>
+</file>
+
 <file path=ppt/slides/slide11.xml><?xml version="1.0" encoding="utf-8"?>
 <p:sld xmlns:a="http://schemas.openxmlformats.org/drawingml/2006/main" xmlns:r="http://schemas.openxmlformats.org/officeDocument/2006/relationships" xmlns:p="http://schemas.openxmlformats.org/presentationml/2006/main">
   <p:cSld>
@@ -8665,6 +11997,2910 @@
 </p:sld>
 </file>
 
+<file path=ppt/slides/slide110.xml><?xml version="1.0" encoding="utf-8"?>
+<p:sld xmlns:a="http://schemas.openxmlformats.org/drawingml/2006/main" xmlns:r="http://schemas.openxmlformats.org/officeDocument/2006/relationships" xmlns:p="http://schemas.openxmlformats.org/presentationml/2006/main">
+  <p:cSld>
+    <p:spTree>
+      <p:nvGrpSpPr>
+        <p:cNvPr id="1" name=""/>
+        <p:cNvGrpSpPr/>
+        <p:nvPr/>
+      </p:nvGrpSpPr>
+      <p:grpSpPr>
+        <a:xfrm>
+          <a:off x="0" y="0"/>
+          <a:ext cx="0" cy="0"/>
+          <a:chOff x="0" y="0"/>
+          <a:chExt cx="0" cy="0"/>
+        </a:xfrm>
+      </p:grpSpPr>
+      <p:sp>
+        <p:nvSpPr>
+          <p:cNvPr id="2" name="Title 1"/>
+          <p:cNvSpPr>
+            <a:spLocks noGrp="1"/>
+          </p:cNvSpPr>
+          <p:nvPr>
+            <p:ph type="title"/>
+          </p:nvPr>
+        </p:nvSpPr>
+        <p:spPr/>
+        <p:txBody>
+          <a:bodyPr/>
+          <a:lstStyle/>
+          <a:p>
+            <a:r>
+              <a:rPr lang="en-US" dirty="0" smtClean="0"/>
+              <a:t>Semantic Actions</a:t>
+            </a:r>
+            <a:endParaRPr lang="en-US" dirty="0"/>
+          </a:p>
+        </p:txBody>
+      </p:sp>
+      <p:sp>
+        <p:nvSpPr>
+          <p:cNvPr id="3" name="Text Placeholder 2"/>
+          <p:cNvSpPr>
+            <a:spLocks noGrp="1"/>
+          </p:cNvSpPr>
+          <p:nvPr>
+            <p:ph type="body" sz="quarter" idx="10"/>
+          </p:nvPr>
+        </p:nvSpPr>
+        <p:spPr>
+          <a:xfrm>
+            <a:off x="381000" y="990600"/>
+            <a:ext cx="8382000" cy="4210383"/>
+          </a:xfrm>
+        </p:spPr>
+        <p:txBody>
+          <a:bodyPr/>
+          <a:lstStyle/>
+          <a:p>
+            <a:pPr>
+              <a:buNone/>
+            </a:pPr>
+            <a:r>
+              <a:rPr lang="en-US" sz="1800" dirty="0" smtClean="0"/>
+              <a:t>template &lt;</a:t>
+            </a:r>
+            <a:r>
+              <a:rPr lang="en-US" sz="1800" dirty="0" err="1" smtClean="0"/>
+              <a:t>typename</a:t>
+            </a:r>
+            <a:r>
+              <a:rPr lang="en-US" sz="1800" dirty="0" smtClean="0"/>
+              <a:t> </a:t>
+            </a:r>
+            <a:r>
+              <a:rPr lang="en-US" sz="1800" dirty="0" err="1" smtClean="0"/>
+              <a:t>Iterator</a:t>
+            </a:r>
+            <a:r>
+              <a:rPr lang="en-US" sz="1800" dirty="0" smtClean="0"/>
+              <a:t>, </a:t>
+            </a:r>
+            <a:r>
+              <a:rPr lang="en-US" sz="1800" dirty="0" err="1" smtClean="0"/>
+              <a:t>typename</a:t>
+            </a:r>
+            <a:r>
+              <a:rPr lang="en-US" sz="1800" dirty="0" smtClean="0"/>
+              <a:t> Context&gt;</a:t>
+            </a:r>
+          </a:p>
+          <a:p>
+            <a:pPr>
+              <a:buNone/>
+            </a:pPr>
+            <a:r>
+              <a:rPr lang="en-US" sz="1800" dirty="0" err="1" smtClean="0"/>
+              <a:t>bool</a:t>
+            </a:r>
+            <a:r>
+              <a:rPr lang="en-US" sz="1800" dirty="0" smtClean="0"/>
+              <a:t> parse(</a:t>
+            </a:r>
+            <a:r>
+              <a:rPr lang="en-US" sz="1800" dirty="0" err="1" smtClean="0"/>
+              <a:t>Iterator</a:t>
+            </a:r>
+            <a:r>
+              <a:rPr lang="en-US" sz="1800" dirty="0" smtClean="0"/>
+              <a:t>&amp; first, </a:t>
+            </a:r>
+            <a:r>
+              <a:rPr lang="en-US" sz="1800" dirty="0" err="1" smtClean="0"/>
+              <a:t>Iterator</a:t>
+            </a:r>
+            <a:r>
+              <a:rPr lang="en-US" sz="1800" dirty="0" smtClean="0"/>
+              <a:t> const&amp; last</a:t>
+            </a:r>
+          </a:p>
+          <a:p>
+            <a:pPr>
+              <a:buNone/>
+            </a:pPr>
+            <a:r>
+              <a:rPr lang="en-US" sz="1800" dirty="0" smtClean="0"/>
+              <a:t>  , Context const&amp; context, </a:t>
+            </a:r>
+            <a:r>
+              <a:rPr lang="en-US" sz="1800" dirty="0" err="1" smtClean="0"/>
+              <a:t>unused_type</a:t>
+            </a:r>
+            <a:r>
+              <a:rPr lang="en-US" sz="1800" dirty="0" smtClean="0"/>
+              <a:t>) const</a:t>
+            </a:r>
+          </a:p>
+          <a:p>
+            <a:pPr>
+              <a:buNone/>
+            </a:pPr>
+            <a:r>
+              <a:rPr lang="en-US" sz="1800" dirty="0" smtClean="0"/>
+              <a:t>{</a:t>
+            </a:r>
+          </a:p>
+          <a:p>
+            <a:pPr>
+              <a:buNone/>
+            </a:pPr>
+            <a:r>
+              <a:rPr lang="en-US" sz="1800" dirty="0" smtClean="0"/>
+              <a:t>    </a:t>
+            </a:r>
+            <a:r>
+              <a:rPr lang="en-US" sz="1800" dirty="0" err="1" smtClean="0"/>
+              <a:t>typedef</a:t>
+            </a:r>
+            <a:r>
+              <a:rPr lang="en-US" sz="1800" dirty="0" smtClean="0"/>
+              <a:t> traits::</a:t>
+            </a:r>
+            <a:r>
+              <a:rPr lang="en-US" sz="1800" dirty="0" err="1" smtClean="0"/>
+              <a:t>make_attribute</a:t>
+            </a:r>
+            <a:r>
+              <a:rPr lang="en-US" sz="1800" dirty="0" smtClean="0"/>
+              <a:t>&lt;</a:t>
+            </a:r>
+            <a:r>
+              <a:rPr lang="en-US" sz="1800" dirty="0" err="1" smtClean="0"/>
+              <a:t>attribute_type</a:t>
+            </a:r>
+            <a:r>
+              <a:rPr lang="en-US" sz="1800" dirty="0" smtClean="0"/>
+              <a:t>, </a:t>
+            </a:r>
+            <a:r>
+              <a:rPr lang="en-US" sz="1800" dirty="0" err="1" smtClean="0"/>
+              <a:t>unused_type</a:t>
+            </a:r>
+            <a:r>
+              <a:rPr lang="en-US" sz="1800" dirty="0" smtClean="0"/>
+              <a:t>&gt; </a:t>
+            </a:r>
+            <a:r>
+              <a:rPr lang="en-US" sz="1800" dirty="0" err="1" smtClean="0"/>
+              <a:t>make_attribute</a:t>
+            </a:r>
+            <a:r>
+              <a:rPr lang="en-US" sz="1800" dirty="0" smtClean="0"/>
+              <a:t>;</a:t>
+            </a:r>
+          </a:p>
+          <a:p>
+            <a:pPr>
+              <a:buNone/>
+            </a:pPr>
+            <a:r>
+              <a:rPr lang="en-US" sz="1800" dirty="0" smtClean="0"/>
+              <a:t>    </a:t>
+            </a:r>
+            <a:r>
+              <a:rPr lang="en-US" sz="1800" dirty="0" err="1" smtClean="0"/>
+              <a:t>typedef</a:t>
+            </a:r>
+            <a:r>
+              <a:rPr lang="en-US" sz="1800" dirty="0" smtClean="0"/>
+              <a:t> traits::</a:t>
+            </a:r>
+            <a:r>
+              <a:rPr lang="en-US" sz="1800" dirty="0" err="1" smtClean="0"/>
+              <a:t>transform_attribute</a:t>
+            </a:r>
+            <a:r>
+              <a:rPr lang="en-US" sz="1800" dirty="0" smtClean="0"/>
+              <a:t>&lt;</a:t>
+            </a:r>
+          </a:p>
+          <a:p>
+            <a:pPr>
+              <a:buNone/>
+            </a:pPr>
+            <a:r>
+              <a:rPr lang="en-US" sz="1800" dirty="0" smtClean="0"/>
+              <a:t>        </a:t>
+            </a:r>
+            <a:r>
+              <a:rPr lang="en-US" sz="1800" dirty="0" err="1" smtClean="0"/>
+              <a:t>typename</a:t>
+            </a:r>
+            <a:r>
+              <a:rPr lang="en-US" sz="1800" dirty="0" smtClean="0"/>
+              <a:t> </a:t>
+            </a:r>
+            <a:r>
+              <a:rPr lang="en-US" sz="1800" dirty="0" err="1" smtClean="0"/>
+              <a:t>make_attribute</a:t>
+            </a:r>
+            <a:r>
+              <a:rPr lang="en-US" sz="1800" dirty="0" smtClean="0"/>
+              <a:t>::type, </a:t>
+            </a:r>
+            <a:r>
+              <a:rPr lang="en-US" sz="1800" dirty="0" err="1" smtClean="0"/>
+              <a:t>attribute_type</a:t>
+            </a:r>
+            <a:r>
+              <a:rPr lang="en-US" sz="1800" dirty="0" smtClean="0"/>
+              <a:t>, </a:t>
+            </a:r>
+            <a:r>
+              <a:rPr lang="en-US" sz="1800" dirty="0" err="1" smtClean="0"/>
+              <a:t>parser_id</a:t>
+            </a:r>
+            <a:r>
+              <a:rPr lang="en-US" sz="1800" dirty="0" smtClean="0"/>
+              <a:t>&gt;</a:t>
+            </a:r>
+          </a:p>
+          <a:p>
+            <a:pPr>
+              <a:buNone/>
+            </a:pPr>
+            <a:r>
+              <a:rPr lang="en-US" sz="1800" dirty="0" smtClean="0"/>
+              <a:t>    transform;</a:t>
+            </a:r>
+          </a:p>
+          <a:p>
+            <a:pPr>
+              <a:buNone/>
+            </a:pPr>
+            <a:endParaRPr lang="en-US" sz="1800" dirty="0" smtClean="0"/>
+          </a:p>
+          <a:p>
+            <a:pPr>
+              <a:buNone/>
+            </a:pPr>
+            <a:r>
+              <a:rPr lang="en-US" sz="1800" dirty="0" smtClean="0"/>
+              <a:t>    // synthesize the attribute since one is not supplied</a:t>
+            </a:r>
+          </a:p>
+          <a:p>
+            <a:pPr>
+              <a:buNone/>
+            </a:pPr>
+            <a:r>
+              <a:rPr lang="en-US" sz="1800" dirty="0" smtClean="0"/>
+              <a:t>    </a:t>
+            </a:r>
+            <a:r>
+              <a:rPr lang="en-US" sz="1800" dirty="0" err="1" smtClean="0"/>
+              <a:t>typename</a:t>
+            </a:r>
+            <a:r>
+              <a:rPr lang="en-US" sz="1800" dirty="0" smtClean="0"/>
+              <a:t> </a:t>
+            </a:r>
+            <a:r>
+              <a:rPr lang="en-US" sz="1800" dirty="0" err="1" smtClean="0"/>
+              <a:t>make_attribute</a:t>
+            </a:r>
+            <a:r>
+              <a:rPr lang="en-US" sz="1800" dirty="0" smtClean="0"/>
+              <a:t>::type </a:t>
+            </a:r>
+            <a:r>
+              <a:rPr lang="en-US" sz="1800" dirty="0" err="1" smtClean="0"/>
+              <a:t>made_attr</a:t>
+            </a:r>
+            <a:r>
+              <a:rPr lang="en-US" sz="1800" dirty="0" smtClean="0"/>
+              <a:t> = </a:t>
+            </a:r>
+            <a:r>
+              <a:rPr lang="en-US" sz="1800" dirty="0" err="1" smtClean="0"/>
+              <a:t>make_attribute</a:t>
+            </a:r>
+            <a:r>
+              <a:rPr lang="en-US" sz="1800" dirty="0" smtClean="0"/>
+              <a:t>::call(</a:t>
+            </a:r>
+            <a:r>
+              <a:rPr lang="en-US" sz="1800" dirty="0" err="1" smtClean="0"/>
+              <a:t>unused_type</a:t>
+            </a:r>
+            <a:r>
+              <a:rPr lang="en-US" sz="1800" dirty="0" smtClean="0"/>
+              <a:t>());</a:t>
+            </a:r>
+          </a:p>
+          <a:p>
+            <a:pPr>
+              <a:buNone/>
+            </a:pPr>
+            <a:r>
+              <a:rPr lang="en-US" sz="1800" dirty="0" smtClean="0"/>
+              <a:t>    </a:t>
+            </a:r>
+            <a:r>
+              <a:rPr lang="en-US" sz="1800" dirty="0" err="1" smtClean="0"/>
+              <a:t>typename</a:t>
+            </a:r>
+            <a:r>
+              <a:rPr lang="en-US" sz="1800" dirty="0" smtClean="0"/>
+              <a:t> transform::type </a:t>
+            </a:r>
+            <a:r>
+              <a:rPr lang="en-US" sz="1800" dirty="0" err="1" smtClean="0"/>
+              <a:t>attr</a:t>
+            </a:r>
+            <a:r>
+              <a:rPr lang="en-US" sz="1800" dirty="0" smtClean="0"/>
+              <a:t> = transform::pre(</a:t>
+            </a:r>
+            <a:r>
+              <a:rPr lang="en-US" sz="1800" dirty="0" err="1" smtClean="0"/>
+              <a:t>made_attr</a:t>
+            </a:r>
+            <a:r>
+              <a:rPr lang="en-US" sz="1800" dirty="0" smtClean="0"/>
+              <a:t>);</a:t>
+            </a:r>
+          </a:p>
+          <a:p>
+            <a:pPr>
+              <a:buNone/>
+            </a:pPr>
+            <a:r>
+              <a:rPr lang="en-US" sz="1800" dirty="0" smtClean="0"/>
+              <a:t>    return parse(first, last, context, </a:t>
+            </a:r>
+            <a:r>
+              <a:rPr lang="en-US" sz="1800" dirty="0" err="1" smtClean="0"/>
+              <a:t>attr</a:t>
+            </a:r>
+            <a:r>
+              <a:rPr lang="en-US" sz="1800" dirty="0" smtClean="0"/>
+              <a:t>);</a:t>
+            </a:r>
+          </a:p>
+          <a:p>
+            <a:pPr>
+              <a:buNone/>
+            </a:pPr>
+            <a:r>
+              <a:rPr lang="en-US" sz="1800" dirty="0" smtClean="0"/>
+              <a:t>}</a:t>
+            </a:r>
+            <a:endParaRPr lang="en-US" sz="1800" dirty="0"/>
+          </a:p>
+        </p:txBody>
+      </p:sp>
+    </p:spTree>
+  </p:cSld>
+  <p:clrMapOvr>
+    <a:masterClrMapping/>
+  </p:clrMapOvr>
+  <p:transition>
+    <p:fade/>
+  </p:transition>
+</p:sld>
+</file>
+
+<file path=ppt/slides/slide111.xml><?xml version="1.0" encoding="utf-8"?>
+<p:sld xmlns:a="http://schemas.openxmlformats.org/drawingml/2006/main" xmlns:r="http://schemas.openxmlformats.org/officeDocument/2006/relationships" xmlns:p="http://schemas.openxmlformats.org/presentationml/2006/main">
+  <p:cSld>
+    <p:spTree>
+      <p:nvGrpSpPr>
+        <p:cNvPr id="1" name=""/>
+        <p:cNvGrpSpPr/>
+        <p:nvPr/>
+      </p:nvGrpSpPr>
+      <p:grpSpPr>
+        <a:xfrm>
+          <a:off x="0" y="0"/>
+          <a:ext cx="0" cy="0"/>
+          <a:chOff x="0" y="0"/>
+          <a:chExt cx="0" cy="0"/>
+        </a:xfrm>
+      </p:grpSpPr>
+      <p:sp>
+        <p:nvSpPr>
+          <p:cNvPr id="2" name="Title 1"/>
+          <p:cNvSpPr>
+            <a:spLocks noGrp="1"/>
+          </p:cNvSpPr>
+          <p:nvPr>
+            <p:ph type="title"/>
+          </p:nvPr>
+        </p:nvSpPr>
+        <p:spPr/>
+        <p:txBody>
+          <a:bodyPr/>
+          <a:lstStyle/>
+          <a:p>
+            <a:r>
+              <a:rPr lang="en-US" dirty="0" smtClean="0"/>
+              <a:t>Semantic Actions</a:t>
+            </a:r>
+            <a:endParaRPr lang="en-US" dirty="0"/>
+          </a:p>
+        </p:txBody>
+      </p:sp>
+      <p:sp>
+        <p:nvSpPr>
+          <p:cNvPr id="3" name="Text Placeholder 2"/>
+          <p:cNvSpPr>
+            <a:spLocks noGrp="1"/>
+          </p:cNvSpPr>
+          <p:nvPr>
+            <p:ph type="body" sz="quarter" idx="10"/>
+          </p:nvPr>
+        </p:nvSpPr>
+        <p:spPr>
+          <a:xfrm>
+            <a:off x="381000" y="990600"/>
+            <a:ext cx="8382000" cy="5429179"/>
+          </a:xfrm>
+        </p:spPr>
+        <p:txBody>
+          <a:bodyPr/>
+          <a:lstStyle/>
+          <a:p>
+            <a:pPr>
+              <a:buNone/>
+            </a:pPr>
+            <a:r>
+              <a:rPr lang="en-US" sz="1800" dirty="0" smtClean="0"/>
+              <a:t>template &lt;</a:t>
+            </a:r>
+            <a:r>
+              <a:rPr lang="en-US" sz="1800" dirty="0" err="1" smtClean="0"/>
+              <a:t>typename</a:t>
+            </a:r>
+            <a:r>
+              <a:rPr lang="en-US" sz="1800" dirty="0" smtClean="0"/>
+              <a:t> </a:t>
+            </a:r>
+            <a:r>
+              <a:rPr lang="en-US" sz="1800" dirty="0" err="1" smtClean="0"/>
+              <a:t>Iterator</a:t>
+            </a:r>
+            <a:r>
+              <a:rPr lang="en-US" sz="1800" dirty="0" smtClean="0"/>
+              <a:t>, </a:t>
+            </a:r>
+            <a:r>
+              <a:rPr lang="en-US" sz="1800" dirty="0" err="1" smtClean="0"/>
+              <a:t>typename</a:t>
+            </a:r>
+            <a:r>
+              <a:rPr lang="en-US" sz="1800" dirty="0" smtClean="0"/>
+              <a:t> Context, </a:t>
+            </a:r>
+            <a:r>
+              <a:rPr lang="en-US" sz="1800" dirty="0" err="1" smtClean="0"/>
+              <a:t>typename</a:t>
+            </a:r>
+            <a:r>
+              <a:rPr lang="en-US" sz="1800" dirty="0" smtClean="0"/>
+              <a:t> Attribute&gt;</a:t>
+            </a:r>
+          </a:p>
+          <a:p>
+            <a:pPr>
+              <a:buNone/>
+            </a:pPr>
+            <a:r>
+              <a:rPr lang="en-US" sz="1800" dirty="0" err="1" smtClean="0"/>
+              <a:t>bool</a:t>
+            </a:r>
+            <a:r>
+              <a:rPr lang="en-US" sz="1800" dirty="0" smtClean="0"/>
+              <a:t> parse(</a:t>
+            </a:r>
+            <a:r>
+              <a:rPr lang="en-US" sz="1800" dirty="0" err="1" smtClean="0"/>
+              <a:t>Iterator</a:t>
+            </a:r>
+            <a:r>
+              <a:rPr lang="en-US" sz="1800" dirty="0" smtClean="0"/>
+              <a:t>&amp; first, </a:t>
+            </a:r>
+            <a:r>
+              <a:rPr lang="en-US" sz="1800" dirty="0" err="1" smtClean="0"/>
+              <a:t>Iterator</a:t>
+            </a:r>
+            <a:r>
+              <a:rPr lang="en-US" sz="1800" dirty="0" smtClean="0"/>
+              <a:t> const&amp; last</a:t>
+            </a:r>
+          </a:p>
+          <a:p>
+            <a:pPr>
+              <a:buNone/>
+            </a:pPr>
+            <a:r>
+              <a:rPr lang="en-US" sz="1800" dirty="0" smtClean="0"/>
+              <a:t>  , Context const&amp; context, Attribute&amp; </a:t>
+            </a:r>
+            <a:r>
+              <a:rPr lang="en-US" sz="1800" dirty="0" err="1" smtClean="0"/>
+              <a:t>attr</a:t>
+            </a:r>
+            <a:r>
+              <a:rPr lang="en-US" sz="1800" dirty="0" smtClean="0"/>
+              <a:t>) const</a:t>
+            </a:r>
+          </a:p>
+          <a:p>
+            <a:pPr>
+              <a:buNone/>
+            </a:pPr>
+            <a:r>
+              <a:rPr lang="en-US" sz="1800" dirty="0" smtClean="0"/>
+              <a:t>{</a:t>
+            </a:r>
+          </a:p>
+          <a:p>
+            <a:pPr>
+              <a:buNone/>
+            </a:pPr>
+            <a:r>
+              <a:rPr lang="en-US" sz="1800" dirty="0" smtClean="0"/>
+              <a:t>    </a:t>
+            </a:r>
+            <a:r>
+              <a:rPr lang="en-US" sz="1800" dirty="0" err="1" smtClean="0"/>
+              <a:t>Iterator</a:t>
+            </a:r>
+            <a:r>
+              <a:rPr lang="en-US" sz="1800" dirty="0" smtClean="0"/>
+              <a:t> save = first;</a:t>
+            </a:r>
+          </a:p>
+          <a:p>
+            <a:pPr>
+              <a:buNone/>
+            </a:pPr>
+            <a:r>
+              <a:rPr lang="en-US" sz="1800" dirty="0" smtClean="0"/>
+              <a:t>    if (this-&gt;</a:t>
+            </a:r>
+            <a:r>
+              <a:rPr lang="en-US" sz="1800" dirty="0" err="1" smtClean="0"/>
+              <a:t>subject.parse</a:t>
+            </a:r>
+            <a:r>
+              <a:rPr lang="en-US" sz="1800" dirty="0" smtClean="0"/>
+              <a:t>(first, last, context, </a:t>
+            </a:r>
+            <a:r>
+              <a:rPr lang="en-US" sz="1800" dirty="0" err="1" smtClean="0"/>
+              <a:t>attr</a:t>
+            </a:r>
+            <a:r>
+              <a:rPr lang="en-US" sz="1800" dirty="0" smtClean="0"/>
+              <a:t>))</a:t>
+            </a:r>
+          </a:p>
+          <a:p>
+            <a:pPr>
+              <a:buNone/>
+            </a:pPr>
+            <a:r>
+              <a:rPr lang="en-US" sz="1800" dirty="0" smtClean="0"/>
+              <a:t>    {</a:t>
+            </a:r>
+          </a:p>
+          <a:p>
+            <a:pPr>
+              <a:buNone/>
+            </a:pPr>
+            <a:r>
+              <a:rPr lang="en-US" sz="1800" dirty="0" smtClean="0"/>
+              <a:t>        // call the function, passing the enclosing rule's context</a:t>
+            </a:r>
+          </a:p>
+          <a:p>
+            <a:pPr>
+              <a:buNone/>
+            </a:pPr>
+            <a:r>
+              <a:rPr lang="en-US" sz="1800" dirty="0" smtClean="0"/>
+              <a:t>        // and the subject's attribute.</a:t>
+            </a:r>
+          </a:p>
+          <a:p>
+            <a:pPr>
+              <a:buNone/>
+            </a:pPr>
+            <a:r>
+              <a:rPr lang="en-US" sz="1800" dirty="0" smtClean="0"/>
+              <a:t>        f(spirit::get&lt;</a:t>
+            </a:r>
+            <a:r>
+              <a:rPr lang="en-US" sz="1800" dirty="0" err="1" smtClean="0"/>
+              <a:t>rule_context_tag</a:t>
+            </a:r>
+            <a:r>
+              <a:rPr lang="en-US" sz="1800" dirty="0" smtClean="0"/>
+              <a:t>&gt;(context), </a:t>
+            </a:r>
+            <a:r>
+              <a:rPr lang="en-US" sz="1800" dirty="0" err="1" smtClean="0"/>
+              <a:t>attr</a:t>
+            </a:r>
+            <a:r>
+              <a:rPr lang="en-US" sz="1800" dirty="0" smtClean="0"/>
+              <a:t>);</a:t>
+            </a:r>
+          </a:p>
+          <a:p>
+            <a:pPr>
+              <a:buNone/>
+            </a:pPr>
+            <a:r>
+              <a:rPr lang="en-US" sz="1800" dirty="0" smtClean="0"/>
+              <a:t>        return true;</a:t>
+            </a:r>
+          </a:p>
+          <a:p>
+            <a:pPr>
+              <a:buNone/>
+            </a:pPr>
+            <a:endParaRPr lang="en-US" sz="1800" dirty="0" smtClean="0"/>
+          </a:p>
+          <a:p>
+            <a:pPr>
+              <a:buNone/>
+            </a:pPr>
+            <a:r>
+              <a:rPr lang="en-US" sz="1800" dirty="0" smtClean="0"/>
+              <a:t>        // reset </a:t>
+            </a:r>
+            <a:r>
+              <a:rPr lang="en-US" sz="1800" dirty="0" err="1" smtClean="0"/>
+              <a:t>iterators</a:t>
+            </a:r>
+            <a:r>
+              <a:rPr lang="en-US" sz="1800" dirty="0" smtClean="0"/>
+              <a:t> if semantic action failed the match</a:t>
+            </a:r>
+          </a:p>
+          <a:p>
+            <a:pPr>
+              <a:buNone/>
+            </a:pPr>
+            <a:r>
+              <a:rPr lang="en-US" sz="1800" dirty="0" smtClean="0"/>
+              <a:t>        // retrospectively</a:t>
+            </a:r>
+          </a:p>
+          <a:p>
+            <a:pPr>
+              <a:buNone/>
+            </a:pPr>
+            <a:r>
+              <a:rPr lang="en-US" sz="1800" dirty="0" smtClean="0"/>
+              <a:t>        first = save;</a:t>
+            </a:r>
+          </a:p>
+          <a:p>
+            <a:pPr>
+              <a:buNone/>
+            </a:pPr>
+            <a:r>
+              <a:rPr lang="en-US" sz="1800" dirty="0" smtClean="0"/>
+              <a:t>    }</a:t>
+            </a:r>
+          </a:p>
+          <a:p>
+            <a:pPr>
+              <a:buNone/>
+            </a:pPr>
+            <a:r>
+              <a:rPr lang="en-US" sz="1800" dirty="0" smtClean="0"/>
+              <a:t>    return false;</a:t>
+            </a:r>
+          </a:p>
+          <a:p>
+            <a:pPr>
+              <a:buNone/>
+            </a:pPr>
+            <a:r>
+              <a:rPr lang="en-US" sz="1800" dirty="0" smtClean="0"/>
+              <a:t>}</a:t>
+            </a:r>
+            <a:endParaRPr lang="en-US" sz="1800" dirty="0"/>
+          </a:p>
+        </p:txBody>
+      </p:sp>
+      <p:sp>
+        <p:nvSpPr>
+          <p:cNvPr id="4" name="Rectangle 3"/>
+          <p:cNvSpPr/>
+          <p:nvPr/>
+        </p:nvSpPr>
+        <p:spPr bwMode="auto">
+          <a:xfrm>
+            <a:off x="609600" y="3581400"/>
+            <a:ext cx="4648200" cy="457200"/>
+          </a:xfrm>
+          <a:prstGeom prst="rect">
+            <a:avLst/>
+          </a:prstGeom>
+          <a:noFill/>
+          <a:ln w="19050">
+            <a:headEnd type="none" w="med" len="med"/>
+            <a:tailEnd type="none" w="med" len="med"/>
+          </a:ln>
+        </p:spPr>
+        <p:style>
+          <a:lnRef idx="1">
+            <a:schemeClr val="accent1"/>
+          </a:lnRef>
+          <a:fillRef idx="2">
+            <a:schemeClr val="accent1"/>
+          </a:fillRef>
+          <a:effectRef idx="1">
+            <a:schemeClr val="accent1"/>
+          </a:effectRef>
+          <a:fontRef idx="minor">
+            <a:schemeClr val="dk1"/>
+          </a:fontRef>
+        </p:style>
+        <p:txBody>
+          <a:bodyPr vert="horz" wrap="square" lIns="91436" tIns="45718" rIns="91436" bIns="45718" numCol="1" rtlCol="0" anchor="ctr" anchorCtr="0" compatLnSpc="1">
+            <a:prstTxWarp prst="textNoShape">
+              <a:avLst/>
+            </a:prstTxWarp>
+          </a:bodyPr>
+          <a:lstStyle/>
+          <a:p>
+            <a:pPr algn="ctr" defTabSz="914099" fontAlgn="base">
+              <a:spcBef>
+                <a:spcPct val="0"/>
+              </a:spcBef>
+              <a:spcAft>
+                <a:spcPct val="0"/>
+              </a:spcAft>
+            </a:pPr>
+            <a:endParaRPr lang="en-US" sz="2300" dirty="0" smtClean="0">
+              <a:solidFill>
+                <a:srgbClr val="FFFFFF"/>
+              </a:solidFill>
+              <a:latin typeface="Segoe" pitchFamily="34" charset="0"/>
+            </a:endParaRPr>
+          </a:p>
+        </p:txBody>
+      </p:sp>
+    </p:spTree>
+  </p:cSld>
+  <p:clrMapOvr>
+    <a:masterClrMapping/>
+  </p:clrMapOvr>
+  <p:transition>
+    <p:fade/>
+  </p:transition>
+  <p:timing>
+    <p:tnLst>
+      <p:par>
+        <p:cTn id="1" dur="indefinite" restart="never" nodeType="tmRoot">
+          <p:childTnLst>
+            <p:seq concurrent="1" nextAc="seek">
+              <p:cTn id="2" dur="indefinite" nodeType="mainSeq">
+                <p:childTnLst>
+                  <p:par>
+                    <p:cTn id="3" fill="hold">
+                      <p:stCondLst>
+                        <p:cond delay="indefinite"/>
+                      </p:stCondLst>
+                      <p:childTnLst>
+                        <p:par>
+                          <p:cTn id="4" fill="hold">
+                            <p:stCondLst>
+                              <p:cond delay="0"/>
+                            </p:stCondLst>
+                            <p:childTnLst>
+                              <p:par>
+                                <p:cTn id="5" presetID="3" presetClass="entr" presetSubtype="10" fill="hold" grpId="0" nodeType="clickEffect">
+                                  <p:stCondLst>
+                                    <p:cond delay="0"/>
+                                  </p:stCondLst>
+                                  <p:childTnLst>
+                                    <p:set>
+                                      <p:cBhvr>
+                                        <p:cTn id="6" dur="1" fill="hold">
+                                          <p:stCondLst>
+                                            <p:cond delay="0"/>
+                                          </p:stCondLst>
+                                        </p:cTn>
+                                        <p:tgtEl>
+                                          <p:spTgt spid="4"/>
+                                        </p:tgtEl>
+                                        <p:attrNameLst>
+                                          <p:attrName>style.visibility</p:attrName>
+                                        </p:attrNameLst>
+                                      </p:cBhvr>
+                                      <p:to>
+                                        <p:strVal val="visible"/>
+                                      </p:to>
+                                    </p:set>
+                                    <p:animEffect transition="in" filter="blinds(horizontal)">
+                                      <p:cBhvr>
+                                        <p:cTn id="7" dur="500"/>
+                                        <p:tgtEl>
+                                          <p:spTgt spid="4"/>
+                                        </p:tgtEl>
+                                      </p:cBhvr>
+                                    </p:animEffect>
+                                  </p:childTnLst>
+                                </p:cTn>
+                              </p:par>
+                            </p:childTnLst>
+                          </p:cTn>
+                        </p:par>
+                      </p:childTnLst>
+                    </p:cTn>
+                  </p:par>
+                </p:childTnLst>
+              </p:cTn>
+              <p:prevCondLst>
+                <p:cond evt="onPrev" delay="0">
+                  <p:tgtEl>
+                    <p:sldTgt/>
+                  </p:tgtEl>
+                </p:cond>
+              </p:prevCondLst>
+              <p:nextCondLst>
+                <p:cond evt="onNext" delay="0">
+                  <p:tgtEl>
+                    <p:sldTgt/>
+                  </p:tgtEl>
+                </p:cond>
+              </p:nextCondLst>
+            </p:seq>
+          </p:childTnLst>
+        </p:cTn>
+      </p:par>
+    </p:tnLst>
+    <p:bldLst>
+      <p:bldP spid="4" grpId="0" animBg="1"/>
+    </p:bldLst>
+  </p:timing>
+</p:sld>
+</file>
+
+<file path=ppt/slides/slide112.xml><?xml version="1.0" encoding="utf-8"?>
+<p:sld xmlns:a="http://schemas.openxmlformats.org/drawingml/2006/main" xmlns:r="http://schemas.openxmlformats.org/officeDocument/2006/relationships" xmlns:p="http://schemas.openxmlformats.org/presentationml/2006/main">
+  <p:cSld>
+    <p:spTree>
+      <p:nvGrpSpPr>
+        <p:cNvPr id="1" name=""/>
+        <p:cNvGrpSpPr/>
+        <p:nvPr/>
+      </p:nvGrpSpPr>
+      <p:grpSpPr>
+        <a:xfrm>
+          <a:off x="0" y="0"/>
+          <a:ext cx="0" cy="0"/>
+          <a:chOff x="0" y="0"/>
+          <a:chExt cx="0" cy="0"/>
+        </a:xfrm>
+      </p:grpSpPr>
+      <p:sp>
+        <p:nvSpPr>
+          <p:cNvPr id="2" name="Title 1"/>
+          <p:cNvSpPr>
+            <a:spLocks noGrp="1"/>
+          </p:cNvSpPr>
+          <p:nvPr>
+            <p:ph type="title"/>
+          </p:nvPr>
+        </p:nvSpPr>
+        <p:spPr/>
+        <p:txBody>
+          <a:bodyPr/>
+          <a:lstStyle/>
+          <a:p>
+            <a:r>
+              <a:rPr lang="en-US" dirty="0" smtClean="0"/>
+              <a:t>Rule Definition </a:t>
+            </a:r>
+            <a:endParaRPr lang="en-US" dirty="0"/>
+          </a:p>
+        </p:txBody>
+      </p:sp>
+      <p:sp>
+        <p:nvSpPr>
+          <p:cNvPr id="3" name="Text Placeholder 2"/>
+          <p:cNvSpPr>
+            <a:spLocks noGrp="1"/>
+          </p:cNvSpPr>
+          <p:nvPr>
+            <p:ph type="body" sz="quarter" idx="10"/>
+          </p:nvPr>
+        </p:nvSpPr>
+        <p:spPr>
+          <a:xfrm>
+            <a:off x="381000" y="1295400"/>
+            <a:ext cx="8382000" cy="4438781"/>
+          </a:xfrm>
+        </p:spPr>
+        <p:txBody>
+          <a:bodyPr/>
+          <a:lstStyle/>
+          <a:p>
+            <a:pPr>
+              <a:buNone/>
+            </a:pPr>
+            <a:r>
+              <a:rPr lang="en-US" sz="1800" dirty="0" smtClean="0"/>
+              <a:t>template &lt;</a:t>
+            </a:r>
+            <a:r>
+              <a:rPr lang="en-US" sz="1800" dirty="0" err="1" smtClean="0"/>
+              <a:t>typename</a:t>
+            </a:r>
+            <a:r>
+              <a:rPr lang="en-US" sz="1800" dirty="0" smtClean="0"/>
+              <a:t> Attribute&gt;</a:t>
+            </a:r>
+          </a:p>
+          <a:p>
+            <a:pPr>
+              <a:buNone/>
+            </a:pPr>
+            <a:r>
+              <a:rPr lang="en-US" sz="1800" dirty="0" err="1" smtClean="0"/>
+              <a:t>struct</a:t>
+            </a:r>
+            <a:r>
+              <a:rPr lang="en-US" sz="1800" dirty="0" smtClean="0"/>
+              <a:t> </a:t>
+            </a:r>
+            <a:r>
+              <a:rPr lang="en-US" sz="1800" dirty="0" err="1" smtClean="0"/>
+              <a:t>rule_context</a:t>
+            </a:r>
+            <a:endParaRPr lang="en-US" sz="1800" dirty="0" smtClean="0"/>
+          </a:p>
+          <a:p>
+            <a:pPr>
+              <a:buNone/>
+            </a:pPr>
+            <a:r>
+              <a:rPr lang="en-US" sz="1800" dirty="0" smtClean="0"/>
+              <a:t>{</a:t>
+            </a:r>
+          </a:p>
+          <a:p>
+            <a:pPr>
+              <a:buNone/>
+            </a:pPr>
+            <a:r>
+              <a:rPr lang="en-US" sz="1800" dirty="0" smtClean="0"/>
+              <a:t>    Attribute&amp; </a:t>
+            </a:r>
+            <a:r>
+              <a:rPr lang="en-US" sz="1800" dirty="0" err="1" smtClean="0"/>
+              <a:t>val</a:t>
+            </a:r>
+            <a:r>
+              <a:rPr lang="en-US" sz="1800" dirty="0" smtClean="0"/>
+              <a:t>() const</a:t>
+            </a:r>
+          </a:p>
+          <a:p>
+            <a:pPr>
+              <a:buNone/>
+            </a:pPr>
+            <a:r>
+              <a:rPr lang="en-US" sz="1800" dirty="0" smtClean="0"/>
+              <a:t>    {</a:t>
+            </a:r>
+          </a:p>
+          <a:p>
+            <a:pPr>
+              <a:buNone/>
+            </a:pPr>
+            <a:r>
+              <a:rPr lang="en-US" sz="1800" dirty="0" smtClean="0"/>
+              <a:t>        BOOST_ASSERT(</a:t>
+            </a:r>
+            <a:r>
+              <a:rPr lang="en-US" sz="1800" dirty="0" err="1" smtClean="0"/>
+              <a:t>attr_ptr</a:t>
+            </a:r>
+            <a:r>
+              <a:rPr lang="en-US" sz="1800" dirty="0" smtClean="0"/>
+              <a:t>);</a:t>
+            </a:r>
+          </a:p>
+          <a:p>
+            <a:pPr>
+              <a:buNone/>
+            </a:pPr>
+            <a:r>
+              <a:rPr lang="en-US" sz="1800" dirty="0" smtClean="0"/>
+              <a:t>        return *</a:t>
+            </a:r>
+            <a:r>
+              <a:rPr lang="en-US" sz="1800" dirty="0" err="1" smtClean="0"/>
+              <a:t>attr_ptr</a:t>
+            </a:r>
+            <a:r>
+              <a:rPr lang="en-US" sz="1800" dirty="0" smtClean="0"/>
+              <a:t>;</a:t>
+            </a:r>
+          </a:p>
+          <a:p>
+            <a:pPr>
+              <a:buNone/>
+            </a:pPr>
+            <a:r>
+              <a:rPr lang="en-US" sz="1800" dirty="0" smtClean="0"/>
+              <a:t>    }</a:t>
+            </a:r>
+          </a:p>
+          <a:p>
+            <a:pPr>
+              <a:buNone/>
+            </a:pPr>
+            <a:endParaRPr lang="en-US" sz="1800" dirty="0" smtClean="0"/>
+          </a:p>
+          <a:p>
+            <a:pPr>
+              <a:buNone/>
+            </a:pPr>
+            <a:r>
+              <a:rPr lang="en-US" sz="1800" dirty="0" smtClean="0"/>
+              <a:t>    Attribute* </a:t>
+            </a:r>
+            <a:r>
+              <a:rPr lang="en-US" sz="1800" dirty="0" err="1" smtClean="0"/>
+              <a:t>attr_ptr</a:t>
+            </a:r>
+            <a:r>
+              <a:rPr lang="en-US" sz="1800" dirty="0" smtClean="0"/>
+              <a:t>;</a:t>
+            </a:r>
+          </a:p>
+          <a:p>
+            <a:pPr>
+              <a:buNone/>
+            </a:pPr>
+            <a:r>
+              <a:rPr lang="en-US" sz="1800" dirty="0" smtClean="0"/>
+              <a:t>};</a:t>
+            </a:r>
+          </a:p>
+          <a:p>
+            <a:pPr>
+              <a:buNone/>
+            </a:pPr>
+            <a:endParaRPr lang="en-US" sz="1800" dirty="0" smtClean="0"/>
+          </a:p>
+          <a:p>
+            <a:pPr>
+              <a:buNone/>
+            </a:pPr>
+            <a:r>
+              <a:rPr lang="en-US" sz="1800" dirty="0" err="1" smtClean="0"/>
+              <a:t>struct</a:t>
+            </a:r>
+            <a:r>
+              <a:rPr lang="en-US" sz="1800" dirty="0" smtClean="0"/>
+              <a:t> </a:t>
+            </a:r>
+            <a:r>
+              <a:rPr lang="en-US" sz="1800" dirty="0" err="1" smtClean="0"/>
+              <a:t>rule_context_tag</a:t>
+            </a:r>
+            <a:r>
+              <a:rPr lang="en-US" sz="1800" dirty="0" smtClean="0"/>
+              <a:t>;</a:t>
+            </a:r>
+          </a:p>
+          <a:p>
+            <a:pPr>
+              <a:buNone/>
+            </a:pPr>
+            <a:endParaRPr lang="en-US" sz="1800" dirty="0" smtClean="0"/>
+          </a:p>
+          <a:p>
+            <a:pPr>
+              <a:buNone/>
+            </a:pPr>
+            <a:r>
+              <a:rPr lang="en-US" sz="1800" dirty="0" smtClean="0"/>
+              <a:t>template &lt;</a:t>
+            </a:r>
+            <a:r>
+              <a:rPr lang="en-US" sz="1800" dirty="0" err="1" smtClean="0"/>
+              <a:t>typename</a:t>
+            </a:r>
+            <a:r>
+              <a:rPr lang="en-US" sz="1800" dirty="0" smtClean="0"/>
+              <a:t> ID&gt;</a:t>
+            </a:r>
+          </a:p>
+          <a:p>
+            <a:pPr>
+              <a:buNone/>
+            </a:pPr>
+            <a:r>
+              <a:rPr lang="en-US" sz="1800" dirty="0" err="1" smtClean="0"/>
+              <a:t>struct</a:t>
+            </a:r>
+            <a:r>
+              <a:rPr lang="en-US" sz="1800" dirty="0" smtClean="0"/>
+              <a:t> </a:t>
+            </a:r>
+            <a:r>
+              <a:rPr lang="en-US" sz="1800" dirty="0" err="1" smtClean="0"/>
+              <a:t>rule_context_with_id_tag</a:t>
+            </a:r>
+            <a:r>
+              <a:rPr lang="en-US" sz="1800" dirty="0" smtClean="0"/>
+              <a:t>;</a:t>
+            </a:r>
+          </a:p>
+        </p:txBody>
+      </p:sp>
+    </p:spTree>
+  </p:cSld>
+  <p:clrMapOvr>
+    <a:masterClrMapping/>
+  </p:clrMapOvr>
+  <p:transition>
+    <p:fade/>
+  </p:transition>
+  <p:timing>
+    <p:tnLst>
+      <p:par>
+        <p:cTn id="1" dur="indefinite" restart="never" nodeType="tmRoot"/>
+      </p:par>
+    </p:tnLst>
+  </p:timing>
+</p:sld>
+</file>
+
+<file path=ppt/slides/slide113.xml><?xml version="1.0" encoding="utf-8"?>
+<p:sld xmlns:a="http://schemas.openxmlformats.org/drawingml/2006/main" xmlns:r="http://schemas.openxmlformats.org/officeDocument/2006/relationships" xmlns:p="http://schemas.openxmlformats.org/presentationml/2006/main">
+  <p:cSld>
+    <p:spTree>
+      <p:nvGrpSpPr>
+        <p:cNvPr id="1" name=""/>
+        <p:cNvGrpSpPr/>
+        <p:nvPr/>
+      </p:nvGrpSpPr>
+      <p:grpSpPr>
+        <a:xfrm>
+          <a:off x="0" y="0"/>
+          <a:ext cx="0" cy="0"/>
+          <a:chOff x="0" y="0"/>
+          <a:chExt cx="0" cy="0"/>
+        </a:xfrm>
+      </p:grpSpPr>
+      <p:sp>
+        <p:nvSpPr>
+          <p:cNvPr id="2" name="Title 1"/>
+          <p:cNvSpPr>
+            <a:spLocks noGrp="1"/>
+          </p:cNvSpPr>
+          <p:nvPr>
+            <p:ph type="title"/>
+          </p:nvPr>
+        </p:nvSpPr>
+        <p:spPr/>
+        <p:txBody>
+          <a:bodyPr/>
+          <a:lstStyle/>
+          <a:p>
+            <a:r>
+              <a:rPr lang="en-US" dirty="0" smtClean="0"/>
+              <a:t>Semantic Actions</a:t>
+            </a:r>
+            <a:endParaRPr lang="en-US" dirty="0"/>
+          </a:p>
+        </p:txBody>
+      </p:sp>
+      <p:sp>
+        <p:nvSpPr>
+          <p:cNvPr id="3" name="Text Placeholder 2"/>
+          <p:cNvSpPr>
+            <a:spLocks noGrp="1"/>
+          </p:cNvSpPr>
+          <p:nvPr>
+            <p:ph type="body" sz="quarter" idx="10"/>
+          </p:nvPr>
+        </p:nvSpPr>
+        <p:spPr>
+          <a:xfrm>
+            <a:off x="381000" y="990600"/>
+            <a:ext cx="8382000" cy="3323987"/>
+          </a:xfrm>
+        </p:spPr>
+        <p:txBody>
+          <a:bodyPr/>
+          <a:lstStyle/>
+          <a:p>
+            <a:pPr>
+              <a:buNone/>
+            </a:pPr>
+            <a:r>
+              <a:rPr lang="en-US" sz="2000" dirty="0" smtClean="0"/>
+              <a:t>std</a:t>
+            </a:r>
+            <a:r>
+              <a:rPr lang="en-US" sz="2000" dirty="0" smtClean="0"/>
+              <a:t>::string s;</a:t>
+            </a:r>
+          </a:p>
+          <a:p>
+            <a:pPr>
+              <a:buNone/>
+            </a:pPr>
+            <a:r>
+              <a:rPr lang="en-US" sz="2000" dirty="0" err="1" smtClean="0"/>
+              <a:t>typedef</a:t>
+            </a:r>
+            <a:r>
+              <a:rPr lang="en-US" sz="2000" dirty="0" smtClean="0"/>
+              <a:t> </a:t>
+            </a:r>
+            <a:r>
+              <a:rPr lang="en-US" sz="2000" dirty="0" smtClean="0"/>
+              <a:t>rule&lt;class r, std::string&gt; </a:t>
+            </a:r>
+            <a:r>
+              <a:rPr lang="en-US" sz="2000" dirty="0" err="1" smtClean="0"/>
+              <a:t>rule_type</a:t>
+            </a:r>
+            <a:r>
+              <a:rPr lang="en-US" sz="2000" dirty="0" smtClean="0"/>
+              <a:t>;</a:t>
+            </a:r>
+            <a:endParaRPr lang="en-US" sz="2000" dirty="0" smtClean="0"/>
+          </a:p>
+          <a:p>
+            <a:pPr>
+              <a:buNone/>
+            </a:pPr>
+            <a:r>
+              <a:rPr lang="en-US" sz="2000" dirty="0" err="1" smtClean="0"/>
+              <a:t>typedef</a:t>
+            </a:r>
+            <a:r>
+              <a:rPr lang="en-US" sz="2000" dirty="0" smtClean="0"/>
+              <a:t> </a:t>
+            </a:r>
+            <a:r>
+              <a:rPr lang="en-US" sz="2000" dirty="0" err="1" smtClean="0"/>
+              <a:t>rule_type</a:t>
+            </a:r>
+            <a:r>
+              <a:rPr lang="en-US" sz="2000" dirty="0" smtClean="0"/>
+              <a:t>::</a:t>
+            </a:r>
+            <a:r>
+              <a:rPr lang="en-US" sz="2000" dirty="0" smtClean="0"/>
+              <a:t>context </a:t>
+            </a:r>
+            <a:r>
+              <a:rPr lang="en-US" sz="2000" dirty="0" err="1" smtClean="0"/>
+              <a:t>ctx</a:t>
+            </a:r>
+            <a:r>
+              <a:rPr lang="en-US" sz="2000" dirty="0" smtClean="0"/>
+              <a:t>;</a:t>
+            </a:r>
+          </a:p>
+          <a:p>
+            <a:pPr>
+              <a:buNone/>
+            </a:pPr>
+            <a:endParaRPr lang="en-US" sz="2000" dirty="0" smtClean="0"/>
+          </a:p>
+          <a:p>
+            <a:pPr>
+              <a:buNone/>
+            </a:pPr>
+            <a:r>
+              <a:rPr lang="en-US" sz="2000" dirty="0" smtClean="0"/>
+              <a:t>auto </a:t>
+            </a:r>
+            <a:r>
+              <a:rPr lang="en-US" sz="2000" dirty="0" err="1" smtClean="0"/>
+              <a:t>rdef</a:t>
+            </a:r>
+            <a:r>
+              <a:rPr lang="en-US" sz="2000" dirty="0" smtClean="0"/>
+              <a:t> = </a:t>
+            </a:r>
+            <a:r>
+              <a:rPr lang="en-US" sz="2000" dirty="0" err="1" smtClean="0"/>
+              <a:t>rule_type</a:t>
+            </a:r>
+            <a:r>
+              <a:rPr lang="en-US" sz="2000" dirty="0" smtClean="0"/>
+              <a:t>()</a:t>
+            </a:r>
+          </a:p>
+          <a:p>
+            <a:pPr>
+              <a:buNone/>
+            </a:pPr>
+            <a:r>
+              <a:rPr lang="en-US" sz="2000" dirty="0" smtClean="0"/>
+              <a:t>    = </a:t>
+            </a:r>
+            <a:r>
+              <a:rPr lang="en-US" sz="2000" dirty="0" smtClean="0"/>
+              <a:t>alpha                 [ [](</a:t>
+            </a:r>
+            <a:r>
+              <a:rPr lang="en-US" sz="2000" dirty="0" err="1" smtClean="0"/>
+              <a:t>ctx</a:t>
+            </a:r>
+            <a:r>
+              <a:rPr lang="en-US" sz="2000" dirty="0" smtClean="0"/>
+              <a:t> r, char c){ r.val += c; </a:t>
+            </a:r>
+            <a:r>
+              <a:rPr lang="en-US" sz="2000" dirty="0" smtClean="0"/>
+              <a:t>} ]</a:t>
+            </a:r>
+            <a:endParaRPr lang="en-US" sz="2000" dirty="0" smtClean="0"/>
+          </a:p>
+          <a:p>
+            <a:pPr>
+              <a:buNone/>
+            </a:pPr>
+            <a:r>
+              <a:rPr lang="en-US" sz="2000" dirty="0" smtClean="0"/>
+              <a:t>    </a:t>
+            </a:r>
+            <a:r>
+              <a:rPr lang="en-US" sz="2000" dirty="0" smtClean="0"/>
+              <a:t>;</a:t>
+            </a:r>
+            <a:endParaRPr lang="en-US" sz="2000" dirty="0" smtClean="0"/>
+          </a:p>
+          <a:p>
+            <a:pPr>
+              <a:buNone/>
+            </a:pPr>
+            <a:endParaRPr lang="en-US" sz="2000" dirty="0" smtClean="0"/>
+          </a:p>
+          <a:p>
+            <a:pPr>
+              <a:buNone/>
+            </a:pPr>
+            <a:r>
+              <a:rPr lang="en-US" sz="2000" dirty="0" smtClean="0"/>
+              <a:t>BOOST_TEST(</a:t>
+            </a:r>
+            <a:r>
+              <a:rPr lang="en-US" sz="2000" dirty="0" err="1" smtClean="0"/>
+              <a:t>test_attr</a:t>
+            </a:r>
+            <a:r>
+              <a:rPr lang="en-US" sz="2000" dirty="0" smtClean="0"/>
+              <a:t>("</a:t>
+            </a:r>
+            <a:r>
+              <a:rPr lang="en-US" sz="2000" dirty="0" err="1" smtClean="0"/>
+              <a:t>abcdef</a:t>
+            </a:r>
+            <a:r>
+              <a:rPr lang="en-US" sz="2000" dirty="0" smtClean="0"/>
+              <a:t>", +</a:t>
+            </a:r>
+            <a:r>
+              <a:rPr lang="en-US" sz="2000" dirty="0" err="1" smtClean="0"/>
+              <a:t>rdef</a:t>
+            </a:r>
+            <a:r>
+              <a:rPr lang="en-US" sz="2000" dirty="0" smtClean="0"/>
+              <a:t>, s));</a:t>
+            </a:r>
+          </a:p>
+          <a:p>
+            <a:pPr>
+              <a:buNone/>
+            </a:pPr>
+            <a:r>
+              <a:rPr lang="en-US" sz="2000" dirty="0" smtClean="0"/>
+              <a:t>BOOST_TEST(s </a:t>
+            </a:r>
+            <a:r>
+              <a:rPr lang="en-US" sz="2000" dirty="0" smtClean="0"/>
+              <a:t>== "</a:t>
+            </a:r>
+            <a:r>
+              <a:rPr lang="en-US" sz="2000" dirty="0" err="1" smtClean="0"/>
+              <a:t>abcdef</a:t>
+            </a:r>
+            <a:r>
+              <a:rPr lang="en-US" sz="2000" dirty="0" smtClean="0"/>
+              <a:t>");</a:t>
+            </a:r>
+            <a:endParaRPr lang="en-US" sz="2000" dirty="0" smtClean="0"/>
+          </a:p>
+        </p:txBody>
+      </p:sp>
+      <p:sp>
+        <p:nvSpPr>
+          <p:cNvPr id="4" name="Rectangle 3"/>
+          <p:cNvSpPr/>
+          <p:nvPr/>
+        </p:nvSpPr>
+        <p:spPr bwMode="auto">
+          <a:xfrm>
+            <a:off x="4114800" y="3962400"/>
+            <a:ext cx="4800600" cy="2667000"/>
+          </a:xfrm>
+          <a:prstGeom prst="rect">
+            <a:avLst/>
+          </a:prstGeom>
+          <a:ln>
+            <a:headEnd type="none" w="med" len="med"/>
+            <a:tailEnd type="none" w="med" len="med"/>
+          </a:ln>
+        </p:spPr>
+        <p:style>
+          <a:lnRef idx="1">
+            <a:schemeClr val="accent2"/>
+          </a:lnRef>
+          <a:fillRef idx="3">
+            <a:schemeClr val="accent2"/>
+          </a:fillRef>
+          <a:effectRef idx="2">
+            <a:schemeClr val="accent2"/>
+          </a:effectRef>
+          <a:fontRef idx="minor">
+            <a:schemeClr val="lt1"/>
+          </a:fontRef>
+        </p:style>
+        <p:txBody>
+          <a:bodyPr vert="horz" wrap="square" lIns="91436" tIns="45718" rIns="91436" bIns="45718" numCol="1" rtlCol="0" anchor="ctr" anchorCtr="0" compatLnSpc="1">
+            <a:prstTxWarp prst="textNoShape">
+              <a:avLst/>
+            </a:prstTxWarp>
+          </a:bodyPr>
+          <a:lstStyle/>
+          <a:p>
+            <a:pPr defTabSz="914099" fontAlgn="base">
+              <a:spcBef>
+                <a:spcPct val="0"/>
+              </a:spcBef>
+              <a:spcAft>
+                <a:spcPct val="0"/>
+              </a:spcAft>
+            </a:pPr>
+            <a:r>
+              <a:rPr lang="en-US" dirty="0" smtClean="0">
+                <a:solidFill>
+                  <a:srgbClr val="FFFFFF"/>
+                </a:solidFill>
+                <a:effectLst>
+                  <a:outerShdw blurRad="38100" dist="38100" dir="2700000" algn="tl">
+                    <a:srgbClr val="000000">
+                      <a:alpha val="43137"/>
+                    </a:srgbClr>
+                  </a:outerShdw>
+                </a:effectLst>
+                <a:latin typeface="Segoe" pitchFamily="34" charset="0"/>
+              </a:rPr>
+              <a:t>template &lt;</a:t>
+            </a:r>
+            <a:r>
+              <a:rPr lang="en-US" dirty="0" err="1" smtClean="0">
+                <a:solidFill>
+                  <a:srgbClr val="FFFFFF"/>
+                </a:solidFill>
+                <a:effectLst>
+                  <a:outerShdw blurRad="38100" dist="38100" dir="2700000" algn="tl">
+                    <a:srgbClr val="000000">
+                      <a:alpha val="43137"/>
+                    </a:srgbClr>
+                  </a:outerShdw>
+                </a:effectLst>
+                <a:latin typeface="Segoe" pitchFamily="34" charset="0"/>
+              </a:rPr>
+              <a:t>typename</a:t>
+            </a:r>
+            <a:r>
+              <a:rPr lang="en-US" dirty="0" smtClean="0">
+                <a:solidFill>
+                  <a:srgbClr val="FFFFFF"/>
+                </a:solidFill>
+                <a:effectLst>
+                  <a:outerShdw blurRad="38100" dist="38100" dir="2700000" algn="tl">
+                    <a:srgbClr val="000000">
+                      <a:alpha val="43137"/>
+                    </a:srgbClr>
+                  </a:outerShdw>
+                </a:effectLst>
+                <a:latin typeface="Segoe" pitchFamily="34" charset="0"/>
+              </a:rPr>
+              <a:t> Attribute&gt;</a:t>
+            </a:r>
+          </a:p>
+          <a:p>
+            <a:pPr defTabSz="914099" fontAlgn="base">
+              <a:spcBef>
+                <a:spcPct val="0"/>
+              </a:spcBef>
+              <a:spcAft>
+                <a:spcPct val="0"/>
+              </a:spcAft>
+            </a:pPr>
+            <a:r>
+              <a:rPr lang="en-US" dirty="0" err="1" smtClean="0">
+                <a:solidFill>
+                  <a:srgbClr val="FFFFFF"/>
+                </a:solidFill>
+                <a:effectLst>
+                  <a:outerShdw blurRad="38100" dist="38100" dir="2700000" algn="tl">
+                    <a:srgbClr val="000000">
+                      <a:alpha val="43137"/>
+                    </a:srgbClr>
+                  </a:outerShdw>
+                </a:effectLst>
+                <a:latin typeface="Segoe" pitchFamily="34" charset="0"/>
+              </a:rPr>
+              <a:t>struct</a:t>
+            </a:r>
+            <a:r>
+              <a:rPr lang="en-US" dirty="0" smtClean="0">
+                <a:solidFill>
+                  <a:srgbClr val="FFFFFF"/>
+                </a:solidFill>
+                <a:effectLst>
+                  <a:outerShdw blurRad="38100" dist="38100" dir="2700000" algn="tl">
+                    <a:srgbClr val="000000">
+                      <a:alpha val="43137"/>
+                    </a:srgbClr>
+                  </a:outerShdw>
+                </a:effectLst>
+                <a:latin typeface="Segoe" pitchFamily="34" charset="0"/>
+              </a:rPr>
+              <a:t> </a:t>
+            </a:r>
+            <a:r>
+              <a:rPr lang="en-US" dirty="0" err="1" smtClean="0">
+                <a:solidFill>
+                  <a:srgbClr val="FFFFFF"/>
+                </a:solidFill>
+                <a:effectLst>
+                  <a:outerShdw blurRad="38100" dist="38100" dir="2700000" algn="tl">
+                    <a:srgbClr val="000000">
+                      <a:alpha val="43137"/>
+                    </a:srgbClr>
+                  </a:outerShdw>
+                </a:effectLst>
+                <a:latin typeface="Segoe" pitchFamily="34" charset="0"/>
+              </a:rPr>
+              <a:t>rule_context_proxy</a:t>
+            </a:r>
+            <a:endParaRPr lang="en-US" dirty="0" smtClean="0">
+              <a:solidFill>
+                <a:srgbClr val="FFFFFF"/>
+              </a:solidFill>
+              <a:effectLst>
+                <a:outerShdw blurRad="38100" dist="38100" dir="2700000" algn="tl">
+                  <a:srgbClr val="000000">
+                    <a:alpha val="43137"/>
+                  </a:srgbClr>
+                </a:outerShdw>
+              </a:effectLst>
+              <a:latin typeface="Segoe" pitchFamily="34" charset="0"/>
+            </a:endParaRPr>
+          </a:p>
+          <a:p>
+            <a:pPr defTabSz="914099" fontAlgn="base">
+              <a:spcBef>
+                <a:spcPct val="0"/>
+              </a:spcBef>
+              <a:spcAft>
+                <a:spcPct val="0"/>
+              </a:spcAft>
+            </a:pPr>
+            <a:r>
+              <a:rPr lang="en-US" dirty="0" smtClean="0">
+                <a:solidFill>
+                  <a:srgbClr val="FFFFFF"/>
+                </a:solidFill>
+                <a:effectLst>
+                  <a:outerShdw blurRad="38100" dist="38100" dir="2700000" algn="tl">
+                    <a:srgbClr val="000000">
+                      <a:alpha val="43137"/>
+                    </a:srgbClr>
+                  </a:outerShdw>
+                </a:effectLst>
+                <a:latin typeface="Segoe" pitchFamily="34" charset="0"/>
+              </a:rPr>
+              <a:t>{</a:t>
+            </a:r>
+          </a:p>
+          <a:p>
+            <a:pPr defTabSz="914099" fontAlgn="base">
+              <a:spcBef>
+                <a:spcPct val="0"/>
+              </a:spcBef>
+              <a:spcAft>
+                <a:spcPct val="0"/>
+              </a:spcAft>
+            </a:pPr>
+            <a:r>
+              <a:rPr lang="en-US" dirty="0" smtClean="0">
+                <a:solidFill>
+                  <a:srgbClr val="FFFFFF"/>
+                </a:solidFill>
+                <a:effectLst>
+                  <a:outerShdw blurRad="38100" dist="38100" dir="2700000" algn="tl">
+                    <a:srgbClr val="000000">
+                      <a:alpha val="43137"/>
+                    </a:srgbClr>
+                  </a:outerShdw>
+                </a:effectLst>
+                <a:latin typeface="Segoe" pitchFamily="34" charset="0"/>
+              </a:rPr>
+              <a:t>    template &lt;</a:t>
+            </a:r>
+            <a:r>
+              <a:rPr lang="en-US" dirty="0" err="1" smtClean="0">
+                <a:solidFill>
+                  <a:srgbClr val="FFFFFF"/>
+                </a:solidFill>
+                <a:effectLst>
+                  <a:outerShdw blurRad="38100" dist="38100" dir="2700000" algn="tl">
+                    <a:srgbClr val="000000">
+                      <a:alpha val="43137"/>
+                    </a:srgbClr>
+                  </a:outerShdw>
+                </a:effectLst>
+                <a:latin typeface="Segoe" pitchFamily="34" charset="0"/>
+              </a:rPr>
+              <a:t>typename</a:t>
+            </a:r>
+            <a:r>
+              <a:rPr lang="en-US" dirty="0" smtClean="0">
+                <a:solidFill>
+                  <a:srgbClr val="FFFFFF"/>
+                </a:solidFill>
+                <a:effectLst>
+                  <a:outerShdw blurRad="38100" dist="38100" dir="2700000" algn="tl">
+                    <a:srgbClr val="000000">
+                      <a:alpha val="43137"/>
+                    </a:srgbClr>
+                  </a:outerShdw>
+                </a:effectLst>
+                <a:latin typeface="Segoe" pitchFamily="34" charset="0"/>
+              </a:rPr>
+              <a:t> Context&gt;</a:t>
+            </a:r>
+          </a:p>
+          <a:p>
+            <a:pPr defTabSz="914099" fontAlgn="base">
+              <a:spcBef>
+                <a:spcPct val="0"/>
+              </a:spcBef>
+              <a:spcAft>
+                <a:spcPct val="0"/>
+              </a:spcAft>
+            </a:pPr>
+            <a:r>
+              <a:rPr lang="en-US" dirty="0" smtClean="0">
+                <a:solidFill>
+                  <a:srgbClr val="FFFFFF"/>
+                </a:solidFill>
+                <a:effectLst>
+                  <a:outerShdw blurRad="38100" dist="38100" dir="2700000" algn="tl">
+                    <a:srgbClr val="000000">
+                      <a:alpha val="43137"/>
+                    </a:srgbClr>
+                  </a:outerShdw>
+                </a:effectLst>
+                <a:latin typeface="Segoe" pitchFamily="34" charset="0"/>
+              </a:rPr>
+              <a:t>    </a:t>
+            </a:r>
+            <a:r>
+              <a:rPr lang="en-US" dirty="0" err="1" smtClean="0">
+                <a:solidFill>
+                  <a:srgbClr val="FFFFFF"/>
+                </a:solidFill>
+                <a:effectLst>
+                  <a:outerShdw blurRad="38100" dist="38100" dir="2700000" algn="tl">
+                    <a:srgbClr val="000000">
+                      <a:alpha val="43137"/>
+                    </a:srgbClr>
+                  </a:outerShdw>
+                </a:effectLst>
+                <a:latin typeface="Segoe" pitchFamily="34" charset="0"/>
+              </a:rPr>
+              <a:t>rule_context_proxy</a:t>
+            </a:r>
+            <a:r>
+              <a:rPr lang="en-US" dirty="0" smtClean="0">
+                <a:solidFill>
+                  <a:srgbClr val="FFFFFF"/>
+                </a:solidFill>
+                <a:effectLst>
+                  <a:outerShdw blurRad="38100" dist="38100" dir="2700000" algn="tl">
+                    <a:srgbClr val="000000">
+                      <a:alpha val="43137"/>
+                    </a:srgbClr>
+                  </a:outerShdw>
+                </a:effectLst>
+                <a:latin typeface="Segoe" pitchFamily="34" charset="0"/>
+              </a:rPr>
+              <a:t>(Context&amp; context)</a:t>
+            </a:r>
+          </a:p>
+          <a:p>
+            <a:pPr defTabSz="914099" fontAlgn="base">
+              <a:spcBef>
+                <a:spcPct val="0"/>
+              </a:spcBef>
+              <a:spcAft>
+                <a:spcPct val="0"/>
+              </a:spcAft>
+            </a:pPr>
+            <a:r>
+              <a:rPr lang="en-US" dirty="0" smtClean="0">
+                <a:solidFill>
+                  <a:srgbClr val="FFFFFF"/>
+                </a:solidFill>
+                <a:effectLst>
+                  <a:outerShdw blurRad="38100" dist="38100" dir="2700000" algn="tl">
+                    <a:srgbClr val="000000">
+                      <a:alpha val="43137"/>
+                    </a:srgbClr>
+                  </a:outerShdw>
+                </a:effectLst>
+                <a:latin typeface="Segoe" pitchFamily="34" charset="0"/>
+              </a:rPr>
+              <a:t>      : </a:t>
+            </a:r>
+            <a:r>
+              <a:rPr lang="en-US" dirty="0" err="1" smtClean="0">
+                <a:solidFill>
+                  <a:srgbClr val="FFFFFF"/>
+                </a:solidFill>
+                <a:effectLst>
+                  <a:outerShdw blurRad="38100" dist="38100" dir="2700000" algn="tl">
+                    <a:srgbClr val="000000">
+                      <a:alpha val="43137"/>
+                    </a:srgbClr>
+                  </a:outerShdw>
+                </a:effectLst>
+                <a:latin typeface="Segoe" pitchFamily="34" charset="0"/>
+              </a:rPr>
+              <a:t>val</a:t>
+            </a:r>
+            <a:r>
+              <a:rPr lang="en-US" dirty="0" smtClean="0">
+                <a:solidFill>
+                  <a:srgbClr val="FFFFFF"/>
+                </a:solidFill>
+                <a:effectLst>
+                  <a:outerShdw blurRad="38100" dist="38100" dir="2700000" algn="tl">
+                    <a:srgbClr val="000000">
+                      <a:alpha val="43137"/>
+                    </a:srgbClr>
+                  </a:outerShdw>
+                </a:effectLst>
+                <a:latin typeface="Segoe" pitchFamily="34" charset="0"/>
+              </a:rPr>
+              <a:t>(context.val()) {}</a:t>
+            </a:r>
+          </a:p>
+          <a:p>
+            <a:pPr defTabSz="914099" fontAlgn="base">
+              <a:spcBef>
+                <a:spcPct val="0"/>
+              </a:spcBef>
+              <a:spcAft>
+                <a:spcPct val="0"/>
+              </a:spcAft>
+            </a:pPr>
+            <a:r>
+              <a:rPr lang="en-US" dirty="0" smtClean="0">
+                <a:solidFill>
+                  <a:srgbClr val="FFFFFF"/>
+                </a:solidFill>
+                <a:effectLst>
+                  <a:outerShdw blurRad="38100" dist="38100" dir="2700000" algn="tl">
+                    <a:srgbClr val="000000">
+                      <a:alpha val="43137"/>
+                    </a:srgbClr>
+                  </a:outerShdw>
+                </a:effectLst>
+                <a:latin typeface="Segoe" pitchFamily="34" charset="0"/>
+              </a:rPr>
+              <a:t>    Attribute&amp; </a:t>
+            </a:r>
+            <a:r>
+              <a:rPr lang="en-US" dirty="0" err="1" smtClean="0">
+                <a:solidFill>
+                  <a:srgbClr val="FFFFFF"/>
+                </a:solidFill>
+                <a:effectLst>
+                  <a:outerShdw blurRad="38100" dist="38100" dir="2700000" algn="tl">
+                    <a:srgbClr val="000000">
+                      <a:alpha val="43137"/>
+                    </a:srgbClr>
+                  </a:outerShdw>
+                </a:effectLst>
+                <a:latin typeface="Segoe" pitchFamily="34" charset="0"/>
+              </a:rPr>
+              <a:t>val</a:t>
+            </a:r>
+            <a:r>
+              <a:rPr lang="en-US" dirty="0" smtClean="0">
+                <a:solidFill>
+                  <a:srgbClr val="FFFFFF"/>
+                </a:solidFill>
+                <a:effectLst>
+                  <a:outerShdw blurRad="38100" dist="38100" dir="2700000" algn="tl">
+                    <a:srgbClr val="000000">
+                      <a:alpha val="43137"/>
+                    </a:srgbClr>
+                  </a:outerShdw>
+                </a:effectLst>
+                <a:latin typeface="Segoe" pitchFamily="34" charset="0"/>
+              </a:rPr>
+              <a:t>;</a:t>
+            </a:r>
+          </a:p>
+          <a:p>
+            <a:pPr defTabSz="914099" fontAlgn="base">
+              <a:spcBef>
+                <a:spcPct val="0"/>
+              </a:spcBef>
+              <a:spcAft>
+                <a:spcPct val="0"/>
+              </a:spcAft>
+            </a:pPr>
+            <a:r>
+              <a:rPr lang="en-US" dirty="0" smtClean="0">
+                <a:solidFill>
+                  <a:srgbClr val="FFFFFF"/>
+                </a:solidFill>
+                <a:effectLst>
+                  <a:outerShdw blurRad="38100" dist="38100" dir="2700000" algn="tl">
+                    <a:srgbClr val="000000">
+                      <a:alpha val="43137"/>
+                    </a:srgbClr>
+                  </a:outerShdw>
+                </a:effectLst>
+                <a:latin typeface="Segoe" pitchFamily="34" charset="0"/>
+              </a:rPr>
+              <a:t>};</a:t>
+            </a:r>
+            <a:endParaRPr lang="en-US" dirty="0" smtClean="0">
+              <a:solidFill>
+                <a:srgbClr val="FFFFFF"/>
+              </a:solidFill>
+              <a:effectLst>
+                <a:outerShdw blurRad="38100" dist="38100" dir="2700000" algn="tl">
+                  <a:srgbClr val="000000">
+                    <a:alpha val="43137"/>
+                  </a:srgbClr>
+                </a:outerShdw>
+              </a:effectLst>
+              <a:latin typeface="Segoe" pitchFamily="34" charset="0"/>
+            </a:endParaRPr>
+          </a:p>
+        </p:txBody>
+      </p:sp>
+      <p:sp>
+        <p:nvSpPr>
+          <p:cNvPr id="5" name="Rectangle 4"/>
+          <p:cNvSpPr/>
+          <p:nvPr/>
+        </p:nvSpPr>
+        <p:spPr bwMode="auto">
+          <a:xfrm>
+            <a:off x="228600" y="1600200"/>
+            <a:ext cx="3429000" cy="457200"/>
+          </a:xfrm>
+          <a:prstGeom prst="rect">
+            <a:avLst/>
+          </a:prstGeom>
+          <a:noFill/>
+          <a:ln w="19050">
+            <a:headEnd type="none" w="med" len="med"/>
+            <a:tailEnd type="none" w="med" len="med"/>
+          </a:ln>
+        </p:spPr>
+        <p:style>
+          <a:lnRef idx="1">
+            <a:schemeClr val="accent1"/>
+          </a:lnRef>
+          <a:fillRef idx="2">
+            <a:schemeClr val="accent1"/>
+          </a:fillRef>
+          <a:effectRef idx="1">
+            <a:schemeClr val="accent1"/>
+          </a:effectRef>
+          <a:fontRef idx="minor">
+            <a:schemeClr val="dk1"/>
+          </a:fontRef>
+        </p:style>
+        <p:txBody>
+          <a:bodyPr vert="horz" wrap="square" lIns="91436" tIns="45718" rIns="91436" bIns="45718" numCol="1" rtlCol="0" anchor="ctr" anchorCtr="0" compatLnSpc="1">
+            <a:prstTxWarp prst="textNoShape">
+              <a:avLst/>
+            </a:prstTxWarp>
+          </a:bodyPr>
+          <a:lstStyle/>
+          <a:p>
+            <a:pPr algn="ctr" defTabSz="914099" fontAlgn="base">
+              <a:spcBef>
+                <a:spcPct val="0"/>
+              </a:spcBef>
+              <a:spcAft>
+                <a:spcPct val="0"/>
+              </a:spcAft>
+            </a:pPr>
+            <a:endParaRPr lang="en-US" sz="2300" dirty="0" smtClean="0">
+              <a:solidFill>
+                <a:srgbClr val="FFFFFF"/>
+              </a:solidFill>
+              <a:latin typeface="Segoe" pitchFamily="34" charset="0"/>
+            </a:endParaRPr>
+          </a:p>
+        </p:txBody>
+      </p:sp>
+      <p:cxnSp>
+        <p:nvCxnSpPr>
+          <p:cNvPr id="7" name="Shape 6"/>
+          <p:cNvCxnSpPr>
+            <a:stCxn id="5" idx="3"/>
+            <a:endCxn id="4" idx="0"/>
+          </p:cNvCxnSpPr>
+          <p:nvPr/>
+        </p:nvCxnSpPr>
+        <p:spPr>
+          <a:xfrm>
+            <a:off x="3657600" y="1828800"/>
+            <a:ext cx="2857500" cy="2133600"/>
+          </a:xfrm>
+          <a:prstGeom prst="bentConnector2">
+            <a:avLst/>
+          </a:prstGeom>
+          <a:ln w="38100">
+            <a:tailEnd type="arrow"/>
+          </a:ln>
+        </p:spPr>
+        <p:style>
+          <a:lnRef idx="1">
+            <a:schemeClr val="accent1"/>
+          </a:lnRef>
+          <a:fillRef idx="0">
+            <a:schemeClr val="accent1"/>
+          </a:fillRef>
+          <a:effectRef idx="0">
+            <a:schemeClr val="accent1"/>
+          </a:effectRef>
+          <a:fontRef idx="minor">
+            <a:schemeClr val="tx1"/>
+          </a:fontRef>
+        </p:style>
+      </p:cxnSp>
+    </p:spTree>
+  </p:cSld>
+  <p:clrMapOvr>
+    <a:masterClrMapping/>
+  </p:clrMapOvr>
+  <p:transition>
+    <p:fade/>
+  </p:transition>
+  <p:timing>
+    <p:tnLst>
+      <p:par>
+        <p:cTn id="1" dur="indefinite" restart="never" nodeType="tmRoot">
+          <p:childTnLst>
+            <p:seq concurrent="1" nextAc="seek">
+              <p:cTn id="2" dur="indefinite" nodeType="mainSeq">
+                <p:childTnLst>
+                  <p:par>
+                    <p:cTn id="3" fill="hold">
+                      <p:stCondLst>
+                        <p:cond delay="indefinite"/>
+                      </p:stCondLst>
+                      <p:childTnLst>
+                        <p:par>
+                          <p:cTn id="4" fill="hold">
+                            <p:stCondLst>
+                              <p:cond delay="0"/>
+                            </p:stCondLst>
+                            <p:childTnLst>
+                              <p:par>
+                                <p:cTn id="5" presetID="3" presetClass="entr" presetSubtype="10" fill="hold" grpId="0" nodeType="clickEffect">
+                                  <p:stCondLst>
+                                    <p:cond delay="0"/>
+                                  </p:stCondLst>
+                                  <p:childTnLst>
+                                    <p:set>
+                                      <p:cBhvr>
+                                        <p:cTn id="6" dur="1" fill="hold">
+                                          <p:stCondLst>
+                                            <p:cond delay="0"/>
+                                          </p:stCondLst>
+                                        </p:cTn>
+                                        <p:tgtEl>
+                                          <p:spTgt spid="5"/>
+                                        </p:tgtEl>
+                                        <p:attrNameLst>
+                                          <p:attrName>style.visibility</p:attrName>
+                                        </p:attrNameLst>
+                                      </p:cBhvr>
+                                      <p:to>
+                                        <p:strVal val="visible"/>
+                                      </p:to>
+                                    </p:set>
+                                    <p:animEffect transition="in" filter="blinds(horizontal)">
+                                      <p:cBhvr>
+                                        <p:cTn id="7" dur="500"/>
+                                        <p:tgtEl>
+                                          <p:spTgt spid="5"/>
+                                        </p:tgtEl>
+                                      </p:cBhvr>
+                                    </p:animEffect>
+                                  </p:childTnLst>
+                                </p:cTn>
+                              </p:par>
+                              <p:par>
+                                <p:cTn id="8" presetID="3" presetClass="entr" presetSubtype="10" fill="hold" nodeType="withEffect">
+                                  <p:stCondLst>
+                                    <p:cond delay="0"/>
+                                  </p:stCondLst>
+                                  <p:childTnLst>
+                                    <p:set>
+                                      <p:cBhvr>
+                                        <p:cTn id="9" dur="1" fill="hold">
+                                          <p:stCondLst>
+                                            <p:cond delay="0"/>
+                                          </p:stCondLst>
+                                        </p:cTn>
+                                        <p:tgtEl>
+                                          <p:spTgt spid="7"/>
+                                        </p:tgtEl>
+                                        <p:attrNameLst>
+                                          <p:attrName>style.visibility</p:attrName>
+                                        </p:attrNameLst>
+                                      </p:cBhvr>
+                                      <p:to>
+                                        <p:strVal val="visible"/>
+                                      </p:to>
+                                    </p:set>
+                                    <p:animEffect transition="in" filter="blinds(horizontal)">
+                                      <p:cBhvr>
+                                        <p:cTn id="10" dur="500"/>
+                                        <p:tgtEl>
+                                          <p:spTgt spid="7"/>
+                                        </p:tgtEl>
+                                      </p:cBhvr>
+                                    </p:animEffect>
+                                  </p:childTnLst>
+                                </p:cTn>
+                              </p:par>
+                              <p:par>
+                                <p:cTn id="11" presetID="3" presetClass="entr" presetSubtype="10" fill="hold" grpId="0" nodeType="withEffect">
+                                  <p:stCondLst>
+                                    <p:cond delay="0"/>
+                                  </p:stCondLst>
+                                  <p:childTnLst>
+                                    <p:set>
+                                      <p:cBhvr>
+                                        <p:cTn id="12" dur="1" fill="hold">
+                                          <p:stCondLst>
+                                            <p:cond delay="0"/>
+                                          </p:stCondLst>
+                                        </p:cTn>
+                                        <p:tgtEl>
+                                          <p:spTgt spid="4"/>
+                                        </p:tgtEl>
+                                        <p:attrNameLst>
+                                          <p:attrName>style.visibility</p:attrName>
+                                        </p:attrNameLst>
+                                      </p:cBhvr>
+                                      <p:to>
+                                        <p:strVal val="visible"/>
+                                      </p:to>
+                                    </p:set>
+                                    <p:animEffect transition="in" filter="blinds(horizontal)">
+                                      <p:cBhvr>
+                                        <p:cTn id="13" dur="500"/>
+                                        <p:tgtEl>
+                                          <p:spTgt spid="4"/>
+                                        </p:tgtEl>
+                                      </p:cBhvr>
+                                    </p:animEffect>
+                                  </p:childTnLst>
+                                </p:cTn>
+                              </p:par>
+                            </p:childTnLst>
+                          </p:cTn>
+                        </p:par>
+                      </p:childTnLst>
+                    </p:cTn>
+                  </p:par>
+                  <p:par>
+                    <p:cTn id="14" fill="hold">
+                      <p:stCondLst>
+                        <p:cond delay="indefinite"/>
+                      </p:stCondLst>
+                      <p:childTnLst>
+                        <p:par>
+                          <p:cTn id="15" fill="hold">
+                            <p:stCondLst>
+                              <p:cond delay="0"/>
+                            </p:stCondLst>
+                            <p:childTnLst>
+                              <p:par>
+                                <p:cTn id="16" presetID="3" presetClass="exit" presetSubtype="10" fill="hold" grpId="1" nodeType="clickEffect">
+                                  <p:stCondLst>
+                                    <p:cond delay="0"/>
+                                  </p:stCondLst>
+                                  <p:childTnLst>
+                                    <p:animEffect transition="out" filter="blinds(horizontal)">
+                                      <p:cBhvr>
+                                        <p:cTn id="17" dur="500"/>
+                                        <p:tgtEl>
+                                          <p:spTgt spid="5"/>
+                                        </p:tgtEl>
+                                      </p:cBhvr>
+                                    </p:animEffect>
+                                    <p:set>
+                                      <p:cBhvr>
+                                        <p:cTn id="18" dur="1" fill="hold">
+                                          <p:stCondLst>
+                                            <p:cond delay="499"/>
+                                          </p:stCondLst>
+                                        </p:cTn>
+                                        <p:tgtEl>
+                                          <p:spTgt spid="5"/>
+                                        </p:tgtEl>
+                                        <p:attrNameLst>
+                                          <p:attrName>style.visibility</p:attrName>
+                                        </p:attrNameLst>
+                                      </p:cBhvr>
+                                      <p:to>
+                                        <p:strVal val="hidden"/>
+                                      </p:to>
+                                    </p:set>
+                                  </p:childTnLst>
+                                </p:cTn>
+                              </p:par>
+                              <p:par>
+                                <p:cTn id="19" presetID="3" presetClass="exit" presetSubtype="10" fill="hold" nodeType="withEffect">
+                                  <p:stCondLst>
+                                    <p:cond delay="0"/>
+                                  </p:stCondLst>
+                                  <p:childTnLst>
+                                    <p:animEffect transition="out" filter="blinds(horizontal)">
+                                      <p:cBhvr>
+                                        <p:cTn id="20" dur="500"/>
+                                        <p:tgtEl>
+                                          <p:spTgt spid="7"/>
+                                        </p:tgtEl>
+                                      </p:cBhvr>
+                                    </p:animEffect>
+                                    <p:set>
+                                      <p:cBhvr>
+                                        <p:cTn id="21" dur="1" fill="hold">
+                                          <p:stCondLst>
+                                            <p:cond delay="499"/>
+                                          </p:stCondLst>
+                                        </p:cTn>
+                                        <p:tgtEl>
+                                          <p:spTgt spid="7"/>
+                                        </p:tgtEl>
+                                        <p:attrNameLst>
+                                          <p:attrName>style.visibility</p:attrName>
+                                        </p:attrNameLst>
+                                      </p:cBhvr>
+                                      <p:to>
+                                        <p:strVal val="hidden"/>
+                                      </p:to>
+                                    </p:set>
+                                  </p:childTnLst>
+                                </p:cTn>
+                              </p:par>
+                              <p:par>
+                                <p:cTn id="22" presetID="3" presetClass="exit" presetSubtype="10" fill="hold" grpId="1" nodeType="withEffect">
+                                  <p:stCondLst>
+                                    <p:cond delay="0"/>
+                                  </p:stCondLst>
+                                  <p:childTnLst>
+                                    <p:animEffect transition="out" filter="blinds(horizontal)">
+                                      <p:cBhvr>
+                                        <p:cTn id="23" dur="500"/>
+                                        <p:tgtEl>
+                                          <p:spTgt spid="4"/>
+                                        </p:tgtEl>
+                                      </p:cBhvr>
+                                    </p:animEffect>
+                                    <p:set>
+                                      <p:cBhvr>
+                                        <p:cTn id="24" dur="1" fill="hold">
+                                          <p:stCondLst>
+                                            <p:cond delay="499"/>
+                                          </p:stCondLst>
+                                        </p:cTn>
+                                        <p:tgtEl>
+                                          <p:spTgt spid="4"/>
+                                        </p:tgtEl>
+                                        <p:attrNameLst>
+                                          <p:attrName>style.visibility</p:attrName>
+                                        </p:attrNameLst>
+                                      </p:cBhvr>
+                                      <p:to>
+                                        <p:strVal val="hidden"/>
+                                      </p:to>
+                                    </p:set>
+                                  </p:childTnLst>
+                                </p:cTn>
+                              </p:par>
+                            </p:childTnLst>
+                          </p:cTn>
+                        </p:par>
+                      </p:childTnLst>
+                    </p:cTn>
+                  </p:par>
+                  <p:par>
+                    <p:cTn id="25" fill="hold">
+                      <p:stCondLst>
+                        <p:cond delay="indefinite"/>
+                      </p:stCondLst>
+                      <p:childTnLst>
+                        <p:par>
+                          <p:cTn id="26" fill="hold">
+                            <p:stCondLst>
+                              <p:cond delay="0"/>
+                            </p:stCondLst>
+                            <p:childTnLst>
+                              <p:par>
+                                <p:cTn id="27" presetID="2" presetClass="entr" presetSubtype="4" fill="hold" nodeType="clickEffect">
+                                  <p:stCondLst>
+                                    <p:cond delay="0"/>
+                                  </p:stCondLst>
+                                  <p:childTnLst>
+                                    <p:set>
+                                      <p:cBhvr>
+                                        <p:cTn id="28" dur="1" fill="hold">
+                                          <p:stCondLst>
+                                            <p:cond delay="0"/>
+                                          </p:stCondLst>
+                                        </p:cTn>
+                                        <p:tgtEl>
+                                          <p:spTgt spid="3">
+                                            <p:txEl>
+                                              <p:pRg st="8" end="8"/>
+                                            </p:txEl>
+                                          </p:spTgt>
+                                        </p:tgtEl>
+                                        <p:attrNameLst>
+                                          <p:attrName>style.visibility</p:attrName>
+                                        </p:attrNameLst>
+                                      </p:cBhvr>
+                                      <p:to>
+                                        <p:strVal val="visible"/>
+                                      </p:to>
+                                    </p:set>
+                                    <p:anim calcmode="lin" valueType="num">
+                                      <p:cBhvr additive="base">
+                                        <p:cTn id="29" dur="500" fill="hold"/>
+                                        <p:tgtEl>
+                                          <p:spTgt spid="3">
+                                            <p:txEl>
+                                              <p:pRg st="8" end="8"/>
+                                            </p:txEl>
+                                          </p:spTgt>
+                                        </p:tgtEl>
+                                        <p:attrNameLst>
+                                          <p:attrName>ppt_x</p:attrName>
+                                        </p:attrNameLst>
+                                      </p:cBhvr>
+                                      <p:tavLst>
+                                        <p:tav tm="0">
+                                          <p:val>
+                                            <p:strVal val="#ppt_x"/>
+                                          </p:val>
+                                        </p:tav>
+                                        <p:tav tm="100000">
+                                          <p:val>
+                                            <p:strVal val="#ppt_x"/>
+                                          </p:val>
+                                        </p:tav>
+                                      </p:tavLst>
+                                    </p:anim>
+                                    <p:anim calcmode="lin" valueType="num">
+                                      <p:cBhvr additive="base">
+                                        <p:cTn id="30" dur="500" fill="hold"/>
+                                        <p:tgtEl>
+                                          <p:spTgt spid="3">
+                                            <p:txEl>
+                                              <p:pRg st="8" end="8"/>
+                                            </p:txEl>
+                                          </p:spTgt>
+                                        </p:tgtEl>
+                                        <p:attrNameLst>
+                                          <p:attrName>ppt_y</p:attrName>
+                                        </p:attrNameLst>
+                                      </p:cBhvr>
+                                      <p:tavLst>
+                                        <p:tav tm="0">
+                                          <p:val>
+                                            <p:strVal val="1+#ppt_h/2"/>
+                                          </p:val>
+                                        </p:tav>
+                                        <p:tav tm="100000">
+                                          <p:val>
+                                            <p:strVal val="#ppt_y"/>
+                                          </p:val>
+                                        </p:tav>
+                                      </p:tavLst>
+                                    </p:anim>
+                                  </p:childTnLst>
+                                </p:cTn>
+                              </p:par>
+                              <p:par>
+                                <p:cTn id="31" presetID="2" presetClass="entr" presetSubtype="4" fill="hold" nodeType="withEffect">
+                                  <p:stCondLst>
+                                    <p:cond delay="0"/>
+                                  </p:stCondLst>
+                                  <p:childTnLst>
+                                    <p:set>
+                                      <p:cBhvr>
+                                        <p:cTn id="32" dur="1" fill="hold">
+                                          <p:stCondLst>
+                                            <p:cond delay="0"/>
+                                          </p:stCondLst>
+                                        </p:cTn>
+                                        <p:tgtEl>
+                                          <p:spTgt spid="3">
+                                            <p:txEl>
+                                              <p:pRg st="9" end="9"/>
+                                            </p:txEl>
+                                          </p:spTgt>
+                                        </p:tgtEl>
+                                        <p:attrNameLst>
+                                          <p:attrName>style.visibility</p:attrName>
+                                        </p:attrNameLst>
+                                      </p:cBhvr>
+                                      <p:to>
+                                        <p:strVal val="visible"/>
+                                      </p:to>
+                                    </p:set>
+                                    <p:anim calcmode="lin" valueType="num">
+                                      <p:cBhvr additive="base">
+                                        <p:cTn id="33" dur="500" fill="hold"/>
+                                        <p:tgtEl>
+                                          <p:spTgt spid="3">
+                                            <p:txEl>
+                                              <p:pRg st="9" end="9"/>
+                                            </p:txEl>
+                                          </p:spTgt>
+                                        </p:tgtEl>
+                                        <p:attrNameLst>
+                                          <p:attrName>ppt_x</p:attrName>
+                                        </p:attrNameLst>
+                                      </p:cBhvr>
+                                      <p:tavLst>
+                                        <p:tav tm="0">
+                                          <p:val>
+                                            <p:strVal val="#ppt_x"/>
+                                          </p:val>
+                                        </p:tav>
+                                        <p:tav tm="100000">
+                                          <p:val>
+                                            <p:strVal val="#ppt_x"/>
+                                          </p:val>
+                                        </p:tav>
+                                      </p:tavLst>
+                                    </p:anim>
+                                    <p:anim calcmode="lin" valueType="num">
+                                      <p:cBhvr additive="base">
+                                        <p:cTn id="34" dur="500" fill="hold"/>
+                                        <p:tgtEl>
+                                          <p:spTgt spid="3">
+                                            <p:txEl>
+                                              <p:pRg st="9" end="9"/>
+                                            </p:txEl>
+                                          </p:spTgt>
+                                        </p:tgtEl>
+                                        <p:attrNameLst>
+                                          <p:attrName>ppt_y</p:attrName>
+                                        </p:attrNameLst>
+                                      </p:cBhvr>
+                                      <p:tavLst>
+                                        <p:tav tm="0">
+                                          <p:val>
+                                            <p:strVal val="1+#ppt_h/2"/>
+                                          </p:val>
+                                        </p:tav>
+                                        <p:tav tm="100000">
+                                          <p:val>
+                                            <p:strVal val="#ppt_y"/>
+                                          </p:val>
+                                        </p:tav>
+                                      </p:tavLst>
+                                    </p:anim>
+                                  </p:childTnLst>
+                                </p:cTn>
+                              </p:par>
+                            </p:childTnLst>
+                          </p:cTn>
+                        </p:par>
+                      </p:childTnLst>
+                    </p:cTn>
+                  </p:par>
+                </p:childTnLst>
+              </p:cTn>
+              <p:prevCondLst>
+                <p:cond evt="onPrev" delay="0">
+                  <p:tgtEl>
+                    <p:sldTgt/>
+                  </p:tgtEl>
+                </p:cond>
+              </p:prevCondLst>
+              <p:nextCondLst>
+                <p:cond evt="onNext" delay="0">
+                  <p:tgtEl>
+                    <p:sldTgt/>
+                  </p:tgtEl>
+                </p:cond>
+              </p:nextCondLst>
+            </p:seq>
+          </p:childTnLst>
+        </p:cTn>
+      </p:par>
+    </p:tnLst>
+    <p:bldLst>
+      <p:bldP spid="4" grpId="0" animBg="1"/>
+      <p:bldP spid="4" grpId="1" animBg="1"/>
+      <p:bldP spid="5" grpId="0" animBg="1"/>
+      <p:bldP spid="5" grpId="1" animBg="1"/>
+    </p:bldLst>
+  </p:timing>
+</p:sld>
+</file>
+
+<file path=ppt/slides/slide114.xml><?xml version="1.0" encoding="utf-8"?>
+<p:sld xmlns:a="http://schemas.openxmlformats.org/drawingml/2006/main" xmlns:r="http://schemas.openxmlformats.org/officeDocument/2006/relationships" xmlns:p="http://schemas.openxmlformats.org/presentationml/2006/main">
+  <p:cSld>
+    <p:spTree>
+      <p:nvGrpSpPr>
+        <p:cNvPr id="1" name=""/>
+        <p:cNvGrpSpPr/>
+        <p:nvPr/>
+      </p:nvGrpSpPr>
+      <p:grpSpPr>
+        <a:xfrm>
+          <a:off x="0" y="0"/>
+          <a:ext cx="0" cy="0"/>
+          <a:chOff x="0" y="0"/>
+          <a:chExt cx="0" cy="0"/>
+        </a:xfrm>
+      </p:grpSpPr>
+      <p:sp>
+        <p:nvSpPr>
+          <p:cNvPr id="2" name="Title 1"/>
+          <p:cNvSpPr>
+            <a:spLocks noGrp="1"/>
+          </p:cNvSpPr>
+          <p:nvPr>
+            <p:ph type="title"/>
+          </p:nvPr>
+        </p:nvSpPr>
+        <p:spPr/>
+        <p:txBody>
+          <a:bodyPr/>
+          <a:lstStyle/>
+          <a:p>
+            <a:r>
+              <a:rPr lang="en-US" dirty="0" smtClean="0"/>
+              <a:t>Semantic Actions (Phoenix)</a:t>
+            </a:r>
+            <a:endParaRPr lang="en-US" dirty="0"/>
+          </a:p>
+        </p:txBody>
+      </p:sp>
+      <p:sp>
+        <p:nvSpPr>
+          <p:cNvPr id="3" name="Text Placeholder 2"/>
+          <p:cNvSpPr>
+            <a:spLocks noGrp="1"/>
+          </p:cNvSpPr>
+          <p:nvPr>
+            <p:ph type="body" sz="quarter" idx="10"/>
+          </p:nvPr>
+        </p:nvSpPr>
+        <p:spPr>
+          <a:xfrm>
+            <a:off x="381000" y="990600"/>
+            <a:ext cx="8382000" cy="1969770"/>
+          </a:xfrm>
+        </p:spPr>
+        <p:txBody>
+          <a:bodyPr/>
+          <a:lstStyle/>
+          <a:p>
+            <a:pPr>
+              <a:buNone/>
+            </a:pPr>
+            <a:r>
+              <a:rPr lang="en-US" sz="2000" dirty="0" smtClean="0"/>
+              <a:t>std</a:t>
+            </a:r>
+            <a:r>
+              <a:rPr lang="en-US" sz="2000" dirty="0" smtClean="0"/>
+              <a:t>::string s;</a:t>
+            </a:r>
+          </a:p>
+          <a:p>
+            <a:pPr>
+              <a:buNone/>
+            </a:pPr>
+            <a:r>
+              <a:rPr lang="en-US" sz="2000" dirty="0" err="1" smtClean="0"/>
+              <a:t>typedef</a:t>
+            </a:r>
+            <a:r>
+              <a:rPr lang="en-US" sz="2000" dirty="0" smtClean="0"/>
+              <a:t> </a:t>
+            </a:r>
+            <a:r>
+              <a:rPr lang="en-US" sz="2000" dirty="0" smtClean="0"/>
+              <a:t>rule&lt;class r, std::string&gt; </a:t>
+            </a:r>
+            <a:r>
+              <a:rPr lang="en-US" sz="2000" dirty="0" err="1" smtClean="0"/>
+              <a:t>rule_type</a:t>
+            </a:r>
+            <a:r>
+              <a:rPr lang="en-US" sz="2000" dirty="0" smtClean="0"/>
+              <a:t>;</a:t>
+            </a:r>
+          </a:p>
+          <a:p>
+            <a:pPr>
+              <a:buNone/>
+            </a:pPr>
+            <a:endParaRPr lang="en-US" sz="2000" dirty="0" smtClean="0"/>
+          </a:p>
+          <a:p>
+            <a:pPr>
+              <a:buNone/>
+            </a:pPr>
+            <a:r>
+              <a:rPr lang="en-US" sz="2000" dirty="0" smtClean="0"/>
+              <a:t>auto </a:t>
+            </a:r>
+            <a:r>
+              <a:rPr lang="en-US" sz="2000" dirty="0" err="1" smtClean="0"/>
+              <a:t>rdef</a:t>
+            </a:r>
+            <a:r>
+              <a:rPr lang="en-US" sz="2000" dirty="0" smtClean="0"/>
+              <a:t> = </a:t>
+            </a:r>
+            <a:r>
+              <a:rPr lang="en-US" sz="2000" dirty="0" err="1" smtClean="0"/>
+              <a:t>rule_type</a:t>
+            </a:r>
+            <a:r>
+              <a:rPr lang="en-US" sz="2000" dirty="0" smtClean="0"/>
+              <a:t>()</a:t>
+            </a:r>
+          </a:p>
+          <a:p>
+            <a:pPr>
+              <a:buNone/>
+            </a:pPr>
+            <a:r>
+              <a:rPr lang="en-US" sz="2000" dirty="0" smtClean="0"/>
+              <a:t>    = </a:t>
+            </a:r>
+            <a:r>
+              <a:rPr lang="en-US" sz="2000" dirty="0" smtClean="0"/>
+              <a:t>alpha                 </a:t>
+            </a:r>
+            <a:r>
+              <a:rPr lang="en-US" sz="2000" dirty="0" smtClean="0"/>
+              <a:t>[ _</a:t>
+            </a:r>
+            <a:r>
+              <a:rPr lang="en-US" sz="2000" dirty="0" err="1" smtClean="0"/>
+              <a:t>val</a:t>
+            </a:r>
+            <a:r>
+              <a:rPr lang="en-US" sz="2000" dirty="0" smtClean="0"/>
+              <a:t> </a:t>
+            </a:r>
+            <a:r>
+              <a:rPr lang="en-US" sz="2000" dirty="0" smtClean="0"/>
+              <a:t>+= </a:t>
+            </a:r>
+            <a:r>
+              <a:rPr lang="en-US" sz="2000" dirty="0" smtClean="0"/>
+              <a:t>c</a:t>
+            </a:r>
+            <a:r>
+              <a:rPr lang="en-US" sz="2000" dirty="0" smtClean="0"/>
+              <a:t> </a:t>
+            </a:r>
+            <a:r>
+              <a:rPr lang="en-US" sz="2000" dirty="0" smtClean="0"/>
+              <a:t>]</a:t>
+            </a:r>
+            <a:endParaRPr lang="en-US" sz="2000" dirty="0" smtClean="0"/>
+          </a:p>
+          <a:p>
+            <a:pPr>
+              <a:buNone/>
+            </a:pPr>
+            <a:r>
+              <a:rPr lang="en-US" sz="2000" dirty="0" smtClean="0"/>
+              <a:t>    </a:t>
+            </a:r>
+            <a:r>
+              <a:rPr lang="en-US" sz="2000" dirty="0" smtClean="0"/>
+              <a:t>;</a:t>
+            </a:r>
+            <a:endParaRPr lang="en-US" sz="2000" dirty="0" smtClean="0"/>
+          </a:p>
+        </p:txBody>
+      </p:sp>
+    </p:spTree>
+  </p:cSld>
+  <p:clrMapOvr>
+    <a:masterClrMapping/>
+  </p:clrMapOvr>
+  <p:transition>
+    <p:fade/>
+  </p:transition>
+  <p:timing>
+    <p:tnLst>
+      <p:par>
+        <p:cTn id="1" dur="indefinite" restart="never" nodeType="tmRoot"/>
+      </p:par>
+    </p:tnLst>
+  </p:timing>
+</p:sld>
+</file>
+
+<file path=ppt/slides/slide115.xml><?xml version="1.0" encoding="utf-8"?>
+<p:sld xmlns:a="http://schemas.openxmlformats.org/drawingml/2006/main" xmlns:r="http://schemas.openxmlformats.org/officeDocument/2006/relationships" xmlns:p="http://schemas.openxmlformats.org/presentationml/2006/main">
+  <p:cSld>
+    <p:spTree>
+      <p:nvGrpSpPr>
+        <p:cNvPr id="1" name=""/>
+        <p:cNvGrpSpPr/>
+        <p:nvPr/>
+      </p:nvGrpSpPr>
+      <p:grpSpPr>
+        <a:xfrm>
+          <a:off x="0" y="0"/>
+          <a:ext cx="0" cy="0"/>
+          <a:chOff x="0" y="0"/>
+          <a:chExt cx="0" cy="0"/>
+        </a:xfrm>
+      </p:grpSpPr>
+      <p:sp>
+        <p:nvSpPr>
+          <p:cNvPr id="2" name="Title 1"/>
+          <p:cNvSpPr>
+            <a:spLocks noGrp="1"/>
+          </p:cNvSpPr>
+          <p:nvPr>
+            <p:ph type="title"/>
+          </p:nvPr>
+        </p:nvSpPr>
+        <p:spPr/>
+        <p:txBody>
+          <a:bodyPr/>
+          <a:lstStyle/>
+          <a:p>
+            <a:r>
+              <a:rPr lang="en-US" dirty="0" smtClean="0"/>
+              <a:t>Wrapping Up</a:t>
+            </a:r>
+            <a:endParaRPr lang="en-US" dirty="0"/>
+          </a:p>
+        </p:txBody>
+      </p:sp>
+      <p:sp>
+        <p:nvSpPr>
+          <p:cNvPr id="3" name="Text Placeholder 2"/>
+          <p:cNvSpPr>
+            <a:spLocks noGrp="1"/>
+          </p:cNvSpPr>
+          <p:nvPr>
+            <p:ph type="body" sz="quarter" idx="10"/>
+          </p:nvPr>
+        </p:nvSpPr>
+        <p:spPr>
+          <a:xfrm>
+            <a:off x="381000" y="1411552"/>
+            <a:ext cx="8382000" cy="3896451"/>
+          </a:xfrm>
+        </p:spPr>
+        <p:txBody>
+          <a:bodyPr/>
+          <a:lstStyle/>
+          <a:p>
+            <a:r>
+              <a:rPr lang="en-US" dirty="0" smtClean="0"/>
+              <a:t>Spirit X3 is experimental (under development)</a:t>
+            </a:r>
+          </a:p>
+          <a:p>
+            <a:r>
+              <a:rPr lang="en-US" dirty="0" smtClean="0">
+                <a:hlinkClick r:id="rId2"/>
+              </a:rPr>
+              <a:t>https://</a:t>
+            </a:r>
+            <a:r>
+              <a:rPr lang="en-US" dirty="0" smtClean="0">
+                <a:hlinkClick r:id="rId2"/>
+              </a:rPr>
+              <a:t>github.com/djowel/spirit_x3</a:t>
+            </a:r>
+            <a:endParaRPr lang="en-US" dirty="0" smtClean="0"/>
+          </a:p>
+          <a:p>
+            <a:r>
+              <a:rPr lang="en-US" dirty="0" smtClean="0"/>
+              <a:t>Contributors! We need you!</a:t>
+            </a:r>
+          </a:p>
+          <a:p>
+            <a:pPr lvl="1"/>
+            <a:r>
+              <a:rPr lang="en-US" dirty="0" smtClean="0"/>
+              <a:t>Documentation / Tutorials</a:t>
+            </a:r>
+          </a:p>
+          <a:p>
+            <a:pPr lvl="1"/>
+            <a:r>
+              <a:rPr lang="en-US" dirty="0" smtClean="0"/>
+              <a:t>Porting Karma</a:t>
+            </a:r>
+          </a:p>
+          <a:p>
+            <a:pPr lvl="1"/>
+            <a:r>
+              <a:rPr lang="en-US" dirty="0" smtClean="0"/>
+              <a:t>Porting </a:t>
+            </a:r>
+            <a:r>
+              <a:rPr lang="en-US" dirty="0" err="1" smtClean="0"/>
+              <a:t>Lex</a:t>
+            </a:r>
+            <a:endParaRPr lang="en-US" dirty="0" smtClean="0"/>
+          </a:p>
+          <a:p>
+            <a:pPr lvl="1"/>
+            <a:r>
+              <a:rPr lang="en-US" dirty="0" smtClean="0"/>
+              <a:t>Testing, Benchmarks</a:t>
+            </a:r>
+          </a:p>
+          <a:p>
+            <a:pPr lvl="1"/>
+            <a:r>
+              <a:rPr lang="en-US" dirty="0" smtClean="0"/>
+              <a:t>Experimental Research</a:t>
+            </a:r>
+          </a:p>
+        </p:txBody>
+      </p:sp>
+    </p:spTree>
+  </p:cSld>
+  <p:clrMapOvr>
+    <a:masterClrMapping/>
+  </p:clrMapOvr>
+  <p:transition>
+    <p:fade/>
+  </p:transition>
+  <p:timing>
+    <p:tnLst>
+      <p:par>
+        <p:cTn id="1" dur="indefinite" restart="never" nodeType="tmRoot"/>
+      </p:par>
+    </p:tnLst>
+  </p:timing>
+</p:sld>
+</file>
+
+<file path=ppt/slides/slide116.xml><?xml version="1.0" encoding="utf-8"?>
+<p:sld xmlns:a="http://schemas.openxmlformats.org/drawingml/2006/main" xmlns:r="http://schemas.openxmlformats.org/officeDocument/2006/relationships" xmlns:p="http://schemas.openxmlformats.org/presentationml/2006/main">
+  <p:cSld>
+    <p:spTree>
+      <p:nvGrpSpPr>
+        <p:cNvPr id="1" name=""/>
+        <p:cNvGrpSpPr/>
+        <p:nvPr/>
+      </p:nvGrpSpPr>
+      <p:grpSpPr>
+        <a:xfrm>
+          <a:off x="0" y="0"/>
+          <a:ext cx="0" cy="0"/>
+          <a:chOff x="0" y="0"/>
+          <a:chExt cx="0" cy="0"/>
+        </a:xfrm>
+      </p:grpSpPr>
+      <p:sp>
+        <p:nvSpPr>
+          <p:cNvPr id="2" name="Title 1"/>
+          <p:cNvSpPr>
+            <a:spLocks noGrp="1"/>
+          </p:cNvSpPr>
+          <p:nvPr>
+            <p:ph type="ctrTitle"/>
+          </p:nvPr>
+        </p:nvSpPr>
+        <p:spPr>
+          <a:xfrm>
+            <a:off x="730250" y="2438400"/>
+            <a:ext cx="7681913" cy="990095"/>
+          </a:xfrm>
+        </p:spPr>
+        <p:txBody>
+          <a:bodyPr/>
+          <a:lstStyle/>
+          <a:p>
+            <a:pPr algn="ctr"/>
+            <a:r>
+              <a:rPr lang="en-US" dirty="0" smtClean="0"/>
+              <a:t>THANK YOU!!!</a:t>
+            </a:r>
+            <a:endParaRPr lang="en-US" dirty="0"/>
+          </a:p>
+        </p:txBody>
+      </p:sp>
+    </p:spTree>
+  </p:cSld>
+  <p:clrMapOvr>
+    <a:masterClrMapping/>
+  </p:clrMapOvr>
+  <p:transition>
+    <p:fade/>
+  </p:transition>
+</p:sld>
+</file>
+
 <file path=ppt/slides/slide12.xml><?xml version="1.0" encoding="utf-8"?>
 <p:sld xmlns:a="http://schemas.openxmlformats.org/drawingml/2006/main" xmlns:r="http://schemas.openxmlformats.org/officeDocument/2006/relationships" xmlns:p="http://schemas.openxmlformats.org/presentationml/2006/main">
   <p:cSld>
@@ -10694,7 +16930,11 @@
           <a:p>
             <a:r>
               <a:rPr lang="en-US" dirty="0" smtClean="0"/>
-              <a:t>char_</a:t>
+              <a:t>char</a:t>
+            </a:r>
+            <a:r>
+              <a:rPr lang="en-US" dirty="0" smtClean="0"/>
+              <a:t>_ ET</a:t>
             </a:r>
             <a:endParaRPr lang="en-US" dirty="0"/>
           </a:p>
@@ -11414,7 +17654,7 @@
           <a:p>
             <a:r>
               <a:rPr lang="en-US" dirty="0" smtClean="0"/>
-              <a:t>a &gt;&gt; b</a:t>
+              <a:t>Sequence ET</a:t>
             </a:r>
             <a:endParaRPr lang="en-US" dirty="0"/>
           </a:p>
@@ -11993,12 +18233,8 @@
           <a:lstStyle/>
           <a:p>
             <a:r>
-              <a:rPr lang="en-US" smtClean="0"/>
-              <a:t>a | </a:t>
-            </a:r>
-            <a:r>
               <a:rPr lang="en-US" dirty="0" smtClean="0"/>
-              <a:t>b</a:t>
+              <a:t>Alternative ET</a:t>
             </a:r>
             <a:endParaRPr lang="en-US" dirty="0"/>
           </a:p>
@@ -18104,7 +24340,7 @@
         <p:spPr>
           <a:xfrm>
             <a:off x="381000" y="1411552"/>
-            <a:ext cx="8382000" cy="5860066"/>
+            <a:ext cx="8382000" cy="6334042"/>
           </a:xfrm>
         </p:spPr>
         <p:txBody>
@@ -18188,6 +24424,13 @@
             <a:r>
               <a:rPr lang="en-US" dirty="0" smtClean="0"/>
               <a:t>Grammar</a:t>
+            </a:r>
+          </a:p>
+          <a:p>
+            <a:pPr lvl="1"/>
+            <a:r>
+              <a:rPr lang="en-US" dirty="0" smtClean="0"/>
+              <a:t>Semantic Actions</a:t>
             </a:r>
           </a:p>
           <a:p>
@@ -19068,15 +25311,7 @@
           <a:p>
             <a:r>
               <a:rPr lang="en-US" dirty="0" smtClean="0"/>
-              <a:t>Parsers expose </a:t>
-            </a:r>
-            <a:r>
-              <a:rPr lang="en-US" dirty="0" smtClean="0"/>
-              <a:t>an attribute specific to their </a:t>
-            </a:r>
-            <a:r>
-              <a:rPr lang="en-US" dirty="0" smtClean="0"/>
-              <a:t>type</a:t>
+              <a:t>Parsers expose an attribute specific to their type</a:t>
             </a:r>
           </a:p>
           <a:p>
@@ -19286,11 +25521,7 @@
             </a:r>
             <a:r>
               <a:rPr lang="fr-FR" dirty="0" smtClean="0"/>
-              <a:t>	</a:t>
-            </a:r>
-            <a:r>
-              <a:rPr lang="fr-FR" dirty="0" smtClean="0"/>
-              <a:t>	</a:t>
+              <a:t>		</a:t>
             </a:r>
             <a:r>
               <a:rPr lang="fr-FR" dirty="0" err="1" smtClean="0"/>
@@ -19300,7 +25531,6 @@
               <a:rPr lang="fr-FR" dirty="0" smtClean="0"/>
               <a:t>, char, double</a:t>
             </a:r>
-            <a:endParaRPr lang="fr-FR" dirty="0" smtClean="0"/>
           </a:p>
           <a:p>
             <a:r>
@@ -19335,7 +25565,6 @@
               <a:rPr lang="fr-FR" dirty="0" smtClean="0"/>
               <a:t>&gt;</a:t>
             </a:r>
-            <a:endParaRPr lang="fr-FR" dirty="0" smtClean="0"/>
           </a:p>
           <a:p>
             <a:r>
@@ -19362,7 +25591,6 @@
               <a:rPr lang="fr-FR" dirty="0" smtClean="0"/>
               <a:t>, char&gt;</a:t>
             </a:r>
-            <a:endParaRPr lang="fr-FR" dirty="0" smtClean="0"/>
           </a:p>
           <a:p>
             <a:r>
@@ -19381,7 +25609,6 @@
               <a:rPr lang="fr-FR" dirty="0" smtClean="0"/>
               <a:t>, X&gt;</a:t>
             </a:r>
-            <a:endParaRPr lang="fr-FR" dirty="0" smtClean="0"/>
           </a:p>
           <a:p>
             <a:r>
@@ -19499,31 +25726,7 @@
             <a:pPr lvl="1"/>
             <a:r>
               <a:rPr lang="en-US" sz="2000" dirty="0" smtClean="0"/>
-              <a:t>a -&gt; </a:t>
-            </a:r>
-            <a:r>
-              <a:rPr lang="en-US" sz="2000" dirty="0" smtClean="0"/>
-              <a:t>A, </a:t>
-            </a:r>
-            <a:r>
-              <a:rPr lang="en-US" sz="2000" dirty="0" smtClean="0"/>
-              <a:t>b -&gt; </a:t>
-            </a:r>
-            <a:r>
-              <a:rPr lang="en-US" sz="2000" dirty="0" smtClean="0"/>
-              <a:t>B 	 </a:t>
-            </a:r>
-            <a:r>
-              <a:rPr lang="en-US" sz="2000" dirty="0" smtClean="0"/>
-              <a:t>	→ 	(</a:t>
-            </a:r>
-            <a:r>
-              <a:rPr lang="en-US" sz="2000" dirty="0" smtClean="0"/>
-              <a:t>a &gt;&gt; b</a:t>
-            </a:r>
-            <a:r>
-              <a:rPr lang="en-US" sz="2000" dirty="0" smtClean="0"/>
-              <a:t>) -&gt; </a:t>
+              <a:t>a -&gt; A, b -&gt; B 	 	→ 	(a &gt;&gt; b) -&gt; </a:t>
             </a:r>
             <a:r>
               <a:rPr lang="en-US" sz="2000" dirty="0" err="1" smtClean="0"/>
@@ -19531,11 +25734,7 @@
             </a:r>
             <a:r>
               <a:rPr lang="en-US" sz="2000" dirty="0" smtClean="0"/>
-              <a:t>&lt;A, B</a:t>
-            </a:r>
-            <a:r>
-              <a:rPr lang="en-US" sz="2000" dirty="0" smtClean="0"/>
-              <a:t>&gt;</a:t>
+              <a:t>&lt;A, B&gt;</a:t>
             </a:r>
             <a:br>
               <a:rPr lang="en-US" sz="2000" dirty="0" smtClean="0"/>
@@ -19567,15 +25766,7 @@
             </a:r>
             <a:r>
               <a:rPr lang="en-US" sz="2000" dirty="0" smtClean="0"/>
-              <a:t>&lt;unused, T&gt;		→</a:t>
-            </a:r>
-            <a:r>
-              <a:rPr lang="en-US" sz="2000" dirty="0" smtClean="0"/>
-              <a:t>	</a:t>
-            </a:r>
-            <a:r>
-              <a:rPr lang="en-US" sz="2000" dirty="0" smtClean="0"/>
-              <a:t>T</a:t>
+              <a:t>&lt;unused, T&gt;		→	T</a:t>
             </a:r>
           </a:p>
           <a:p>
@@ -19586,23 +25777,7 @@
             </a:r>
             <a:r>
               <a:rPr lang="en-US" sz="2000" dirty="0" smtClean="0"/>
-              <a:t>&lt;unused</a:t>
-            </a:r>
-            <a:r>
-              <a:rPr lang="en-US" sz="2000" dirty="0" smtClean="0"/>
-              <a:t>, </a:t>
-            </a:r>
-            <a:r>
-              <a:rPr lang="en-US" sz="2000" dirty="0" smtClean="0"/>
-              <a:t>unused&gt;</a:t>
-            </a:r>
-            <a:r>
-              <a:rPr lang="en-US" sz="2000" dirty="0" smtClean="0"/>
-              <a:t>	</a:t>
-            </a:r>
-            <a:r>
-              <a:rPr lang="en-US" sz="2000" dirty="0" smtClean="0"/>
-              <a:t>→	unused</a:t>
+              <a:t>&lt;unused, unused&gt;	→	unused</a:t>
             </a:r>
             <a:br>
               <a:rPr lang="en-US" sz="2000" dirty="0" smtClean="0"/>
@@ -19619,66 +25794,22 @@
             <a:pPr lvl="1"/>
             <a:r>
               <a:rPr lang="pt-BR" sz="2000" dirty="0" smtClean="0"/>
-              <a:t>(a &gt;&gt; b</a:t>
+              <a:t>(a &gt;&gt; b) := vector&lt;A&gt;	</a:t>
+            </a:r>
+            <a:r>
+              <a:rPr lang="en-US" sz="2000" dirty="0" smtClean="0"/>
+              <a:t>→	</a:t>
             </a:r>
             <a:r>
               <a:rPr lang="pt-BR" sz="2000" dirty="0" smtClean="0"/>
-              <a:t>) := </a:t>
-            </a:r>
-            <a:r>
-              <a:rPr lang="pt-BR" sz="2000" dirty="0" smtClean="0"/>
-              <a:t>vector&lt;A</a:t>
-            </a:r>
-            <a:r>
-              <a:rPr lang="pt-BR" sz="2000" dirty="0" smtClean="0"/>
-              <a:t>&gt;	</a:t>
-            </a:r>
-            <a:r>
-              <a:rPr lang="en-US" sz="2000" dirty="0" smtClean="0"/>
-              <a:t>→</a:t>
-            </a:r>
-            <a:r>
-              <a:rPr lang="en-US" sz="2000" dirty="0" smtClean="0"/>
-              <a:t>	</a:t>
-            </a:r>
-            <a:r>
-              <a:rPr lang="pt-BR" sz="2000" dirty="0" smtClean="0"/>
-              <a:t>a := </a:t>
-            </a:r>
-            <a:r>
-              <a:rPr lang="pt-BR" sz="2000" dirty="0" smtClean="0"/>
-              <a:t>A, </a:t>
-            </a:r>
-            <a:r>
-              <a:rPr lang="pt-BR" sz="2000" dirty="0" smtClean="0"/>
-              <a:t>b</a:t>
-            </a:r>
-            <a:r>
-              <a:rPr lang="pt-BR" sz="2000" dirty="0" smtClean="0"/>
-              <a:t> :=</a:t>
-            </a:r>
-            <a:r>
-              <a:rPr lang="pt-BR" sz="2000" dirty="0" smtClean="0"/>
-              <a:t> </a:t>
-            </a:r>
-            <a:r>
-              <a:rPr lang="pt-BR" sz="2000" dirty="0" smtClean="0"/>
-              <a:t>A </a:t>
-            </a:r>
-            <a:r>
-              <a:rPr lang="pt-BR" sz="2000" dirty="0" smtClean="0"/>
-              <a:t/>
+              <a:t>a := A, b := A </a:t>
             </a:r>
             <a:br>
               <a:rPr lang="pt-BR" sz="2000" dirty="0" smtClean="0"/>
             </a:br>
             <a:r>
               <a:rPr lang="pt-BR" sz="2000" dirty="0" smtClean="0"/>
-              <a:t>		</a:t>
-            </a:r>
-            <a:r>
-              <a:rPr lang="pt-BR" sz="2000" dirty="0" smtClean="0"/>
-              <a:t>	</a:t>
+              <a:t>			</a:t>
             </a:r>
             <a:r>
               <a:rPr lang="en-US" sz="2000" dirty="0" smtClean="0"/>
@@ -19694,23 +25825,7 @@
             </a:r>
             <a:r>
               <a:rPr lang="pt-BR" sz="2000" dirty="0" smtClean="0"/>
-              <a:t>vector&lt;A</a:t>
-            </a:r>
-            <a:r>
-              <a:rPr lang="pt-BR" sz="2000" dirty="0" smtClean="0"/>
-              <a:t>&gt;, </a:t>
-            </a:r>
-            <a:r>
-              <a:rPr lang="pt-BR" sz="2000" dirty="0" smtClean="0"/>
-              <a:t>b </a:t>
-            </a:r>
-            <a:r>
-              <a:rPr lang="pt-BR" sz="2000" dirty="0" smtClean="0"/>
-              <a:t>:=</a:t>
-            </a:r>
-            <a:r>
-              <a:rPr lang="pt-BR" sz="2000" dirty="0" smtClean="0"/>
-              <a:t> A</a:t>
+              <a:t>vector&lt;A&gt;, b := A</a:t>
             </a:r>
             <a:br>
               <a:rPr lang="pt-BR" sz="2000" dirty="0" smtClean="0"/>
@@ -19721,47 +25836,11 @@
             </a:r>
             <a:r>
               <a:rPr lang="en-US" sz="2000" dirty="0" smtClean="0"/>
-              <a:t>→ </a:t>
-            </a:r>
-            <a:r>
-              <a:rPr lang="en-US" sz="2000" dirty="0" smtClean="0"/>
-              <a:t>	</a:t>
+              <a:t>→ 	</a:t>
             </a:r>
             <a:r>
               <a:rPr lang="pt-BR" sz="2000" dirty="0" smtClean="0"/>
-              <a:t>a </a:t>
-            </a:r>
-            <a:r>
-              <a:rPr lang="pt-BR" sz="2000" dirty="0" smtClean="0"/>
-              <a:t>:=</a:t>
-            </a:r>
-            <a:r>
-              <a:rPr lang="pt-BR" sz="2000" dirty="0" smtClean="0"/>
-              <a:t> </a:t>
-            </a:r>
-            <a:r>
-              <a:rPr lang="pt-BR" sz="2000" dirty="0" smtClean="0"/>
-              <a:t>A, </a:t>
-            </a:r>
-            <a:r>
-              <a:rPr lang="pt-BR" sz="2000" dirty="0" smtClean="0"/>
-              <a:t>b </a:t>
-            </a:r>
-            <a:r>
-              <a:rPr lang="pt-BR" sz="2000" dirty="0" smtClean="0"/>
-              <a:t>:=</a:t>
-            </a:r>
-            <a:r>
-              <a:rPr lang="pt-BR" sz="2000" dirty="0" smtClean="0"/>
-              <a:t> </a:t>
-            </a:r>
-            <a:r>
-              <a:rPr lang="pt-BR" sz="2000" dirty="0" smtClean="0"/>
-              <a:t>vector&lt;A</a:t>
-            </a:r>
-            <a:r>
-              <a:rPr lang="pt-BR" sz="2000" dirty="0" smtClean="0"/>
-              <a:t>&gt;</a:t>
+              <a:t>a := A, b := vector&lt;A&gt;</a:t>
             </a:r>
             <a:br>
               <a:rPr lang="pt-BR" sz="2000" dirty="0" smtClean="0"/>
@@ -19772,45 +25851,12 @@
             </a:r>
             <a:r>
               <a:rPr lang="en-US" sz="2000" dirty="0" smtClean="0"/>
-              <a:t>→ </a:t>
-            </a:r>
-            <a:r>
-              <a:rPr lang="en-US" sz="2000" dirty="0" smtClean="0"/>
-              <a:t>	</a:t>
+              <a:t>→ 	</a:t>
             </a:r>
             <a:r>
               <a:rPr lang="pt-BR" sz="2000" dirty="0" smtClean="0"/>
-              <a:t>a </a:t>
-            </a:r>
-            <a:r>
-              <a:rPr lang="pt-BR" sz="2000" dirty="0" smtClean="0"/>
-              <a:t>:=</a:t>
-            </a:r>
-            <a:r>
-              <a:rPr lang="pt-BR" sz="2000" dirty="0" smtClean="0"/>
-              <a:t> </a:t>
-            </a:r>
-            <a:r>
-              <a:rPr lang="pt-BR" sz="2000" dirty="0" smtClean="0"/>
-              <a:t>vector&lt;A</a:t>
-            </a:r>
-            <a:r>
-              <a:rPr lang="pt-BR" sz="2000" dirty="0" smtClean="0"/>
-              <a:t>&gt;, b </a:t>
-            </a:r>
-            <a:r>
-              <a:rPr lang="pt-BR" sz="2000" dirty="0" smtClean="0"/>
-              <a:t>:=</a:t>
-            </a:r>
-            <a:r>
-              <a:rPr lang="pt-BR" sz="2000" dirty="0" smtClean="0"/>
-              <a:t> </a:t>
-            </a:r>
-            <a:r>
-              <a:rPr lang="pt-BR" sz="2000" dirty="0" smtClean="0"/>
-              <a:t>vector&lt;A&gt; </a:t>
-            </a:r>
-            <a:endParaRPr lang="pt-BR" sz="2000" dirty="0" smtClean="0"/>
+              <a:t>a := vector&lt;A&gt;, b := vector&lt;A&gt; </a:t>
+            </a:r>
           </a:p>
         </p:txBody>
       </p:sp>
@@ -19839,13 +25885,8 @@
             <a:pPr marL="0" lvl="1"/>
             <a:r>
               <a:rPr lang="en-US" sz="4000" dirty="0" smtClean="0"/>
-              <a:t>a &gt;&gt; </a:t>
-            </a:r>
-            <a:r>
-              <a:rPr lang="en-US" sz="4000" dirty="0" smtClean="0"/>
-              <a:t>b</a:t>
-            </a:r>
-            <a:endParaRPr lang="en-US" sz="4000" dirty="0" smtClean="0"/>
+              <a:t>a &gt;&gt; b</a:t>
+            </a:r>
           </a:p>
         </p:txBody>
       </p:sp>
@@ -26525,7 +32566,11 @@
             </a:r>
             <a:r>
               <a:rPr lang="en-US" dirty="0" smtClean="0"/>
-              <a:t> Parser</a:t>
+              <a:t> </a:t>
+            </a:r>
+            <a:r>
+              <a:rPr lang="en-US" dirty="0" smtClean="0"/>
+              <a:t>ET</a:t>
             </a:r>
             <a:endParaRPr lang="en-US" dirty="0"/>
           </a:p>
@@ -31591,8 +37636,13 @@
           <a:p>
             <a:r>
               <a:rPr lang="en-US" dirty="0"/>
-              <a:t>Sequence Parser</a:t>
-            </a:r>
+              <a:t>Sequence </a:t>
+            </a:r>
+            <a:r>
+              <a:rPr lang="en-US" dirty="0" smtClean="0"/>
+              <a:t>ET</a:t>
+            </a:r>
+            <a:endParaRPr lang="en-US" dirty="0"/>
           </a:p>
         </p:txBody>
       </p:sp>
@@ -41815,13 +47865,8 @@
             </a:r>
             <a:r>
               <a:rPr lang="en-US" sz="1600" dirty="0" smtClean="0"/>
-              <a:t>) </a:t>
-            </a:r>
-            <a:r>
-              <a:rPr lang="en-US" sz="1600" dirty="0" smtClean="0"/>
-              <a:t>const;</a:t>
-            </a:r>
-            <a:endParaRPr lang="en-US" sz="1600" dirty="0" smtClean="0"/>
+              <a:t>) const;</a:t>
+            </a:r>
           </a:p>
           <a:p>
             <a:pPr>
@@ -41926,13 +47971,8 @@
             </a:r>
             <a:r>
               <a:rPr lang="en-US" sz="1600" dirty="0" smtClean="0"/>
-              <a:t>) </a:t>
-            </a:r>
-            <a:r>
-              <a:rPr lang="en-US" sz="1600" dirty="0" smtClean="0"/>
-              <a:t>const;</a:t>
-            </a:r>
-            <a:endParaRPr lang="en-US" sz="1600" dirty="0" smtClean="0"/>
+              <a:t>) const;</a:t>
+            </a:r>
           </a:p>
           <a:p>
             <a:pPr>
@@ -41998,7 +48038,11 @@
           <a:p>
             <a:r>
               <a:rPr lang="en-US" dirty="0" smtClean="0"/>
-              <a:t>Alternative Parser</a:t>
+              <a:t>Alternative </a:t>
+            </a:r>
+            <a:r>
+              <a:rPr lang="en-US" dirty="0" smtClean="0"/>
+              <a:t>ET</a:t>
             </a:r>
             <a:endParaRPr lang="en-US" dirty="0"/>
           </a:p>
@@ -44468,6 +50512,2932 @@
               <a:t>};</a:t>
             </a:r>
             <a:endParaRPr lang="en-US" sz="2000" dirty="0"/>
+          </a:p>
+        </p:txBody>
+      </p:sp>
+    </p:spTree>
+  </p:cSld>
+  <p:clrMapOvr>
+    <a:masterClrMapping/>
+  </p:clrMapOvr>
+  <p:transition>
+    <p:fade/>
+  </p:transition>
+  <p:timing>
+    <p:tnLst>
+      <p:par>
+        <p:cTn id="1" dur="indefinite" restart="never" nodeType="tmRoot"/>
+      </p:par>
+    </p:tnLst>
+  </p:timing>
+</p:sld>
+</file>
+
+<file path=ppt/slides/slide93.xml><?xml version="1.0" encoding="utf-8"?>
+<p:sld xmlns:a="http://schemas.openxmlformats.org/drawingml/2006/main" xmlns:r="http://schemas.openxmlformats.org/officeDocument/2006/relationships" xmlns:p="http://schemas.openxmlformats.org/presentationml/2006/main">
+  <p:cSld>
+    <p:spTree>
+      <p:nvGrpSpPr>
+        <p:cNvPr id="1" name=""/>
+        <p:cNvGrpSpPr/>
+        <p:nvPr/>
+      </p:nvGrpSpPr>
+      <p:grpSpPr>
+        <a:xfrm>
+          <a:off x="0" y="0"/>
+          <a:ext cx="0" cy="0"/>
+          <a:chOff x="0" y="0"/>
+          <a:chExt cx="0" cy="0"/>
+        </a:xfrm>
+      </p:grpSpPr>
+      <p:sp>
+        <p:nvSpPr>
+          <p:cNvPr id="2" name="Title 1"/>
+          <p:cNvSpPr>
+            <a:spLocks noGrp="1"/>
+          </p:cNvSpPr>
+          <p:nvPr>
+            <p:ph type="title"/>
+          </p:nvPr>
+        </p:nvSpPr>
+        <p:spPr/>
+        <p:txBody>
+          <a:bodyPr/>
+          <a:lstStyle/>
+          <a:p>
+            <a:r>
+              <a:rPr lang="en-US" dirty="0" smtClean="0"/>
+              <a:t>Rule Definition </a:t>
+            </a:r>
+            <a:endParaRPr lang="en-US" dirty="0"/>
+          </a:p>
+        </p:txBody>
+      </p:sp>
+      <p:sp>
+        <p:nvSpPr>
+          <p:cNvPr id="3" name="Text Placeholder 2"/>
+          <p:cNvSpPr>
+            <a:spLocks noGrp="1"/>
+          </p:cNvSpPr>
+          <p:nvPr>
+            <p:ph type="body" sz="quarter" idx="10"/>
+          </p:nvPr>
+        </p:nvSpPr>
+        <p:spPr>
+          <a:xfrm>
+            <a:off x="381000" y="838200"/>
+            <a:ext cx="8382000" cy="6114776"/>
+          </a:xfrm>
+        </p:spPr>
+        <p:txBody>
+          <a:bodyPr/>
+          <a:lstStyle/>
+          <a:p>
+            <a:pPr>
+              <a:buNone/>
+            </a:pPr>
+            <a:r>
+              <a:rPr lang="en-US" sz="1800" dirty="0" smtClean="0"/>
+              <a:t>template &lt;</a:t>
+            </a:r>
+            <a:r>
+              <a:rPr lang="en-US" sz="1800" dirty="0" err="1" smtClean="0"/>
+              <a:t>typename</a:t>
+            </a:r>
+            <a:r>
+              <a:rPr lang="en-US" sz="1800" dirty="0" smtClean="0"/>
+              <a:t> ID, </a:t>
+            </a:r>
+            <a:r>
+              <a:rPr lang="en-US" sz="1800" dirty="0" err="1" smtClean="0"/>
+              <a:t>typename</a:t>
+            </a:r>
+            <a:r>
+              <a:rPr lang="en-US" sz="1800" dirty="0" smtClean="0"/>
+              <a:t> RHS, </a:t>
+            </a:r>
+            <a:r>
+              <a:rPr lang="en-US" sz="1800" dirty="0" err="1" smtClean="0"/>
+              <a:t>typename</a:t>
+            </a:r>
+            <a:r>
+              <a:rPr lang="en-US" sz="1800" dirty="0" smtClean="0"/>
+              <a:t> Attribute&gt;</a:t>
+            </a:r>
+          </a:p>
+          <a:p>
+            <a:pPr>
+              <a:buNone/>
+            </a:pPr>
+            <a:r>
+              <a:rPr lang="en-US" sz="1800" dirty="0" err="1" smtClean="0"/>
+              <a:t>struct</a:t>
+            </a:r>
+            <a:r>
+              <a:rPr lang="en-US" sz="1800" dirty="0" smtClean="0"/>
+              <a:t> </a:t>
+            </a:r>
+            <a:r>
+              <a:rPr lang="en-US" sz="1800" dirty="0" err="1" smtClean="0"/>
+              <a:t>rule_definition</a:t>
+            </a:r>
+            <a:r>
+              <a:rPr lang="en-US" sz="1800" dirty="0" smtClean="0"/>
+              <a:t> : parser&lt;</a:t>
+            </a:r>
+            <a:r>
+              <a:rPr lang="en-US" sz="1800" dirty="0" err="1" smtClean="0"/>
+              <a:t>rule_definition</a:t>
+            </a:r>
+            <a:r>
+              <a:rPr lang="en-US" sz="1800" dirty="0" smtClean="0"/>
+              <a:t>&lt;ID, RHS, Attribute&gt;&gt;</a:t>
+            </a:r>
+          </a:p>
+          <a:p>
+            <a:pPr>
+              <a:buNone/>
+            </a:pPr>
+            <a:r>
+              <a:rPr lang="en-US" sz="1800" dirty="0" smtClean="0"/>
+              <a:t>{</a:t>
+            </a:r>
+          </a:p>
+          <a:p>
+            <a:pPr>
+              <a:buNone/>
+            </a:pPr>
+            <a:r>
+              <a:rPr lang="en-US" sz="1800" dirty="0" smtClean="0"/>
+              <a:t>    </a:t>
+            </a:r>
+            <a:r>
+              <a:rPr lang="en-US" sz="1800" dirty="0" err="1" smtClean="0"/>
+              <a:t>typedef</a:t>
+            </a:r>
+            <a:r>
+              <a:rPr lang="en-US" sz="1800" dirty="0" smtClean="0"/>
+              <a:t> </a:t>
+            </a:r>
+            <a:r>
+              <a:rPr lang="en-US" sz="1800" dirty="0" err="1" smtClean="0"/>
+              <a:t>rule_definition</a:t>
+            </a:r>
+            <a:r>
+              <a:rPr lang="en-US" sz="1800" dirty="0" smtClean="0"/>
+              <a:t>&lt;ID, RHS, Attribute&gt; </a:t>
+            </a:r>
+            <a:r>
+              <a:rPr lang="en-US" sz="1800" dirty="0" err="1" smtClean="0"/>
+              <a:t>this_type</a:t>
+            </a:r>
+            <a:r>
+              <a:rPr lang="en-US" sz="1800" dirty="0" smtClean="0"/>
+              <a:t>;</a:t>
+            </a:r>
+          </a:p>
+          <a:p>
+            <a:pPr>
+              <a:buNone/>
+            </a:pPr>
+            <a:r>
+              <a:rPr lang="en-US" sz="1800" dirty="0" smtClean="0"/>
+              <a:t>    </a:t>
+            </a:r>
+            <a:r>
+              <a:rPr lang="en-US" sz="1800" dirty="0" err="1" smtClean="0"/>
+              <a:t>typedef</a:t>
+            </a:r>
+            <a:r>
+              <a:rPr lang="en-US" sz="1800" dirty="0" smtClean="0"/>
+              <a:t> ID </a:t>
+            </a:r>
+            <a:r>
+              <a:rPr lang="en-US" sz="1800" dirty="0" err="1" smtClean="0"/>
+              <a:t>id</a:t>
+            </a:r>
+            <a:r>
+              <a:rPr lang="en-US" sz="1800" dirty="0" smtClean="0"/>
+              <a:t>;</a:t>
+            </a:r>
+          </a:p>
+          <a:p>
+            <a:pPr>
+              <a:buNone/>
+            </a:pPr>
+            <a:r>
+              <a:rPr lang="en-US" sz="1800" dirty="0" smtClean="0"/>
+              <a:t>    </a:t>
+            </a:r>
+            <a:r>
+              <a:rPr lang="en-US" sz="1800" dirty="0" err="1" smtClean="0"/>
+              <a:t>typedef</a:t>
+            </a:r>
+            <a:r>
+              <a:rPr lang="en-US" sz="1800" dirty="0" smtClean="0"/>
+              <a:t> RHS </a:t>
+            </a:r>
+            <a:r>
+              <a:rPr lang="en-US" sz="1800" dirty="0" err="1" smtClean="0"/>
+              <a:t>rhs_type</a:t>
+            </a:r>
+            <a:r>
+              <a:rPr lang="en-US" sz="1800" dirty="0" smtClean="0"/>
+              <a:t>;</a:t>
+            </a:r>
+          </a:p>
+          <a:p>
+            <a:pPr>
+              <a:buNone/>
+            </a:pPr>
+            <a:r>
+              <a:rPr lang="en-US" sz="1800" dirty="0" smtClean="0"/>
+              <a:t>    </a:t>
+            </a:r>
+            <a:r>
+              <a:rPr lang="en-US" sz="1800" dirty="0" err="1" smtClean="0"/>
+              <a:t>typedef</a:t>
+            </a:r>
+            <a:r>
+              <a:rPr lang="en-US" sz="1800" dirty="0" smtClean="0"/>
+              <a:t> Attribute </a:t>
+            </a:r>
+            <a:r>
+              <a:rPr lang="en-US" sz="1800" dirty="0" err="1" smtClean="0"/>
+              <a:t>attribute_type</a:t>
+            </a:r>
+            <a:r>
+              <a:rPr lang="en-US" sz="1800" dirty="0" smtClean="0"/>
+              <a:t>;</a:t>
+            </a:r>
+          </a:p>
+          <a:p>
+            <a:pPr>
+              <a:buNone/>
+            </a:pPr>
+            <a:r>
+              <a:rPr lang="en-US" sz="1800" dirty="0" smtClean="0"/>
+              <a:t>    static </a:t>
+            </a:r>
+            <a:r>
+              <a:rPr lang="en-US" sz="1800" dirty="0" err="1" smtClean="0"/>
+              <a:t>bool</a:t>
+            </a:r>
+            <a:r>
+              <a:rPr lang="en-US" sz="1800" dirty="0" smtClean="0"/>
+              <a:t> const </a:t>
+            </a:r>
+            <a:r>
+              <a:rPr lang="en-US" sz="1800" dirty="0" err="1" smtClean="0"/>
+              <a:t>has_attribute</a:t>
+            </a:r>
+            <a:r>
+              <a:rPr lang="en-US" sz="1800" dirty="0" smtClean="0"/>
+              <a:t> = !</a:t>
+            </a:r>
+            <a:r>
+              <a:rPr lang="en-US" sz="1800" dirty="0" err="1" smtClean="0"/>
+              <a:t>is_same</a:t>
+            </a:r>
+            <a:r>
+              <a:rPr lang="en-US" sz="1800" dirty="0" smtClean="0"/>
+              <a:t>&lt;Attribute, </a:t>
+            </a:r>
+            <a:r>
+              <a:rPr lang="en-US" sz="1800" dirty="0" err="1" smtClean="0"/>
+              <a:t>unused_type</a:t>
+            </a:r>
+            <a:r>
+              <a:rPr lang="en-US" sz="1800" dirty="0" smtClean="0"/>
+              <a:t>&gt;::value;</a:t>
+            </a:r>
+          </a:p>
+          <a:p>
+            <a:pPr>
+              <a:buNone/>
+            </a:pPr>
+            <a:r>
+              <a:rPr lang="en-US" sz="1800" dirty="0" smtClean="0"/>
+              <a:t>    static </a:t>
+            </a:r>
+            <a:r>
+              <a:rPr lang="en-US" sz="1800" dirty="0" err="1" smtClean="0"/>
+              <a:t>bool</a:t>
+            </a:r>
+            <a:r>
+              <a:rPr lang="en-US" sz="1800" dirty="0" smtClean="0"/>
+              <a:t> const </a:t>
+            </a:r>
+            <a:r>
+              <a:rPr lang="en-US" sz="1800" dirty="0" err="1" smtClean="0"/>
+              <a:t>handles_container</a:t>
+            </a:r>
+            <a:r>
+              <a:rPr lang="en-US" sz="1800" dirty="0" smtClean="0"/>
+              <a:t> = traits::</a:t>
+            </a:r>
+            <a:r>
+              <a:rPr lang="en-US" sz="1800" dirty="0" err="1" smtClean="0"/>
+              <a:t>is_container</a:t>
+            </a:r>
+            <a:r>
+              <a:rPr lang="en-US" sz="1800" dirty="0" smtClean="0"/>
+              <a:t>&lt;Attribute&gt;::value;</a:t>
+            </a:r>
+          </a:p>
+          <a:p>
+            <a:pPr>
+              <a:buNone/>
+            </a:pPr>
+            <a:endParaRPr lang="en-US" sz="1800" dirty="0" smtClean="0"/>
+          </a:p>
+          <a:p>
+            <a:pPr>
+              <a:buNone/>
+            </a:pPr>
+            <a:r>
+              <a:rPr lang="en-US" sz="1800" dirty="0" smtClean="0"/>
+              <a:t>    </a:t>
+            </a:r>
+            <a:r>
+              <a:rPr lang="en-US" sz="1800" dirty="0" err="1" smtClean="0"/>
+              <a:t>rule_definition</a:t>
+            </a:r>
+            <a:r>
+              <a:rPr lang="en-US" sz="1800" dirty="0" smtClean="0"/>
+              <a:t>(RHS </a:t>
+            </a:r>
+            <a:r>
+              <a:rPr lang="en-US" sz="1800" dirty="0" err="1" smtClean="0"/>
+              <a:t>rhs</a:t>
+            </a:r>
+            <a:r>
+              <a:rPr lang="en-US" sz="1800" dirty="0" smtClean="0"/>
+              <a:t>, char const* name)</a:t>
+            </a:r>
+          </a:p>
+          <a:p>
+            <a:pPr>
+              <a:buNone/>
+            </a:pPr>
+            <a:r>
+              <a:rPr lang="en-US" sz="1800" dirty="0" smtClean="0"/>
+              <a:t>      : </a:t>
+            </a:r>
+            <a:r>
+              <a:rPr lang="en-US" sz="1800" dirty="0" err="1" smtClean="0"/>
+              <a:t>rhs</a:t>
+            </a:r>
+            <a:r>
+              <a:rPr lang="en-US" sz="1800" dirty="0" smtClean="0"/>
+              <a:t>(</a:t>
+            </a:r>
+            <a:r>
+              <a:rPr lang="en-US" sz="1800" dirty="0" err="1" smtClean="0"/>
+              <a:t>rhs</a:t>
+            </a:r>
+            <a:r>
+              <a:rPr lang="en-US" sz="1800" dirty="0" smtClean="0"/>
+              <a:t>), name(name) {}</a:t>
+            </a:r>
+          </a:p>
+          <a:p>
+            <a:pPr>
+              <a:buNone/>
+            </a:pPr>
+            <a:endParaRPr lang="en-US" sz="1800" dirty="0" smtClean="0"/>
+          </a:p>
+          <a:p>
+            <a:pPr>
+              <a:buNone/>
+            </a:pPr>
+            <a:r>
+              <a:rPr lang="en-US" sz="1800" dirty="0" smtClean="0"/>
+              <a:t>    template &lt;</a:t>
+            </a:r>
+            <a:r>
+              <a:rPr lang="en-US" sz="1800" dirty="0" err="1" smtClean="0"/>
+              <a:t>typename</a:t>
+            </a:r>
+            <a:r>
+              <a:rPr lang="en-US" sz="1800" dirty="0" smtClean="0"/>
+              <a:t> </a:t>
+            </a:r>
+            <a:r>
+              <a:rPr lang="en-US" sz="1800" dirty="0" err="1" smtClean="0"/>
+              <a:t>Iterator</a:t>
+            </a:r>
+            <a:r>
+              <a:rPr lang="en-US" sz="1800" dirty="0" smtClean="0"/>
+              <a:t>, </a:t>
+            </a:r>
+            <a:r>
+              <a:rPr lang="en-US" sz="1800" dirty="0" err="1" smtClean="0"/>
+              <a:t>typename</a:t>
+            </a:r>
+            <a:r>
+              <a:rPr lang="en-US" sz="1800" dirty="0" smtClean="0"/>
+              <a:t> Context, </a:t>
+            </a:r>
+            <a:r>
+              <a:rPr lang="en-US" sz="1800" dirty="0" err="1" smtClean="0"/>
+              <a:t>typename</a:t>
+            </a:r>
+            <a:r>
+              <a:rPr lang="en-US" sz="1800" dirty="0" smtClean="0"/>
+              <a:t> Attribute_&gt;</a:t>
+            </a:r>
+          </a:p>
+          <a:p>
+            <a:pPr>
+              <a:buNone/>
+            </a:pPr>
+            <a:r>
+              <a:rPr lang="en-US" sz="1800" dirty="0" smtClean="0"/>
+              <a:t>    </a:t>
+            </a:r>
+            <a:r>
+              <a:rPr lang="en-US" sz="1800" dirty="0" err="1" smtClean="0"/>
+              <a:t>bool</a:t>
+            </a:r>
+            <a:r>
+              <a:rPr lang="en-US" sz="1800" dirty="0" smtClean="0"/>
+              <a:t> parse(</a:t>
+            </a:r>
+            <a:r>
+              <a:rPr lang="en-US" sz="1800" dirty="0" err="1" smtClean="0"/>
+              <a:t>Iterator</a:t>
+            </a:r>
+            <a:r>
+              <a:rPr lang="en-US" sz="1800" dirty="0" smtClean="0"/>
+              <a:t>&amp; first, </a:t>
+            </a:r>
+            <a:r>
+              <a:rPr lang="en-US" sz="1800" dirty="0" err="1" smtClean="0"/>
+              <a:t>Iterator</a:t>
+            </a:r>
+            <a:r>
+              <a:rPr lang="en-US" sz="1800" dirty="0" smtClean="0"/>
+              <a:t> const&amp; last</a:t>
+            </a:r>
+          </a:p>
+          <a:p>
+            <a:pPr>
+              <a:buNone/>
+            </a:pPr>
+            <a:r>
+              <a:rPr lang="en-US" sz="1800" dirty="0" smtClean="0"/>
+              <a:t>      , Context const&amp; context, Attribute_&amp; </a:t>
+            </a:r>
+            <a:r>
+              <a:rPr lang="en-US" sz="1800" dirty="0" err="1" smtClean="0"/>
+              <a:t>attr</a:t>
+            </a:r>
+            <a:r>
+              <a:rPr lang="en-US" sz="1800" dirty="0" smtClean="0"/>
+              <a:t>) const;</a:t>
+            </a:r>
+          </a:p>
+          <a:p>
+            <a:pPr>
+              <a:buNone/>
+            </a:pPr>
+            <a:endParaRPr lang="en-US" sz="1800" dirty="0" smtClean="0"/>
+          </a:p>
+          <a:p>
+            <a:pPr>
+              <a:buNone/>
+            </a:pPr>
+            <a:r>
+              <a:rPr lang="en-US" sz="1800" dirty="0" smtClean="0"/>
+              <a:t>    RHS </a:t>
+            </a:r>
+            <a:r>
+              <a:rPr lang="en-US" sz="1800" dirty="0" err="1" smtClean="0"/>
+              <a:t>rhs</a:t>
+            </a:r>
+            <a:r>
+              <a:rPr lang="en-US" sz="1800" dirty="0" smtClean="0"/>
+              <a:t>;</a:t>
+            </a:r>
+          </a:p>
+          <a:p>
+            <a:pPr>
+              <a:buNone/>
+            </a:pPr>
+            <a:r>
+              <a:rPr lang="en-US" sz="1800" dirty="0" smtClean="0"/>
+              <a:t>    char const* name;</a:t>
+            </a:r>
+          </a:p>
+          <a:p>
+            <a:pPr>
+              <a:buNone/>
+            </a:pPr>
+            <a:r>
+              <a:rPr lang="en-US" sz="1800" dirty="0" smtClean="0"/>
+              <a:t>};</a:t>
+            </a:r>
+            <a:endParaRPr lang="en-US" sz="1800" dirty="0"/>
+          </a:p>
+        </p:txBody>
+      </p:sp>
+    </p:spTree>
+  </p:cSld>
+  <p:clrMapOvr>
+    <a:masterClrMapping/>
+  </p:clrMapOvr>
+  <p:transition>
+    <p:fade/>
+  </p:transition>
+  <p:timing>
+    <p:tnLst>
+      <p:par>
+        <p:cTn id="1" dur="indefinite" restart="never" nodeType="tmRoot"/>
+      </p:par>
+    </p:tnLst>
+  </p:timing>
+</p:sld>
+</file>
+
+<file path=ppt/slides/slide94.xml><?xml version="1.0" encoding="utf-8"?>
+<p:sld xmlns:a="http://schemas.openxmlformats.org/drawingml/2006/main" xmlns:r="http://schemas.openxmlformats.org/officeDocument/2006/relationships" xmlns:p="http://schemas.openxmlformats.org/presentationml/2006/main">
+  <p:cSld>
+    <p:spTree>
+      <p:nvGrpSpPr>
+        <p:cNvPr id="1" name=""/>
+        <p:cNvGrpSpPr/>
+        <p:nvPr/>
+      </p:nvGrpSpPr>
+      <p:grpSpPr>
+        <a:xfrm>
+          <a:off x="0" y="0"/>
+          <a:ext cx="0" cy="0"/>
+          <a:chOff x="0" y="0"/>
+          <a:chExt cx="0" cy="0"/>
+        </a:xfrm>
+      </p:grpSpPr>
+      <p:sp>
+        <p:nvSpPr>
+          <p:cNvPr id="2" name="Title 1"/>
+          <p:cNvSpPr>
+            <a:spLocks noGrp="1"/>
+          </p:cNvSpPr>
+          <p:nvPr>
+            <p:ph type="title"/>
+          </p:nvPr>
+        </p:nvSpPr>
+        <p:spPr/>
+        <p:txBody>
+          <a:bodyPr/>
+          <a:lstStyle/>
+          <a:p>
+            <a:r>
+              <a:rPr lang="en-US" dirty="0" smtClean="0"/>
+              <a:t>Rule Definition </a:t>
+            </a:r>
+            <a:endParaRPr lang="en-US" dirty="0"/>
+          </a:p>
+        </p:txBody>
+      </p:sp>
+      <p:sp>
+        <p:nvSpPr>
+          <p:cNvPr id="3" name="Text Placeholder 2"/>
+          <p:cNvSpPr>
+            <a:spLocks noGrp="1"/>
+          </p:cNvSpPr>
+          <p:nvPr>
+            <p:ph type="body" sz="quarter" idx="10"/>
+          </p:nvPr>
+        </p:nvSpPr>
+        <p:spPr>
+          <a:xfrm>
+            <a:off x="381000" y="1295400"/>
+            <a:ext cx="8382000" cy="4438781"/>
+          </a:xfrm>
+        </p:spPr>
+        <p:txBody>
+          <a:bodyPr/>
+          <a:lstStyle/>
+          <a:p>
+            <a:pPr>
+              <a:buNone/>
+            </a:pPr>
+            <a:r>
+              <a:rPr lang="en-US" sz="1800" dirty="0" smtClean="0"/>
+              <a:t>template &lt;</a:t>
+            </a:r>
+            <a:r>
+              <a:rPr lang="en-US" sz="1800" dirty="0" err="1" smtClean="0"/>
+              <a:t>typename</a:t>
+            </a:r>
+            <a:r>
+              <a:rPr lang="en-US" sz="1800" dirty="0" smtClean="0"/>
+              <a:t> Attribute&gt;</a:t>
+            </a:r>
+          </a:p>
+          <a:p>
+            <a:pPr>
+              <a:buNone/>
+            </a:pPr>
+            <a:r>
+              <a:rPr lang="en-US" sz="1800" dirty="0" err="1" smtClean="0"/>
+              <a:t>struct</a:t>
+            </a:r>
+            <a:r>
+              <a:rPr lang="en-US" sz="1800" dirty="0" smtClean="0"/>
+              <a:t> </a:t>
+            </a:r>
+            <a:r>
+              <a:rPr lang="en-US" sz="1800" dirty="0" err="1" smtClean="0"/>
+              <a:t>rule_context</a:t>
+            </a:r>
+            <a:endParaRPr lang="en-US" sz="1800" dirty="0" smtClean="0"/>
+          </a:p>
+          <a:p>
+            <a:pPr>
+              <a:buNone/>
+            </a:pPr>
+            <a:r>
+              <a:rPr lang="en-US" sz="1800" dirty="0" smtClean="0"/>
+              <a:t>{</a:t>
+            </a:r>
+          </a:p>
+          <a:p>
+            <a:pPr>
+              <a:buNone/>
+            </a:pPr>
+            <a:r>
+              <a:rPr lang="en-US" sz="1800" dirty="0" smtClean="0"/>
+              <a:t>    Attribute&amp; </a:t>
+            </a:r>
+            <a:r>
+              <a:rPr lang="en-US" sz="1800" dirty="0" err="1" smtClean="0"/>
+              <a:t>val</a:t>
+            </a:r>
+            <a:r>
+              <a:rPr lang="en-US" sz="1800" dirty="0" smtClean="0"/>
+              <a:t>() const</a:t>
+            </a:r>
+          </a:p>
+          <a:p>
+            <a:pPr>
+              <a:buNone/>
+            </a:pPr>
+            <a:r>
+              <a:rPr lang="en-US" sz="1800" dirty="0" smtClean="0"/>
+              <a:t>    {</a:t>
+            </a:r>
+          </a:p>
+          <a:p>
+            <a:pPr>
+              <a:buNone/>
+            </a:pPr>
+            <a:r>
+              <a:rPr lang="en-US" sz="1800" dirty="0" smtClean="0"/>
+              <a:t>        BOOST_ASSERT(</a:t>
+            </a:r>
+            <a:r>
+              <a:rPr lang="en-US" sz="1800" dirty="0" err="1" smtClean="0"/>
+              <a:t>attr_ptr</a:t>
+            </a:r>
+            <a:r>
+              <a:rPr lang="en-US" sz="1800" dirty="0" smtClean="0"/>
+              <a:t>);</a:t>
+            </a:r>
+          </a:p>
+          <a:p>
+            <a:pPr>
+              <a:buNone/>
+            </a:pPr>
+            <a:r>
+              <a:rPr lang="en-US" sz="1800" dirty="0" smtClean="0"/>
+              <a:t>        return *</a:t>
+            </a:r>
+            <a:r>
+              <a:rPr lang="en-US" sz="1800" dirty="0" err="1" smtClean="0"/>
+              <a:t>attr_ptr</a:t>
+            </a:r>
+            <a:r>
+              <a:rPr lang="en-US" sz="1800" dirty="0" smtClean="0"/>
+              <a:t>;</a:t>
+            </a:r>
+          </a:p>
+          <a:p>
+            <a:pPr>
+              <a:buNone/>
+            </a:pPr>
+            <a:r>
+              <a:rPr lang="en-US" sz="1800" dirty="0" smtClean="0"/>
+              <a:t>    }</a:t>
+            </a:r>
+          </a:p>
+          <a:p>
+            <a:pPr>
+              <a:buNone/>
+            </a:pPr>
+            <a:endParaRPr lang="en-US" sz="1800" dirty="0" smtClean="0"/>
+          </a:p>
+          <a:p>
+            <a:pPr>
+              <a:buNone/>
+            </a:pPr>
+            <a:r>
+              <a:rPr lang="en-US" sz="1800" dirty="0" smtClean="0"/>
+              <a:t>    Attribute* </a:t>
+            </a:r>
+            <a:r>
+              <a:rPr lang="en-US" sz="1800" dirty="0" err="1" smtClean="0"/>
+              <a:t>attr_ptr</a:t>
+            </a:r>
+            <a:r>
+              <a:rPr lang="en-US" sz="1800" dirty="0" smtClean="0"/>
+              <a:t>;</a:t>
+            </a:r>
+          </a:p>
+          <a:p>
+            <a:pPr>
+              <a:buNone/>
+            </a:pPr>
+            <a:r>
+              <a:rPr lang="en-US" sz="1800" dirty="0" smtClean="0"/>
+              <a:t>};</a:t>
+            </a:r>
+          </a:p>
+          <a:p>
+            <a:pPr>
+              <a:buNone/>
+            </a:pPr>
+            <a:endParaRPr lang="en-US" sz="1800" dirty="0" smtClean="0"/>
+          </a:p>
+          <a:p>
+            <a:pPr>
+              <a:buNone/>
+            </a:pPr>
+            <a:r>
+              <a:rPr lang="en-US" sz="1800" dirty="0" err="1" smtClean="0"/>
+              <a:t>struct</a:t>
+            </a:r>
+            <a:r>
+              <a:rPr lang="en-US" sz="1800" dirty="0" smtClean="0"/>
+              <a:t> </a:t>
+            </a:r>
+            <a:r>
+              <a:rPr lang="en-US" sz="1800" dirty="0" err="1" smtClean="0"/>
+              <a:t>rule_context_tag</a:t>
+            </a:r>
+            <a:r>
+              <a:rPr lang="en-US" sz="1800" dirty="0" smtClean="0"/>
+              <a:t>;</a:t>
+            </a:r>
+          </a:p>
+          <a:p>
+            <a:pPr>
+              <a:buNone/>
+            </a:pPr>
+            <a:endParaRPr lang="en-US" sz="1800" dirty="0" smtClean="0"/>
+          </a:p>
+          <a:p>
+            <a:pPr>
+              <a:buNone/>
+            </a:pPr>
+            <a:r>
+              <a:rPr lang="en-US" sz="1800" dirty="0" smtClean="0"/>
+              <a:t>template &lt;</a:t>
+            </a:r>
+            <a:r>
+              <a:rPr lang="en-US" sz="1800" dirty="0" err="1" smtClean="0"/>
+              <a:t>typename</a:t>
+            </a:r>
+            <a:r>
+              <a:rPr lang="en-US" sz="1800" dirty="0" smtClean="0"/>
+              <a:t> ID&gt;</a:t>
+            </a:r>
+          </a:p>
+          <a:p>
+            <a:pPr>
+              <a:buNone/>
+            </a:pPr>
+            <a:r>
+              <a:rPr lang="en-US" sz="1800" dirty="0" err="1" smtClean="0"/>
+              <a:t>struct</a:t>
+            </a:r>
+            <a:r>
+              <a:rPr lang="en-US" sz="1800" dirty="0" smtClean="0"/>
+              <a:t> </a:t>
+            </a:r>
+            <a:r>
+              <a:rPr lang="en-US" sz="1800" dirty="0" err="1" smtClean="0"/>
+              <a:t>rule_context_with_id_tag</a:t>
+            </a:r>
+            <a:r>
+              <a:rPr lang="en-US" sz="1800" dirty="0" smtClean="0"/>
+              <a:t>;</a:t>
+            </a:r>
+          </a:p>
+        </p:txBody>
+      </p:sp>
+    </p:spTree>
+  </p:cSld>
+  <p:clrMapOvr>
+    <a:masterClrMapping/>
+  </p:clrMapOvr>
+  <p:transition>
+    <p:fade/>
+  </p:transition>
+  <p:timing>
+    <p:tnLst>
+      <p:par>
+        <p:cTn id="1" dur="indefinite" restart="never" nodeType="tmRoot"/>
+      </p:par>
+    </p:tnLst>
+  </p:timing>
+</p:sld>
+</file>
+
+<file path=ppt/slides/slide95.xml><?xml version="1.0" encoding="utf-8"?>
+<p:sld xmlns:a="http://schemas.openxmlformats.org/drawingml/2006/main" xmlns:r="http://schemas.openxmlformats.org/officeDocument/2006/relationships" xmlns:p="http://schemas.openxmlformats.org/presentationml/2006/main">
+  <p:cSld>
+    <p:spTree>
+      <p:nvGrpSpPr>
+        <p:cNvPr id="1" name=""/>
+        <p:cNvGrpSpPr/>
+        <p:nvPr/>
+      </p:nvGrpSpPr>
+      <p:grpSpPr>
+        <a:xfrm>
+          <a:off x="0" y="0"/>
+          <a:ext cx="0" cy="0"/>
+          <a:chOff x="0" y="0"/>
+          <a:chExt cx="0" cy="0"/>
+        </a:xfrm>
+      </p:grpSpPr>
+      <p:sp>
+        <p:nvSpPr>
+          <p:cNvPr id="2" name="Title 1"/>
+          <p:cNvSpPr>
+            <a:spLocks noGrp="1"/>
+          </p:cNvSpPr>
+          <p:nvPr>
+            <p:ph type="title"/>
+          </p:nvPr>
+        </p:nvSpPr>
+        <p:spPr/>
+        <p:txBody>
+          <a:bodyPr/>
+          <a:lstStyle/>
+          <a:p>
+            <a:r>
+              <a:rPr lang="en-US" dirty="0" smtClean="0"/>
+              <a:t>Rule Definition </a:t>
+            </a:r>
+            <a:endParaRPr lang="en-US" dirty="0"/>
+          </a:p>
+        </p:txBody>
+      </p:sp>
+      <p:sp>
+        <p:nvSpPr>
+          <p:cNvPr id="3" name="Text Placeholder 2"/>
+          <p:cNvSpPr>
+            <a:spLocks noGrp="1"/>
+          </p:cNvSpPr>
+          <p:nvPr>
+            <p:ph type="body" sz="quarter" idx="10"/>
+          </p:nvPr>
+        </p:nvSpPr>
+        <p:spPr>
+          <a:xfrm>
+            <a:off x="381000" y="914400"/>
+            <a:ext cx="8382000" cy="4515082"/>
+          </a:xfrm>
+        </p:spPr>
+        <p:txBody>
+          <a:bodyPr/>
+          <a:lstStyle/>
+          <a:p>
+            <a:pPr>
+              <a:buNone/>
+            </a:pPr>
+            <a:endParaRPr lang="en-US" sz="1800" dirty="0" smtClean="0"/>
+          </a:p>
+          <a:p>
+            <a:pPr>
+              <a:buNone/>
+            </a:pPr>
+            <a:r>
+              <a:rPr lang="en-US" sz="1800" dirty="0" smtClean="0"/>
+              <a:t>template &lt;</a:t>
+            </a:r>
+            <a:r>
+              <a:rPr lang="en-US" sz="1800" dirty="0" err="1" smtClean="0"/>
+              <a:t>typename</a:t>
+            </a:r>
+            <a:r>
+              <a:rPr lang="en-US" sz="1800" dirty="0" smtClean="0"/>
+              <a:t> </a:t>
+            </a:r>
+            <a:r>
+              <a:rPr lang="en-US" sz="1800" dirty="0" err="1" smtClean="0"/>
+              <a:t>Iterator</a:t>
+            </a:r>
+            <a:r>
+              <a:rPr lang="en-US" sz="1800" dirty="0" smtClean="0"/>
+              <a:t>, </a:t>
+            </a:r>
+            <a:r>
+              <a:rPr lang="en-US" sz="1800" dirty="0" err="1" smtClean="0"/>
+              <a:t>typename</a:t>
+            </a:r>
+            <a:r>
+              <a:rPr lang="en-US" sz="1800" dirty="0" smtClean="0"/>
+              <a:t> Context, </a:t>
+            </a:r>
+            <a:r>
+              <a:rPr lang="en-US" sz="1800" dirty="0" err="1" smtClean="0"/>
+              <a:t>typename</a:t>
+            </a:r>
+            <a:r>
+              <a:rPr lang="en-US" sz="1800" dirty="0" smtClean="0"/>
+              <a:t> Attribute_&gt;</a:t>
+            </a:r>
+          </a:p>
+          <a:p>
+            <a:pPr>
+              <a:buNone/>
+            </a:pPr>
+            <a:r>
+              <a:rPr lang="en-US" sz="1800" dirty="0" err="1" smtClean="0"/>
+              <a:t>bool</a:t>
+            </a:r>
+            <a:r>
+              <a:rPr lang="en-US" sz="1800" dirty="0" smtClean="0"/>
+              <a:t> parse(</a:t>
+            </a:r>
+            <a:r>
+              <a:rPr lang="en-US" sz="1800" dirty="0" err="1" smtClean="0"/>
+              <a:t>Iterator</a:t>
+            </a:r>
+            <a:r>
+              <a:rPr lang="en-US" sz="1800" dirty="0" smtClean="0"/>
+              <a:t>&amp; first, </a:t>
+            </a:r>
+            <a:r>
+              <a:rPr lang="en-US" sz="1800" dirty="0" err="1" smtClean="0"/>
+              <a:t>Iterator</a:t>
+            </a:r>
+            <a:r>
+              <a:rPr lang="en-US" sz="1800" dirty="0" smtClean="0"/>
+              <a:t> const&amp; last</a:t>
+            </a:r>
+          </a:p>
+          <a:p>
+            <a:pPr>
+              <a:buNone/>
+            </a:pPr>
+            <a:r>
+              <a:rPr lang="en-US" sz="1800" dirty="0" smtClean="0"/>
+              <a:t>  , Context const&amp; context, Attribute_&amp; </a:t>
+            </a:r>
+            <a:r>
+              <a:rPr lang="en-US" sz="1800" dirty="0" err="1" smtClean="0"/>
+              <a:t>attr</a:t>
+            </a:r>
+            <a:r>
+              <a:rPr lang="en-US" sz="1800" dirty="0" smtClean="0"/>
+              <a:t>) const</a:t>
+            </a:r>
+          </a:p>
+          <a:p>
+            <a:pPr>
+              <a:buNone/>
+            </a:pPr>
+            <a:r>
+              <a:rPr lang="en-US" sz="1800" dirty="0" smtClean="0"/>
+              <a:t>{</a:t>
+            </a:r>
+          </a:p>
+          <a:p>
+            <a:pPr>
+              <a:buNone/>
+            </a:pPr>
+            <a:r>
+              <a:rPr lang="en-US" sz="1800" dirty="0" smtClean="0"/>
+              <a:t>    </a:t>
+            </a:r>
+            <a:r>
+              <a:rPr lang="en-US" sz="1800" dirty="0" err="1" smtClean="0"/>
+              <a:t>rule_context</a:t>
+            </a:r>
+            <a:r>
+              <a:rPr lang="en-US" sz="1800" dirty="0" smtClean="0"/>
+              <a:t>&lt;Attribute&gt; </a:t>
+            </a:r>
+            <a:r>
+              <a:rPr lang="en-US" sz="1800" dirty="0" err="1" smtClean="0"/>
+              <a:t>r_context</a:t>
+            </a:r>
+            <a:r>
+              <a:rPr lang="en-US" sz="1800" dirty="0" smtClean="0"/>
+              <a:t> = { 0 };</a:t>
+            </a:r>
+          </a:p>
+          <a:p>
+            <a:pPr>
+              <a:buNone/>
+            </a:pPr>
+            <a:endParaRPr lang="en-US" sz="1800" dirty="0" smtClean="0"/>
+          </a:p>
+          <a:p>
+            <a:pPr>
+              <a:buNone/>
+            </a:pPr>
+            <a:r>
+              <a:rPr lang="en-US" sz="1800" dirty="0" smtClean="0"/>
+              <a:t>    auto rule_ctx1 = </a:t>
+            </a:r>
+            <a:r>
+              <a:rPr lang="en-US" sz="1800" dirty="0" err="1" smtClean="0"/>
+              <a:t>make_context</a:t>
+            </a:r>
+            <a:r>
+              <a:rPr lang="en-US" sz="1800" dirty="0" smtClean="0"/>
+              <a:t>&lt;</a:t>
+            </a:r>
+            <a:r>
+              <a:rPr lang="en-US" sz="1800" dirty="0" err="1" smtClean="0"/>
+              <a:t>rule_context_with_id_tag</a:t>
+            </a:r>
+            <a:r>
+              <a:rPr lang="en-US" sz="1800" dirty="0" smtClean="0"/>
+              <a:t>&lt;ID&gt;&gt;(</a:t>
+            </a:r>
+            <a:r>
+              <a:rPr lang="en-US" sz="1800" dirty="0" err="1" smtClean="0"/>
+              <a:t>r_context</a:t>
+            </a:r>
+            <a:r>
+              <a:rPr lang="en-US" sz="1800" dirty="0" smtClean="0"/>
+              <a:t>, context);</a:t>
+            </a:r>
+          </a:p>
+          <a:p>
+            <a:pPr>
+              <a:buNone/>
+            </a:pPr>
+            <a:r>
+              <a:rPr lang="en-US" sz="1800" dirty="0" smtClean="0"/>
+              <a:t>    auto rule_ctx2 = </a:t>
+            </a:r>
+            <a:r>
+              <a:rPr lang="en-US" sz="1800" dirty="0" err="1" smtClean="0"/>
+              <a:t>make_context</a:t>
+            </a:r>
+            <a:r>
+              <a:rPr lang="en-US" sz="1800" dirty="0" smtClean="0"/>
+              <a:t>&lt;</a:t>
+            </a:r>
+            <a:r>
+              <a:rPr lang="en-US" sz="1800" dirty="0" err="1" smtClean="0"/>
+              <a:t>rule_context_tag</a:t>
+            </a:r>
+            <a:r>
+              <a:rPr lang="en-US" sz="1800" dirty="0" smtClean="0"/>
+              <a:t>&gt;(</a:t>
+            </a:r>
+            <a:r>
+              <a:rPr lang="en-US" sz="1800" dirty="0" err="1" smtClean="0"/>
+              <a:t>r_context</a:t>
+            </a:r>
+            <a:r>
+              <a:rPr lang="en-US" sz="1800" dirty="0" smtClean="0"/>
+              <a:t>, rule_ctx1);</a:t>
+            </a:r>
+          </a:p>
+          <a:p>
+            <a:pPr>
+              <a:buNone/>
+            </a:pPr>
+            <a:r>
+              <a:rPr lang="en-US" sz="1800" dirty="0" smtClean="0"/>
+              <a:t>    auto </a:t>
+            </a:r>
+            <a:r>
+              <a:rPr lang="en-US" sz="1800" dirty="0" err="1" smtClean="0"/>
+              <a:t>this_context</a:t>
+            </a:r>
+            <a:r>
+              <a:rPr lang="en-US" sz="1800" dirty="0" smtClean="0"/>
+              <a:t> = </a:t>
+            </a:r>
+            <a:r>
+              <a:rPr lang="en-US" sz="1800" dirty="0" err="1" smtClean="0"/>
+              <a:t>make_context</a:t>
+            </a:r>
+            <a:r>
+              <a:rPr lang="en-US" sz="1800" dirty="0" smtClean="0"/>
+              <a:t>&lt;ID&gt;(*this, rule_ctx2);</a:t>
+            </a:r>
+          </a:p>
+          <a:p>
+            <a:pPr>
+              <a:buNone/>
+            </a:pPr>
+            <a:endParaRPr lang="en-US" sz="1800" dirty="0" smtClean="0"/>
+          </a:p>
+          <a:p>
+            <a:pPr>
+              <a:buNone/>
+            </a:pPr>
+            <a:r>
+              <a:rPr lang="en-US" sz="1800" dirty="0" smtClean="0"/>
+              <a:t>    return detail::</a:t>
+            </a:r>
+            <a:r>
+              <a:rPr lang="en-US" sz="1800" dirty="0" err="1" smtClean="0"/>
+              <a:t>parse_rule</a:t>
+            </a:r>
+            <a:r>
+              <a:rPr lang="en-US" sz="1800" dirty="0" smtClean="0"/>
+              <a:t>&lt;</a:t>
+            </a:r>
+            <a:r>
+              <a:rPr lang="en-US" sz="1800" dirty="0" err="1" smtClean="0"/>
+              <a:t>attribute_type</a:t>
+            </a:r>
+            <a:r>
+              <a:rPr lang="en-US" sz="1800" dirty="0" smtClean="0"/>
+              <a:t>, ID&gt;::</a:t>
+            </a:r>
+            <a:r>
+              <a:rPr lang="en-US" sz="1800" dirty="0" err="1" smtClean="0"/>
+              <a:t>call_rule_definition</a:t>
+            </a:r>
+            <a:r>
+              <a:rPr lang="en-US" sz="1800" dirty="0" smtClean="0"/>
+              <a:t>(</a:t>
+            </a:r>
+          </a:p>
+          <a:p>
+            <a:pPr>
+              <a:buNone/>
+            </a:pPr>
+            <a:r>
+              <a:rPr lang="en-US" sz="1800" dirty="0" smtClean="0"/>
+              <a:t>        </a:t>
+            </a:r>
+            <a:r>
+              <a:rPr lang="en-US" sz="1800" dirty="0" err="1" smtClean="0"/>
+              <a:t>rhs</a:t>
+            </a:r>
+            <a:r>
+              <a:rPr lang="en-US" sz="1800" dirty="0" smtClean="0"/>
+              <a:t>, name, first, last, </a:t>
+            </a:r>
+            <a:r>
+              <a:rPr lang="en-US" sz="1800" dirty="0" err="1" smtClean="0"/>
+              <a:t>this_context</a:t>
+            </a:r>
+            <a:r>
+              <a:rPr lang="en-US" sz="1800" dirty="0" smtClean="0"/>
+              <a:t>, </a:t>
+            </a:r>
+            <a:r>
+              <a:rPr lang="en-US" sz="1800" dirty="0" err="1" smtClean="0"/>
+              <a:t>attr</a:t>
+            </a:r>
+            <a:r>
+              <a:rPr lang="en-US" sz="1800" dirty="0" smtClean="0"/>
+              <a:t>, </a:t>
+            </a:r>
+            <a:r>
+              <a:rPr lang="en-US" sz="1800" dirty="0" err="1" smtClean="0"/>
+              <a:t>r_context.attr_ptr</a:t>
+            </a:r>
+            <a:r>
+              <a:rPr lang="en-US" sz="1800" dirty="0" smtClean="0"/>
+              <a:t>);</a:t>
+            </a:r>
+          </a:p>
+          <a:p>
+            <a:pPr>
+              <a:buNone/>
+            </a:pPr>
+            <a:r>
+              <a:rPr lang="en-US" sz="1800" dirty="0" smtClean="0"/>
+              <a:t>}</a:t>
+            </a:r>
+          </a:p>
+          <a:p>
+            <a:pPr>
+              <a:buNone/>
+            </a:pPr>
+            <a:endParaRPr lang="en-US" sz="1800" dirty="0"/>
+          </a:p>
+        </p:txBody>
+      </p:sp>
+    </p:spTree>
+  </p:cSld>
+  <p:clrMapOvr>
+    <a:masterClrMapping/>
+  </p:clrMapOvr>
+  <p:transition>
+    <p:fade/>
+  </p:transition>
+  <p:timing>
+    <p:tnLst>
+      <p:par>
+        <p:cTn id="1" dur="indefinite" restart="never" nodeType="tmRoot"/>
+      </p:par>
+    </p:tnLst>
+  </p:timing>
+</p:sld>
+</file>
+
+<file path=ppt/slides/slide96.xml><?xml version="1.0" encoding="utf-8"?>
+<p:sld xmlns:a="http://schemas.openxmlformats.org/drawingml/2006/main" xmlns:r="http://schemas.openxmlformats.org/officeDocument/2006/relationships" xmlns:p="http://schemas.openxmlformats.org/presentationml/2006/main">
+  <p:cSld>
+    <p:spTree>
+      <p:nvGrpSpPr>
+        <p:cNvPr id="1" name=""/>
+        <p:cNvGrpSpPr/>
+        <p:nvPr/>
+      </p:nvGrpSpPr>
+      <p:grpSpPr>
+        <a:xfrm>
+          <a:off x="0" y="0"/>
+          <a:ext cx="0" cy="0"/>
+          <a:chOff x="0" y="0"/>
+          <a:chExt cx="0" cy="0"/>
+        </a:xfrm>
+      </p:grpSpPr>
+      <p:sp>
+        <p:nvSpPr>
+          <p:cNvPr id="2" name="Title 1"/>
+          <p:cNvSpPr>
+            <a:spLocks noGrp="1"/>
+          </p:cNvSpPr>
+          <p:nvPr>
+            <p:ph type="title"/>
+          </p:nvPr>
+        </p:nvSpPr>
+        <p:spPr>
+          <a:xfrm>
+            <a:off x="381000" y="230188"/>
+            <a:ext cx="8382000" cy="664797"/>
+          </a:xfrm>
+        </p:spPr>
+        <p:txBody>
+          <a:bodyPr/>
+          <a:lstStyle/>
+          <a:p>
+            <a:r>
+              <a:rPr lang="en-US" dirty="0" err="1"/>
+              <a:t>call_rule_definition</a:t>
+            </a:r>
+            <a:endParaRPr lang="en-US" dirty="0"/>
+          </a:p>
+        </p:txBody>
+      </p:sp>
+      <p:sp>
+        <p:nvSpPr>
+          <p:cNvPr id="3" name="Text Placeholder 2"/>
+          <p:cNvSpPr>
+            <a:spLocks noGrp="1"/>
+          </p:cNvSpPr>
+          <p:nvPr>
+            <p:ph type="body" sz="quarter" idx="10"/>
+          </p:nvPr>
+        </p:nvSpPr>
+        <p:spPr>
+          <a:xfrm>
+            <a:off x="381000" y="1066800"/>
+            <a:ext cx="8382000" cy="4013406"/>
+          </a:xfrm>
+        </p:spPr>
+        <p:txBody>
+          <a:bodyPr/>
+          <a:lstStyle/>
+          <a:p>
+            <a:pPr>
+              <a:buNone/>
+            </a:pPr>
+            <a:r>
+              <a:rPr lang="en-US" sz="1600" dirty="0" smtClean="0"/>
+              <a:t>template &lt;</a:t>
+            </a:r>
+            <a:r>
+              <a:rPr lang="en-US" sz="1600" dirty="0" err="1" smtClean="0"/>
+              <a:t>typename</a:t>
+            </a:r>
+            <a:r>
+              <a:rPr lang="en-US" sz="1600" dirty="0" smtClean="0"/>
+              <a:t> RHS, </a:t>
+            </a:r>
+            <a:r>
+              <a:rPr lang="en-US" sz="1600" dirty="0" err="1" smtClean="0"/>
+              <a:t>typename</a:t>
+            </a:r>
+            <a:r>
+              <a:rPr lang="en-US" sz="1600" dirty="0" smtClean="0"/>
+              <a:t> </a:t>
+            </a:r>
+            <a:r>
+              <a:rPr lang="en-US" sz="1600" dirty="0" err="1" smtClean="0"/>
+              <a:t>Iterator</a:t>
+            </a:r>
+            <a:r>
+              <a:rPr lang="en-US" sz="1600" dirty="0" smtClean="0"/>
+              <a:t>, </a:t>
+            </a:r>
+            <a:r>
+              <a:rPr lang="en-US" sz="1600" dirty="0" err="1" smtClean="0"/>
+              <a:t>typename</a:t>
+            </a:r>
+            <a:r>
+              <a:rPr lang="en-US" sz="1600" dirty="0" smtClean="0"/>
+              <a:t> Context</a:t>
+            </a:r>
+          </a:p>
+          <a:p>
+            <a:pPr>
+              <a:buNone/>
+            </a:pPr>
+            <a:r>
+              <a:rPr lang="en-US" sz="1600" dirty="0" smtClean="0"/>
+              <a:t>    , </a:t>
+            </a:r>
+            <a:r>
+              <a:rPr lang="en-US" sz="1600" dirty="0" err="1" smtClean="0"/>
+              <a:t>typename</a:t>
+            </a:r>
+            <a:r>
+              <a:rPr lang="en-US" sz="1600" dirty="0" smtClean="0"/>
+              <a:t> </a:t>
+            </a:r>
+            <a:r>
+              <a:rPr lang="en-US" sz="1600" dirty="0" err="1" smtClean="0"/>
+              <a:t>ActualAttribute</a:t>
+            </a:r>
+            <a:r>
+              <a:rPr lang="en-US" sz="1600" dirty="0" smtClean="0"/>
+              <a:t>, </a:t>
+            </a:r>
+            <a:r>
+              <a:rPr lang="en-US" sz="1600" dirty="0" err="1" smtClean="0"/>
+              <a:t>typename</a:t>
+            </a:r>
+            <a:r>
+              <a:rPr lang="en-US" sz="1600" dirty="0" smtClean="0"/>
+              <a:t> </a:t>
+            </a:r>
+            <a:r>
+              <a:rPr lang="en-US" sz="1600" dirty="0" err="1" smtClean="0"/>
+              <a:t>AttributePtr</a:t>
+            </a:r>
+            <a:r>
+              <a:rPr lang="en-US" sz="1600" dirty="0" smtClean="0"/>
+              <a:t>&gt;</a:t>
+            </a:r>
+          </a:p>
+          <a:p>
+            <a:pPr>
+              <a:buNone/>
+            </a:pPr>
+            <a:r>
+              <a:rPr lang="en-US" sz="1600" dirty="0" smtClean="0"/>
+              <a:t>static </a:t>
+            </a:r>
+            <a:r>
+              <a:rPr lang="en-US" sz="1600" dirty="0" err="1" smtClean="0"/>
+              <a:t>bool</a:t>
+            </a:r>
+            <a:r>
+              <a:rPr lang="en-US" sz="1600" dirty="0" smtClean="0"/>
+              <a:t> </a:t>
+            </a:r>
+            <a:r>
+              <a:rPr lang="en-US" sz="1600" dirty="0" err="1" smtClean="0"/>
+              <a:t>call_rule_definition</a:t>
+            </a:r>
+            <a:r>
+              <a:rPr lang="en-US" sz="1600" dirty="0" smtClean="0"/>
+              <a:t>(</a:t>
+            </a:r>
+          </a:p>
+          <a:p>
+            <a:pPr>
+              <a:buNone/>
+            </a:pPr>
+            <a:r>
+              <a:rPr lang="en-US" sz="1600" dirty="0" smtClean="0"/>
+              <a:t>    RHS const&amp; </a:t>
+            </a:r>
+            <a:r>
+              <a:rPr lang="en-US" sz="1600" dirty="0" err="1" smtClean="0"/>
+              <a:t>rhs</a:t>
+            </a:r>
+            <a:endParaRPr lang="en-US" sz="1600" dirty="0" smtClean="0"/>
+          </a:p>
+          <a:p>
+            <a:pPr>
+              <a:buNone/>
+            </a:pPr>
+            <a:r>
+              <a:rPr lang="en-US" sz="1600" dirty="0" smtClean="0"/>
+              <a:t>  , char const* </a:t>
+            </a:r>
+            <a:r>
+              <a:rPr lang="en-US" sz="1600" dirty="0" err="1" smtClean="0"/>
+              <a:t>rule_name</a:t>
+            </a:r>
+            <a:endParaRPr lang="en-US" sz="1600" dirty="0" smtClean="0"/>
+          </a:p>
+          <a:p>
+            <a:pPr>
+              <a:buNone/>
+            </a:pPr>
+            <a:r>
+              <a:rPr lang="en-US" sz="1600" dirty="0" smtClean="0"/>
+              <a:t>  , </a:t>
+            </a:r>
+            <a:r>
+              <a:rPr lang="en-US" sz="1600" dirty="0" err="1" smtClean="0"/>
+              <a:t>Iterator</a:t>
+            </a:r>
+            <a:r>
+              <a:rPr lang="en-US" sz="1600" dirty="0" smtClean="0"/>
+              <a:t>&amp; first, </a:t>
+            </a:r>
+            <a:r>
+              <a:rPr lang="en-US" sz="1600" dirty="0" err="1" smtClean="0"/>
+              <a:t>Iterator</a:t>
+            </a:r>
+            <a:r>
+              <a:rPr lang="en-US" sz="1600" dirty="0" smtClean="0"/>
+              <a:t> const&amp; last</a:t>
+            </a:r>
+          </a:p>
+          <a:p>
+            <a:pPr>
+              <a:buNone/>
+            </a:pPr>
+            <a:r>
+              <a:rPr lang="en-US" sz="1600" dirty="0" smtClean="0"/>
+              <a:t>  , Context const&amp; context, </a:t>
+            </a:r>
+            <a:r>
+              <a:rPr lang="en-US" sz="1600" dirty="0" err="1" smtClean="0"/>
+              <a:t>ActualAttribute</a:t>
+            </a:r>
+            <a:r>
+              <a:rPr lang="en-US" sz="1600" dirty="0" smtClean="0"/>
+              <a:t>&amp; </a:t>
+            </a:r>
+            <a:r>
+              <a:rPr lang="en-US" sz="1600" dirty="0" err="1" smtClean="0"/>
+              <a:t>attr</a:t>
+            </a:r>
+            <a:r>
+              <a:rPr lang="en-US" sz="1600" dirty="0" smtClean="0"/>
+              <a:t>, </a:t>
+            </a:r>
+            <a:r>
+              <a:rPr lang="en-US" sz="1600" dirty="0" err="1" smtClean="0"/>
+              <a:t>AttributePtr</a:t>
+            </a:r>
+            <a:r>
+              <a:rPr lang="en-US" sz="1600" dirty="0" smtClean="0"/>
+              <a:t>*&amp; </a:t>
+            </a:r>
+            <a:r>
+              <a:rPr lang="en-US" sz="1600" dirty="0" err="1" smtClean="0"/>
+              <a:t>attr_ptr</a:t>
+            </a:r>
+            <a:r>
+              <a:rPr lang="en-US" sz="1600" dirty="0" smtClean="0"/>
+              <a:t>)</a:t>
+            </a:r>
+          </a:p>
+          <a:p>
+            <a:pPr>
+              <a:buNone/>
+            </a:pPr>
+            <a:r>
+              <a:rPr lang="en-US" sz="1600" dirty="0" smtClean="0"/>
+              <a:t>{</a:t>
+            </a:r>
+          </a:p>
+          <a:p>
+            <a:pPr>
+              <a:buNone/>
+            </a:pPr>
+            <a:r>
+              <a:rPr lang="en-US" sz="1600" dirty="0" smtClean="0"/>
+              <a:t>    </a:t>
+            </a:r>
+            <a:r>
+              <a:rPr lang="en-US" sz="1600" dirty="0" err="1" smtClean="0"/>
+              <a:t>typedef</a:t>
+            </a:r>
+            <a:r>
+              <a:rPr lang="en-US" sz="1600" dirty="0" smtClean="0"/>
+              <a:t> traits::</a:t>
+            </a:r>
+            <a:r>
+              <a:rPr lang="en-US" sz="1600" dirty="0" err="1" smtClean="0"/>
+              <a:t>make_attribute</a:t>
+            </a:r>
+            <a:r>
+              <a:rPr lang="en-US" sz="1600" dirty="0" smtClean="0"/>
+              <a:t>&lt;Attribute, </a:t>
+            </a:r>
+            <a:r>
+              <a:rPr lang="en-US" sz="1600" dirty="0" err="1" smtClean="0"/>
+              <a:t>ActualAttribute</a:t>
+            </a:r>
+            <a:r>
+              <a:rPr lang="en-US" sz="1600" dirty="0" smtClean="0"/>
+              <a:t>&gt; </a:t>
+            </a:r>
+            <a:r>
+              <a:rPr lang="en-US" sz="1600" dirty="0" err="1" smtClean="0"/>
+              <a:t>make_attribute</a:t>
+            </a:r>
+            <a:r>
+              <a:rPr lang="en-US" sz="1600" dirty="0" smtClean="0"/>
+              <a:t>;</a:t>
+            </a:r>
+          </a:p>
+          <a:p>
+            <a:pPr>
+              <a:buNone/>
+            </a:pPr>
+            <a:endParaRPr lang="en-US" sz="1600" dirty="0" smtClean="0"/>
+          </a:p>
+          <a:p>
+            <a:pPr>
+              <a:buNone/>
+            </a:pPr>
+            <a:r>
+              <a:rPr lang="en-US" sz="1600" dirty="0" smtClean="0"/>
+              <a:t>    // do down-stream transformation, provides attribute for</a:t>
+            </a:r>
+          </a:p>
+          <a:p>
+            <a:pPr>
+              <a:buNone/>
+            </a:pPr>
+            <a:r>
+              <a:rPr lang="en-US" sz="1600" dirty="0" smtClean="0"/>
+              <a:t>    // </a:t>
+            </a:r>
+            <a:r>
+              <a:rPr lang="en-US" sz="1600" dirty="0" err="1" smtClean="0"/>
+              <a:t>rhs</a:t>
+            </a:r>
+            <a:r>
+              <a:rPr lang="en-US" sz="1600" dirty="0" smtClean="0"/>
+              <a:t> parser</a:t>
+            </a:r>
+          </a:p>
+          <a:p>
+            <a:pPr>
+              <a:buNone/>
+            </a:pPr>
+            <a:r>
+              <a:rPr lang="en-US" sz="1600" dirty="0" smtClean="0"/>
+              <a:t>    </a:t>
+            </a:r>
+            <a:r>
+              <a:rPr lang="en-US" sz="1600" dirty="0" err="1" smtClean="0"/>
+              <a:t>typedef</a:t>
+            </a:r>
+            <a:r>
+              <a:rPr lang="en-US" sz="1600" dirty="0" smtClean="0"/>
+              <a:t> traits::</a:t>
+            </a:r>
+            <a:r>
+              <a:rPr lang="en-US" sz="1600" dirty="0" err="1" smtClean="0"/>
+              <a:t>transform_attribute</a:t>
+            </a:r>
+            <a:r>
+              <a:rPr lang="en-US" sz="1600" dirty="0" smtClean="0"/>
+              <a:t>&lt;</a:t>
+            </a:r>
+          </a:p>
+          <a:p>
+            <a:pPr>
+              <a:buNone/>
+            </a:pPr>
+            <a:r>
+              <a:rPr lang="en-US" sz="1600" dirty="0" smtClean="0"/>
+              <a:t>        </a:t>
+            </a:r>
+            <a:r>
+              <a:rPr lang="en-US" sz="1600" dirty="0" err="1" smtClean="0"/>
+              <a:t>typename</a:t>
+            </a:r>
+            <a:r>
+              <a:rPr lang="en-US" sz="1600" dirty="0" smtClean="0"/>
+              <a:t> </a:t>
+            </a:r>
+            <a:r>
+              <a:rPr lang="en-US" sz="1600" dirty="0" err="1" smtClean="0"/>
+              <a:t>make_attribute</a:t>
+            </a:r>
+            <a:r>
+              <a:rPr lang="en-US" sz="1600" dirty="0" smtClean="0"/>
+              <a:t>::type, Attribute, </a:t>
+            </a:r>
+            <a:r>
+              <a:rPr lang="en-US" sz="1600" dirty="0" err="1" smtClean="0"/>
+              <a:t>parser_id</a:t>
+            </a:r>
+            <a:r>
+              <a:rPr lang="en-US" sz="1600" dirty="0" smtClean="0"/>
+              <a:t>&gt;</a:t>
+            </a:r>
+          </a:p>
+          <a:p>
+            <a:pPr>
+              <a:buNone/>
+            </a:pPr>
+            <a:r>
+              <a:rPr lang="en-US" sz="1600" dirty="0" smtClean="0"/>
+              <a:t>    transform</a:t>
+            </a:r>
+            <a:r>
+              <a:rPr lang="en-US" sz="1600" dirty="0" smtClean="0"/>
+              <a:t>;</a:t>
+            </a:r>
+            <a:endParaRPr lang="en-US" sz="1600" dirty="0" smtClean="0"/>
+          </a:p>
+        </p:txBody>
+      </p:sp>
+      <p:sp>
+        <p:nvSpPr>
+          <p:cNvPr id="4" name="TextBox 3"/>
+          <p:cNvSpPr txBox="1"/>
+          <p:nvPr/>
+        </p:nvSpPr>
+        <p:spPr>
+          <a:xfrm>
+            <a:off x="3505200" y="5562600"/>
+            <a:ext cx="1946238" cy="523220"/>
+          </a:xfrm>
+          <a:prstGeom prst="rect">
+            <a:avLst/>
+          </a:prstGeom>
+          <a:noFill/>
+        </p:spPr>
+        <p:txBody>
+          <a:bodyPr wrap="none" rtlCol="0">
+            <a:spAutoFit/>
+          </a:bodyPr>
+          <a:lstStyle/>
+          <a:p>
+            <a:r>
+              <a:rPr lang="en-US" sz="2800" dirty="0" smtClean="0">
+                <a:solidFill>
+                  <a:srgbClr val="FF0000"/>
+                </a:solidFill>
+              </a:rPr>
+              <a:t>Continued…</a:t>
+            </a:r>
+            <a:endParaRPr lang="en-US" sz="2800" dirty="0">
+              <a:solidFill>
+                <a:srgbClr val="FF0000"/>
+              </a:solidFill>
+            </a:endParaRPr>
+          </a:p>
+        </p:txBody>
+      </p:sp>
+    </p:spTree>
+  </p:cSld>
+  <p:clrMapOvr>
+    <a:masterClrMapping/>
+  </p:clrMapOvr>
+  <p:transition>
+    <p:fade/>
+  </p:transition>
+  <p:timing>
+    <p:tnLst>
+      <p:par>
+        <p:cTn id="1" dur="indefinite" restart="never" nodeType="tmRoot"/>
+      </p:par>
+    </p:tnLst>
+  </p:timing>
+</p:sld>
+</file>
+
+<file path=ppt/slides/slide97.xml><?xml version="1.0" encoding="utf-8"?>
+<p:sld xmlns:a="http://schemas.openxmlformats.org/drawingml/2006/main" xmlns:r="http://schemas.openxmlformats.org/officeDocument/2006/relationships" xmlns:p="http://schemas.openxmlformats.org/presentationml/2006/main">
+  <p:cSld>
+    <p:spTree>
+      <p:nvGrpSpPr>
+        <p:cNvPr id="1" name=""/>
+        <p:cNvGrpSpPr/>
+        <p:nvPr/>
+      </p:nvGrpSpPr>
+      <p:grpSpPr>
+        <a:xfrm>
+          <a:off x="0" y="0"/>
+          <a:ext cx="0" cy="0"/>
+          <a:chOff x="0" y="0"/>
+          <a:chExt cx="0" cy="0"/>
+        </a:xfrm>
+      </p:grpSpPr>
+      <p:sp>
+        <p:nvSpPr>
+          <p:cNvPr id="2" name="Title 1"/>
+          <p:cNvSpPr>
+            <a:spLocks noGrp="1"/>
+          </p:cNvSpPr>
+          <p:nvPr>
+            <p:ph type="title"/>
+          </p:nvPr>
+        </p:nvSpPr>
+        <p:spPr>
+          <a:xfrm>
+            <a:off x="381000" y="230188"/>
+            <a:ext cx="8382000" cy="664797"/>
+          </a:xfrm>
+        </p:spPr>
+        <p:txBody>
+          <a:bodyPr/>
+          <a:lstStyle/>
+          <a:p>
+            <a:r>
+              <a:rPr lang="en-US" dirty="0" err="1"/>
+              <a:t>call_rule_definition</a:t>
+            </a:r>
+            <a:endParaRPr lang="en-US" dirty="0"/>
+          </a:p>
+        </p:txBody>
+      </p:sp>
+      <p:sp>
+        <p:nvSpPr>
+          <p:cNvPr id="3" name="Text Placeholder 2"/>
+          <p:cNvSpPr>
+            <a:spLocks noGrp="1"/>
+          </p:cNvSpPr>
+          <p:nvPr>
+            <p:ph type="body" sz="quarter" idx="10"/>
+          </p:nvPr>
+        </p:nvSpPr>
+        <p:spPr>
+          <a:xfrm>
+            <a:off x="381000" y="1066800"/>
+            <a:ext cx="8382000" cy="4555093"/>
+          </a:xfrm>
+        </p:spPr>
+        <p:txBody>
+          <a:bodyPr/>
+          <a:lstStyle/>
+          <a:p>
+            <a:pPr>
+              <a:buNone/>
+            </a:pPr>
+            <a:r>
+              <a:rPr lang="en-US" sz="1600" dirty="0" smtClean="0"/>
+              <a:t> </a:t>
+            </a:r>
+            <a:r>
+              <a:rPr lang="en-US" sz="1600" dirty="0" smtClean="0"/>
+              <a:t>   </a:t>
+            </a:r>
+            <a:r>
+              <a:rPr lang="en-US" sz="1600" dirty="0" err="1" smtClean="0"/>
+              <a:t>typedef</a:t>
+            </a:r>
+            <a:r>
+              <a:rPr lang="en-US" sz="1600" dirty="0" smtClean="0"/>
+              <a:t> </a:t>
+            </a:r>
+            <a:r>
+              <a:rPr lang="en-US" sz="1600" dirty="0" err="1" smtClean="0"/>
+              <a:t>typename</a:t>
+            </a:r>
+            <a:r>
+              <a:rPr lang="en-US" sz="1600" dirty="0" smtClean="0"/>
+              <a:t> </a:t>
+            </a:r>
+            <a:r>
+              <a:rPr lang="en-US" sz="1600" dirty="0" err="1" smtClean="0"/>
+              <a:t>make_attribute</a:t>
+            </a:r>
+            <a:r>
+              <a:rPr lang="en-US" sz="1600" dirty="0" smtClean="0"/>
+              <a:t>::</a:t>
+            </a:r>
+            <a:r>
+              <a:rPr lang="en-US" sz="1600" dirty="0" err="1" smtClean="0"/>
+              <a:t>value_type</a:t>
+            </a:r>
+            <a:r>
+              <a:rPr lang="en-US" sz="1600" dirty="0" smtClean="0"/>
+              <a:t> </a:t>
+            </a:r>
+            <a:r>
+              <a:rPr lang="en-US" sz="1600" dirty="0" err="1" smtClean="0"/>
+              <a:t>value_type</a:t>
+            </a:r>
+            <a:r>
+              <a:rPr lang="en-US" sz="1600" dirty="0" smtClean="0"/>
+              <a:t>;</a:t>
+            </a:r>
+          </a:p>
+          <a:p>
+            <a:pPr>
+              <a:buNone/>
+            </a:pPr>
+            <a:r>
+              <a:rPr lang="en-US" sz="1600" dirty="0" smtClean="0"/>
+              <a:t>    </a:t>
+            </a:r>
+            <a:r>
+              <a:rPr lang="en-US" sz="1600" dirty="0" err="1" smtClean="0"/>
+              <a:t>typedef</a:t>
+            </a:r>
+            <a:r>
+              <a:rPr lang="en-US" sz="1600" dirty="0" smtClean="0"/>
+              <a:t> </a:t>
+            </a:r>
+            <a:r>
+              <a:rPr lang="en-US" sz="1600" dirty="0" err="1" smtClean="0"/>
+              <a:t>typename</a:t>
+            </a:r>
+            <a:r>
+              <a:rPr lang="en-US" sz="1600" dirty="0" smtClean="0"/>
+              <a:t> transform::type </a:t>
+            </a:r>
+            <a:r>
+              <a:rPr lang="en-US" sz="1600" dirty="0" err="1" smtClean="0"/>
+              <a:t>transform_attr</a:t>
+            </a:r>
+            <a:r>
+              <a:rPr lang="en-US" sz="1600" dirty="0" smtClean="0"/>
+              <a:t>;</a:t>
+            </a:r>
+          </a:p>
+          <a:p>
+            <a:pPr>
+              <a:buNone/>
+            </a:pPr>
+            <a:r>
+              <a:rPr lang="en-US" sz="1600" dirty="0" smtClean="0"/>
+              <a:t>    </a:t>
+            </a:r>
+            <a:r>
+              <a:rPr lang="en-US" sz="1600" dirty="0" err="1" smtClean="0"/>
+              <a:t>value_type</a:t>
+            </a:r>
+            <a:r>
+              <a:rPr lang="en-US" sz="1600" dirty="0" smtClean="0"/>
+              <a:t> </a:t>
+            </a:r>
+            <a:r>
+              <a:rPr lang="en-US" sz="1600" dirty="0" err="1" smtClean="0"/>
+              <a:t>made_attr</a:t>
+            </a:r>
+            <a:r>
+              <a:rPr lang="en-US" sz="1600" dirty="0" smtClean="0"/>
+              <a:t> = </a:t>
+            </a:r>
+            <a:r>
+              <a:rPr lang="en-US" sz="1600" dirty="0" err="1" smtClean="0"/>
+              <a:t>make_attribute</a:t>
+            </a:r>
+            <a:r>
+              <a:rPr lang="en-US" sz="1600" dirty="0" smtClean="0"/>
+              <a:t>::call(</a:t>
+            </a:r>
+            <a:r>
+              <a:rPr lang="en-US" sz="1600" dirty="0" err="1" smtClean="0"/>
+              <a:t>attr</a:t>
+            </a:r>
+            <a:r>
+              <a:rPr lang="en-US" sz="1600" dirty="0" smtClean="0"/>
+              <a:t>);</a:t>
+            </a:r>
+          </a:p>
+          <a:p>
+            <a:pPr>
+              <a:buNone/>
+            </a:pPr>
+            <a:r>
+              <a:rPr lang="en-US" sz="1600" dirty="0" smtClean="0"/>
+              <a:t>    </a:t>
+            </a:r>
+            <a:r>
+              <a:rPr lang="en-US" sz="1600" dirty="0" err="1" smtClean="0"/>
+              <a:t>transform_attr</a:t>
+            </a:r>
+            <a:r>
+              <a:rPr lang="en-US" sz="1600" dirty="0" smtClean="0"/>
+              <a:t> </a:t>
+            </a:r>
+            <a:r>
+              <a:rPr lang="en-US" sz="1600" dirty="0" err="1" smtClean="0"/>
+              <a:t>attr</a:t>
+            </a:r>
+            <a:r>
+              <a:rPr lang="en-US" sz="1600" dirty="0" smtClean="0"/>
+              <a:t>_ = transform::pre(</a:t>
+            </a:r>
+            <a:r>
+              <a:rPr lang="en-US" sz="1600" dirty="0" err="1" smtClean="0"/>
+              <a:t>made_attr</a:t>
+            </a:r>
+            <a:r>
+              <a:rPr lang="en-US" sz="1600" dirty="0" smtClean="0"/>
+              <a:t>);</a:t>
+            </a:r>
+          </a:p>
+          <a:p>
+            <a:pPr>
+              <a:buNone/>
+            </a:pPr>
+            <a:endParaRPr lang="en-US" sz="1600" dirty="0" smtClean="0"/>
+          </a:p>
+          <a:p>
+            <a:pPr>
+              <a:buNone/>
+            </a:pPr>
+            <a:r>
+              <a:rPr lang="en-US" sz="1600" dirty="0" smtClean="0"/>
+              <a:t>    </a:t>
+            </a:r>
+            <a:r>
+              <a:rPr lang="en-US" sz="1600" dirty="0" err="1" smtClean="0"/>
+              <a:t>attr_pointer_scope</a:t>
+            </a:r>
+            <a:r>
+              <a:rPr lang="en-US" sz="1600" dirty="0" smtClean="0"/>
+              <a:t>&lt;</a:t>
+            </a:r>
+            <a:r>
+              <a:rPr lang="en-US" sz="1600" dirty="0" err="1" smtClean="0"/>
+              <a:t>typename</a:t>
+            </a:r>
+            <a:r>
+              <a:rPr lang="en-US" sz="1600" dirty="0" smtClean="0"/>
+              <a:t> </a:t>
+            </a:r>
+            <a:r>
+              <a:rPr lang="en-US" sz="1600" dirty="0" err="1" smtClean="0"/>
+              <a:t>remove_reference</a:t>
+            </a:r>
+            <a:r>
+              <a:rPr lang="en-US" sz="1600" dirty="0" smtClean="0"/>
+              <a:t>&lt;</a:t>
+            </a:r>
+            <a:r>
+              <a:rPr lang="en-US" sz="1600" dirty="0" err="1" smtClean="0"/>
+              <a:t>transform_attr</a:t>
+            </a:r>
+            <a:r>
+              <a:rPr lang="en-US" sz="1600" dirty="0" smtClean="0"/>
+              <a:t>&gt;::type&gt;</a:t>
+            </a:r>
+          </a:p>
+          <a:p>
+            <a:pPr>
+              <a:buNone/>
+            </a:pPr>
+            <a:r>
+              <a:rPr lang="en-US" sz="1600" dirty="0" smtClean="0"/>
+              <a:t>        </a:t>
+            </a:r>
+            <a:r>
+              <a:rPr lang="en-US" sz="1600" dirty="0" err="1" smtClean="0"/>
+              <a:t>attr_scope</a:t>
+            </a:r>
+            <a:r>
+              <a:rPr lang="en-US" sz="1600" dirty="0" smtClean="0"/>
+              <a:t>(</a:t>
+            </a:r>
+            <a:r>
+              <a:rPr lang="en-US" sz="1600" dirty="0" err="1" smtClean="0"/>
+              <a:t>attr_ptr</a:t>
+            </a:r>
+            <a:r>
+              <a:rPr lang="en-US" sz="1600" dirty="0" smtClean="0"/>
+              <a:t>, boost::</a:t>
+            </a:r>
+            <a:r>
+              <a:rPr lang="en-US" sz="1600" dirty="0" err="1" smtClean="0"/>
+              <a:t>addressof</a:t>
+            </a:r>
+            <a:r>
+              <a:rPr lang="en-US" sz="1600" dirty="0" smtClean="0"/>
+              <a:t>(</a:t>
+            </a:r>
+            <a:r>
+              <a:rPr lang="en-US" sz="1600" dirty="0" err="1" smtClean="0"/>
+              <a:t>attr</a:t>
+            </a:r>
+            <a:r>
+              <a:rPr lang="en-US" sz="1600" dirty="0" smtClean="0"/>
+              <a:t>_));</a:t>
+            </a:r>
+          </a:p>
+          <a:p>
+            <a:pPr>
+              <a:buNone/>
+            </a:pPr>
+            <a:r>
+              <a:rPr lang="en-US" sz="1600" dirty="0" smtClean="0"/>
+              <a:t>    if (</a:t>
+            </a:r>
+            <a:r>
+              <a:rPr lang="en-US" sz="1600" dirty="0" err="1" smtClean="0"/>
+              <a:t>parse_rhs</a:t>
+            </a:r>
+            <a:r>
+              <a:rPr lang="en-US" sz="1600" dirty="0" smtClean="0"/>
+              <a:t>(</a:t>
+            </a:r>
+            <a:r>
+              <a:rPr lang="en-US" sz="1600" dirty="0" err="1" smtClean="0"/>
+              <a:t>rhs</a:t>
+            </a:r>
+            <a:r>
+              <a:rPr lang="en-US" sz="1600" dirty="0" smtClean="0"/>
+              <a:t>, first, last, context, </a:t>
+            </a:r>
+            <a:r>
+              <a:rPr lang="en-US" sz="1600" dirty="0" err="1" smtClean="0"/>
+              <a:t>attr</a:t>
+            </a:r>
+            <a:r>
+              <a:rPr lang="en-US" sz="1600" dirty="0" smtClean="0"/>
+              <a:t>_))</a:t>
+            </a:r>
+          </a:p>
+          <a:p>
+            <a:pPr>
+              <a:buNone/>
+            </a:pPr>
+            <a:r>
+              <a:rPr lang="en-US" sz="1600" dirty="0" smtClean="0"/>
+              <a:t>    {</a:t>
+            </a:r>
+          </a:p>
+          <a:p>
+            <a:pPr>
+              <a:buNone/>
+            </a:pPr>
+            <a:r>
+              <a:rPr lang="en-US" sz="1600" dirty="0" smtClean="0"/>
+              <a:t>        // do up-stream transformation, this integrates the results</a:t>
+            </a:r>
+          </a:p>
+          <a:p>
+            <a:pPr>
+              <a:buNone/>
+            </a:pPr>
+            <a:r>
+              <a:rPr lang="en-US" sz="1600" dirty="0" smtClean="0"/>
+              <a:t>        // back into the original attribute value, if appropriate</a:t>
+            </a:r>
+          </a:p>
+          <a:p>
+            <a:pPr>
+              <a:buNone/>
+            </a:pPr>
+            <a:r>
+              <a:rPr lang="en-US" sz="1600" dirty="0" smtClean="0"/>
+              <a:t>        traits::</a:t>
+            </a:r>
+            <a:r>
+              <a:rPr lang="en-US" sz="1600" dirty="0" err="1" smtClean="0"/>
+              <a:t>post_transform</a:t>
+            </a:r>
+            <a:r>
+              <a:rPr lang="en-US" sz="1600" dirty="0" smtClean="0"/>
+              <a:t>(</a:t>
+            </a:r>
+            <a:r>
+              <a:rPr lang="en-US" sz="1600" dirty="0" err="1" smtClean="0"/>
+              <a:t>attr</a:t>
+            </a:r>
+            <a:r>
+              <a:rPr lang="en-US" sz="1600" dirty="0" smtClean="0"/>
+              <a:t>, </a:t>
+            </a:r>
+            <a:r>
+              <a:rPr lang="en-US" sz="1600" dirty="0" err="1" smtClean="0"/>
+              <a:t>attr</a:t>
+            </a:r>
+            <a:r>
+              <a:rPr lang="en-US" sz="1600" dirty="0" smtClean="0"/>
+              <a:t>_);</a:t>
+            </a:r>
+          </a:p>
+          <a:p>
+            <a:pPr>
+              <a:buNone/>
+            </a:pPr>
+            <a:endParaRPr lang="en-US" sz="1600" dirty="0" smtClean="0"/>
+          </a:p>
+          <a:p>
+            <a:pPr>
+              <a:buNone/>
+            </a:pPr>
+            <a:r>
+              <a:rPr lang="en-US" sz="1600" dirty="0" smtClean="0"/>
+              <a:t>        return true;</a:t>
+            </a:r>
+          </a:p>
+          <a:p>
+            <a:pPr>
+              <a:buNone/>
+            </a:pPr>
+            <a:r>
+              <a:rPr lang="en-US" sz="1600" dirty="0" smtClean="0"/>
+              <a:t>    }</a:t>
+            </a:r>
+          </a:p>
+          <a:p>
+            <a:pPr>
+              <a:buNone/>
+            </a:pPr>
+            <a:r>
+              <a:rPr lang="en-US" sz="1600" dirty="0" smtClean="0"/>
+              <a:t>    return false;</a:t>
+            </a:r>
+          </a:p>
+          <a:p>
+            <a:pPr>
+              <a:buNone/>
+            </a:pPr>
+            <a:r>
+              <a:rPr lang="en-US" sz="1600" dirty="0" smtClean="0"/>
+              <a:t>}</a:t>
+            </a:r>
+            <a:endParaRPr lang="en-US" sz="1600" dirty="0"/>
+          </a:p>
+        </p:txBody>
+      </p:sp>
+    </p:spTree>
+  </p:cSld>
+  <p:clrMapOvr>
+    <a:masterClrMapping/>
+  </p:clrMapOvr>
+  <p:transition>
+    <p:fade/>
+  </p:transition>
+  <p:timing>
+    <p:tnLst>
+      <p:par>
+        <p:cTn id="1" dur="indefinite" restart="never" nodeType="tmRoot"/>
+      </p:par>
+    </p:tnLst>
+  </p:timing>
+</p:sld>
+</file>
+
+<file path=ppt/slides/slide98.xml><?xml version="1.0" encoding="utf-8"?>
+<p:sld xmlns:a="http://schemas.openxmlformats.org/drawingml/2006/main" xmlns:r="http://schemas.openxmlformats.org/officeDocument/2006/relationships" xmlns:p="http://schemas.openxmlformats.org/presentationml/2006/main">
+  <p:cSld>
+    <p:spTree>
+      <p:nvGrpSpPr>
+        <p:cNvPr id="1" name=""/>
+        <p:cNvGrpSpPr/>
+        <p:nvPr/>
+      </p:nvGrpSpPr>
+      <p:grpSpPr>
+        <a:xfrm>
+          <a:off x="0" y="0"/>
+          <a:ext cx="0" cy="0"/>
+          <a:chOff x="0" y="0"/>
+          <a:chExt cx="0" cy="0"/>
+        </a:xfrm>
+      </p:grpSpPr>
+      <p:sp>
+        <p:nvSpPr>
+          <p:cNvPr id="2" name="Title 1"/>
+          <p:cNvSpPr>
+            <a:spLocks noGrp="1"/>
+          </p:cNvSpPr>
+          <p:nvPr>
+            <p:ph type="title"/>
+          </p:nvPr>
+        </p:nvSpPr>
+        <p:spPr/>
+        <p:txBody>
+          <a:bodyPr/>
+          <a:lstStyle/>
+          <a:p>
+            <a:r>
+              <a:rPr lang="en-US" dirty="0" smtClean="0"/>
+              <a:t>Rule</a:t>
+            </a:r>
+            <a:endParaRPr lang="en-US" dirty="0"/>
+          </a:p>
+        </p:txBody>
+      </p:sp>
+      <p:sp>
+        <p:nvSpPr>
+          <p:cNvPr id="3" name="Text Placeholder 2"/>
+          <p:cNvSpPr>
+            <a:spLocks noGrp="1"/>
+          </p:cNvSpPr>
+          <p:nvPr>
+            <p:ph type="body" sz="quarter" idx="10"/>
+          </p:nvPr>
+        </p:nvSpPr>
+        <p:spPr>
+          <a:xfrm>
+            <a:off x="381000" y="838200"/>
+            <a:ext cx="8382000" cy="6114776"/>
+          </a:xfrm>
+        </p:spPr>
+        <p:txBody>
+          <a:bodyPr/>
+          <a:lstStyle/>
+          <a:p>
+            <a:pPr>
+              <a:buNone/>
+            </a:pPr>
+            <a:r>
+              <a:rPr lang="en-US" sz="1800" dirty="0" smtClean="0"/>
+              <a:t>template &lt;</a:t>
+            </a:r>
+            <a:r>
+              <a:rPr lang="en-US" sz="1800" dirty="0" err="1" smtClean="0"/>
+              <a:t>typename</a:t>
+            </a:r>
+            <a:r>
+              <a:rPr lang="en-US" sz="1800" dirty="0" smtClean="0"/>
+              <a:t> ID, </a:t>
+            </a:r>
+            <a:r>
+              <a:rPr lang="en-US" sz="1800" dirty="0" err="1" smtClean="0"/>
+              <a:t>typename</a:t>
+            </a:r>
+            <a:r>
+              <a:rPr lang="en-US" sz="1800" dirty="0" smtClean="0"/>
+              <a:t> Attribute = </a:t>
+            </a:r>
+            <a:r>
+              <a:rPr lang="en-US" sz="1800" dirty="0" err="1" smtClean="0"/>
+              <a:t>unused_type</a:t>
+            </a:r>
+            <a:r>
+              <a:rPr lang="en-US" sz="1800" dirty="0" smtClean="0"/>
+              <a:t>&gt;</a:t>
+            </a:r>
+          </a:p>
+          <a:p>
+            <a:pPr>
+              <a:buNone/>
+            </a:pPr>
+            <a:r>
+              <a:rPr lang="en-US" sz="1800" dirty="0" err="1" smtClean="0"/>
+              <a:t>struct</a:t>
+            </a:r>
+            <a:r>
+              <a:rPr lang="en-US" sz="1800" dirty="0" smtClean="0"/>
+              <a:t> rule : parser&lt;rule&lt;ID, Attribute&gt;&gt;</a:t>
+            </a:r>
+          </a:p>
+          <a:p>
+            <a:pPr>
+              <a:buNone/>
+            </a:pPr>
+            <a:r>
+              <a:rPr lang="en-US" sz="1800" dirty="0" smtClean="0"/>
+              <a:t>{</a:t>
+            </a:r>
+          </a:p>
+          <a:p>
+            <a:pPr>
+              <a:buNone/>
+            </a:pPr>
+            <a:r>
+              <a:rPr lang="en-US" sz="1800" dirty="0" smtClean="0"/>
+              <a:t>    </a:t>
+            </a:r>
+            <a:r>
+              <a:rPr lang="en-US" sz="1800" dirty="0" err="1" smtClean="0"/>
+              <a:t>typedef</a:t>
+            </a:r>
+            <a:r>
+              <a:rPr lang="en-US" sz="1800" dirty="0" smtClean="0"/>
+              <a:t> ID </a:t>
+            </a:r>
+            <a:r>
+              <a:rPr lang="en-US" sz="1800" dirty="0" err="1" smtClean="0"/>
+              <a:t>id</a:t>
+            </a:r>
+            <a:r>
+              <a:rPr lang="en-US" sz="1800" dirty="0" smtClean="0"/>
+              <a:t>;</a:t>
+            </a:r>
+          </a:p>
+          <a:p>
+            <a:pPr>
+              <a:buNone/>
+            </a:pPr>
+            <a:r>
+              <a:rPr lang="en-US" sz="1800" dirty="0" smtClean="0"/>
+              <a:t>    </a:t>
+            </a:r>
+            <a:r>
+              <a:rPr lang="en-US" sz="1800" dirty="0" err="1" smtClean="0"/>
+              <a:t>typedef</a:t>
+            </a:r>
+            <a:r>
+              <a:rPr lang="en-US" sz="1800" dirty="0" smtClean="0"/>
+              <a:t> Attribute </a:t>
+            </a:r>
+            <a:r>
+              <a:rPr lang="en-US" sz="1800" dirty="0" err="1" smtClean="0"/>
+              <a:t>attribute_type</a:t>
+            </a:r>
+            <a:r>
+              <a:rPr lang="en-US" sz="1800" dirty="0" smtClean="0"/>
+              <a:t>;</a:t>
+            </a:r>
+          </a:p>
+          <a:p>
+            <a:pPr>
+              <a:buNone/>
+            </a:pPr>
+            <a:r>
+              <a:rPr lang="en-US" sz="1800" dirty="0" smtClean="0"/>
+              <a:t>    static </a:t>
+            </a:r>
+            <a:r>
+              <a:rPr lang="en-US" sz="1800" dirty="0" err="1" smtClean="0"/>
+              <a:t>bool</a:t>
+            </a:r>
+            <a:r>
+              <a:rPr lang="en-US" sz="1800" dirty="0" smtClean="0"/>
+              <a:t> const </a:t>
+            </a:r>
+            <a:r>
+              <a:rPr lang="en-US" sz="1800" dirty="0" err="1" smtClean="0"/>
+              <a:t>has_attribute</a:t>
+            </a:r>
+            <a:r>
+              <a:rPr lang="en-US" sz="1800" dirty="0" smtClean="0"/>
+              <a:t> = !</a:t>
+            </a:r>
+            <a:r>
+              <a:rPr lang="en-US" sz="1800" dirty="0" err="1" smtClean="0"/>
+              <a:t>is_same</a:t>
+            </a:r>
+            <a:r>
+              <a:rPr lang="en-US" sz="1800" dirty="0" smtClean="0"/>
+              <a:t>&lt;Attribute, </a:t>
+            </a:r>
+            <a:r>
+              <a:rPr lang="en-US" sz="1800" dirty="0" err="1" smtClean="0"/>
+              <a:t>unused_type</a:t>
+            </a:r>
+            <a:r>
+              <a:rPr lang="en-US" sz="1800" dirty="0" smtClean="0"/>
+              <a:t>&gt;::value;</a:t>
+            </a:r>
+          </a:p>
+          <a:p>
+            <a:pPr>
+              <a:buNone/>
+            </a:pPr>
+            <a:r>
+              <a:rPr lang="en-US" sz="1800" dirty="0" smtClean="0"/>
+              <a:t>    static </a:t>
+            </a:r>
+            <a:r>
+              <a:rPr lang="en-US" sz="1800" dirty="0" err="1" smtClean="0"/>
+              <a:t>bool</a:t>
+            </a:r>
+            <a:r>
+              <a:rPr lang="en-US" sz="1800" dirty="0" smtClean="0"/>
+              <a:t> const </a:t>
+            </a:r>
+            <a:r>
+              <a:rPr lang="en-US" sz="1800" dirty="0" err="1" smtClean="0"/>
+              <a:t>handles_container</a:t>
+            </a:r>
+            <a:r>
+              <a:rPr lang="en-US" sz="1800" dirty="0" smtClean="0"/>
+              <a:t> = traits::</a:t>
+            </a:r>
+            <a:r>
+              <a:rPr lang="en-US" sz="1800" dirty="0" err="1" smtClean="0"/>
+              <a:t>is_container</a:t>
+            </a:r>
+            <a:r>
+              <a:rPr lang="en-US" sz="1800" dirty="0" smtClean="0"/>
+              <a:t>&lt;Attribute&gt;::value;</a:t>
+            </a:r>
+          </a:p>
+          <a:p>
+            <a:pPr>
+              <a:buNone/>
+            </a:pPr>
+            <a:endParaRPr lang="en-US" sz="1800" dirty="0" smtClean="0"/>
+          </a:p>
+          <a:p>
+            <a:pPr>
+              <a:buNone/>
+            </a:pPr>
+            <a:r>
+              <a:rPr lang="en-US" sz="1800" dirty="0" smtClean="0"/>
+              <a:t>    rule(char const* name = "unnamed") : name(name) {}</a:t>
+            </a:r>
+          </a:p>
+          <a:p>
+            <a:pPr>
+              <a:buNone/>
+            </a:pPr>
+            <a:endParaRPr lang="en-US" sz="1800" dirty="0" smtClean="0"/>
+          </a:p>
+          <a:p>
+            <a:pPr>
+              <a:buNone/>
+            </a:pPr>
+            <a:r>
+              <a:rPr lang="en-US" sz="1800" dirty="0" smtClean="0"/>
+              <a:t>    template &lt;</a:t>
+            </a:r>
+            <a:r>
+              <a:rPr lang="en-US" sz="1800" dirty="0" err="1" smtClean="0"/>
+              <a:t>typename</a:t>
+            </a:r>
+            <a:r>
+              <a:rPr lang="en-US" sz="1800" dirty="0" smtClean="0"/>
+              <a:t> RHS&gt;</a:t>
+            </a:r>
+          </a:p>
+          <a:p>
+            <a:pPr>
+              <a:buNone/>
+            </a:pPr>
+            <a:r>
+              <a:rPr lang="en-US" sz="1800" dirty="0" smtClean="0"/>
+              <a:t>    </a:t>
+            </a:r>
+            <a:r>
+              <a:rPr lang="en-US" sz="1800" dirty="0" err="1" smtClean="0"/>
+              <a:t>rule_definition</a:t>
+            </a:r>
+            <a:r>
+              <a:rPr lang="en-US" sz="1800" dirty="0" smtClean="0"/>
+              <a:t>&lt;ID, </a:t>
+            </a:r>
+            <a:r>
+              <a:rPr lang="en-US" sz="1800" dirty="0" err="1" smtClean="0"/>
+              <a:t>typename</a:t>
+            </a:r>
+            <a:r>
+              <a:rPr lang="en-US" sz="1800" dirty="0" smtClean="0"/>
+              <a:t> extension::</a:t>
+            </a:r>
+            <a:r>
+              <a:rPr lang="en-US" sz="1800" dirty="0" err="1" smtClean="0"/>
+              <a:t>as_parser</a:t>
+            </a:r>
+            <a:r>
+              <a:rPr lang="en-US" sz="1800" dirty="0" smtClean="0"/>
+              <a:t>&lt;RHS&gt;::</a:t>
+            </a:r>
+            <a:r>
+              <a:rPr lang="en-US" sz="1800" dirty="0" err="1" smtClean="0"/>
+              <a:t>value_type</a:t>
+            </a:r>
+            <a:r>
+              <a:rPr lang="en-US" sz="1800" dirty="0" smtClean="0"/>
+              <a:t>, Attribute&gt;</a:t>
+            </a:r>
+          </a:p>
+          <a:p>
+            <a:pPr>
+              <a:buNone/>
+            </a:pPr>
+            <a:r>
+              <a:rPr lang="en-US" sz="1800" dirty="0" smtClean="0"/>
+              <a:t>    operator=(RHS const&amp; </a:t>
+            </a:r>
+            <a:r>
+              <a:rPr lang="en-US" sz="1800" dirty="0" err="1" smtClean="0"/>
+              <a:t>rhs</a:t>
+            </a:r>
+            <a:r>
+              <a:rPr lang="en-US" sz="1800" dirty="0" smtClean="0"/>
+              <a:t>) const;</a:t>
+            </a:r>
+          </a:p>
+          <a:p>
+            <a:pPr>
+              <a:buNone/>
+            </a:pPr>
+            <a:r>
+              <a:rPr lang="en-US" sz="1800" dirty="0" smtClean="0"/>
+              <a:t>    </a:t>
+            </a:r>
+          </a:p>
+          <a:p>
+            <a:pPr>
+              <a:buNone/>
+            </a:pPr>
+            <a:r>
+              <a:rPr lang="en-US" sz="1800" dirty="0" smtClean="0"/>
+              <a:t>    template &lt;</a:t>
+            </a:r>
+            <a:r>
+              <a:rPr lang="en-US" sz="1800" dirty="0" err="1" smtClean="0"/>
+              <a:t>typename</a:t>
+            </a:r>
+            <a:r>
+              <a:rPr lang="en-US" sz="1800" dirty="0" smtClean="0"/>
+              <a:t> </a:t>
+            </a:r>
+            <a:r>
+              <a:rPr lang="en-US" sz="1800" dirty="0" err="1" smtClean="0"/>
+              <a:t>Iterator</a:t>
+            </a:r>
+            <a:r>
+              <a:rPr lang="en-US" sz="1800" dirty="0" smtClean="0"/>
+              <a:t>, </a:t>
+            </a:r>
+            <a:r>
+              <a:rPr lang="en-US" sz="1800" dirty="0" err="1" smtClean="0"/>
+              <a:t>typename</a:t>
+            </a:r>
+            <a:r>
+              <a:rPr lang="en-US" sz="1800" dirty="0" smtClean="0"/>
+              <a:t> Context, </a:t>
+            </a:r>
+            <a:r>
+              <a:rPr lang="en-US" sz="1800" dirty="0" err="1" smtClean="0"/>
+              <a:t>typename</a:t>
+            </a:r>
+            <a:r>
+              <a:rPr lang="en-US" sz="1800" dirty="0" smtClean="0"/>
+              <a:t> Attribute_&gt;</a:t>
+            </a:r>
+          </a:p>
+          <a:p>
+            <a:pPr>
+              <a:buNone/>
+            </a:pPr>
+            <a:r>
+              <a:rPr lang="en-US" sz="1800" dirty="0" smtClean="0"/>
+              <a:t>    </a:t>
+            </a:r>
+            <a:r>
+              <a:rPr lang="en-US" sz="1800" dirty="0" err="1" smtClean="0"/>
+              <a:t>bool</a:t>
+            </a:r>
+            <a:r>
+              <a:rPr lang="en-US" sz="1800" dirty="0" smtClean="0"/>
+              <a:t> parse(</a:t>
+            </a:r>
+            <a:r>
+              <a:rPr lang="en-US" sz="1800" dirty="0" err="1" smtClean="0"/>
+              <a:t>Iterator</a:t>
+            </a:r>
+            <a:r>
+              <a:rPr lang="en-US" sz="1800" dirty="0" smtClean="0"/>
+              <a:t>&amp; first, </a:t>
+            </a:r>
+            <a:r>
+              <a:rPr lang="en-US" sz="1800" dirty="0" err="1" smtClean="0"/>
+              <a:t>Iterator</a:t>
+            </a:r>
+            <a:r>
+              <a:rPr lang="en-US" sz="1800" dirty="0" smtClean="0"/>
+              <a:t> const&amp; last</a:t>
+            </a:r>
+          </a:p>
+          <a:p>
+            <a:pPr>
+              <a:buNone/>
+            </a:pPr>
+            <a:r>
+              <a:rPr lang="en-US" sz="1800" dirty="0" smtClean="0"/>
+              <a:t>      , Context const&amp; context, Attribute_&amp; </a:t>
+            </a:r>
+            <a:r>
+              <a:rPr lang="en-US" sz="1800" dirty="0" err="1" smtClean="0"/>
+              <a:t>attr</a:t>
+            </a:r>
+            <a:r>
+              <a:rPr lang="en-US" sz="1800" dirty="0" smtClean="0"/>
+              <a:t>) const;</a:t>
+            </a:r>
+          </a:p>
+          <a:p>
+            <a:pPr>
+              <a:buNone/>
+            </a:pPr>
+            <a:endParaRPr lang="en-US" sz="1800" dirty="0" smtClean="0"/>
+          </a:p>
+          <a:p>
+            <a:pPr>
+              <a:buNone/>
+            </a:pPr>
+            <a:r>
+              <a:rPr lang="en-US" sz="1800" dirty="0" smtClean="0"/>
+              <a:t>    char const* name;</a:t>
+            </a:r>
+          </a:p>
+          <a:p>
+            <a:pPr>
+              <a:buNone/>
+            </a:pPr>
+            <a:r>
+              <a:rPr lang="en-US" sz="1800" dirty="0" smtClean="0"/>
+              <a:t>};</a:t>
+            </a:r>
+            <a:endParaRPr lang="en-US" sz="1800" dirty="0"/>
+          </a:p>
+        </p:txBody>
+      </p:sp>
+    </p:spTree>
+  </p:cSld>
+  <p:clrMapOvr>
+    <a:masterClrMapping/>
+  </p:clrMapOvr>
+  <p:transition>
+    <p:fade/>
+  </p:transition>
+  <p:timing>
+    <p:tnLst>
+      <p:par>
+        <p:cTn id="1" dur="indefinite" restart="never" nodeType="tmRoot"/>
+      </p:par>
+    </p:tnLst>
+  </p:timing>
+</p:sld>
+</file>
+
+<file path=ppt/slides/slide99.xml><?xml version="1.0" encoding="utf-8"?>
+<p:sld xmlns:a="http://schemas.openxmlformats.org/drawingml/2006/main" xmlns:r="http://schemas.openxmlformats.org/officeDocument/2006/relationships" xmlns:p="http://schemas.openxmlformats.org/presentationml/2006/main">
+  <p:cSld>
+    <p:spTree>
+      <p:nvGrpSpPr>
+        <p:cNvPr id="1" name=""/>
+        <p:cNvGrpSpPr/>
+        <p:nvPr/>
+      </p:nvGrpSpPr>
+      <p:grpSpPr>
+        <a:xfrm>
+          <a:off x="0" y="0"/>
+          <a:ext cx="0" cy="0"/>
+          <a:chOff x="0" y="0"/>
+          <a:chExt cx="0" cy="0"/>
+        </a:xfrm>
+      </p:grpSpPr>
+      <p:sp>
+        <p:nvSpPr>
+          <p:cNvPr id="2" name="Title 1"/>
+          <p:cNvSpPr>
+            <a:spLocks noGrp="1"/>
+          </p:cNvSpPr>
+          <p:nvPr>
+            <p:ph type="title"/>
+          </p:nvPr>
+        </p:nvSpPr>
+        <p:spPr/>
+        <p:txBody>
+          <a:bodyPr/>
+          <a:lstStyle/>
+          <a:p>
+            <a:r>
+              <a:rPr lang="en-US" dirty="0" smtClean="0"/>
+              <a:t>Rule</a:t>
+            </a:r>
+            <a:endParaRPr lang="en-US" dirty="0"/>
+          </a:p>
+        </p:txBody>
+      </p:sp>
+      <p:sp>
+        <p:nvSpPr>
+          <p:cNvPr id="3" name="Text Placeholder 2"/>
+          <p:cNvSpPr>
+            <a:spLocks noGrp="1"/>
+          </p:cNvSpPr>
+          <p:nvPr>
+            <p:ph type="body" sz="quarter" idx="10"/>
+          </p:nvPr>
+        </p:nvSpPr>
+        <p:spPr>
+          <a:xfrm>
+            <a:off x="381000" y="1295400"/>
+            <a:ext cx="8382000" cy="3323987"/>
+          </a:xfrm>
+        </p:spPr>
+        <p:txBody>
+          <a:bodyPr/>
+          <a:lstStyle/>
+          <a:p>
+            <a:pPr>
+              <a:buNone/>
+            </a:pPr>
+            <a:r>
+              <a:rPr lang="en-US" sz="2000" dirty="0" smtClean="0"/>
+              <a:t>template &lt;</a:t>
+            </a:r>
+            <a:r>
+              <a:rPr lang="en-US" sz="2000" dirty="0" err="1" smtClean="0"/>
+              <a:t>typename</a:t>
+            </a:r>
+            <a:r>
+              <a:rPr lang="en-US" sz="2000" dirty="0" smtClean="0"/>
+              <a:t> RHS&gt;</a:t>
+            </a:r>
+          </a:p>
+          <a:p>
+            <a:pPr>
+              <a:buNone/>
+            </a:pPr>
+            <a:r>
+              <a:rPr lang="en-US" sz="2000" dirty="0" err="1" smtClean="0"/>
+              <a:t>rule_definition</a:t>
+            </a:r>
+            <a:r>
+              <a:rPr lang="en-US" sz="2000" dirty="0" smtClean="0"/>
+              <a:t>&lt;ID, </a:t>
+            </a:r>
+            <a:r>
+              <a:rPr lang="en-US" sz="2000" dirty="0" err="1" smtClean="0"/>
+              <a:t>typename</a:t>
+            </a:r>
+            <a:r>
+              <a:rPr lang="en-US" sz="2000" dirty="0" smtClean="0"/>
+              <a:t> extension::</a:t>
+            </a:r>
+            <a:r>
+              <a:rPr lang="en-US" sz="2000" dirty="0" err="1" smtClean="0"/>
+              <a:t>as_parser</a:t>
+            </a:r>
+            <a:r>
+              <a:rPr lang="en-US" sz="2000" dirty="0" smtClean="0"/>
+              <a:t>&lt;RHS&gt;::</a:t>
+            </a:r>
+            <a:r>
+              <a:rPr lang="en-US" sz="2000" dirty="0" err="1" smtClean="0"/>
+              <a:t>value_type</a:t>
+            </a:r>
+            <a:r>
+              <a:rPr lang="en-US" sz="2000" dirty="0" smtClean="0"/>
+              <a:t>, Attribute&gt;</a:t>
+            </a:r>
+          </a:p>
+          <a:p>
+            <a:pPr>
+              <a:buNone/>
+            </a:pPr>
+            <a:r>
+              <a:rPr lang="en-US" sz="2000" dirty="0" smtClean="0"/>
+              <a:t>operator=(RHS const&amp; </a:t>
+            </a:r>
+            <a:r>
+              <a:rPr lang="en-US" sz="2000" dirty="0" err="1" smtClean="0"/>
+              <a:t>rhs</a:t>
+            </a:r>
+            <a:r>
+              <a:rPr lang="en-US" sz="2000" dirty="0" smtClean="0"/>
+              <a:t>) const</a:t>
+            </a:r>
+          </a:p>
+          <a:p>
+            <a:pPr>
+              <a:buNone/>
+            </a:pPr>
+            <a:r>
+              <a:rPr lang="en-US" sz="2000" dirty="0" smtClean="0"/>
+              <a:t>{</a:t>
+            </a:r>
+          </a:p>
+          <a:p>
+            <a:pPr>
+              <a:buNone/>
+            </a:pPr>
+            <a:r>
+              <a:rPr lang="en-US" sz="2000" dirty="0" smtClean="0"/>
+              <a:t>    </a:t>
+            </a:r>
+            <a:r>
+              <a:rPr lang="en-US" sz="2000" dirty="0" err="1" smtClean="0"/>
+              <a:t>typedef</a:t>
+            </a:r>
+            <a:r>
+              <a:rPr lang="en-US" sz="2000" dirty="0" smtClean="0"/>
+              <a:t> </a:t>
+            </a:r>
+            <a:r>
+              <a:rPr lang="en-US" sz="2000" dirty="0" err="1" smtClean="0"/>
+              <a:t>rule_definition</a:t>
+            </a:r>
+            <a:r>
+              <a:rPr lang="en-US" sz="2000" dirty="0" smtClean="0"/>
+              <a:t>&lt;</a:t>
+            </a:r>
+          </a:p>
+          <a:p>
+            <a:pPr>
+              <a:buNone/>
+            </a:pPr>
+            <a:r>
+              <a:rPr lang="en-US" sz="2000" dirty="0" smtClean="0"/>
+              <a:t>        ID, </a:t>
+            </a:r>
+            <a:r>
+              <a:rPr lang="en-US" sz="2000" dirty="0" err="1" smtClean="0"/>
+              <a:t>typename</a:t>
+            </a:r>
+            <a:r>
+              <a:rPr lang="en-US" sz="2000" dirty="0" smtClean="0"/>
+              <a:t> extension::</a:t>
+            </a:r>
+            <a:r>
+              <a:rPr lang="en-US" sz="2000" dirty="0" err="1" smtClean="0"/>
+              <a:t>as_parser</a:t>
+            </a:r>
+            <a:r>
+              <a:rPr lang="en-US" sz="2000" dirty="0" smtClean="0"/>
+              <a:t>&lt;RHS&gt;::</a:t>
+            </a:r>
+            <a:r>
+              <a:rPr lang="en-US" sz="2000" dirty="0" err="1" smtClean="0"/>
+              <a:t>value_type</a:t>
+            </a:r>
+            <a:r>
+              <a:rPr lang="en-US" sz="2000" dirty="0" smtClean="0"/>
+              <a:t>, Attribute&gt;</a:t>
+            </a:r>
+          </a:p>
+          <a:p>
+            <a:pPr>
+              <a:buNone/>
+            </a:pPr>
+            <a:r>
+              <a:rPr lang="en-US" sz="2000" dirty="0" smtClean="0"/>
+              <a:t>    </a:t>
+            </a:r>
+            <a:r>
+              <a:rPr lang="en-US" sz="2000" dirty="0" err="1" smtClean="0"/>
+              <a:t>result_type</a:t>
+            </a:r>
+            <a:r>
+              <a:rPr lang="en-US" sz="2000" dirty="0" smtClean="0"/>
+              <a:t>;</a:t>
+            </a:r>
+          </a:p>
+          <a:p>
+            <a:pPr>
+              <a:buNone/>
+            </a:pPr>
+            <a:endParaRPr lang="en-US" sz="2000" dirty="0" smtClean="0"/>
+          </a:p>
+          <a:p>
+            <a:pPr>
+              <a:buNone/>
+            </a:pPr>
+            <a:r>
+              <a:rPr lang="en-US" sz="2000" dirty="0" smtClean="0"/>
+              <a:t>    return </a:t>
+            </a:r>
+            <a:r>
+              <a:rPr lang="en-US" sz="2000" dirty="0" err="1" smtClean="0"/>
+              <a:t>result_type</a:t>
+            </a:r>
+            <a:r>
+              <a:rPr lang="en-US" sz="2000" dirty="0" smtClean="0"/>
+              <a:t>(</a:t>
+            </a:r>
+            <a:r>
+              <a:rPr lang="en-US" sz="2000" dirty="0" err="1" smtClean="0"/>
+              <a:t>as_parser</a:t>
+            </a:r>
+            <a:r>
+              <a:rPr lang="en-US" sz="2000" dirty="0" smtClean="0"/>
+              <a:t>(</a:t>
+            </a:r>
+            <a:r>
+              <a:rPr lang="en-US" sz="2000" dirty="0" err="1" smtClean="0"/>
+              <a:t>rhs</a:t>
+            </a:r>
+            <a:r>
+              <a:rPr lang="en-US" sz="2000" dirty="0" smtClean="0"/>
+              <a:t>), name);</a:t>
+            </a:r>
+          </a:p>
+          <a:p>
+            <a:pPr>
+              <a:buNone/>
+            </a:pPr>
+            <a:r>
+              <a:rPr lang="en-US" sz="2000" dirty="0" smtClean="0"/>
+              <a:t>}</a:t>
+            </a:r>
           </a:p>
         </p:txBody>
       </p:sp>

--- a/libs/spirit/doc/cppnow_2013/Inside Spirit X3.pptx
+++ b/libs/spirit/doc/cppnow_2013/Inside Spirit X3.pptx
@@ -6,7 +6,7 @@
     <p:sldMasterId id="2147483674" r:id="rId3"/>
   </p:sldMasterIdLst>
   <p:notesMasterIdLst>
-    <p:notesMasterId r:id="rId120"/>
+    <p:notesMasterId r:id="rId122"/>
   </p:notesMasterIdLst>
   <p:sldIdLst>
     <p:sldId id="257" r:id="rId4"/>
@@ -121,10 +121,12 @@
     <p:sldId id="371" r:id="rId113"/>
     <p:sldId id="372" r:id="rId114"/>
     <p:sldId id="375" r:id="rId115"/>
-    <p:sldId id="373" r:id="rId116"/>
-    <p:sldId id="374" r:id="rId117"/>
-    <p:sldId id="376" r:id="rId118"/>
-    <p:sldId id="377" r:id="rId119"/>
+    <p:sldId id="378" r:id="rId116"/>
+    <p:sldId id="379" r:id="rId117"/>
+    <p:sldId id="373" r:id="rId118"/>
+    <p:sldId id="374" r:id="rId119"/>
+    <p:sldId id="376" r:id="rId120"/>
+    <p:sldId id="377" r:id="rId121"/>
   </p:sldIdLst>
   <p:sldSz cx="9144000" cy="6858000" type="screen4x3"/>
   <p:notesSz cx="6858000" cy="9144000"/>
@@ -12402,6 +12404,13 @@
   <p:transition>
     <p:fade/>
   </p:transition>
+  <p:timing>
+    <p:tnLst>
+      <p:par>
+        <p:cTn id="1" dur="indefinite" restart="never" nodeType="tmRoot"/>
+      </p:par>
+    </p:tnLst>
+  </p:timing>
 </p:sld>
 </file>
 
@@ -12635,15 +12644,11 @@
             </a:pPr>
             <a:r>
               <a:rPr lang="en-US" sz="1800" dirty="0" smtClean="0"/>
-              <a:t>        f(spirit::get&lt;</a:t>
-            </a:r>
-            <a:r>
-              <a:rPr lang="en-US" sz="1800" dirty="0" err="1" smtClean="0"/>
-              <a:t>rule_context_tag</a:t>
+              <a:t>        </a:t>
             </a:r>
             <a:r>
               <a:rPr lang="en-US" sz="1800" dirty="0" smtClean="0"/>
-              <a:t>&gt;(context), </a:t>
+              <a:t>f(context, </a:t>
             </a:r>
             <a:r>
               <a:rPr lang="en-US" sz="1800" dirty="0" err="1" smtClean="0"/>
@@ -12653,6 +12658,7 @@
               <a:rPr lang="en-US" sz="1800" dirty="0" smtClean="0"/>
               <a:t>);</a:t>
             </a:r>
+            <a:endParaRPr lang="en-US" sz="1800" dirty="0" smtClean="0"/>
           </a:p>
           <a:p>
             <a:pPr>
@@ -12924,7 +12930,11 @@
           <a:p>
             <a:r>
               <a:rPr lang="en-US" dirty="0" smtClean="0"/>
-              <a:t>Rule Definition </a:t>
+              <a:t>Rule </a:t>
+            </a:r>
+            <a:r>
+              <a:rPr lang="en-US" dirty="0" smtClean="0"/>
+              <a:t>Context</a:t>
             </a:r>
             <a:endParaRPr lang="en-US" dirty="0"/>
           </a:p>
@@ -13212,16 +13222,21 @@
             <p:ph type="title"/>
           </p:nvPr>
         </p:nvSpPr>
-        <p:spPr/>
+        <p:spPr>
+          <a:xfrm>
+            <a:off x="381000" y="230188"/>
+            <a:ext cx="8382000" cy="747897"/>
+          </a:xfrm>
+        </p:spPr>
         <p:txBody>
           <a:bodyPr/>
           <a:lstStyle/>
           <a:p>
             <a:r>
-              <a:rPr lang="en-US" dirty="0" smtClean="0"/>
+              <a:rPr lang="en-US" sz="5400" dirty="0" smtClean="0"/>
               <a:t>Semantic Actions</a:t>
             </a:r>
-            <a:endParaRPr lang="en-US" dirty="0"/>
+            <a:endParaRPr lang="en-US" sz="5400" dirty="0"/>
           </a:p>
         </p:txBody>
       </p:sp>
@@ -13238,7 +13253,7 @@
         <p:spPr>
           <a:xfrm>
             <a:off x="381000" y="990600"/>
-            <a:ext cx="8382000" cy="3323987"/>
+            <a:ext cx="8382000" cy="5429179"/>
           </a:xfrm>
         </p:spPr>
         <p:txBody>
@@ -13249,6 +13264,563 @@
               <a:buNone/>
             </a:pPr>
             <a:r>
+              <a:rPr lang="en-US" sz="1800" dirty="0" err="1" smtClean="0"/>
+              <a:t>struct</a:t>
+            </a:r>
+            <a:r>
+              <a:rPr lang="en-US" sz="1800" dirty="0" smtClean="0"/>
+              <a:t> f</a:t>
+            </a:r>
+          </a:p>
+          <a:p>
+            <a:pPr>
+              <a:buNone/>
+            </a:pPr>
+            <a:r>
+              <a:rPr lang="en-US" sz="1800" dirty="0" smtClean="0"/>
+              <a:t>{</a:t>
+            </a:r>
+          </a:p>
+          <a:p>
+            <a:pPr>
+              <a:buNone/>
+            </a:pPr>
+            <a:r>
+              <a:rPr lang="en-US" sz="1800" dirty="0" smtClean="0"/>
+              <a:t>    template &lt;</a:t>
+            </a:r>
+            <a:r>
+              <a:rPr lang="en-US" sz="1800" dirty="0" err="1" smtClean="0"/>
+              <a:t>typename</a:t>
+            </a:r>
+            <a:r>
+              <a:rPr lang="en-US" sz="1800" dirty="0" smtClean="0"/>
+              <a:t> Context&gt;</a:t>
+            </a:r>
+          </a:p>
+          <a:p>
+            <a:pPr>
+              <a:buNone/>
+            </a:pPr>
+            <a:r>
+              <a:rPr lang="en-US" sz="1800" dirty="0" smtClean="0"/>
+              <a:t>    void operator()(Context const&amp; </a:t>
+            </a:r>
+            <a:r>
+              <a:rPr lang="en-US" sz="1800" dirty="0" err="1" smtClean="0"/>
+              <a:t>ctx</a:t>
+            </a:r>
+            <a:r>
+              <a:rPr lang="en-US" sz="1800" dirty="0" smtClean="0"/>
+              <a:t>, char c) const</a:t>
+            </a:r>
+          </a:p>
+          <a:p>
+            <a:pPr>
+              <a:buNone/>
+            </a:pPr>
+            <a:r>
+              <a:rPr lang="en-US" sz="1800" dirty="0" smtClean="0"/>
+              <a:t>    </a:t>
+            </a:r>
+            <a:r>
+              <a:rPr lang="en-US" sz="1800" dirty="0" smtClean="0"/>
+              <a:t>{</a:t>
+            </a:r>
+            <a:endParaRPr lang="en-US" sz="1800" dirty="0" smtClean="0"/>
+          </a:p>
+          <a:p>
+            <a:pPr>
+              <a:buNone/>
+            </a:pPr>
+            <a:r>
+              <a:rPr lang="en-US" sz="1800" dirty="0" smtClean="0"/>
+              <a:t>        get&lt;</a:t>
+            </a:r>
+            <a:r>
+              <a:rPr lang="en-US" sz="1800" dirty="0" err="1" smtClean="0"/>
+              <a:t>rule_context_tag</a:t>
+            </a:r>
+            <a:r>
+              <a:rPr lang="en-US" sz="1800" dirty="0" smtClean="0"/>
+              <a:t>&gt;(</a:t>
+            </a:r>
+            <a:r>
+              <a:rPr lang="en-US" sz="1800" dirty="0" err="1" smtClean="0"/>
+              <a:t>ctx</a:t>
+            </a:r>
+            <a:r>
+              <a:rPr lang="en-US" sz="1800" dirty="0" smtClean="0"/>
+              <a:t>).</a:t>
+            </a:r>
+            <a:r>
+              <a:rPr lang="en-US" sz="1800" dirty="0" err="1" smtClean="0"/>
+              <a:t>val</a:t>
+            </a:r>
+            <a:r>
+              <a:rPr lang="en-US" sz="1800" dirty="0" smtClean="0"/>
+              <a:t>() += c;</a:t>
+            </a:r>
+          </a:p>
+          <a:p>
+            <a:pPr>
+              <a:buNone/>
+            </a:pPr>
+            <a:r>
+              <a:rPr lang="en-US" sz="1800" dirty="0" smtClean="0"/>
+              <a:t>    }</a:t>
+            </a:r>
+          </a:p>
+          <a:p>
+            <a:pPr>
+              <a:buNone/>
+            </a:pPr>
+            <a:r>
+              <a:rPr lang="en-US" sz="1800" dirty="0" smtClean="0"/>
+              <a:t>};</a:t>
+            </a:r>
+          </a:p>
+          <a:p>
+            <a:pPr>
+              <a:buNone/>
+            </a:pPr>
+            <a:endParaRPr lang="en-US" sz="1800" dirty="0" smtClean="0"/>
+          </a:p>
+          <a:p>
+            <a:pPr>
+              <a:buNone/>
+            </a:pPr>
+            <a:r>
+              <a:rPr lang="en-US" sz="1800" dirty="0" smtClean="0"/>
+              <a:t>std::string s;</a:t>
+            </a:r>
+          </a:p>
+          <a:p>
+            <a:pPr>
+              <a:buNone/>
+            </a:pPr>
+            <a:r>
+              <a:rPr lang="en-US" sz="1800" dirty="0" err="1" smtClean="0"/>
+              <a:t>typedef</a:t>
+            </a:r>
+            <a:r>
+              <a:rPr lang="en-US" sz="1800" dirty="0" smtClean="0"/>
+              <a:t> rule&lt;class r, std::string&gt; </a:t>
+            </a:r>
+            <a:r>
+              <a:rPr lang="en-US" sz="1800" dirty="0" err="1" smtClean="0"/>
+              <a:t>rule_type</a:t>
+            </a:r>
+            <a:r>
+              <a:rPr lang="en-US" sz="1800" dirty="0" smtClean="0"/>
+              <a:t>;</a:t>
+            </a:r>
+          </a:p>
+          <a:p>
+            <a:pPr>
+              <a:buNone/>
+            </a:pPr>
+            <a:endParaRPr lang="en-US" sz="1800" dirty="0" smtClean="0"/>
+          </a:p>
+          <a:p>
+            <a:pPr>
+              <a:buNone/>
+            </a:pPr>
+            <a:r>
+              <a:rPr lang="en-US" sz="1800" dirty="0" smtClean="0"/>
+              <a:t>auto </a:t>
+            </a:r>
+            <a:r>
+              <a:rPr lang="en-US" sz="1800" dirty="0" err="1" smtClean="0"/>
+              <a:t>rdef</a:t>
+            </a:r>
+            <a:r>
+              <a:rPr lang="en-US" sz="1800" dirty="0" smtClean="0"/>
+              <a:t> = </a:t>
+            </a:r>
+            <a:r>
+              <a:rPr lang="en-US" sz="1800" dirty="0" err="1" smtClean="0"/>
+              <a:t>rule_type</a:t>
+            </a:r>
+            <a:r>
+              <a:rPr lang="en-US" sz="1800" dirty="0" smtClean="0"/>
+              <a:t>()</a:t>
+            </a:r>
+          </a:p>
+          <a:p>
+            <a:pPr>
+              <a:buNone/>
+            </a:pPr>
+            <a:r>
+              <a:rPr lang="en-US" sz="1800" dirty="0" smtClean="0"/>
+              <a:t>    = alpha                 [f()]</a:t>
+            </a:r>
+          </a:p>
+          <a:p>
+            <a:pPr>
+              <a:buNone/>
+            </a:pPr>
+            <a:r>
+              <a:rPr lang="en-US" sz="1800" dirty="0" smtClean="0"/>
+              <a:t>    ;</a:t>
+            </a:r>
+          </a:p>
+          <a:p>
+            <a:pPr>
+              <a:buNone/>
+            </a:pPr>
+            <a:endParaRPr lang="en-US" sz="1800" dirty="0" smtClean="0"/>
+          </a:p>
+          <a:p>
+            <a:pPr>
+              <a:buNone/>
+            </a:pPr>
+            <a:r>
+              <a:rPr lang="en-US" sz="1800" dirty="0" smtClean="0"/>
+              <a:t>BOOST_TEST(</a:t>
+            </a:r>
+            <a:r>
+              <a:rPr lang="en-US" sz="1800" dirty="0" err="1" smtClean="0"/>
+              <a:t>test_attr</a:t>
+            </a:r>
+            <a:r>
+              <a:rPr lang="en-US" sz="1800" dirty="0" smtClean="0"/>
+              <a:t>("</a:t>
+            </a:r>
+            <a:r>
+              <a:rPr lang="en-US" sz="1800" dirty="0" err="1" smtClean="0"/>
+              <a:t>abcdef</a:t>
+            </a:r>
+            <a:r>
+              <a:rPr lang="en-US" sz="1800" dirty="0" smtClean="0"/>
+              <a:t>", +</a:t>
+            </a:r>
+            <a:r>
+              <a:rPr lang="en-US" sz="1800" dirty="0" err="1" smtClean="0"/>
+              <a:t>rdef</a:t>
+            </a:r>
+            <a:r>
+              <a:rPr lang="en-US" sz="1800" dirty="0" smtClean="0"/>
+              <a:t>, s));</a:t>
+            </a:r>
+          </a:p>
+          <a:p>
+            <a:pPr>
+              <a:buNone/>
+            </a:pPr>
+            <a:r>
+              <a:rPr lang="en-US" sz="1800" dirty="0" smtClean="0"/>
+              <a:t>BOOST_TEST(s == "</a:t>
+            </a:r>
+            <a:r>
+              <a:rPr lang="en-US" sz="1800" dirty="0" err="1" smtClean="0"/>
+              <a:t>abcdef</a:t>
+            </a:r>
+            <a:r>
+              <a:rPr lang="en-US" sz="1800" dirty="0" smtClean="0"/>
+              <a:t>");</a:t>
+            </a:r>
+          </a:p>
+        </p:txBody>
+      </p:sp>
+    </p:spTree>
+  </p:cSld>
+  <p:clrMapOvr>
+    <a:masterClrMapping/>
+  </p:clrMapOvr>
+  <p:transition>
+    <p:fade/>
+  </p:transition>
+  <p:timing>
+    <p:tnLst>
+      <p:par>
+        <p:cTn id="1" dur="indefinite" restart="never" nodeType="tmRoot">
+          <p:childTnLst>
+            <p:seq concurrent="1" nextAc="seek">
+              <p:cTn id="2" dur="indefinite" nodeType="mainSeq">
+                <p:childTnLst>
+                  <p:par>
+                    <p:cTn id="3" fill="hold">
+                      <p:stCondLst>
+                        <p:cond delay="indefinite"/>
+                      </p:stCondLst>
+                      <p:childTnLst>
+                        <p:par>
+                          <p:cTn id="4" fill="hold">
+                            <p:stCondLst>
+                              <p:cond delay="0"/>
+                            </p:stCondLst>
+                            <p:childTnLst>
+                              <p:par>
+                                <p:cTn id="5" presetID="2" presetClass="entr" presetSubtype="4" fill="hold" nodeType="clickEffect">
+                                  <p:stCondLst>
+                                    <p:cond delay="0"/>
+                                  </p:stCondLst>
+                                  <p:childTnLst>
+                                    <p:set>
+                                      <p:cBhvr>
+                                        <p:cTn id="6" dur="1" fill="hold">
+                                          <p:stCondLst>
+                                            <p:cond delay="0"/>
+                                          </p:stCondLst>
+                                        </p:cTn>
+                                        <p:tgtEl>
+                                          <p:spTgt spid="3">
+                                            <p:txEl>
+                                              <p:pRg st="16" end="16"/>
+                                            </p:txEl>
+                                          </p:spTgt>
+                                        </p:tgtEl>
+                                        <p:attrNameLst>
+                                          <p:attrName>style.visibility</p:attrName>
+                                        </p:attrNameLst>
+                                      </p:cBhvr>
+                                      <p:to>
+                                        <p:strVal val="visible"/>
+                                      </p:to>
+                                    </p:set>
+                                    <p:anim calcmode="lin" valueType="num">
+                                      <p:cBhvr additive="base">
+                                        <p:cTn id="7" dur="500" fill="hold"/>
+                                        <p:tgtEl>
+                                          <p:spTgt spid="3">
+                                            <p:txEl>
+                                              <p:pRg st="16" end="16"/>
+                                            </p:txEl>
+                                          </p:spTgt>
+                                        </p:tgtEl>
+                                        <p:attrNameLst>
+                                          <p:attrName>ppt_x</p:attrName>
+                                        </p:attrNameLst>
+                                      </p:cBhvr>
+                                      <p:tavLst>
+                                        <p:tav tm="0">
+                                          <p:val>
+                                            <p:strVal val="#ppt_x"/>
+                                          </p:val>
+                                        </p:tav>
+                                        <p:tav tm="100000">
+                                          <p:val>
+                                            <p:strVal val="#ppt_x"/>
+                                          </p:val>
+                                        </p:tav>
+                                      </p:tavLst>
+                                    </p:anim>
+                                    <p:anim calcmode="lin" valueType="num">
+                                      <p:cBhvr additive="base">
+                                        <p:cTn id="8" dur="500" fill="hold"/>
+                                        <p:tgtEl>
+                                          <p:spTgt spid="3">
+                                            <p:txEl>
+                                              <p:pRg st="16" end="16"/>
+                                            </p:txEl>
+                                          </p:spTgt>
+                                        </p:tgtEl>
+                                        <p:attrNameLst>
+                                          <p:attrName>ppt_y</p:attrName>
+                                        </p:attrNameLst>
+                                      </p:cBhvr>
+                                      <p:tavLst>
+                                        <p:tav tm="0">
+                                          <p:val>
+                                            <p:strVal val="1+#ppt_h/2"/>
+                                          </p:val>
+                                        </p:tav>
+                                        <p:tav tm="100000">
+                                          <p:val>
+                                            <p:strVal val="#ppt_y"/>
+                                          </p:val>
+                                        </p:tav>
+                                      </p:tavLst>
+                                    </p:anim>
+                                  </p:childTnLst>
+                                </p:cTn>
+                              </p:par>
+                              <p:par>
+                                <p:cTn id="9" presetID="2" presetClass="entr" presetSubtype="4" fill="hold" nodeType="withEffect">
+                                  <p:stCondLst>
+                                    <p:cond delay="0"/>
+                                  </p:stCondLst>
+                                  <p:childTnLst>
+                                    <p:set>
+                                      <p:cBhvr>
+                                        <p:cTn id="10" dur="1" fill="hold">
+                                          <p:stCondLst>
+                                            <p:cond delay="0"/>
+                                          </p:stCondLst>
+                                        </p:cTn>
+                                        <p:tgtEl>
+                                          <p:spTgt spid="3">
+                                            <p:txEl>
+                                              <p:pRg st="17" end="17"/>
+                                            </p:txEl>
+                                          </p:spTgt>
+                                        </p:tgtEl>
+                                        <p:attrNameLst>
+                                          <p:attrName>style.visibility</p:attrName>
+                                        </p:attrNameLst>
+                                      </p:cBhvr>
+                                      <p:to>
+                                        <p:strVal val="visible"/>
+                                      </p:to>
+                                    </p:set>
+                                    <p:anim calcmode="lin" valueType="num">
+                                      <p:cBhvr additive="base">
+                                        <p:cTn id="11" dur="500" fill="hold"/>
+                                        <p:tgtEl>
+                                          <p:spTgt spid="3">
+                                            <p:txEl>
+                                              <p:pRg st="17" end="17"/>
+                                            </p:txEl>
+                                          </p:spTgt>
+                                        </p:tgtEl>
+                                        <p:attrNameLst>
+                                          <p:attrName>ppt_x</p:attrName>
+                                        </p:attrNameLst>
+                                      </p:cBhvr>
+                                      <p:tavLst>
+                                        <p:tav tm="0">
+                                          <p:val>
+                                            <p:strVal val="#ppt_x"/>
+                                          </p:val>
+                                        </p:tav>
+                                        <p:tav tm="100000">
+                                          <p:val>
+                                            <p:strVal val="#ppt_x"/>
+                                          </p:val>
+                                        </p:tav>
+                                      </p:tavLst>
+                                    </p:anim>
+                                    <p:anim calcmode="lin" valueType="num">
+                                      <p:cBhvr additive="base">
+                                        <p:cTn id="12" dur="500" fill="hold"/>
+                                        <p:tgtEl>
+                                          <p:spTgt spid="3">
+                                            <p:txEl>
+                                              <p:pRg st="17" end="17"/>
+                                            </p:txEl>
+                                          </p:spTgt>
+                                        </p:tgtEl>
+                                        <p:attrNameLst>
+                                          <p:attrName>ppt_y</p:attrName>
+                                        </p:attrNameLst>
+                                      </p:cBhvr>
+                                      <p:tavLst>
+                                        <p:tav tm="0">
+                                          <p:val>
+                                            <p:strVal val="1+#ppt_h/2"/>
+                                          </p:val>
+                                        </p:tav>
+                                        <p:tav tm="100000">
+                                          <p:val>
+                                            <p:strVal val="#ppt_y"/>
+                                          </p:val>
+                                        </p:tav>
+                                      </p:tavLst>
+                                    </p:anim>
+                                  </p:childTnLst>
+                                </p:cTn>
+                              </p:par>
+                            </p:childTnLst>
+                          </p:cTn>
+                        </p:par>
+                      </p:childTnLst>
+                    </p:cTn>
+                  </p:par>
+                </p:childTnLst>
+              </p:cTn>
+              <p:prevCondLst>
+                <p:cond evt="onPrev" delay="0">
+                  <p:tgtEl>
+                    <p:sldTgt/>
+                  </p:tgtEl>
+                </p:cond>
+              </p:prevCondLst>
+              <p:nextCondLst>
+                <p:cond evt="onNext" delay="0">
+                  <p:tgtEl>
+                    <p:sldTgt/>
+                  </p:tgtEl>
+                </p:cond>
+              </p:nextCondLst>
+            </p:seq>
+          </p:childTnLst>
+        </p:cTn>
+      </p:par>
+    </p:tnLst>
+  </p:timing>
+</p:sld>
+</file>
+
+<file path=ppt/slides/slide114.xml><?xml version="1.0" encoding="utf-8"?>
+<p:sld xmlns:a="http://schemas.openxmlformats.org/drawingml/2006/main" xmlns:r="http://schemas.openxmlformats.org/officeDocument/2006/relationships" xmlns:p="http://schemas.openxmlformats.org/presentationml/2006/main">
+  <p:cSld>
+    <p:spTree>
+      <p:nvGrpSpPr>
+        <p:cNvPr id="1" name=""/>
+        <p:cNvGrpSpPr/>
+        <p:nvPr/>
+      </p:nvGrpSpPr>
+      <p:grpSpPr>
+        <a:xfrm>
+          <a:off x="0" y="0"/>
+          <a:ext cx="0" cy="0"/>
+          <a:chOff x="0" y="0"/>
+          <a:chExt cx="0" cy="0"/>
+        </a:xfrm>
+      </p:grpSpPr>
+      <p:sp>
+        <p:nvSpPr>
+          <p:cNvPr id="2" name="Title 1"/>
+          <p:cNvSpPr>
+            <a:spLocks noGrp="1"/>
+          </p:cNvSpPr>
+          <p:nvPr>
+            <p:ph type="title"/>
+          </p:nvPr>
+        </p:nvSpPr>
+        <p:spPr>
+          <a:xfrm>
+            <a:off x="381000" y="230188"/>
+            <a:ext cx="8382000" cy="747897"/>
+          </a:xfrm>
+        </p:spPr>
+        <p:txBody>
+          <a:bodyPr/>
+          <a:lstStyle/>
+          <a:p>
+            <a:r>
+              <a:rPr lang="en-US" sz="5400" dirty="0" smtClean="0"/>
+              <a:t>Semantic Actions</a:t>
+            </a:r>
+            <a:endParaRPr lang="en-US" sz="5400" dirty="0"/>
+          </a:p>
+        </p:txBody>
+      </p:sp>
+      <p:sp>
+        <p:nvSpPr>
+          <p:cNvPr id="3" name="Text Placeholder 2"/>
+          <p:cNvSpPr>
+            <a:spLocks noGrp="1"/>
+          </p:cNvSpPr>
+          <p:nvPr>
+            <p:ph type="body" sz="quarter" idx="10"/>
+          </p:nvPr>
+        </p:nvSpPr>
+        <p:spPr>
+          <a:xfrm>
+            <a:off x="381000" y="1143000"/>
+            <a:ext cx="8534400" cy="2246769"/>
+          </a:xfrm>
+        </p:spPr>
+        <p:txBody>
+          <a:bodyPr/>
+          <a:lstStyle/>
+          <a:p>
+            <a:pPr>
+              <a:buNone/>
+            </a:pPr>
+            <a:r>
               <a:rPr lang="en-US" sz="2000" dirty="0" smtClean="0"/>
               <a:t>std</a:t>
             </a:r>
@@ -13267,11 +13839,7 @@
             </a:r>
             <a:r>
               <a:rPr lang="en-US" sz="2000" dirty="0" smtClean="0"/>
-              <a:t> </a:t>
-            </a:r>
-            <a:r>
-              <a:rPr lang="en-US" sz="2000" dirty="0" smtClean="0"/>
-              <a:t>rule&lt;class r, std::string&gt; </a:t>
+              <a:t> rule&lt;class r, std::string&gt; </a:t>
             </a:r>
             <a:r>
               <a:rPr lang="en-US" sz="2000" dirty="0" err="1" smtClean="0"/>
@@ -13281,7 +13849,245 @@
               <a:rPr lang="en-US" sz="2000" dirty="0" smtClean="0"/>
               <a:t>;</a:t>
             </a:r>
+          </a:p>
+          <a:p>
+            <a:pPr>
+              <a:buNone/>
+            </a:pPr>
             <a:endParaRPr lang="en-US" sz="2000" dirty="0" smtClean="0"/>
+          </a:p>
+          <a:p>
+            <a:pPr>
+              <a:buNone/>
+            </a:pPr>
+            <a:r>
+              <a:rPr lang="en-US" sz="2000" dirty="0" smtClean="0"/>
+              <a:t>auto </a:t>
+            </a:r>
+            <a:r>
+              <a:rPr lang="en-US" sz="2000" dirty="0" err="1" smtClean="0"/>
+              <a:t>rdef</a:t>
+            </a:r>
+            <a:r>
+              <a:rPr lang="en-US" sz="2000" dirty="0" smtClean="0"/>
+              <a:t> = </a:t>
+            </a:r>
+            <a:r>
+              <a:rPr lang="en-US" sz="2000" dirty="0" err="1" smtClean="0"/>
+              <a:t>rule_type</a:t>
+            </a:r>
+            <a:r>
+              <a:rPr lang="en-US" sz="2000" dirty="0" smtClean="0"/>
+              <a:t>()</a:t>
+            </a:r>
+          </a:p>
+          <a:p>
+            <a:pPr>
+              <a:buNone/>
+            </a:pPr>
+            <a:r>
+              <a:rPr lang="en-US" sz="2000" dirty="0" smtClean="0"/>
+              <a:t>    = alpha                 </a:t>
+            </a:r>
+            <a:r>
+              <a:rPr lang="en-US" sz="2000" dirty="0" smtClean="0"/>
+              <a:t>[</a:t>
+            </a:r>
+            <a:r>
+              <a:rPr lang="en-US" sz="2000" dirty="0" smtClean="0"/>
+              <a:t> </a:t>
+            </a:r>
+            <a:r>
+              <a:rPr lang="en-US" sz="2000" dirty="0" smtClean="0"/>
+              <a:t>[](auto&amp; </a:t>
+            </a:r>
+            <a:r>
+              <a:rPr lang="en-US" sz="2000" dirty="0" err="1" smtClean="0"/>
+              <a:t>ctx</a:t>
+            </a:r>
+            <a:r>
+              <a:rPr lang="en-US" sz="2000" dirty="0" smtClean="0"/>
+              <a:t>, char c){ get&lt;</a:t>
+            </a:r>
+            <a:r>
+              <a:rPr lang="en-US" sz="2000" dirty="0" err="1" smtClean="0"/>
+              <a:t>rule_context_tag</a:t>
+            </a:r>
+            <a:r>
+              <a:rPr lang="en-US" sz="2000" dirty="0" smtClean="0"/>
+              <a:t>&gt;(</a:t>
+            </a:r>
+            <a:r>
+              <a:rPr lang="en-US" sz="2000" dirty="0" err="1" smtClean="0"/>
+              <a:t>ctx</a:t>
+            </a:r>
+            <a:r>
+              <a:rPr lang="en-US" sz="2000" dirty="0" smtClean="0"/>
+              <a:t>).</a:t>
+            </a:r>
+            <a:r>
+              <a:rPr lang="en-US" sz="2000" dirty="0" err="1" smtClean="0"/>
+              <a:t>val</a:t>
+            </a:r>
+            <a:r>
+              <a:rPr lang="en-US" sz="2000" dirty="0" smtClean="0"/>
+              <a:t>() += c;</a:t>
+            </a:r>
+            <a:r>
+              <a:rPr lang="en-US" sz="2000" dirty="0" smtClean="0"/>
+              <a:t> } ]</a:t>
+            </a:r>
+            <a:endParaRPr lang="en-US" sz="2000" dirty="0" smtClean="0"/>
+          </a:p>
+          <a:p>
+            <a:pPr>
+              <a:buNone/>
+            </a:pPr>
+            <a:r>
+              <a:rPr lang="en-US" sz="2000" dirty="0" smtClean="0"/>
+              <a:t>    </a:t>
+            </a:r>
+            <a:r>
+              <a:rPr lang="en-US" sz="2000" dirty="0" smtClean="0"/>
+              <a:t>;</a:t>
+            </a:r>
+            <a:endParaRPr lang="en-US" sz="2000" dirty="0" smtClean="0"/>
+          </a:p>
+        </p:txBody>
+      </p:sp>
+      <p:sp>
+        <p:nvSpPr>
+          <p:cNvPr id="4" name="TextBox 3"/>
+          <p:cNvSpPr txBox="1"/>
+          <p:nvPr/>
+        </p:nvSpPr>
+        <p:spPr>
+          <a:xfrm>
+            <a:off x="2667000" y="3505200"/>
+            <a:ext cx="3899850" cy="523220"/>
+          </a:xfrm>
+          <a:prstGeom prst="rect">
+            <a:avLst/>
+          </a:prstGeom>
+          <a:noFill/>
+        </p:spPr>
+        <p:txBody>
+          <a:bodyPr wrap="none" rtlCol="0">
+            <a:spAutoFit/>
+          </a:bodyPr>
+          <a:lstStyle/>
+          <a:p>
+            <a:r>
+              <a:rPr lang="en-US" sz="2800" dirty="0" smtClean="0">
+                <a:solidFill>
+                  <a:schemeClr val="accent1">
+                    <a:lumMod val="40000"/>
+                    <a:lumOff val="60000"/>
+                  </a:schemeClr>
+                </a:solidFill>
+              </a:rPr>
+              <a:t>Generic Lambda: C++14 ?</a:t>
+            </a:r>
+            <a:endParaRPr lang="en-US" sz="2800" dirty="0">
+              <a:solidFill>
+                <a:schemeClr val="accent1">
+                  <a:lumMod val="40000"/>
+                  <a:lumOff val="60000"/>
+                </a:schemeClr>
+              </a:solidFill>
+            </a:endParaRPr>
+          </a:p>
+        </p:txBody>
+      </p:sp>
+    </p:spTree>
+  </p:cSld>
+  <p:clrMapOvr>
+    <a:masterClrMapping/>
+  </p:clrMapOvr>
+  <p:transition>
+    <p:fade/>
+  </p:transition>
+  <p:timing>
+    <p:tnLst>
+      <p:par>
+        <p:cTn id="1" dur="indefinite" restart="never" nodeType="tmRoot"/>
+      </p:par>
+    </p:tnLst>
+  </p:timing>
+</p:sld>
+</file>
+
+<file path=ppt/slides/slide115.xml><?xml version="1.0" encoding="utf-8"?>
+<p:sld xmlns:a="http://schemas.openxmlformats.org/drawingml/2006/main" xmlns:r="http://schemas.openxmlformats.org/officeDocument/2006/relationships" xmlns:p="http://schemas.openxmlformats.org/presentationml/2006/main">
+  <p:cSld>
+    <p:spTree>
+      <p:nvGrpSpPr>
+        <p:cNvPr id="1" name=""/>
+        <p:cNvGrpSpPr/>
+        <p:nvPr/>
+      </p:nvGrpSpPr>
+      <p:grpSpPr>
+        <a:xfrm>
+          <a:off x="0" y="0"/>
+          <a:ext cx="0" cy="0"/>
+          <a:chOff x="0" y="0"/>
+          <a:chExt cx="0" cy="0"/>
+        </a:xfrm>
+      </p:grpSpPr>
+      <p:sp>
+        <p:nvSpPr>
+          <p:cNvPr id="2" name="Title 1"/>
+          <p:cNvSpPr>
+            <a:spLocks noGrp="1"/>
+          </p:cNvSpPr>
+          <p:nvPr>
+            <p:ph type="title"/>
+          </p:nvPr>
+        </p:nvSpPr>
+        <p:spPr/>
+        <p:txBody>
+          <a:bodyPr/>
+          <a:lstStyle/>
+          <a:p>
+            <a:r>
+              <a:rPr lang="en-US" dirty="0" smtClean="0"/>
+              <a:t>Semantic Actions</a:t>
+            </a:r>
+            <a:endParaRPr lang="en-US" dirty="0"/>
+          </a:p>
+        </p:txBody>
+      </p:sp>
+      <p:sp>
+        <p:nvSpPr>
+          <p:cNvPr id="3" name="Text Placeholder 2"/>
+          <p:cNvSpPr>
+            <a:spLocks noGrp="1"/>
+          </p:cNvSpPr>
+          <p:nvPr>
+            <p:ph type="body" sz="quarter" idx="10"/>
+          </p:nvPr>
+        </p:nvSpPr>
+        <p:spPr>
+          <a:xfrm>
+            <a:off x="381000" y="990600"/>
+            <a:ext cx="8382000" cy="2308324"/>
+          </a:xfrm>
+        </p:spPr>
+        <p:txBody>
+          <a:bodyPr/>
+          <a:lstStyle/>
+          <a:p>
+            <a:pPr>
+              <a:buNone/>
+            </a:pPr>
+            <a:r>
+              <a:rPr lang="en-US" sz="2000" dirty="0" smtClean="0"/>
+              <a:t>std</a:t>
+            </a:r>
+            <a:r>
+              <a:rPr lang="en-US" sz="2000" dirty="0" smtClean="0"/>
+              <a:t>::string s;</a:t>
+            </a:r>
           </a:p>
           <a:p>
             <a:pPr>
@@ -13296,11 +14102,37 @@
               <a:t> </a:t>
             </a:r>
             <a:r>
+              <a:rPr lang="en-US" sz="2000" dirty="0" smtClean="0"/>
+              <a:t>rule&lt;class r, std::string&gt; </a:t>
+            </a:r>
+            <a:r>
               <a:rPr lang="en-US" sz="2000" dirty="0" err="1" smtClean="0"/>
               <a:t>rule_type</a:t>
             </a:r>
             <a:r>
               <a:rPr lang="en-US" sz="2000" dirty="0" smtClean="0"/>
+              <a:t>;</a:t>
+            </a:r>
+            <a:endParaRPr lang="en-US" sz="2000" dirty="0" smtClean="0"/>
+          </a:p>
+          <a:p>
+            <a:pPr>
+              <a:buNone/>
+            </a:pPr>
+            <a:r>
+              <a:rPr lang="en-US" sz="2000" dirty="0" err="1" smtClean="0"/>
+              <a:t>typedef</a:t>
+            </a:r>
+            <a:r>
+              <a:rPr lang="en-US" sz="2000" dirty="0" smtClean="0"/>
+              <a:t> </a:t>
+            </a:r>
+            <a:r>
+              <a:rPr lang="en-US" sz="2000" dirty="0" err="1" smtClean="0"/>
+              <a:t>rule_type</a:t>
+            </a:r>
+            <a:r>
+              <a:rPr lang="en-US" sz="2000" dirty="0" smtClean="0"/>
               <a:t>::</a:t>
             </a:r>
             <a:r>
@@ -13384,67 +14216,6 @@
             <a:r>
               <a:rPr lang="en-US" sz="2000" dirty="0" smtClean="0"/>
               <a:t>;</a:t>
-            </a:r>
-            <a:endParaRPr lang="en-US" sz="2000" dirty="0" smtClean="0"/>
-          </a:p>
-          <a:p>
-            <a:pPr>
-              <a:buNone/>
-            </a:pPr>
-            <a:endParaRPr lang="en-US" sz="2000" dirty="0" smtClean="0"/>
-          </a:p>
-          <a:p>
-            <a:pPr>
-              <a:buNone/>
-            </a:pPr>
-            <a:r>
-              <a:rPr lang="en-US" sz="2000" dirty="0" smtClean="0"/>
-              <a:t>BOOST_TEST(</a:t>
-            </a:r>
-            <a:r>
-              <a:rPr lang="en-US" sz="2000" dirty="0" err="1" smtClean="0"/>
-              <a:t>test_attr</a:t>
-            </a:r>
-            <a:r>
-              <a:rPr lang="en-US" sz="2000" dirty="0" smtClean="0"/>
-              <a:t>("</a:t>
-            </a:r>
-            <a:r>
-              <a:rPr lang="en-US" sz="2000" dirty="0" err="1" smtClean="0"/>
-              <a:t>abcdef</a:t>
-            </a:r>
-            <a:r>
-              <a:rPr lang="en-US" sz="2000" dirty="0" smtClean="0"/>
-              <a:t>", +</a:t>
-            </a:r>
-            <a:r>
-              <a:rPr lang="en-US" sz="2000" dirty="0" err="1" smtClean="0"/>
-              <a:t>rdef</a:t>
-            </a:r>
-            <a:r>
-              <a:rPr lang="en-US" sz="2000" dirty="0" smtClean="0"/>
-              <a:t>, s));</a:t>
-            </a:r>
-          </a:p>
-          <a:p>
-            <a:pPr>
-              <a:buNone/>
-            </a:pPr>
-            <a:r>
-              <a:rPr lang="en-US" sz="2000" dirty="0" smtClean="0"/>
-              <a:t>BOOST_TEST(s </a:t>
-            </a:r>
-            <a:r>
-              <a:rPr lang="en-US" sz="2000" dirty="0" smtClean="0"/>
-              <a:t>== "</a:t>
-            </a:r>
-            <a:r>
-              <a:rPr lang="en-US" sz="2000" dirty="0" err="1" smtClean="0"/>
-              <a:t>abcdef</a:t>
-            </a:r>
-            <a:r>
-              <a:rPr lang="en-US" sz="2000" dirty="0" smtClean="0"/>
-              <a:t>");</a:t>
             </a:r>
             <a:endParaRPr lang="en-US" sz="2000" dirty="0" smtClean="0"/>
           </a:p>
@@ -13458,8 +14229,8 @@
         </p:nvSpPr>
         <p:spPr bwMode="auto">
           <a:xfrm>
-            <a:off x="4114800" y="3962400"/>
-            <a:ext cx="4800600" cy="2667000"/>
+            <a:off x="2743200" y="3962400"/>
+            <a:ext cx="6172200" cy="2667000"/>
           </a:xfrm>
           <a:prstGeom prst="rect">
             <a:avLst/>
@@ -13504,13 +14275,6 @@
                 <a:solidFill>
                   <a:srgbClr val="FFFFFF"/>
                 </a:solidFill>
-                <a:effectLst>
-                  <a:outerShdw blurRad="38100" dist="38100" dir="2700000" algn="tl">
-                    <a:srgbClr val="000000">
-                      <a:alpha val="43137"/>
-                    </a:srgbClr>
-                  </a:outerShdw>
-                </a:effectLst>
                 <a:latin typeface="Segoe" pitchFamily="34" charset="0"/>
               </a:rPr>
               <a:t>template &lt;</a:t>
@@ -13520,13 +14284,6 @@
                 <a:solidFill>
                   <a:srgbClr val="FFFFFF"/>
                 </a:solidFill>
-                <a:effectLst>
-                  <a:outerShdw blurRad="38100" dist="38100" dir="2700000" algn="tl">
-                    <a:srgbClr val="000000">
-                      <a:alpha val="43137"/>
-                    </a:srgbClr>
-                  </a:outerShdw>
-                </a:effectLst>
                 <a:latin typeface="Segoe" pitchFamily="34" charset="0"/>
               </a:rPr>
               <a:t>typename</a:t>
@@ -13536,13 +14293,6 @@
                 <a:solidFill>
                   <a:srgbClr val="FFFFFF"/>
                 </a:solidFill>
-                <a:effectLst>
-                  <a:outerShdw blurRad="38100" dist="38100" dir="2700000" algn="tl">
-                    <a:srgbClr val="000000">
-                      <a:alpha val="43137"/>
-                    </a:srgbClr>
-                  </a:outerShdw>
-                </a:effectLst>
                 <a:latin typeface="Segoe" pitchFamily="34" charset="0"/>
               </a:rPr>
               <a:t> Attribute&gt;</a:t>
@@ -13562,13 +14312,6 @@
                 <a:solidFill>
                   <a:srgbClr val="FFFFFF"/>
                 </a:solidFill>
-                <a:effectLst>
-                  <a:outerShdw blurRad="38100" dist="38100" dir="2700000" algn="tl">
-                    <a:srgbClr val="000000">
-                      <a:alpha val="43137"/>
-                    </a:srgbClr>
-                  </a:outerShdw>
-                </a:effectLst>
                 <a:latin typeface="Segoe" pitchFamily="34" charset="0"/>
               </a:rPr>
               <a:t>struct</a:t>
@@ -13578,13 +14321,6 @@
                 <a:solidFill>
                   <a:srgbClr val="FFFFFF"/>
                 </a:solidFill>
-                <a:effectLst>
-                  <a:outerShdw blurRad="38100" dist="38100" dir="2700000" algn="tl">
-                    <a:srgbClr val="000000">
-                      <a:alpha val="43137"/>
-                    </a:srgbClr>
-                  </a:outerShdw>
-                </a:effectLst>
                 <a:latin typeface="Segoe" pitchFamily="34" charset="0"/>
               </a:rPr>
               <a:t> </a:t>
@@ -13594,13 +14330,6 @@
                 <a:solidFill>
                   <a:srgbClr val="FFFFFF"/>
                 </a:solidFill>
-                <a:effectLst>
-                  <a:outerShdw blurRad="38100" dist="38100" dir="2700000" algn="tl">
-                    <a:srgbClr val="000000">
-                      <a:alpha val="43137"/>
-                    </a:srgbClr>
-                  </a:outerShdw>
-                </a:effectLst>
                 <a:latin typeface="Segoe" pitchFamily="34" charset="0"/>
               </a:rPr>
               <a:t>rule_context_proxy</a:t>
@@ -13609,13 +14338,6 @@
               <a:solidFill>
                 <a:srgbClr val="FFFFFF"/>
               </a:solidFill>
-              <a:effectLst>
-                <a:outerShdw blurRad="38100" dist="38100" dir="2700000" algn="tl">
-                  <a:srgbClr val="000000">
-                    <a:alpha val="43137"/>
-                  </a:srgbClr>
-                </a:outerShdw>
-              </a:effectLst>
               <a:latin typeface="Segoe" pitchFamily="34" charset="0"/>
             </a:endParaRPr>
           </a:p>
@@ -13633,13 +14355,6 @@
                 <a:solidFill>
                   <a:srgbClr val="FFFFFF"/>
                 </a:solidFill>
-                <a:effectLst>
-                  <a:outerShdw blurRad="38100" dist="38100" dir="2700000" algn="tl">
-                    <a:srgbClr val="000000">
-                      <a:alpha val="43137"/>
-                    </a:srgbClr>
-                  </a:outerShdw>
-                </a:effectLst>
                 <a:latin typeface="Segoe" pitchFamily="34" charset="0"/>
               </a:rPr>
               <a:t>{</a:t>
@@ -13659,13 +14374,6 @@
                 <a:solidFill>
                   <a:srgbClr val="FFFFFF"/>
                 </a:solidFill>
-                <a:effectLst>
-                  <a:outerShdw blurRad="38100" dist="38100" dir="2700000" algn="tl">
-                    <a:srgbClr val="000000">
-                      <a:alpha val="43137"/>
-                    </a:srgbClr>
-                  </a:outerShdw>
-                </a:effectLst>
                 <a:latin typeface="Segoe" pitchFamily="34" charset="0"/>
               </a:rPr>
               <a:t>    template &lt;</a:t>
@@ -13675,13 +14383,6 @@
                 <a:solidFill>
                   <a:srgbClr val="FFFFFF"/>
                 </a:solidFill>
-                <a:effectLst>
-                  <a:outerShdw blurRad="38100" dist="38100" dir="2700000" algn="tl">
-                    <a:srgbClr val="000000">
-                      <a:alpha val="43137"/>
-                    </a:srgbClr>
-                  </a:outerShdw>
-                </a:effectLst>
                 <a:latin typeface="Segoe" pitchFamily="34" charset="0"/>
               </a:rPr>
               <a:t>typename</a:t>
@@ -13691,13 +14392,6 @@
                 <a:solidFill>
                   <a:srgbClr val="FFFFFF"/>
                 </a:solidFill>
-                <a:effectLst>
-                  <a:outerShdw blurRad="38100" dist="38100" dir="2700000" algn="tl">
-                    <a:srgbClr val="000000">
-                      <a:alpha val="43137"/>
-                    </a:srgbClr>
-                  </a:outerShdw>
-                </a:effectLst>
                 <a:latin typeface="Segoe" pitchFamily="34" charset="0"/>
               </a:rPr>
               <a:t> Context&gt;</a:t>
@@ -13717,13 +14411,6 @@
                 <a:solidFill>
                   <a:srgbClr val="FFFFFF"/>
                 </a:solidFill>
-                <a:effectLst>
-                  <a:outerShdw blurRad="38100" dist="38100" dir="2700000" algn="tl">
-                    <a:srgbClr val="000000">
-                      <a:alpha val="43137"/>
-                    </a:srgbClr>
-                  </a:outerShdw>
-                </a:effectLst>
                 <a:latin typeface="Segoe" pitchFamily="34" charset="0"/>
               </a:rPr>
               <a:t>    </a:t>
@@ -13733,13 +14420,6 @@
                 <a:solidFill>
                   <a:srgbClr val="FFFFFF"/>
                 </a:solidFill>
-                <a:effectLst>
-                  <a:outerShdw blurRad="38100" dist="38100" dir="2700000" algn="tl">
-                    <a:srgbClr val="000000">
-                      <a:alpha val="43137"/>
-                    </a:srgbClr>
-                  </a:outerShdw>
-                </a:effectLst>
                 <a:latin typeface="Segoe" pitchFamily="34" charset="0"/>
               </a:rPr>
               <a:t>rule_context_proxy</a:t>
@@ -13749,13 +14429,6 @@
                 <a:solidFill>
                   <a:srgbClr val="FFFFFF"/>
                 </a:solidFill>
-                <a:effectLst>
-                  <a:outerShdw blurRad="38100" dist="38100" dir="2700000" algn="tl">
-                    <a:srgbClr val="000000">
-                      <a:alpha val="43137"/>
-                    </a:srgbClr>
-                  </a:outerShdw>
-                </a:effectLst>
                 <a:latin typeface="Segoe" pitchFamily="34" charset="0"/>
               </a:rPr>
               <a:t>(Context&amp; context)</a:t>
@@ -13775,13 +14448,6 @@
                 <a:solidFill>
                   <a:srgbClr val="FFFFFF"/>
                 </a:solidFill>
-                <a:effectLst>
-                  <a:outerShdw blurRad="38100" dist="38100" dir="2700000" algn="tl">
-                    <a:srgbClr val="000000">
-                      <a:alpha val="43137"/>
-                    </a:srgbClr>
-                  </a:outerShdw>
-                </a:effectLst>
                 <a:latin typeface="Segoe" pitchFamily="34" charset="0"/>
               </a:rPr>
               <a:t>      : </a:t>
@@ -13791,13 +14457,6 @@
                 <a:solidFill>
                   <a:srgbClr val="FFFFFF"/>
                 </a:solidFill>
-                <a:effectLst>
-                  <a:outerShdw blurRad="38100" dist="38100" dir="2700000" algn="tl">
-                    <a:srgbClr val="000000">
-                      <a:alpha val="43137"/>
-                    </a:srgbClr>
-                  </a:outerShdw>
-                </a:effectLst>
                 <a:latin typeface="Segoe" pitchFamily="34" charset="0"/>
               </a:rPr>
               <a:t>val</a:t>
@@ -13807,16 +14466,45 @@
                 <a:solidFill>
                   <a:srgbClr val="FFFFFF"/>
                 </a:solidFill>
-                <a:effectLst>
-                  <a:outerShdw blurRad="38100" dist="38100" dir="2700000" algn="tl">
-                    <a:srgbClr val="000000">
-                      <a:alpha val="43137"/>
-                    </a:srgbClr>
-                  </a:outerShdw>
-                </a:effectLst>
                 <a:latin typeface="Segoe" pitchFamily="34" charset="0"/>
               </a:rPr>
-              <a:t>(context.val()) {}</a:t>
+              <a:t>(spirit::get&lt;</a:t>
+            </a:r>
+            <a:r>
+              <a:rPr lang="en-US" dirty="0" err="1" smtClean="0">
+                <a:solidFill>
+                  <a:srgbClr val="FFFFFF"/>
+                </a:solidFill>
+                <a:latin typeface="Segoe" pitchFamily="34" charset="0"/>
+              </a:rPr>
+              <a:t>rule_context_tag</a:t>
+            </a:r>
+            <a:r>
+              <a:rPr lang="en-US" dirty="0" smtClean="0">
+                <a:solidFill>
+                  <a:srgbClr val="FFFFFF"/>
+                </a:solidFill>
+                <a:latin typeface="Segoe" pitchFamily="34" charset="0"/>
+              </a:rPr>
+              <a:t>&gt;(context).</a:t>
+            </a:r>
+            <a:r>
+              <a:rPr lang="en-US" dirty="0" err="1" smtClean="0">
+                <a:solidFill>
+                  <a:srgbClr val="FFFFFF"/>
+                </a:solidFill>
+                <a:latin typeface="Segoe" pitchFamily="34" charset="0"/>
+              </a:rPr>
+              <a:t>val</a:t>
+            </a:r>
+            <a:r>
+              <a:rPr lang="en-US" dirty="0" smtClean="0">
+                <a:solidFill>
+                  <a:srgbClr val="FFFFFF"/>
+                </a:solidFill>
+                <a:latin typeface="Segoe" pitchFamily="34" charset="0"/>
+              </a:rPr>
+              <a:t>()) {}</a:t>
             </a:r>
           </a:p>
           <a:p>
@@ -13833,13 +14521,6 @@
                 <a:solidFill>
                   <a:srgbClr val="FFFFFF"/>
                 </a:solidFill>
-                <a:effectLst>
-                  <a:outerShdw blurRad="38100" dist="38100" dir="2700000" algn="tl">
-                    <a:srgbClr val="000000">
-                      <a:alpha val="43137"/>
-                    </a:srgbClr>
-                  </a:outerShdw>
-                </a:effectLst>
                 <a:latin typeface="Segoe" pitchFamily="34" charset="0"/>
               </a:rPr>
               <a:t>    Attribute&amp; </a:t>
@@ -13849,13 +14530,6 @@
                 <a:solidFill>
                   <a:srgbClr val="FFFFFF"/>
                 </a:solidFill>
-                <a:effectLst>
-                  <a:outerShdw blurRad="38100" dist="38100" dir="2700000" algn="tl">
-                    <a:srgbClr val="000000">
-                      <a:alpha val="43137"/>
-                    </a:srgbClr>
-                  </a:outerShdw>
-                </a:effectLst>
                 <a:latin typeface="Segoe" pitchFamily="34" charset="0"/>
               </a:rPr>
               <a:t>val</a:t>
@@ -13865,13 +14539,6 @@
                 <a:solidFill>
                   <a:srgbClr val="FFFFFF"/>
                 </a:solidFill>
-                <a:effectLst>
-                  <a:outerShdw blurRad="38100" dist="38100" dir="2700000" algn="tl">
-                    <a:srgbClr val="000000">
-                      <a:alpha val="43137"/>
-                    </a:srgbClr>
-                  </a:outerShdw>
-                </a:effectLst>
                 <a:latin typeface="Segoe" pitchFamily="34" charset="0"/>
               </a:rPr>
               <a:t>;</a:t>
@@ -13891,13 +14558,6 @@
                 <a:solidFill>
                   <a:srgbClr val="FFFFFF"/>
                 </a:solidFill>
-                <a:effectLst>
-                  <a:outerShdw blurRad="38100" dist="38100" dir="2700000" algn="tl">
-                    <a:srgbClr val="000000">
-                      <a:alpha val="43137"/>
-                    </a:srgbClr>
-                  </a:outerShdw>
-                </a:effectLst>
                 <a:latin typeface="Segoe" pitchFamily="34" charset="0"/>
               </a:rPr>
               <a:t>};</a:t>
@@ -13906,13 +14566,6 @@
               <a:solidFill>
                 <a:srgbClr val="FFFFFF"/>
               </a:solidFill>
-              <a:effectLst>
-                <a:outerShdw blurRad="38100" dist="38100" dir="2700000" algn="tl">
-                  <a:srgbClr val="000000">
-                    <a:alpha val="43137"/>
-                  </a:srgbClr>
-                </a:outerShdw>
-              </a:effectLst>
               <a:latin typeface="Segoe" pitchFamily="34" charset="0"/>
             </a:endParaRPr>
           </a:p>
@@ -13989,7 +14642,7 @@
         <p:spPr>
           <a:xfrm>
             <a:off x="3657600" y="1828800"/>
-            <a:ext cx="2857500" cy="2133600"/>
+            <a:ext cx="2171700" cy="2133600"/>
           </a:xfrm>
           <a:prstGeom prst="bentConnector2">
             <a:avLst/>
@@ -14042,7 +14695,7 @@
                             </p:stCondLst>
                             <p:childTnLst>
                               <p:par>
-                                <p:cTn id="5" presetID="3" presetClass="entr" presetSubtype="10" fill="hold" grpId="0" nodeType="clickEffect">
+                                <p:cTn id="5" presetID="3" presetClass="entr" presetSubtype="10" fill="hold" nodeType="clickEffect">
                                   <p:stCondLst>
                                     <p:cond delay="0"/>
                                   </p:stCondLst>
@@ -14050,6 +14703,41 @@
                                     <p:set>
                                       <p:cBhvr>
                                         <p:cTn id="6" dur="1" fill="hold">
+                                          <p:stCondLst>
+                                            <p:cond delay="0"/>
+                                          </p:stCondLst>
+                                        </p:cTn>
+                                        <p:tgtEl>
+                                          <p:spTgt spid="7"/>
+                                        </p:tgtEl>
+                                        <p:attrNameLst>
+                                          <p:attrName>style.visibility</p:attrName>
+                                        </p:attrNameLst>
+                                      </p:cBhvr>
+                                      <p:to>
+                                        <p:strVal val="visible"/>
+                                      </p:to>
+                                    </p:set>
+                                    <p:animEffect transition="in" filter="blinds(horizontal)">
+                                      <p:cBhvr>
+                                        <p:cTn id="7" dur="500"/>
+                                        <p:tgtEl>
+                                          <p:spTgt spid="7"/>
+                                        </p:tgtEl>
+                                      </p:cBhvr>
+                                    </p:animEffect>
+                                  </p:childTnLst>
+                                </p:cTn>
+                              </p:par>
+                              <p:par>
+                                <p:cTn id="8" presetID="3" presetClass="entr" presetSubtype="10" fill="hold" grpId="0" nodeType="withEffect">
+                                  <p:stCondLst>
+                                    <p:cond delay="0"/>
+                                  </p:stCondLst>
+                                  <p:childTnLst>
+                                    <p:set>
+                                      <p:cBhvr>
+                                        <p:cTn id="9" dur="1" fill="hold">
                                           <p:stCondLst>
                                             <p:cond delay="0"/>
                                           </p:stCondLst>
@@ -14067,44 +14755,9 @@
                                     </p:set>
                                     <p:animEffect transition="in" filter="blinds(horizontal)">
                                       <p:cBhvr>
-                                        <p:cTn id="7" dur="500"/>
+                                        <p:cTn id="10" dur="500"/>
                                         <p:tgtEl>
                                           <p:spTgt spid="5"/>
-                                        </p:tgtEl>
-                                      </p:cBhvr>
-                                    </p:animEffect>
-                                  </p:childTnLst>
-                                </p:cTn>
-                              </p:par>
-                              <p:par>
-                                <p:cTn id="8" presetID="3" presetClass="entr" presetSubtype="10" fill="hold" nodeType="withEffect">
-                                  <p:stCondLst>
-                                    <p:cond delay="0"/>
-                                  </p:stCondLst>
-                                  <p:childTnLst>
-                                    <p:set>
-                                      <p:cBhvr>
-                                        <p:cTn id="9" dur="1" fill="hold">
-                                          <p:stCondLst>
-                                            <p:cond delay="0"/>
-                                          </p:stCondLst>
-                                        </p:cTn>
-                                        <p:tgtEl>
-                                          <p:spTgt spid="7"/>
-                                        </p:tgtEl>
-                                        <p:attrNameLst>
-                                          <p:attrName>style.visibility</p:attrName>
-                                        </p:attrNameLst>
-                                      </p:cBhvr>
-                                      <p:to>
-                                        <p:strVal val="visible"/>
-                                      </p:to>
-                                    </p:set>
-                                    <p:animEffect transition="in" filter="blinds(horizontal)">
-                                      <p:cBhvr>
-                                        <p:cTn id="10" dur="500"/>
-                                        <p:tgtEl>
-                                          <p:spTgt spid="7"/>
                                         </p:tgtEl>
                                       </p:cBhvr>
                                     </p:animEffect>
@@ -14152,317 +14805,6 @@
                       </p:childTnLst>
                     </p:cTn>
                   </p:par>
-                  <p:par>
-                    <p:cTn id="14" fill="hold">
-                      <p:stCondLst>
-                        <p:cond delay="indefinite"/>
-                      </p:stCondLst>
-                      <p:childTnLst>
-                        <p:par>
-                          <p:cTn id="15" fill="hold">
-                            <p:stCondLst>
-                              <p:cond delay="0"/>
-                            </p:stCondLst>
-                            <p:childTnLst>
-                              <p:par>
-                                <p:cTn id="16" presetID="3" presetClass="exit" presetSubtype="10" fill="hold" grpId="1" nodeType="clickEffect">
-                                  <p:stCondLst>
-                                    <p:cond delay="0"/>
-                                  </p:stCondLst>
-                                  <p:childTnLst>
-                                    <p:animEffect transition="out" filter="blinds(horizontal)">
-                                      <p:cBhvr>
-                                        <p:cTn id="17" dur="500"/>
-                                        <p:tgtEl>
-                                          <p:spTgt spid="5"/>
-                                        </p:tgtEl>
-                                      </p:cBhvr>
-                                    </p:animEffect>
-                                    <p:set>
-                                      <p:cBhvr>
-                                        <p:cTn id="18" dur="1" fill="hold">
-                                          <p:stCondLst>
-                                            <p:cond delay="499"/>
-                                          </p:stCondLst>
-                                        </p:cTn>
-                                        <p:tgtEl>
-                                          <p:spTgt spid="5"/>
-                                        </p:tgtEl>
-                                        <p:attrNameLst>
-                                          <p:attrName>style.visibility</p:attrName>
-                                        </p:attrNameLst>
-                                      </p:cBhvr>
-                                      <p:to>
-                                        <p:strVal val="hidden"/>
-                                      </p:to>
-                                    </p:set>
-                                  </p:childTnLst>
-                                </p:cTn>
-                              </p:par>
-                              <p:par>
-                                <p:cTn id="19" presetID="3" presetClass="exit" presetSubtype="10" fill="hold" nodeType="withEffect">
-                                  <p:stCondLst>
-                                    <p:cond delay="0"/>
-                                  </p:stCondLst>
-                                  <p:childTnLst>
-                                    <p:animEffect transition="out" filter="blinds(horizontal)">
-                                      <p:cBhvr>
-                                        <p:cTn id="20" dur="500"/>
-                                        <p:tgtEl>
-                                          <p:spTgt spid="7"/>
-                                        </p:tgtEl>
-                                      </p:cBhvr>
-                                    </p:animEffect>
-                                    <p:set>
-                                      <p:cBhvr>
-                                        <p:cTn id="21" dur="1" fill="hold">
-                                          <p:stCondLst>
-                                            <p:cond delay="499"/>
-                                          </p:stCondLst>
-                                        </p:cTn>
-                                        <p:tgtEl>
-                                          <p:spTgt spid="7"/>
-                                        </p:tgtEl>
-                                        <p:attrNameLst>
-                                          <p:attrName>style.visibility</p:attrName>
-                                        </p:attrNameLst>
-                                      </p:cBhvr>
-                                      <p:to>
-                                        <p:strVal val="hidden"/>
-                                      </p:to>
-                                    </p:set>
-                                  </p:childTnLst>
-                                </p:cTn>
-                              </p:par>
-                              <p:par>
-                                <p:cTn id="22" presetID="3" presetClass="exit" presetSubtype="10" fill="hold" grpId="1" nodeType="withEffect">
-                                  <p:stCondLst>
-                                    <p:cond delay="0"/>
-                                  </p:stCondLst>
-                                  <p:childTnLst>
-                                    <p:animEffect transition="out" filter="blinds(horizontal)">
-                                      <p:cBhvr>
-                                        <p:cTn id="23" dur="500"/>
-                                        <p:tgtEl>
-                                          <p:spTgt spid="4"/>
-                                        </p:tgtEl>
-                                      </p:cBhvr>
-                                    </p:animEffect>
-                                    <p:set>
-                                      <p:cBhvr>
-                                        <p:cTn id="24" dur="1" fill="hold">
-                                          <p:stCondLst>
-                                            <p:cond delay="499"/>
-                                          </p:stCondLst>
-                                        </p:cTn>
-                                        <p:tgtEl>
-                                          <p:spTgt spid="4"/>
-                                        </p:tgtEl>
-                                        <p:attrNameLst>
-                                          <p:attrName>style.visibility</p:attrName>
-                                        </p:attrNameLst>
-                                      </p:cBhvr>
-                                      <p:to>
-                                        <p:strVal val="hidden"/>
-                                      </p:to>
-                                    </p:set>
-                                  </p:childTnLst>
-                                </p:cTn>
-                              </p:par>
-                            </p:childTnLst>
-                          </p:cTn>
-                        </p:par>
-                      </p:childTnLst>
-                    </p:cTn>
-                  </p:par>
-                  <p:par>
-                    <p:cTn id="25" fill="hold">
-                      <p:stCondLst>
-                        <p:cond delay="indefinite"/>
-                      </p:stCondLst>
-                      <p:childTnLst>
-                        <p:par>
-                          <p:cTn id="26" fill="hold">
-                            <p:stCondLst>
-                              <p:cond delay="0"/>
-                            </p:stCondLst>
-                            <p:childTnLst>
-                              <p:par>
-                                <p:cTn id="27" presetID="2" presetClass="entr" presetSubtype="4" fill="hold" nodeType="clickEffect">
-                                  <p:stCondLst>
-                                    <p:cond delay="0"/>
-                                  </p:stCondLst>
-                                  <p:childTnLst>
-                                    <p:set>
-                                      <p:cBhvr>
-                                        <p:cTn id="28" dur="1" fill="hold">
-                                          <p:stCondLst>
-                                            <p:cond delay="0"/>
-                                          </p:stCondLst>
-                                        </p:cTn>
-                                        <p:tgtEl>
-                                          <p:spTgt spid="3">
-                                            <p:txEl>
-                                              <p:pRg st="8" end="8"/>
-                                            </p:txEl>
-                                          </p:spTgt>
-                                        </p:tgtEl>
-                                        <p:attrNameLst>
-                                          <p:attrName>style.visibility</p:attrName>
-                                        </p:attrNameLst>
-                                      </p:cBhvr>
-                                      <p:to>
-                                        <p:strVal val="visible"/>
-                                      </p:to>
-                                    </p:set>
-                                    <p:anim calcmode="lin" valueType="num">
-                                      <p:cBhvr additive="base">
-                                        <p:cTn id="29" dur="500" fill="hold"/>
-                                        <p:tgtEl>
-                                          <p:spTgt spid="3">
-                                            <p:txEl>
-                                              <p:pRg st="8" end="8"/>
-                                            </p:txEl>
-                                          </p:spTgt>
-                                        </p:tgtEl>
-                                        <p:attrNameLst>
-                                          <p:attrName>ppt_x</p:attrName>
-                                        </p:attrNameLst>
-                                      </p:cBhvr>
-                                      <p:tavLst>
-                                        <p:tav tm="0">
-                                          <p:val>
-                                            <p:strVal val="#ppt_x"/>
-                                          </p:val>
-                                        </p:tav>
-                                        <p:tav tm="100000">
-                                          <p:val>
-                                            <p:strVal val="#ppt_x"/>
-                                          </p:val>
-                                        </p:tav>
-                                      </p:tavLst>
-                                    </p:anim>
-                                    <p:anim calcmode="lin" valueType="num">
-                                      <p:cBhvr additive="base">
-                                        <p:cTn id="30" dur="500" fill="hold"/>
-                                        <p:tgtEl>
-                                          <p:spTgt spid="3">
-                                            <p:txEl>
-                                              <p:pRg st="8" end="8"/>
-                                            </p:txEl>
-                                          </p:spTgt>
-                                        </p:tgtEl>
-                                        <p:attrNameLst>
-                                          <p:attrName>ppt_y</p:attrName>
-                                        </p:attrNameLst>
-                                      </p:cBhvr>
-                                      <p:tavLst>
-                                        <p:tav tm="0">
-                                          <p:val>
-                                            <p:strVal val="1+#ppt_h/2"/>
-                                          </p:val>
-                                        </p:tav>
-                                        <p:tav tm="100000">
-                                          <p:val>
-                                            <p:strVal val="#ppt_y"/>
-                                          </p:val>
-                                        </p:tav>
-                                      </p:tavLst>
-                                    </p:anim>
-                                  </p:childTnLst>
-                                </p:cTn>
-                              </p:par>
-                              <p:par>
-                                <p:cTn id="31" presetID="2" presetClass="entr" presetSubtype="4" fill="hold" nodeType="withEffect">
-                                  <p:stCondLst>
-                                    <p:cond delay="0"/>
-                                  </p:stCondLst>
-                                  <p:childTnLst>
-                                    <p:set>
-                                      <p:cBhvr>
-                                        <p:cTn id="32" dur="1" fill="hold">
-                                          <p:stCondLst>
-                                            <p:cond delay="0"/>
-                                          </p:stCondLst>
-                                        </p:cTn>
-                                        <p:tgtEl>
-                                          <p:spTgt spid="3">
-                                            <p:txEl>
-                                              <p:pRg st="9" end="9"/>
-                                            </p:txEl>
-                                          </p:spTgt>
-                                        </p:tgtEl>
-                                        <p:attrNameLst>
-                                          <p:attrName>style.visibility</p:attrName>
-                                        </p:attrNameLst>
-                                      </p:cBhvr>
-                                      <p:to>
-                                        <p:strVal val="visible"/>
-                                      </p:to>
-                                    </p:set>
-                                    <p:anim calcmode="lin" valueType="num">
-                                      <p:cBhvr additive="base">
-                                        <p:cTn id="33" dur="500" fill="hold"/>
-                                        <p:tgtEl>
-                                          <p:spTgt spid="3">
-                                            <p:txEl>
-                                              <p:pRg st="9" end="9"/>
-                                            </p:txEl>
-                                          </p:spTgt>
-                                        </p:tgtEl>
-                                        <p:attrNameLst>
-                                          <p:attrName>ppt_x</p:attrName>
-                                        </p:attrNameLst>
-                                      </p:cBhvr>
-                                      <p:tavLst>
-                                        <p:tav tm="0">
-                                          <p:val>
-                                            <p:strVal val="#ppt_x"/>
-                                          </p:val>
-                                        </p:tav>
-                                        <p:tav tm="100000">
-                                          <p:val>
-                                            <p:strVal val="#ppt_x"/>
-                                          </p:val>
-                                        </p:tav>
-                                      </p:tavLst>
-                                    </p:anim>
-                                    <p:anim calcmode="lin" valueType="num">
-                                      <p:cBhvr additive="base">
-                                        <p:cTn id="34" dur="500" fill="hold"/>
-                                        <p:tgtEl>
-                                          <p:spTgt spid="3">
-                                            <p:txEl>
-                                              <p:pRg st="9" end="9"/>
-                                            </p:txEl>
-                                          </p:spTgt>
-                                        </p:tgtEl>
-                                        <p:attrNameLst>
-                                          <p:attrName>ppt_y</p:attrName>
-                                        </p:attrNameLst>
-                                      </p:cBhvr>
-                                      <p:tavLst>
-                                        <p:tav tm="0">
-                                          <p:val>
-                                            <p:strVal val="1+#ppt_h/2"/>
-                                          </p:val>
-                                        </p:tav>
-                                        <p:tav tm="100000">
-                                          <p:val>
-                                            <p:strVal val="#ppt_y"/>
-                                          </p:val>
-                                        </p:tav>
-                                      </p:tavLst>
-                                    </p:anim>
-                                  </p:childTnLst>
-                                </p:cTn>
-                              </p:par>
-                            </p:childTnLst>
-                          </p:cTn>
-                        </p:par>
-                      </p:childTnLst>
-                    </p:cTn>
-                  </p:par>
                 </p:childTnLst>
               </p:cTn>
               <p:prevCondLst>
@@ -14486,15 +14828,13 @@
     </p:tnLst>
     <p:bldLst>
       <p:bldP spid="4" grpId="0" animBg="1"/>
-      <p:bldP spid="4" grpId="1" animBg="1"/>
       <p:bldP spid="5" grpId="0" animBg="1"/>
-      <p:bldP spid="5" grpId="1" animBg="1"/>
     </p:bldLst>
   </p:timing>
 </p:sld>
 </file>
 
-<file path=ppt/slides/slide114.xml><?xml version="1.0" encoding="utf-8"?>
+<file path=ppt/slides/slide116.xml><?xml version="1.0" encoding="utf-8"?>
 <p:sld xmlns:a="http://schemas.openxmlformats.org/drawingml/2006/main" xmlns:r="http://schemas.openxmlformats.org/officeDocument/2006/relationships" xmlns:p="http://schemas.openxmlformats.org/presentationml/2006/main">
   <p:cSld>
     <p:spTree>
@@ -14698,7 +15038,7 @@
 </p:sld>
 </file>
 
-<file path=ppt/slides/slide115.xml><?xml version="1.0" encoding="utf-8"?>
+<file path=ppt/slides/slide117.xml><?xml version="1.0" encoding="utf-8"?>
 <p:sld xmlns:a="http://schemas.openxmlformats.org/drawingml/2006/main" xmlns:r="http://schemas.openxmlformats.org/officeDocument/2006/relationships" xmlns:p="http://schemas.openxmlformats.org/presentationml/2006/main">
   <p:cSld>
     <p:spTree>
@@ -14760,7 +15100,7 @@
           <a:p>
             <a:r>
               <a:rPr lang="en-US" dirty="0" smtClean="0"/>
-              <a:t>Spirit X3 is experimental (under development)</a:t>
+              <a:t>Spirit X3 is Evolving</a:t>
             </a:r>
           </a:p>
           <a:p>
@@ -14821,7 +15161,7 @@
             <a:pPr lvl="1"/>
             <a:r>
               <a:rPr lang="en-US" dirty="0" smtClean="0"/>
-              <a:t>Experimental Research</a:t>
+              <a:t>Fun stuff! (Experimental Research)</a:t>
             </a:r>
           </a:p>
         </p:txBody>
@@ -14844,7 +15184,7 @@
 </p:sld>
 </file>
 
-<file path=ppt/slides/slide116.xml><?xml version="1.0" encoding="utf-8"?>
+<file path=ppt/slides/slide118.xml><?xml version="1.0" encoding="utf-8"?>
 <p:sld xmlns:a="http://schemas.openxmlformats.org/drawingml/2006/main" xmlns:r="http://schemas.openxmlformats.org/officeDocument/2006/relationships" xmlns:p="http://schemas.openxmlformats.org/presentationml/2006/main">
   <p:cSld>
     <p:spTree>
@@ -14898,6 +15238,13 @@
   <p:transition>
     <p:fade/>
   </p:transition>
+  <p:timing>
+    <p:tnLst>
+      <p:par>
+        <p:cTn id="1" dur="indefinite" restart="never" nodeType="tmRoot"/>
+      </p:par>
+    </p:tnLst>
+  </p:timing>
 </p:sld>
 </file>
 
@@ -17130,13 +17477,13 @@
         </p:nvSpPr>
         <p:spPr>
           <a:xfrm>
-            <a:off x="381000" y="1905000"/>
-            <a:ext cx="8382000" cy="4343400"/>
+            <a:off x="381000" y="1295400"/>
+            <a:ext cx="8382000" cy="4953000"/>
           </a:xfrm>
         </p:spPr>
         <p:txBody>
           <a:bodyPr>
-            <a:normAutofit lnSpcReduction="10000"/>
+            <a:normAutofit/>
           </a:bodyPr>
           <a:lstStyle/>
           <a:p>
@@ -24156,7 +24503,7 @@
                 </a:solidFill>
                 <a:effectLst/>
               </a:rPr>
-              <a:t>http://</a:t>
+              <a:t> http://</a:t>
             </a:r>
             <a:r>
               <a:rPr lang="en-US" sz="2400" dirty="0" smtClean="0">
@@ -24168,7 +24515,19 @@
                 </a:solidFill>
                 <a:effectLst/>
               </a:rPr>
-              <a:t>www.open-std.org/jtc1/sc22/wg21/docs/papers/2012/n3386.html</a:t>
+              <a:t>www.open-std.org/jtc1/sc22/wg21/docs/papers/2013/n3582.html</a:t>
+            </a:r>
+            <a:r>
+              <a:rPr lang="en-US" sz="2400" dirty="0" smtClean="0">
+                <a:solidFill>
+                  <a:schemeClr val="accent5">
+                    <a:lumMod val="60000"/>
+                    <a:lumOff val="40000"/>
+                  </a:schemeClr>
+                </a:solidFill>
+                <a:effectLst/>
+              </a:rPr>
+              <a:t/>
             </a:r>
             <a:br>
               <a:rPr lang="en-US" sz="2400" dirty="0" smtClean="0">
@@ -25437,6 +25796,13 @@
   <p:transition>
     <p:fade/>
   </p:transition>
+  <p:timing>
+    <p:tnLst>
+      <p:par>
+        <p:cTn id="1" dur="indefinite" restart="never" nodeType="tmRoot"/>
+      </p:par>
+    </p:tnLst>
+  </p:timing>
 </p:sld>
 </file>
 
@@ -35229,19 +35595,25 @@
             <p:ph type="title"/>
           </p:nvPr>
         </p:nvSpPr>
-        <p:spPr/>
+        <p:spPr>
+          <a:xfrm>
+            <a:off x="381000" y="230188"/>
+            <a:ext cx="8382000" cy="664797"/>
+          </a:xfrm>
+        </p:spPr>
         <p:txBody>
           <a:bodyPr/>
           <a:lstStyle/>
           <a:p>
             <a:r>
-              <a:rPr lang="en-US" dirty="0" err="1"/>
-              <a:t>Kleene</a:t>
-            </a:r>
-            <a:r>
               <a:rPr lang="en-US" dirty="0"/>
-              <a:t> Parser Implementation</a:t>
-            </a:r>
+              <a:t>Traits </a:t>
+            </a:r>
+            <a:r>
+              <a:rPr lang="en-US" dirty="0" smtClean="0"/>
+              <a:t>and Customization Points (CP)</a:t>
+            </a:r>
+            <a:endParaRPr lang="en-US" dirty="0"/>
           </a:p>
         </p:txBody>
       </p:sp>
@@ -51094,7 +51466,11 @@
           <a:p>
             <a:r>
               <a:rPr lang="en-US" dirty="0" smtClean="0"/>
-              <a:t>Rule Definition </a:t>
+              <a:t>Rule </a:t>
+            </a:r>
+            <a:r>
+              <a:rPr lang="en-US" dirty="0"/>
+              <a:t>Context</a:t>
             </a:r>
             <a:endParaRPr lang="en-US" dirty="0"/>
           </a:p>

--- a/libs/spirit/doc/cppnow_2013/Inside Spirit X3.pptx
+++ b/libs/spirit/doc/cppnow_2013/Inside Spirit X3.pptx
@@ -311,7 +311,7 @@
             <a:fld id="{DDA4625E-77BF-4A78-977C-B395AFC63D3E}" type="datetimeFigureOut">
               <a:rPr lang="en-US" smtClean="0"/>
               <a:pPr/>
-              <a:t>5/9/2013</a:t>
+              <a:t>5/13/2013</a:t>
             </a:fld>
             <a:endParaRPr lang="en-US"/>
           </a:p>
@@ -664,7 +664,7 @@
             <a:fld id="{81331B57-0BE5-4F82-AA58-76F53EFF3ADA}" type="datetime8">
               <a:rPr lang="en-US" smtClean="0"/>
               <a:pPr/>
-              <a:t>5/9/2013 8:19 AM</a:t>
+              <a:t>5/13/2013 3:27 AM</a:t>
             </a:fld>
             <a:endParaRPr lang="en-US" dirty="0"/>
           </a:p>
@@ -1323,7 +1323,7 @@
             <a:fld id="{81331B57-0BE5-4F82-AA58-76F53EFF3ADA}" type="datetime8">
               <a:rPr lang="en-US" smtClean="0"/>
               <a:pPr/>
-              <a:t>5/9/2013 8:19 AM</a:t>
+              <a:t>5/13/2013 3:27 AM</a:t>
             </a:fld>
             <a:endParaRPr lang="en-US"/>
           </a:p>
@@ -1514,6 +1514,64 @@
             <a:r>
               <a:rPr lang="en-US" dirty="0" smtClean="0"/>
               <a:t> </a:t>
+            </a:r>
+            <a:endParaRPr lang="en-US" dirty="0" smtClean="0"/>
+          </a:p>
+          <a:p>
+            <a:endParaRPr lang="en-US" dirty="0" smtClean="0"/>
+          </a:p>
+          <a:p>
+            <a:r>
+              <a:rPr lang="en-US" dirty="0" smtClean="0"/>
+              <a:t>Proto:</a:t>
+            </a:r>
+          </a:p>
+          <a:p>
+            <a:r>
+              <a:rPr lang="en-US" baseline="0" dirty="0" smtClean="0"/>
+              <a:t>   </a:t>
+            </a:r>
+            <a:r>
+              <a:rPr lang="en-US" dirty="0" smtClean="0"/>
+              <a:t>Expensive: </a:t>
+            </a:r>
+          </a:p>
+          <a:p>
+            <a:r>
+              <a:rPr lang="en-US" baseline="0" dirty="0" smtClean="0"/>
+              <a:t>     - complexity</a:t>
+            </a:r>
+          </a:p>
+          <a:p>
+            <a:r>
+              <a:rPr lang="en-US" baseline="0" dirty="0" smtClean="0"/>
+              <a:t>     - </a:t>
+            </a:r>
+            <a:r>
+              <a:rPr lang="en-US" dirty="0" smtClean="0"/>
+              <a:t>conceptual overhead</a:t>
+            </a:r>
+          </a:p>
+          <a:p>
+            <a:r>
+              <a:rPr lang="en-US" dirty="0" smtClean="0"/>
+              <a:t>     - compile time overhead</a:t>
+            </a:r>
+          </a:p>
+          <a:p>
+            <a:endParaRPr lang="en-US" dirty="0" smtClean="0"/>
+          </a:p>
+          <a:p>
+            <a:r>
+              <a:rPr lang="en-US" sz="1200" kern="1200" dirty="0" smtClean="0">
+                <a:solidFill>
+                  <a:schemeClr val="tx1"/>
+                </a:solidFill>
+                <a:latin typeface="+mn-lt"/>
+                <a:ea typeface="+mn-ea"/>
+                <a:cs typeface="+mn-cs"/>
+              </a:rPr>
+              <a:t>So finally spirit became the exact problem that it tried to address. In case you forgot its initial goal: ".....many programmers stay away from tools such as YACC because of the "jumbo jet" syndrome. (It's just too big and detached from the application.) ........."All I need is just a parser and now look at its size. ...seems I have to stay away from you too, spirit. </a:t>
             </a:r>
             <a:endParaRPr lang="en-US" dirty="0"/>
           </a:p>
@@ -9397,11 +9455,7 @@
             </a:r>
             <a:r>
               <a:rPr lang="en-US" sz="1600" dirty="0" smtClean="0"/>
-              <a:t> traits</a:t>
-            </a:r>
-            <a:r>
-              <a:rPr lang="en-US" sz="1600" dirty="0" smtClean="0"/>
-              <a:t>::</a:t>
+              <a:t> traits::</a:t>
             </a:r>
             <a:r>
               <a:rPr lang="en-US" sz="1600" dirty="0" err="1" smtClean="0"/>
@@ -9409,11 +9463,7 @@
             </a:r>
             <a:r>
               <a:rPr lang="en-US" sz="1600" dirty="0" smtClean="0"/>
-              <a:t>&lt;Subject&gt;::</a:t>
-            </a:r>
-            <a:r>
-              <a:rPr lang="en-US" sz="1600" dirty="0" smtClean="0"/>
-              <a:t>type </a:t>
+              <a:t>&lt;Subject&gt;::type </a:t>
             </a:r>
             <a:r>
               <a:rPr lang="en-US" sz="1600" dirty="0" err="1" smtClean="0"/>
@@ -9501,15 +9551,7 @@
             </a:r>
             <a:r>
               <a:rPr lang="en-US" sz="1600" dirty="0" smtClean="0"/>
-              <a:t> const&amp; </a:t>
-            </a:r>
-            <a:r>
-              <a:rPr lang="en-US" sz="1600" dirty="0" smtClean="0"/>
-              <a:t>last, </a:t>
-            </a:r>
-            <a:r>
-              <a:rPr lang="en-US" sz="1600" dirty="0" smtClean="0"/>
-              <a:t>Context const&amp; context, Attribute&amp; </a:t>
+              <a:t> const&amp; last, Context const&amp; context, Attribute&amp; </a:t>
             </a:r>
             <a:r>
               <a:rPr lang="en-US" sz="1600" dirty="0" err="1" smtClean="0"/>
@@ -9589,15 +9631,7 @@
             </a:r>
             <a:r>
               <a:rPr lang="en-US" sz="1600" dirty="0" smtClean="0"/>
-              <a:t> const&amp; </a:t>
-            </a:r>
-            <a:r>
-              <a:rPr lang="en-US" sz="1600" dirty="0" smtClean="0"/>
-              <a:t>last, </a:t>
-            </a:r>
-            <a:r>
-              <a:rPr lang="en-US" sz="1600" dirty="0" smtClean="0"/>
-              <a:t>Context const&amp; context, </a:t>
+              <a:t> const&amp; last, Context const&amp; context, </a:t>
             </a:r>
             <a:r>
               <a:rPr lang="en-US" sz="1600" dirty="0" err="1" smtClean="0"/>
@@ -12644,11 +12678,7 @@
             </a:pPr>
             <a:r>
               <a:rPr lang="en-US" sz="1800" dirty="0" smtClean="0"/>
-              <a:t>        </a:t>
-            </a:r>
-            <a:r>
-              <a:rPr lang="en-US" sz="1800" dirty="0" smtClean="0"/>
-              <a:t>f(context, </a:t>
+              <a:t>        f(context, </a:t>
             </a:r>
             <a:r>
               <a:rPr lang="en-US" sz="1800" dirty="0" err="1" smtClean="0"/>
@@ -12658,7 +12688,6 @@
               <a:rPr lang="en-US" sz="1800" dirty="0" smtClean="0"/>
               <a:t>);</a:t>
             </a:r>
-            <a:endParaRPr lang="en-US" sz="1800" dirty="0" smtClean="0"/>
           </a:p>
           <a:p>
             <a:pPr>
@@ -12930,11 +12959,7 @@
           <a:p>
             <a:r>
               <a:rPr lang="en-US" dirty="0" smtClean="0"/>
-              <a:t>Rule </a:t>
-            </a:r>
-            <a:r>
-              <a:rPr lang="en-US" dirty="0" smtClean="0"/>
-              <a:t>Context</a:t>
+              <a:t>Rule Context</a:t>
             </a:r>
             <a:endParaRPr lang="en-US" dirty="0"/>
           </a:p>
@@ -13321,13 +13346,8 @@
             </a:pPr>
             <a:r>
               <a:rPr lang="en-US" sz="1800" dirty="0" smtClean="0"/>
-              <a:t>    </a:t>
-            </a:r>
-            <a:r>
-              <a:rPr lang="en-US" sz="1800" dirty="0" smtClean="0"/>
-              <a:t>{</a:t>
-            </a:r>
-            <a:endParaRPr lang="en-US" sz="1800" dirty="0" smtClean="0"/>
+              <a:t>    {</a:t>
+            </a:r>
           </a:p>
           <a:p>
             <a:pPr>
@@ -13822,11 +13842,7 @@
             </a:pPr>
             <a:r>
               <a:rPr lang="en-US" sz="2000" dirty="0" smtClean="0"/>
-              <a:t>std</a:t>
-            </a:r>
-            <a:r>
-              <a:rPr lang="en-US" sz="2000" dirty="0" smtClean="0"/>
-              <a:t>::string s;</a:t>
+              <a:t>std::string s;</a:t>
             </a:r>
           </a:p>
           <a:p>
@@ -13887,19 +13903,7 @@
             </a:pPr>
             <a:r>
               <a:rPr lang="en-US" sz="2000" dirty="0" smtClean="0"/>
-              <a:t>    = alpha                 </a:t>
-            </a:r>
-            <a:r>
-              <a:rPr lang="en-US" sz="2000" dirty="0" smtClean="0"/>
-              <a:t>[</a:t>
-            </a:r>
-            <a:r>
-              <a:rPr lang="en-US" sz="2000" dirty="0" smtClean="0"/>
-              <a:t> </a:t>
-            </a:r>
-            <a:r>
-              <a:rPr lang="en-US" sz="2000" dirty="0" smtClean="0"/>
-              <a:t>[](auto&amp; </a:t>
+              <a:t>    = alpha                 [ [](auto&amp; </a:t>
             </a:r>
             <a:r>
               <a:rPr lang="en-US" sz="2000" dirty="0" err="1" smtClean="0"/>
@@ -13931,27 +13935,17 @@
             </a:r>
             <a:r>
               <a:rPr lang="en-US" sz="2000" dirty="0" smtClean="0"/>
-              <a:t>() += c;</a:t>
-            </a:r>
-            <a:r>
-              <a:rPr lang="en-US" sz="2000" dirty="0" smtClean="0"/>
-              <a:t> } ]</a:t>
-            </a:r>
-            <a:endParaRPr lang="en-US" sz="2000" dirty="0" smtClean="0"/>
-          </a:p>
-          <a:p>
-            <a:pPr>
-              <a:buNone/>
-            </a:pPr>
-            <a:r>
-              <a:rPr lang="en-US" sz="2000" dirty="0" smtClean="0"/>
-              <a:t>    </a:t>
-            </a:r>
-            <a:r>
-              <a:rPr lang="en-US" sz="2000" dirty="0" smtClean="0"/>
-              <a:t>;</a:t>
-            </a:r>
-            <a:endParaRPr lang="en-US" sz="2000" dirty="0" smtClean="0"/>
+              <a:t>() += c; } ]</a:t>
+            </a:r>
+          </a:p>
+          <a:p>
+            <a:pPr>
+              <a:buNone/>
+            </a:pPr>
+            <a:r>
+              <a:rPr lang="en-US" sz="2000" dirty="0" smtClean="0"/>
+              <a:t>    ;</a:t>
+            </a:r>
           </a:p>
         </p:txBody>
       </p:sp>
@@ -14082,11 +14076,7 @@
             </a:pPr>
             <a:r>
               <a:rPr lang="en-US" sz="2000" dirty="0" smtClean="0"/>
-              <a:t>std</a:t>
-            </a:r>
-            <a:r>
-              <a:rPr lang="en-US" sz="2000" dirty="0" smtClean="0"/>
-              <a:t>::string s;</a:t>
+              <a:t>std::string s;</a:t>
             </a:r>
           </a:p>
           <a:p>
@@ -14099,11 +14089,7 @@
             </a:r>
             <a:r>
               <a:rPr lang="en-US" sz="2000" dirty="0" smtClean="0"/>
-              <a:t> </a:t>
-            </a:r>
-            <a:r>
-              <a:rPr lang="en-US" sz="2000" dirty="0" smtClean="0"/>
-              <a:t>rule&lt;class r, std::string&gt; </a:t>
+              <a:t> rule&lt;class r, std::string&gt; </a:t>
             </a:r>
             <a:r>
               <a:rPr lang="en-US" sz="2000" dirty="0" err="1" smtClean="0"/>
@@ -14113,7 +14099,6 @@
               <a:rPr lang="en-US" sz="2000" dirty="0" smtClean="0"/>
               <a:t>;</a:t>
             </a:r>
-            <a:endParaRPr lang="en-US" sz="2000" dirty="0" smtClean="0"/>
           </a:p>
           <a:p>
             <a:pPr>
@@ -14133,11 +14118,7 @@
             </a:r>
             <a:r>
               <a:rPr lang="en-US" sz="2000" dirty="0" smtClean="0"/>
-              <a:t>::</a:t>
-            </a:r>
-            <a:r>
-              <a:rPr lang="en-US" sz="2000" dirty="0" smtClean="0"/>
-              <a:t>context </a:t>
+              <a:t>::context </a:t>
             </a:r>
             <a:r>
               <a:rPr lang="en-US" sz="2000" dirty="0" err="1" smtClean="0"/>
@@ -14185,11 +14166,7 @@
             </a:pPr>
             <a:r>
               <a:rPr lang="en-US" sz="2000" dirty="0" smtClean="0"/>
-              <a:t>    = </a:t>
-            </a:r>
-            <a:r>
-              <a:rPr lang="en-US" sz="2000" dirty="0" smtClean="0"/>
-              <a:t>alpha                 [ [](</a:t>
+              <a:t>    = alpha                 [ [](</a:t>
             </a:r>
             <a:r>
               <a:rPr lang="en-US" sz="2000" dirty="0" err="1" smtClean="0"/>
@@ -14197,27 +14174,17 @@
             </a:r>
             <a:r>
               <a:rPr lang="en-US" sz="2000" dirty="0" smtClean="0"/>
-              <a:t> r, char c){ r.val += c; </a:t>
-            </a:r>
-            <a:r>
-              <a:rPr lang="en-US" sz="2000" dirty="0" smtClean="0"/>
-              <a:t>} ]</a:t>
-            </a:r>
-            <a:endParaRPr lang="en-US" sz="2000" dirty="0" smtClean="0"/>
-          </a:p>
-          <a:p>
-            <a:pPr>
-              <a:buNone/>
-            </a:pPr>
-            <a:r>
-              <a:rPr lang="en-US" sz="2000" dirty="0" smtClean="0"/>
-              <a:t>    </a:t>
-            </a:r>
-            <a:r>
-              <a:rPr lang="en-US" sz="2000" dirty="0" smtClean="0"/>
-              <a:t>;</a:t>
-            </a:r>
-            <a:endParaRPr lang="en-US" sz="2000" dirty="0" smtClean="0"/>
+              <a:t> r, char c){ r.val += c; } ]</a:t>
+            </a:r>
+          </a:p>
+          <a:p>
+            <a:pPr>
+              <a:buNone/>
+            </a:pPr>
+            <a:r>
+              <a:rPr lang="en-US" sz="2000" dirty="0" smtClean="0"/>
+              <a:t>    ;</a:t>
+            </a:r>
           </a:p>
         </p:txBody>
       </p:sp>
@@ -14562,12 +14529,6 @@
               </a:rPr>
               <a:t>};</a:t>
             </a:r>
-            <a:endParaRPr lang="en-US" dirty="0" smtClean="0">
-              <a:solidFill>
-                <a:srgbClr val="FFFFFF"/>
-              </a:solidFill>
-              <a:latin typeface="Segoe" pitchFamily="34" charset="0"/>
-            </a:endParaRPr>
           </a:p>
         </p:txBody>
       </p:sp>
@@ -14899,11 +14860,7 @@
             </a:pPr>
             <a:r>
               <a:rPr lang="en-US" sz="2000" dirty="0" smtClean="0"/>
-              <a:t>std</a:t>
-            </a:r>
-            <a:r>
-              <a:rPr lang="en-US" sz="2000" dirty="0" smtClean="0"/>
-              <a:t>::string s;</a:t>
+              <a:t>std::string s;</a:t>
             </a:r>
           </a:p>
           <a:p>
@@ -14916,11 +14873,7 @@
             </a:r>
             <a:r>
               <a:rPr lang="en-US" sz="2000" dirty="0" smtClean="0"/>
-              <a:t> </a:t>
-            </a:r>
-            <a:r>
-              <a:rPr lang="en-US" sz="2000" dirty="0" smtClean="0"/>
-              <a:t>rule&lt;class r, std::string&gt; </a:t>
+              <a:t> rule&lt;class r, std::string&gt; </a:t>
             </a:r>
             <a:r>
               <a:rPr lang="en-US" sz="2000" dirty="0" err="1" smtClean="0"/>
@@ -14968,15 +14921,7 @@
             </a:pPr>
             <a:r>
               <a:rPr lang="en-US" sz="2000" dirty="0" smtClean="0"/>
-              <a:t>    = </a:t>
-            </a:r>
-            <a:r>
-              <a:rPr lang="en-US" sz="2000" dirty="0" smtClean="0"/>
-              <a:t>alpha                 </a:t>
-            </a:r>
-            <a:r>
-              <a:rPr lang="en-US" sz="2000" dirty="0" smtClean="0"/>
-              <a:t>[ _</a:t>
+              <a:t>    = alpha                 [ _</a:t>
             </a:r>
             <a:r>
               <a:rPr lang="en-US" sz="2000" dirty="0" err="1" smtClean="0"/>
@@ -14984,39 +14929,17 @@
             </a:r>
             <a:r>
               <a:rPr lang="en-US" sz="2000" dirty="0" smtClean="0"/>
-              <a:t> </a:t>
-            </a:r>
-            <a:r>
-              <a:rPr lang="en-US" sz="2000" dirty="0" smtClean="0"/>
-              <a:t>+= </a:t>
-            </a:r>
-            <a:r>
-              <a:rPr lang="en-US" sz="2000" dirty="0" smtClean="0"/>
-              <a:t>c</a:t>
-            </a:r>
-            <a:r>
-              <a:rPr lang="en-US" sz="2000" dirty="0" smtClean="0"/>
-              <a:t> </a:t>
-            </a:r>
-            <a:r>
-              <a:rPr lang="en-US" sz="2000" dirty="0" smtClean="0"/>
-              <a:t>]</a:t>
-            </a:r>
-            <a:endParaRPr lang="en-US" sz="2000" dirty="0" smtClean="0"/>
-          </a:p>
-          <a:p>
-            <a:pPr>
-              <a:buNone/>
-            </a:pPr>
-            <a:r>
-              <a:rPr lang="en-US" sz="2000" dirty="0" smtClean="0"/>
-              <a:t>    </a:t>
-            </a:r>
-            <a:r>
-              <a:rPr lang="en-US" sz="2000" dirty="0" smtClean="0"/>
-              <a:t>;</a:t>
-            </a:r>
-            <a:endParaRPr lang="en-US" sz="2000" dirty="0" smtClean="0"/>
+              <a:t> += c ]</a:t>
+            </a:r>
+          </a:p>
+          <a:p>
+            <a:pPr>
+              <a:buNone/>
+            </a:pPr>
+            <a:r>
+              <a:rPr lang="en-US" sz="2000" dirty="0" smtClean="0"/>
+              <a:t>    ;</a:t>
+            </a:r>
           </a:p>
         </p:txBody>
       </p:sp>
@@ -15108,13 +15031,7 @@
               <a:rPr lang="en-US" dirty="0" smtClean="0">
                 <a:hlinkClick r:id="rId2"/>
               </a:rPr>
-              <a:t>https://</a:t>
-            </a:r>
-            <a:r>
-              <a:rPr lang="en-US" dirty="0" smtClean="0">
-                <a:hlinkClick r:id="rId2"/>
-              </a:rPr>
-              <a:t>github.com/djowel/spirit_x3</a:t>
+              <a:t>https://github.com/djowel/spirit_x3</a:t>
             </a:r>
             <a:endParaRPr lang="en-US" dirty="0" smtClean="0"/>
           </a:p>
@@ -17277,11 +17194,7 @@
           <a:p>
             <a:r>
               <a:rPr lang="en-US" dirty="0" smtClean="0"/>
-              <a:t>char</a:t>
-            </a:r>
-            <a:r>
-              <a:rPr lang="en-US" dirty="0" smtClean="0"/>
-              <a:t>_ ET</a:t>
+              <a:t>char_ ET</a:t>
             </a:r>
             <a:endParaRPr lang="en-US" dirty="0"/>
           </a:p>
@@ -23620,7 +23533,7 @@
         <p:spPr>
           <a:xfrm>
             <a:off x="381000" y="1411552"/>
-            <a:ext cx="8382000" cy="3151632"/>
+            <a:ext cx="8382000" cy="5047536"/>
           </a:xfrm>
         </p:spPr>
         <p:txBody>
@@ -23645,8 +23558,41 @@
           <a:p>
             <a:r>
               <a:rPr lang="en-US" dirty="0" smtClean="0"/>
-              <a:t>Minimal code base and dependencies</a:t>
-            </a:r>
+              <a:t>Minimal code base and </a:t>
+            </a:r>
+            <a:r>
+              <a:rPr lang="en-US" dirty="0" smtClean="0"/>
+              <a:t>dependencies</a:t>
+            </a:r>
+          </a:p>
+          <a:p>
+            <a:pPr lvl="1"/>
+            <a:r>
+              <a:rPr lang="en-US" dirty="0" smtClean="0"/>
+              <a:t>MPL</a:t>
+            </a:r>
+          </a:p>
+          <a:p>
+            <a:pPr lvl="1"/>
+            <a:r>
+              <a:rPr lang="en-US" dirty="0" smtClean="0"/>
+              <a:t>Fusion</a:t>
+            </a:r>
+          </a:p>
+          <a:p>
+            <a:pPr lvl="1"/>
+            <a:r>
+              <a:rPr lang="en-US" dirty="0" smtClean="0"/>
+              <a:t>Phoenix?</a:t>
+            </a:r>
+          </a:p>
+          <a:p>
+            <a:pPr lvl="1"/>
+            <a:r>
+              <a:rPr lang="en-US" dirty="0" smtClean="0"/>
+              <a:t>Proto?</a:t>
+            </a:r>
+            <a:endParaRPr lang="en-US" dirty="0" smtClean="0"/>
           </a:p>
           <a:p>
             <a:r>
@@ -24516,18 +24462,6 @@
                 <a:effectLst/>
               </a:rPr>
               <a:t>www.open-std.org/jtc1/sc22/wg21/docs/papers/2013/n3582.html</a:t>
-            </a:r>
-            <a:r>
-              <a:rPr lang="en-US" sz="2400" dirty="0" smtClean="0">
-                <a:solidFill>
-                  <a:schemeClr val="accent5">
-                    <a:lumMod val="60000"/>
-                    <a:lumOff val="40000"/>
-                  </a:schemeClr>
-                </a:solidFill>
-                <a:effectLst/>
-              </a:rPr>
-              <a:t/>
             </a:r>
             <a:br>
               <a:rPr lang="en-US" sz="2400" dirty="0" smtClean="0">
@@ -32932,11 +32866,7 @@
             </a:r>
             <a:r>
               <a:rPr lang="en-US" dirty="0" smtClean="0"/>
-              <a:t> </a:t>
-            </a:r>
-            <a:r>
-              <a:rPr lang="en-US" dirty="0" smtClean="0"/>
-              <a:t>ET</a:t>
+              <a:t> ET</a:t>
             </a:r>
             <a:endParaRPr lang="en-US" dirty="0"/>
           </a:p>
@@ -48410,11 +48340,7 @@
           <a:p>
             <a:r>
               <a:rPr lang="en-US" dirty="0" smtClean="0"/>
-              <a:t>Alternative </a:t>
-            </a:r>
-            <a:r>
-              <a:rPr lang="en-US" dirty="0" smtClean="0"/>
-              <a:t>ET</a:t>
+              <a:t>Alternative ET</a:t>
             </a:r>
             <a:endParaRPr lang="en-US" dirty="0"/>
           </a:p>
@@ -51472,7 +51398,6 @@
               <a:rPr lang="en-US" dirty="0"/>
               <a:t>Context</a:t>
             </a:r>
-            <a:endParaRPr lang="en-US" dirty="0"/>
           </a:p>
         </p:txBody>
       </p:sp>
@@ -52540,13 +52465,8 @@
             </a:pPr>
             <a:r>
               <a:rPr lang="en-US" sz="1600" dirty="0" smtClean="0"/>
-              <a:t>    transform</a:t>
-            </a:r>
-            <a:r>
-              <a:rPr lang="en-US" sz="1600" dirty="0" smtClean="0"/>
-              <a:t>;</a:t>
-            </a:r>
-            <a:endParaRPr lang="en-US" sz="1600" dirty="0" smtClean="0"/>
+              <a:t>    transform;</a:t>
+            </a:r>
           </a:p>
         </p:txBody>
       </p:sp>
@@ -52676,11 +52596,7 @@
             </a:pPr>
             <a:r>
               <a:rPr lang="en-US" sz="1600" dirty="0" smtClean="0"/>
-              <a:t> </a:t>
-            </a:r>
-            <a:r>
-              <a:rPr lang="en-US" sz="1600" dirty="0" smtClean="0"/>
-              <a:t>   </a:t>
+              <a:t>    </a:t>
             </a:r>
             <a:r>
               <a:rPr lang="en-US" sz="1600" dirty="0" err="1" smtClean="0"/>

--- a/libs/spirit/doc/cppnow_2013/Inside Spirit X3.pptx
+++ b/libs/spirit/doc/cppnow_2013/Inside Spirit X3.pptx
@@ -6,7 +6,7 @@
     <p:sldMasterId id="2147483674" r:id="rId3"/>
   </p:sldMasterIdLst>
   <p:notesMasterIdLst>
-    <p:notesMasterId r:id="rId122"/>
+    <p:notesMasterId r:id="rId125"/>
   </p:notesMasterIdLst>
   <p:sldIdLst>
     <p:sldId id="257" r:id="rId4"/>
@@ -117,16 +117,19 @@
     <p:sldId id="366" r:id="rId109"/>
     <p:sldId id="367" r:id="rId110"/>
     <p:sldId id="368" r:id="rId111"/>
-    <p:sldId id="370" r:id="rId112"/>
-    <p:sldId id="371" r:id="rId113"/>
-    <p:sldId id="372" r:id="rId114"/>
-    <p:sldId id="375" r:id="rId115"/>
-    <p:sldId id="378" r:id="rId116"/>
-    <p:sldId id="379" r:id="rId117"/>
-    <p:sldId id="373" r:id="rId118"/>
-    <p:sldId id="374" r:id="rId119"/>
-    <p:sldId id="376" r:id="rId120"/>
-    <p:sldId id="377" r:id="rId121"/>
+    <p:sldId id="380" r:id="rId112"/>
+    <p:sldId id="382" r:id="rId113"/>
+    <p:sldId id="381" r:id="rId114"/>
+    <p:sldId id="370" r:id="rId115"/>
+    <p:sldId id="371" r:id="rId116"/>
+    <p:sldId id="372" r:id="rId117"/>
+    <p:sldId id="375" r:id="rId118"/>
+    <p:sldId id="378" r:id="rId119"/>
+    <p:sldId id="379" r:id="rId120"/>
+    <p:sldId id="373" r:id="rId121"/>
+    <p:sldId id="374" r:id="rId122"/>
+    <p:sldId id="376" r:id="rId123"/>
+    <p:sldId id="377" r:id="rId124"/>
   </p:sldIdLst>
   <p:sldSz cx="9144000" cy="6858000" type="screen4x3"/>
   <p:notesSz cx="6858000" cy="9144000"/>
@@ -311,7 +314,7 @@
             <a:fld id="{DDA4625E-77BF-4A78-977C-B395AFC63D3E}" type="datetimeFigureOut">
               <a:rPr lang="en-US" smtClean="0"/>
               <a:pPr/>
-              <a:t>5/13/2013</a:t>
+              <a:t>5/14/2013</a:t>
             </a:fld>
             <a:endParaRPr lang="en-US"/>
           </a:p>
@@ -664,7 +667,7 @@
             <a:fld id="{81331B57-0BE5-4F82-AA58-76F53EFF3ADA}" type="datetime8">
               <a:rPr lang="en-US" smtClean="0"/>
               <a:pPr/>
-              <a:t>5/13/2013 3:27 AM</a:t>
+              <a:t>5/14/2013 12:07 AM</a:t>
             </a:fld>
             <a:endParaRPr lang="en-US" dirty="0"/>
           </a:p>
@@ -1323,7 +1326,7 @@
             <a:fld id="{81331B57-0BE5-4F82-AA58-76F53EFF3ADA}" type="datetime8">
               <a:rPr lang="en-US" smtClean="0"/>
               <a:pPr/>
-              <a:t>5/13/2013 3:27 AM</a:t>
+              <a:t>5/14/2013 12:07 AM</a:t>
             </a:fld>
             <a:endParaRPr lang="en-US"/>
           </a:p>
@@ -1515,7 +1518,6 @@
               <a:rPr lang="en-US" dirty="0" smtClean="0"/>
               <a:t> </a:t>
             </a:r>
-            <a:endParaRPr lang="en-US" dirty="0" smtClean="0"/>
           </a:p>
           <a:p>
             <a:endParaRPr lang="en-US" dirty="0" smtClean="0"/>
@@ -8513,8 +8515,13 @@
             </a:pPr>
             <a:r>
               <a:rPr lang="en-US" sz="1800" dirty="0" smtClean="0"/>
-              <a:t>        &gt;::type</a:t>
-            </a:r>
+              <a:t>        &gt;::type::</a:t>
+            </a:r>
+            <a:r>
+              <a:rPr lang="en-US" sz="1800" dirty="0" err="1" smtClean="0"/>
+              <a:t>second_type</a:t>
+            </a:r>
+            <a:endParaRPr lang="en-US" sz="1800" dirty="0" smtClean="0"/>
           </a:p>
           <a:p>
             <a:pPr>
@@ -8660,11 +8667,6 @@
               <a:rPr lang="en-US" sz="1800" dirty="0" smtClean="0"/>
               <a:t>      : name(name), elements(elements) {}</a:t>
             </a:r>
-          </a:p>
-          <a:p>
-            <a:pPr>
-              <a:buNone/>
-            </a:pPr>
             <a:endParaRPr lang="en-US" sz="1800" dirty="0"/>
           </a:p>
         </p:txBody>
@@ -8796,7 +8798,15 @@
             </a:pPr>
             <a:r>
               <a:rPr lang="en-US" sz="1800" dirty="0" smtClean="0"/>
-              <a:t>    template &lt;</a:t>
+              <a:t> </a:t>
+            </a:r>
+            <a:r>
+              <a:rPr lang="en-US" sz="1800" dirty="0" smtClean="0"/>
+              <a:t>   template </a:t>
+            </a:r>
+            <a:r>
+              <a:rPr lang="en-US" sz="1800" dirty="0" smtClean="0"/>
+              <a:t>&lt;</a:t>
             </a:r>
             <a:r>
               <a:rPr lang="en-US" sz="1800" dirty="0" err="1" smtClean="0"/>
@@ -8921,7 +8931,15 @@
             </a:pPr>
             <a:r>
               <a:rPr lang="en-US" sz="1800" dirty="0" smtClean="0"/>
-              <a:t>        return fusion::front(elements).parse(first, last, </a:t>
+              <a:t>        return fusion::front(elements).</a:t>
+            </a:r>
+            <a:r>
+              <a:rPr lang="en-US" sz="1800" dirty="0" err="1" smtClean="0"/>
+              <a:t>second.parse</a:t>
+            </a:r>
+            <a:r>
+              <a:rPr lang="en-US" sz="1800" dirty="0" smtClean="0"/>
+              <a:t>(first, last, </a:t>
             </a:r>
             <a:r>
               <a:rPr lang="en-US" sz="1800" dirty="0" err="1" smtClean="0"/>
@@ -9064,7 +9082,7 @@
         <p:spPr>
           <a:xfrm>
             <a:off x="381000" y="1295400"/>
-            <a:ext cx="8382000" cy="2077492"/>
+            <a:ext cx="8382000" cy="2382191"/>
           </a:xfrm>
         </p:spPr>
         <p:txBody>
@@ -9097,15 +9115,15 @@
             </a:r>
             <a:r>
               <a:rPr lang="en-US" sz="1800" dirty="0" smtClean="0"/>
-              <a:t>&lt;fusion::</a:t>
+              <a:t>&lt;fusion::map&lt;fusion::pair&lt;</a:t>
             </a:r>
             <a:r>
               <a:rPr lang="en-US" sz="1800" dirty="0" err="1" smtClean="0"/>
-              <a:t>deque</a:t>
-            </a:r>
-            <a:r>
-              <a:rPr lang="en-US" sz="1800" dirty="0" smtClean="0"/>
-              <a:t>&lt;Elements...&gt;&gt;</a:t>
+              <a:t>typename</a:t>
+            </a:r>
+            <a:r>
+              <a:rPr lang="en-US" sz="1800" dirty="0" smtClean="0"/>
+              <a:t> Elements::id, Elements&gt;...&gt;&gt;</a:t>
             </a:r>
           </a:p>
           <a:p>
@@ -9140,15 +9158,15 @@
             </a:r>
             <a:r>
               <a:rPr lang="en-US" sz="1800" dirty="0" smtClean="0"/>
-              <a:t> fusion::</a:t>
+              <a:t> fusion::map&lt;fusion::pair&lt;</a:t>
             </a:r>
             <a:r>
               <a:rPr lang="en-US" sz="1800" dirty="0" err="1" smtClean="0"/>
-              <a:t>deque</a:t>
-            </a:r>
-            <a:r>
-              <a:rPr lang="en-US" sz="1800" dirty="0" smtClean="0"/>
-              <a:t>&lt;Elements...&gt; sequence;</a:t>
+              <a:t>typename</a:t>
+            </a:r>
+            <a:r>
+              <a:rPr lang="en-US" sz="1800" dirty="0" smtClean="0"/>
+              <a:t> Elements::id, Elements&gt;...&gt; sequence;</a:t>
             </a:r>
           </a:p>
           <a:p>
@@ -9165,7 +9183,32 @@
             </a:r>
             <a:r>
               <a:rPr lang="en-US" sz="1800" dirty="0" smtClean="0"/>
-              <a:t>&lt;sequence&gt;(name, sequence(elements...));</a:t>
+              <a:t>&lt;sequence&gt;(name,</a:t>
+            </a:r>
+          </a:p>
+          <a:p>
+            <a:pPr>
+              <a:buNone/>
+            </a:pPr>
+            <a:r>
+              <a:rPr lang="en-US" sz="1800" dirty="0" smtClean="0"/>
+              <a:t>        sequence(fusion::</a:t>
+            </a:r>
+            <a:r>
+              <a:rPr lang="en-US" sz="1800" dirty="0" err="1" smtClean="0"/>
+              <a:t>make_pair</a:t>
+            </a:r>
+            <a:r>
+              <a:rPr lang="en-US" sz="1800" dirty="0" smtClean="0"/>
+              <a:t>&lt;</a:t>
+            </a:r>
+            <a:r>
+              <a:rPr lang="en-US" sz="1800" dirty="0" err="1" smtClean="0"/>
+              <a:t>typename</a:t>
+            </a:r>
+            <a:r>
+              <a:rPr lang="en-US" sz="1800" dirty="0" smtClean="0"/>
+              <a:t> Elements::id&gt;(elements)...));</a:t>
             </a:r>
           </a:p>
           <a:p>
@@ -9232,7 +9275,7 @@
           <a:p>
             <a:r>
               <a:rPr lang="en-US" dirty="0" smtClean="0"/>
-              <a:t>Semantic Actions</a:t>
+              <a:t>Grammar Context</a:t>
             </a:r>
             <a:endParaRPr lang="en-US" dirty="0"/>
           </a:p>
@@ -9250,8 +9293,8 @@
         </p:nvSpPr>
         <p:spPr>
           <a:xfrm>
-            <a:off x="381000" y="990600"/>
-            <a:ext cx="8382000" cy="5367623"/>
+            <a:off x="381000" y="1066800"/>
+            <a:ext cx="8382000" cy="4819781"/>
           </a:xfrm>
         </p:spPr>
         <p:txBody>
@@ -9262,53 +9305,50 @@
               <a:buNone/>
             </a:pPr>
             <a:r>
-              <a:rPr lang="en-US" sz="1600" dirty="0" smtClean="0"/>
+              <a:rPr lang="en-US" sz="1800" dirty="0" smtClean="0"/>
               <a:t>template &lt;</a:t>
             </a:r>
             <a:r>
-              <a:rPr lang="en-US" sz="1600" dirty="0" err="1" smtClean="0"/>
+              <a:rPr lang="en-US" sz="1800" dirty="0" err="1" smtClean="0"/>
               <a:t>typename</a:t>
             </a:r>
             <a:r>
-              <a:rPr lang="en-US" sz="1600" dirty="0" smtClean="0"/>
-              <a:t> Subject, </a:t>
-            </a:r>
-            <a:r>
-              <a:rPr lang="en-US" sz="1600" dirty="0" err="1" smtClean="0"/>
+              <a:rPr lang="en-US" sz="1800" dirty="0" smtClean="0"/>
+              <a:t> Elements, </a:t>
+            </a:r>
+            <a:r>
+              <a:rPr lang="en-US" sz="1800" dirty="0" err="1" smtClean="0"/>
               <a:t>typename</a:t>
             </a:r>
             <a:r>
-              <a:rPr lang="en-US" sz="1600" dirty="0" smtClean="0"/>
-              <a:t> Action&gt;</a:t>
-            </a:r>
-          </a:p>
-          <a:p>
-            <a:pPr>
-              <a:buNone/>
-            </a:pPr>
-            <a:r>
-              <a:rPr lang="en-US" sz="1600" dirty="0" err="1" smtClean="0"/>
+              <a:rPr lang="en-US" sz="1800" dirty="0" smtClean="0"/>
+              <a:t> Next&gt;</a:t>
+            </a:r>
+          </a:p>
+          <a:p>
+            <a:pPr>
+              <a:buNone/>
+            </a:pPr>
+            <a:r>
+              <a:rPr lang="en-US" sz="1800" dirty="0" err="1" smtClean="0"/>
               <a:t>struct</a:t>
             </a:r>
             <a:r>
-              <a:rPr lang="en-US" sz="1600" dirty="0" smtClean="0"/>
-              <a:t> action : </a:t>
-            </a:r>
-            <a:r>
-              <a:rPr lang="en-US" sz="1600" dirty="0" err="1" smtClean="0"/>
-              <a:t>unary_parser</a:t>
-            </a:r>
-            <a:r>
-              <a:rPr lang="en-US" sz="1600" dirty="0" smtClean="0"/>
-              <a:t>&lt;Subject, action&lt;Subject, Action&gt;&gt;</a:t>
-            </a:r>
-          </a:p>
-          <a:p>
-            <a:pPr>
-              <a:buNone/>
-            </a:pPr>
-            <a:r>
-              <a:rPr lang="en-US" sz="1600" dirty="0" smtClean="0"/>
+              <a:rPr lang="en-US" sz="1800" dirty="0" smtClean="0"/>
+              <a:t> </a:t>
+            </a:r>
+            <a:r>
+              <a:rPr lang="en-US" sz="1800" dirty="0" err="1" smtClean="0"/>
+              <a:t>grammar_context</a:t>
+            </a:r>
+            <a:endParaRPr lang="en-US" sz="1800" dirty="0" smtClean="0"/>
+          </a:p>
+          <a:p>
+            <a:pPr>
+              <a:buNone/>
+            </a:pPr>
+            <a:r>
+              <a:rPr lang="en-US" sz="1800" dirty="0" smtClean="0"/>
               <a:t>{</a:t>
             </a:r>
           </a:p>
@@ -9317,31 +9357,111 @@
               <a:buNone/>
             </a:pPr>
             <a:r>
-              <a:rPr lang="en-US" sz="1600" dirty="0" smtClean="0"/>
+              <a:rPr lang="en-US" sz="1800" dirty="0" smtClean="0"/>
               <a:t>    </a:t>
             </a:r>
             <a:r>
-              <a:rPr lang="en-US" sz="1600" dirty="0" err="1" smtClean="0"/>
+              <a:rPr lang="en-US" sz="1800" dirty="0" err="1" smtClean="0"/>
+              <a:t>grammar_context</a:t>
+            </a:r>
+            <a:r>
+              <a:rPr lang="en-US" sz="1800" dirty="0" smtClean="0"/>
+              <a:t>(Elements const&amp; elements, Next const&amp; next)</a:t>
+            </a:r>
+          </a:p>
+          <a:p>
+            <a:pPr>
+              <a:buNone/>
+            </a:pPr>
+            <a:r>
+              <a:rPr lang="en-US" sz="1800" dirty="0" smtClean="0"/>
+              <a:t>        : elements(elements), next(next) {}</a:t>
+            </a:r>
+          </a:p>
+          <a:p>
+            <a:pPr>
+              <a:buNone/>
+            </a:pPr>
+            <a:endParaRPr lang="en-US" sz="1800" dirty="0" smtClean="0"/>
+          </a:p>
+          <a:p>
+            <a:pPr>
+              <a:buNone/>
+            </a:pPr>
+            <a:r>
+              <a:rPr lang="en-US" sz="1800" dirty="0" smtClean="0"/>
+              <a:t>    template &lt;</a:t>
+            </a:r>
+            <a:r>
+              <a:rPr lang="en-US" sz="1800" dirty="0" err="1" smtClean="0"/>
+              <a:t>typename</a:t>
+            </a:r>
+            <a:r>
+              <a:rPr lang="en-US" sz="1800" dirty="0" smtClean="0"/>
+              <a:t> ID&gt;</a:t>
+            </a:r>
+          </a:p>
+          <a:p>
+            <a:pPr>
+              <a:buNone/>
+            </a:pPr>
+            <a:r>
+              <a:rPr lang="en-US" sz="1800" dirty="0" smtClean="0"/>
+              <a:t>    </a:t>
+            </a:r>
+            <a:r>
+              <a:rPr lang="en-US" sz="1800" dirty="0" err="1" smtClean="0"/>
+              <a:t>struct</a:t>
+            </a:r>
+            <a:r>
+              <a:rPr lang="en-US" sz="1800" dirty="0" smtClean="0"/>
+              <a:t> </a:t>
+            </a:r>
+            <a:r>
+              <a:rPr lang="en-US" sz="1800" dirty="0" err="1" smtClean="0"/>
+              <a:t>get_result</a:t>
+            </a:r>
+            <a:endParaRPr lang="en-US" sz="1800" dirty="0" smtClean="0"/>
+          </a:p>
+          <a:p>
+            <a:pPr>
+              <a:buNone/>
+            </a:pPr>
+            <a:r>
+              <a:rPr lang="en-US" sz="1800" dirty="0" smtClean="0"/>
+              <a:t>    {</a:t>
+            </a:r>
+          </a:p>
+          <a:p>
+            <a:pPr>
+              <a:buNone/>
+            </a:pPr>
+            <a:r>
+              <a:rPr lang="en-US" sz="1800" dirty="0" smtClean="0"/>
+              <a:t>        </a:t>
+            </a:r>
+            <a:r>
+              <a:rPr lang="en-US" sz="1800" dirty="0" err="1" smtClean="0"/>
               <a:t>typedef</a:t>
             </a:r>
             <a:r>
-              <a:rPr lang="en-US" sz="1600" dirty="0" smtClean="0"/>
+              <a:rPr lang="en-US" sz="1800" dirty="0" smtClean="0"/>
               <a:t> </a:t>
             </a:r>
             <a:r>
-              <a:rPr lang="en-US" sz="1600" dirty="0" err="1" smtClean="0"/>
-              <a:t>unary_parser</a:t>
-            </a:r>
-            <a:r>
-              <a:rPr lang="en-US" sz="1600" dirty="0" smtClean="0"/>
-              <a:t>&lt;Subject, action&lt;Subject, Action&gt;&gt; </a:t>
-            </a:r>
-            <a:r>
-              <a:rPr lang="en-US" sz="1600" dirty="0" err="1" smtClean="0"/>
-              <a:t>base_type</a:t>
-            </a:r>
-            <a:r>
-              <a:rPr lang="en-US" sz="1600" dirty="0" smtClean="0"/>
+              <a:rPr lang="en-US" sz="1800" dirty="0" err="1" smtClean="0"/>
+              <a:t>typename</a:t>
+            </a:r>
+            <a:r>
+              <a:rPr lang="en-US" sz="1800" dirty="0" smtClean="0"/>
+              <a:t> ID::type </a:t>
+            </a:r>
+            <a:r>
+              <a:rPr lang="en-US" sz="1800" dirty="0" err="1" smtClean="0"/>
+              <a:t>id_type</a:t>
+            </a:r>
+            <a:r>
+              <a:rPr lang="en-US" sz="1800" dirty="0" smtClean="0"/>
               <a:t>;</a:t>
             </a:r>
           </a:p>
@@ -9350,325 +9470,189 @@
               <a:buNone/>
             </a:pPr>
             <a:r>
-              <a:rPr lang="en-US" sz="1600" dirty="0" smtClean="0"/>
-              <a:t>    static </a:t>
-            </a:r>
-            <a:r>
-              <a:rPr lang="en-US" sz="1600" dirty="0" err="1" smtClean="0"/>
-              <a:t>bool</a:t>
-            </a:r>
-            <a:r>
-              <a:rPr lang="en-US" sz="1600" dirty="0" smtClean="0"/>
-              <a:t> const </a:t>
-            </a:r>
-            <a:r>
-              <a:rPr lang="en-US" sz="1600" dirty="0" err="1" smtClean="0"/>
-              <a:t>is_pass_through_unary</a:t>
-            </a:r>
-            <a:r>
-              <a:rPr lang="en-US" sz="1600" dirty="0" smtClean="0"/>
-              <a:t> = true;</a:t>
-            </a:r>
-          </a:p>
-          <a:p>
-            <a:pPr>
-              <a:buNone/>
-            </a:pPr>
-            <a:r>
-              <a:rPr lang="en-US" sz="1600" dirty="0" smtClean="0"/>
-              <a:t>    static </a:t>
-            </a:r>
-            <a:r>
-              <a:rPr lang="en-US" sz="1600" dirty="0" err="1" smtClean="0"/>
-              <a:t>bool</a:t>
-            </a:r>
-            <a:r>
-              <a:rPr lang="en-US" sz="1600" dirty="0" smtClean="0"/>
-              <a:t> const </a:t>
-            </a:r>
-            <a:r>
-              <a:rPr lang="en-US" sz="1600" dirty="0" err="1" smtClean="0"/>
-              <a:t>has_action</a:t>
-            </a:r>
-            <a:r>
-              <a:rPr lang="en-US" sz="1600" dirty="0" smtClean="0"/>
-              <a:t> = true;</a:t>
-            </a:r>
-          </a:p>
-          <a:p>
-            <a:pPr>
-              <a:buNone/>
-            </a:pPr>
-            <a:endParaRPr lang="en-US" sz="1600" dirty="0" smtClean="0"/>
-          </a:p>
-          <a:p>
-            <a:pPr>
-              <a:buNone/>
-            </a:pPr>
-            <a:r>
-              <a:rPr lang="en-US" sz="1600" dirty="0" smtClean="0"/>
-              <a:t>    action(Subject const&amp; subject, Action f)</a:t>
-            </a:r>
-          </a:p>
-          <a:p>
-            <a:pPr>
-              <a:buNone/>
-            </a:pPr>
-            <a:r>
-              <a:rPr lang="en-US" sz="1600" dirty="0" smtClean="0"/>
-              <a:t>      : </a:t>
-            </a:r>
-            <a:r>
-              <a:rPr lang="en-US" sz="1600" dirty="0" err="1" smtClean="0"/>
-              <a:t>base_type</a:t>
-            </a:r>
-            <a:r>
-              <a:rPr lang="en-US" sz="1600" dirty="0" smtClean="0"/>
-              <a:t>(subject), f(f) {}</a:t>
-            </a:r>
-          </a:p>
-          <a:p>
-            <a:pPr>
-              <a:buNone/>
-            </a:pPr>
-            <a:endParaRPr lang="en-US" sz="1600" dirty="0" smtClean="0"/>
-          </a:p>
-          <a:p>
-            <a:pPr>
-              <a:buNone/>
-            </a:pPr>
-            <a:r>
-              <a:rPr lang="en-US" sz="1600" dirty="0" smtClean="0"/>
-              <a:t>    </a:t>
-            </a:r>
-            <a:r>
-              <a:rPr lang="en-US" sz="1600" dirty="0" err="1" smtClean="0"/>
+              <a:rPr lang="en-US" sz="1800" dirty="0" smtClean="0"/>
+              <a:t>        </a:t>
+            </a:r>
+            <a:r>
+              <a:rPr lang="en-US" sz="1800" dirty="0" err="1" smtClean="0"/>
               <a:t>typedef</a:t>
             </a:r>
             <a:r>
-              <a:rPr lang="en-US" sz="1600" dirty="0" smtClean="0"/>
+              <a:rPr lang="en-US" sz="1800" dirty="0" smtClean="0"/>
               <a:t> </a:t>
             </a:r>
             <a:r>
-              <a:rPr lang="en-US" sz="1600" dirty="0" err="1" smtClean="0"/>
+              <a:rPr lang="en-US" sz="1800" dirty="0" err="1" smtClean="0"/>
               <a:t>typename</a:t>
             </a:r>
             <a:r>
-              <a:rPr lang="en-US" sz="1600" dirty="0" smtClean="0"/>
-              <a:t> traits::</a:t>
-            </a:r>
-            <a:r>
-              <a:rPr lang="en-US" sz="1600" dirty="0" err="1" smtClean="0"/>
-              <a:t>attribute_of</a:t>
-            </a:r>
-            <a:r>
-              <a:rPr lang="en-US" sz="1600" dirty="0" smtClean="0"/>
-              <a:t>&lt;Subject&gt;::type </a:t>
-            </a:r>
-            <a:r>
-              <a:rPr lang="en-US" sz="1600" dirty="0" err="1" smtClean="0"/>
-              <a:t>attribute_type</a:t>
-            </a:r>
-            <a:r>
-              <a:rPr lang="en-US" sz="1600" dirty="0" smtClean="0"/>
-              <a:t>;</a:t>
-            </a:r>
-          </a:p>
-          <a:p>
-            <a:pPr>
-              <a:buNone/>
-            </a:pPr>
-            <a:endParaRPr lang="en-US" sz="1600" dirty="0" smtClean="0"/>
-          </a:p>
-          <a:p>
-            <a:pPr>
-              <a:buNone/>
-            </a:pPr>
-            <a:r>
-              <a:rPr lang="en-US" sz="1600" dirty="0" smtClean="0"/>
-              <a:t>    template &lt;</a:t>
-            </a:r>
-            <a:r>
-              <a:rPr lang="en-US" sz="1600" dirty="0" err="1" smtClean="0"/>
+              <a:rPr lang="en-US" sz="1800" dirty="0" smtClean="0"/>
+              <a:t> </a:t>
+            </a:r>
+            <a:r>
+              <a:rPr lang="en-US" sz="1800" dirty="0" err="1" smtClean="0"/>
+              <a:t>mpl</a:t>
+            </a:r>
+            <a:r>
+              <a:rPr lang="en-US" sz="1800" dirty="0" smtClean="0"/>
+              <a:t>::</a:t>
+            </a:r>
+            <a:r>
+              <a:rPr lang="en-US" sz="1800" dirty="0" err="1" smtClean="0"/>
+              <a:t>eval_if</a:t>
+            </a:r>
+            <a:r>
+              <a:rPr lang="en-US" sz="1800" dirty="0" smtClean="0"/>
+              <a:t>&lt;</a:t>
+            </a:r>
+          </a:p>
+          <a:p>
+            <a:pPr>
+              <a:buNone/>
+            </a:pPr>
+            <a:r>
+              <a:rPr lang="en-US" sz="1800" dirty="0" smtClean="0"/>
+              <a:t>            fusion::</a:t>
+            </a:r>
+            <a:r>
+              <a:rPr lang="en-US" sz="1800" dirty="0" err="1" smtClean="0"/>
+              <a:t>result_of</a:t>
+            </a:r>
+            <a:r>
+              <a:rPr lang="en-US" sz="1800" dirty="0" smtClean="0"/>
+              <a:t>::</a:t>
+            </a:r>
+            <a:r>
+              <a:rPr lang="en-US" sz="1800" dirty="0" err="1" smtClean="0"/>
+              <a:t>has_key</a:t>
+            </a:r>
+            <a:r>
+              <a:rPr lang="en-US" sz="1800" dirty="0" smtClean="0"/>
+              <a:t>&lt;Elements const, </a:t>
+            </a:r>
+            <a:r>
+              <a:rPr lang="en-US" sz="1800" dirty="0" err="1" smtClean="0"/>
+              <a:t>id_type</a:t>
+            </a:r>
+            <a:r>
+              <a:rPr lang="en-US" sz="1800" dirty="0" smtClean="0"/>
+              <a:t>&gt;</a:t>
+            </a:r>
+          </a:p>
+          <a:p>
+            <a:pPr>
+              <a:buNone/>
+            </a:pPr>
+            <a:r>
+              <a:rPr lang="en-US" sz="1800" dirty="0" smtClean="0"/>
+              <a:t>          , fusion::</a:t>
+            </a:r>
+            <a:r>
+              <a:rPr lang="en-US" sz="1800" dirty="0" err="1" smtClean="0"/>
+              <a:t>result_of</a:t>
+            </a:r>
+            <a:r>
+              <a:rPr lang="en-US" sz="1800" dirty="0" smtClean="0"/>
+              <a:t>::</a:t>
+            </a:r>
+            <a:r>
+              <a:rPr lang="en-US" sz="1800" dirty="0" err="1" smtClean="0"/>
+              <a:t>at_key</a:t>
+            </a:r>
+            <a:r>
+              <a:rPr lang="en-US" sz="1800" dirty="0" smtClean="0"/>
+              <a:t>&lt;Elements const, </a:t>
+            </a:r>
+            <a:r>
+              <a:rPr lang="en-US" sz="1800" dirty="0" err="1" smtClean="0"/>
+              <a:t>id_type</a:t>
+            </a:r>
+            <a:r>
+              <a:rPr lang="en-US" sz="1800" dirty="0" smtClean="0"/>
+              <a:t>&gt;</a:t>
+            </a:r>
+          </a:p>
+          <a:p>
+            <a:pPr>
+              <a:buNone/>
+            </a:pPr>
+            <a:r>
+              <a:rPr lang="en-US" sz="1800" dirty="0" smtClean="0"/>
+              <a:t>          , </a:t>
+            </a:r>
+            <a:r>
+              <a:rPr lang="en-US" sz="1800" dirty="0" err="1" smtClean="0"/>
               <a:t>typename</a:t>
             </a:r>
             <a:r>
-              <a:rPr lang="en-US" sz="1600" dirty="0" smtClean="0"/>
-              <a:t> </a:t>
-            </a:r>
-            <a:r>
-              <a:rPr lang="en-US" sz="1600" dirty="0" err="1" smtClean="0"/>
-              <a:t>Iterator</a:t>
-            </a:r>
-            <a:r>
-              <a:rPr lang="en-US" sz="1600" dirty="0" smtClean="0"/>
-              <a:t>, </a:t>
-            </a:r>
-            <a:r>
-              <a:rPr lang="en-US" sz="1600" dirty="0" err="1" smtClean="0"/>
-              <a:t>typename</a:t>
-            </a:r>
-            <a:r>
-              <a:rPr lang="en-US" sz="1600" dirty="0" smtClean="0"/>
-              <a:t> Context, </a:t>
-            </a:r>
-            <a:r>
-              <a:rPr lang="en-US" sz="1600" dirty="0" err="1" smtClean="0"/>
-              <a:t>typename</a:t>
-            </a:r>
-            <a:r>
-              <a:rPr lang="en-US" sz="1600" dirty="0" smtClean="0"/>
-              <a:t> Attribute&gt;</a:t>
-            </a:r>
-          </a:p>
-          <a:p>
-            <a:pPr>
-              <a:buNone/>
-            </a:pPr>
-            <a:r>
-              <a:rPr lang="en-US" sz="1600" dirty="0" smtClean="0"/>
-              <a:t>    </a:t>
-            </a:r>
-            <a:r>
-              <a:rPr lang="en-US" sz="1600" dirty="0" err="1" smtClean="0"/>
-              <a:t>bool</a:t>
-            </a:r>
-            <a:r>
-              <a:rPr lang="en-US" sz="1600" dirty="0" smtClean="0"/>
-              <a:t> parse(</a:t>
-            </a:r>
-            <a:r>
-              <a:rPr lang="en-US" sz="1600" dirty="0" err="1" smtClean="0"/>
-              <a:t>Iterator</a:t>
-            </a:r>
-            <a:r>
-              <a:rPr lang="en-US" sz="1600" dirty="0" smtClean="0"/>
-              <a:t>&amp; first, </a:t>
-            </a:r>
-            <a:r>
-              <a:rPr lang="en-US" sz="1600" dirty="0" err="1" smtClean="0"/>
-              <a:t>Iterator</a:t>
-            </a:r>
-            <a:r>
-              <a:rPr lang="en-US" sz="1600" dirty="0" smtClean="0"/>
-              <a:t> const&amp; last, Context const&amp; context, Attribute&amp; </a:t>
-            </a:r>
-            <a:r>
-              <a:rPr lang="en-US" sz="1600" dirty="0" err="1" smtClean="0"/>
-              <a:t>attr</a:t>
-            </a:r>
-            <a:r>
-              <a:rPr lang="en-US" sz="1600" dirty="0" smtClean="0"/>
-              <a:t>) const;</a:t>
-            </a:r>
-          </a:p>
-          <a:p>
-            <a:pPr>
-              <a:buNone/>
-            </a:pPr>
-            <a:endParaRPr lang="en-US" sz="1600" dirty="0" smtClean="0"/>
-          </a:p>
-          <a:p>
-            <a:pPr>
-              <a:buNone/>
-            </a:pPr>
-            <a:r>
-              <a:rPr lang="en-US" sz="1600" dirty="0" smtClean="0"/>
-              <a:t>    template &lt;</a:t>
-            </a:r>
-            <a:r>
-              <a:rPr lang="en-US" sz="1600" dirty="0" err="1" smtClean="0"/>
-              <a:t>typename</a:t>
-            </a:r>
-            <a:r>
-              <a:rPr lang="en-US" sz="1600" dirty="0" smtClean="0"/>
-              <a:t> </a:t>
-            </a:r>
-            <a:r>
-              <a:rPr lang="en-US" sz="1600" dirty="0" err="1" smtClean="0"/>
-              <a:t>Iterator</a:t>
-            </a:r>
-            <a:r>
-              <a:rPr lang="en-US" sz="1600" dirty="0" smtClean="0"/>
-              <a:t>, </a:t>
-            </a:r>
-            <a:r>
-              <a:rPr lang="en-US" sz="1600" dirty="0" err="1" smtClean="0"/>
-              <a:t>typename</a:t>
-            </a:r>
-            <a:r>
-              <a:rPr lang="en-US" sz="1600" dirty="0" smtClean="0"/>
-              <a:t> Context&gt;</a:t>
-            </a:r>
-          </a:p>
-          <a:p>
-            <a:pPr>
-              <a:buNone/>
-            </a:pPr>
-            <a:r>
-              <a:rPr lang="en-US" sz="1600" dirty="0" smtClean="0"/>
-              <a:t>    </a:t>
-            </a:r>
-            <a:r>
-              <a:rPr lang="en-US" sz="1600" dirty="0" err="1" smtClean="0"/>
-              <a:t>bool</a:t>
-            </a:r>
-            <a:r>
-              <a:rPr lang="en-US" sz="1600" dirty="0" smtClean="0"/>
-              <a:t> parse(</a:t>
-            </a:r>
-            <a:r>
-              <a:rPr lang="en-US" sz="1600" dirty="0" err="1" smtClean="0"/>
-              <a:t>Iterator</a:t>
-            </a:r>
-            <a:r>
-              <a:rPr lang="en-US" sz="1600" dirty="0" smtClean="0"/>
-              <a:t>&amp; first, </a:t>
-            </a:r>
-            <a:r>
-              <a:rPr lang="en-US" sz="1600" dirty="0" err="1" smtClean="0"/>
-              <a:t>Iterator</a:t>
-            </a:r>
-            <a:r>
-              <a:rPr lang="en-US" sz="1600" dirty="0" smtClean="0"/>
-              <a:t> const&amp; last, Context const&amp; context, </a:t>
-            </a:r>
-            <a:r>
-              <a:rPr lang="en-US" sz="1600" dirty="0" err="1" smtClean="0"/>
-              <a:t>unused_type</a:t>
-            </a:r>
-            <a:r>
-              <a:rPr lang="en-US" sz="1600" dirty="0" smtClean="0"/>
-              <a:t>) const;</a:t>
-            </a:r>
-          </a:p>
-          <a:p>
-            <a:pPr>
-              <a:buNone/>
-            </a:pPr>
-            <a:r>
-              <a:rPr lang="en-US" sz="1600" dirty="0" smtClean="0"/>
-              <a:t>      </a:t>
-            </a:r>
-          </a:p>
-          <a:p>
-            <a:pPr>
-              <a:buNone/>
-            </a:pPr>
-            <a:r>
-              <a:rPr lang="en-US" sz="1600" dirty="0" smtClean="0"/>
-              <a:t>    Action f;</a:t>
-            </a:r>
-          </a:p>
-          <a:p>
-            <a:pPr>
-              <a:buNone/>
-            </a:pPr>
-            <a:r>
-              <a:rPr lang="en-US" sz="1600" dirty="0" smtClean="0"/>
-              <a:t>};</a:t>
-            </a:r>
-            <a:endParaRPr lang="en-US" sz="1600" dirty="0"/>
+              <a:rPr lang="en-US" sz="1800" dirty="0" smtClean="0"/>
+              <a:t> Next::template </a:t>
+            </a:r>
+            <a:r>
+              <a:rPr lang="en-US" sz="1800" dirty="0" err="1" smtClean="0"/>
+              <a:t>get_result</a:t>
+            </a:r>
+            <a:r>
+              <a:rPr lang="en-US" sz="1800" dirty="0" smtClean="0"/>
+              <a:t>&lt;ID&gt;&gt;::type</a:t>
+            </a:r>
+          </a:p>
+          <a:p>
+            <a:pPr>
+              <a:buNone/>
+            </a:pPr>
+            <a:r>
+              <a:rPr lang="en-US" sz="1800" dirty="0" smtClean="0"/>
+              <a:t>        type;</a:t>
+            </a:r>
+          </a:p>
+          <a:p>
+            <a:pPr>
+              <a:buNone/>
+            </a:pPr>
+            <a:r>
+              <a:rPr lang="en-US" sz="1800" dirty="0" smtClean="0"/>
+              <a:t>    };</a:t>
+            </a:r>
+            <a:endParaRPr lang="en-US" sz="1800" dirty="0"/>
+          </a:p>
+        </p:txBody>
+      </p:sp>
+      <p:sp>
+        <p:nvSpPr>
+          <p:cNvPr id="4" name="TextBox 3"/>
+          <p:cNvSpPr txBox="1"/>
+          <p:nvPr/>
+        </p:nvSpPr>
+        <p:spPr>
+          <a:xfrm>
+            <a:off x="3505200" y="5562600"/>
+            <a:ext cx="1946238" cy="523220"/>
+          </a:xfrm>
+          <a:prstGeom prst="rect">
+            <a:avLst/>
+          </a:prstGeom>
+          <a:noFill/>
+        </p:spPr>
+        <p:txBody>
+          <a:bodyPr wrap="none" rtlCol="0">
+            <a:spAutoFit/>
+          </a:bodyPr>
+          <a:lstStyle/>
+          <a:p>
+            <a:r>
+              <a:rPr lang="en-US" sz="2800" dirty="0" smtClean="0">
+                <a:solidFill>
+                  <a:srgbClr val="FF0000"/>
+                </a:solidFill>
+              </a:rPr>
+              <a:t>Continued…</a:t>
+            </a:r>
+            <a:endParaRPr lang="en-US" sz="2800" dirty="0">
+              <a:solidFill>
+                <a:srgbClr val="FF0000"/>
+              </a:solidFill>
+            </a:endParaRPr>
           </a:p>
         </p:txBody>
       </p:sp>
@@ -12067,6 +12051,1201 @@
           <a:p>
             <a:r>
               <a:rPr lang="en-US" dirty="0" smtClean="0"/>
+              <a:t>Grammar Context</a:t>
+            </a:r>
+            <a:endParaRPr lang="en-US" dirty="0"/>
+          </a:p>
+        </p:txBody>
+      </p:sp>
+      <p:sp>
+        <p:nvSpPr>
+          <p:cNvPr id="3" name="Text Placeholder 2"/>
+          <p:cNvSpPr>
+            <a:spLocks noGrp="1"/>
+          </p:cNvSpPr>
+          <p:nvPr>
+            <p:ph type="body" sz="quarter" idx="10"/>
+          </p:nvPr>
+        </p:nvSpPr>
+        <p:spPr>
+          <a:xfrm>
+            <a:off x="381000" y="1219200"/>
+            <a:ext cx="8382000" cy="3600986"/>
+          </a:xfrm>
+        </p:spPr>
+        <p:txBody>
+          <a:bodyPr/>
+          <a:lstStyle/>
+          <a:p>
+            <a:pPr>
+              <a:buNone/>
+            </a:pPr>
+            <a:r>
+              <a:rPr lang="en-US" sz="1800" dirty="0" smtClean="0"/>
+              <a:t> </a:t>
+            </a:r>
+            <a:r>
+              <a:rPr lang="en-US" sz="1800" dirty="0" smtClean="0"/>
+              <a:t>   </a:t>
+            </a:r>
+            <a:r>
+              <a:rPr lang="en-US" sz="1800" dirty="0" smtClean="0"/>
+              <a:t>template &lt;</a:t>
+            </a:r>
+            <a:r>
+              <a:rPr lang="en-US" sz="1800" dirty="0" err="1" smtClean="0"/>
+              <a:t>typename</a:t>
+            </a:r>
+            <a:r>
+              <a:rPr lang="en-US" sz="1800" dirty="0" smtClean="0"/>
+              <a:t> ID&gt;</a:t>
+            </a:r>
+          </a:p>
+          <a:p>
+            <a:pPr>
+              <a:buNone/>
+            </a:pPr>
+            <a:r>
+              <a:rPr lang="en-US" sz="1800" dirty="0" smtClean="0"/>
+              <a:t>    </a:t>
+            </a:r>
+            <a:r>
+              <a:rPr lang="en-US" sz="1800" dirty="0" err="1" smtClean="0"/>
+              <a:t>typename</a:t>
+            </a:r>
+            <a:r>
+              <a:rPr lang="en-US" sz="1800" dirty="0" smtClean="0"/>
+              <a:t> </a:t>
+            </a:r>
+            <a:r>
+              <a:rPr lang="en-US" sz="1800" dirty="0" err="1" smtClean="0"/>
+              <a:t>get_result</a:t>
+            </a:r>
+            <a:r>
+              <a:rPr lang="en-US" sz="1800" dirty="0" smtClean="0"/>
+              <a:t>&lt;ID&gt;::type</a:t>
+            </a:r>
+          </a:p>
+          <a:p>
+            <a:pPr>
+              <a:buNone/>
+            </a:pPr>
+            <a:r>
+              <a:rPr lang="en-US" sz="1800" dirty="0" smtClean="0"/>
+              <a:t>    get(ID </a:t>
+            </a:r>
+            <a:r>
+              <a:rPr lang="en-US" sz="1800" dirty="0" err="1" smtClean="0"/>
+              <a:t>id</a:t>
+            </a:r>
+            <a:r>
+              <a:rPr lang="en-US" sz="1800" dirty="0" smtClean="0"/>
+              <a:t>) const</a:t>
+            </a:r>
+          </a:p>
+          <a:p>
+            <a:pPr>
+              <a:buNone/>
+            </a:pPr>
+            <a:r>
+              <a:rPr lang="en-US" sz="1800" dirty="0" smtClean="0"/>
+              <a:t>    {</a:t>
+            </a:r>
+          </a:p>
+          <a:p>
+            <a:pPr>
+              <a:buNone/>
+            </a:pPr>
+            <a:r>
+              <a:rPr lang="en-US" sz="1800" dirty="0" smtClean="0"/>
+              <a:t>        </a:t>
+            </a:r>
+            <a:r>
+              <a:rPr lang="en-US" sz="1800" dirty="0" err="1" smtClean="0"/>
+              <a:t>typedef</a:t>
+            </a:r>
+            <a:r>
+              <a:rPr lang="en-US" sz="1800" dirty="0" smtClean="0"/>
+              <a:t> </a:t>
+            </a:r>
+            <a:r>
+              <a:rPr lang="en-US" sz="1800" dirty="0" err="1" smtClean="0"/>
+              <a:t>typename</a:t>
+            </a:r>
+            <a:r>
+              <a:rPr lang="en-US" sz="1800" dirty="0" smtClean="0"/>
+              <a:t> ID::type </a:t>
+            </a:r>
+            <a:r>
+              <a:rPr lang="en-US" sz="1800" dirty="0" err="1" smtClean="0"/>
+              <a:t>id_type</a:t>
+            </a:r>
+            <a:r>
+              <a:rPr lang="en-US" sz="1800" dirty="0" smtClean="0"/>
+              <a:t>;</a:t>
+            </a:r>
+          </a:p>
+          <a:p>
+            <a:pPr>
+              <a:buNone/>
+            </a:pPr>
+            <a:r>
+              <a:rPr lang="en-US" sz="1800" dirty="0" smtClean="0"/>
+              <a:t>        </a:t>
+            </a:r>
+            <a:r>
+              <a:rPr lang="en-US" sz="1800" dirty="0" err="1" smtClean="0"/>
+              <a:t>typename</a:t>
+            </a:r>
+            <a:r>
+              <a:rPr lang="en-US" sz="1800" dirty="0" smtClean="0"/>
+              <a:t> fusion::</a:t>
+            </a:r>
+            <a:r>
+              <a:rPr lang="en-US" sz="1800" dirty="0" err="1" smtClean="0"/>
+              <a:t>result_of</a:t>
+            </a:r>
+            <a:r>
+              <a:rPr lang="en-US" sz="1800" dirty="0" smtClean="0"/>
+              <a:t>::</a:t>
+            </a:r>
+            <a:r>
+              <a:rPr lang="en-US" sz="1800" dirty="0" err="1" smtClean="0"/>
+              <a:t>has_key</a:t>
+            </a:r>
+            <a:r>
+              <a:rPr lang="en-US" sz="1800" dirty="0" smtClean="0"/>
+              <a:t>&lt;Elements, </a:t>
+            </a:r>
+            <a:r>
+              <a:rPr lang="en-US" sz="1800" dirty="0" err="1" smtClean="0"/>
+              <a:t>id_type</a:t>
+            </a:r>
+            <a:r>
+              <a:rPr lang="en-US" sz="1800" dirty="0" smtClean="0"/>
+              <a:t>&gt; </a:t>
+            </a:r>
+            <a:r>
+              <a:rPr lang="en-US" sz="1800" dirty="0" err="1" smtClean="0"/>
+              <a:t>has_key</a:t>
+            </a:r>
+            <a:r>
+              <a:rPr lang="en-US" sz="1800" dirty="0" smtClean="0"/>
+              <a:t>;</a:t>
+            </a:r>
+          </a:p>
+          <a:p>
+            <a:pPr>
+              <a:buNone/>
+            </a:pPr>
+            <a:r>
+              <a:rPr lang="en-US" sz="1800" dirty="0" smtClean="0"/>
+              <a:t>        return </a:t>
+            </a:r>
+            <a:r>
+              <a:rPr lang="en-US" sz="1800" dirty="0" err="1" smtClean="0"/>
+              <a:t>get_impl</a:t>
+            </a:r>
+            <a:r>
+              <a:rPr lang="en-US" sz="1800" dirty="0" smtClean="0"/>
+              <a:t>(id, </a:t>
+            </a:r>
+            <a:r>
+              <a:rPr lang="en-US" sz="1800" dirty="0" err="1" smtClean="0"/>
+              <a:t>has_key</a:t>
+            </a:r>
+            <a:r>
+              <a:rPr lang="en-US" sz="1800" dirty="0" smtClean="0"/>
+              <a:t>);</a:t>
+            </a:r>
+          </a:p>
+          <a:p>
+            <a:pPr>
+              <a:buNone/>
+            </a:pPr>
+            <a:r>
+              <a:rPr lang="en-US" sz="1800" dirty="0" smtClean="0"/>
+              <a:t>    }</a:t>
+            </a:r>
+          </a:p>
+          <a:p>
+            <a:pPr>
+              <a:buNone/>
+            </a:pPr>
+            <a:endParaRPr lang="en-US" sz="1800" dirty="0" smtClean="0"/>
+          </a:p>
+          <a:p>
+            <a:pPr>
+              <a:buNone/>
+            </a:pPr>
+            <a:r>
+              <a:rPr lang="en-US" sz="1800" dirty="0" smtClean="0"/>
+              <a:t>    Elements const&amp; elements;</a:t>
+            </a:r>
+          </a:p>
+          <a:p>
+            <a:pPr>
+              <a:buNone/>
+            </a:pPr>
+            <a:r>
+              <a:rPr lang="en-US" sz="1800" dirty="0" smtClean="0"/>
+              <a:t>    Next const&amp; next;</a:t>
+            </a:r>
+          </a:p>
+          <a:p>
+            <a:pPr>
+              <a:buNone/>
+            </a:pPr>
+            <a:r>
+              <a:rPr lang="en-US" sz="1800" dirty="0" smtClean="0"/>
+              <a:t>};</a:t>
+            </a:r>
+            <a:endParaRPr lang="en-US" sz="1800" dirty="0"/>
+          </a:p>
+        </p:txBody>
+      </p:sp>
+      <p:sp>
+        <p:nvSpPr>
+          <p:cNvPr id="4" name="TextBox 3"/>
+          <p:cNvSpPr txBox="1"/>
+          <p:nvPr/>
+        </p:nvSpPr>
+        <p:spPr>
+          <a:xfrm>
+            <a:off x="3505200" y="5562600"/>
+            <a:ext cx="1946238" cy="523220"/>
+          </a:xfrm>
+          <a:prstGeom prst="rect">
+            <a:avLst/>
+          </a:prstGeom>
+          <a:noFill/>
+        </p:spPr>
+        <p:txBody>
+          <a:bodyPr wrap="none" rtlCol="0">
+            <a:spAutoFit/>
+          </a:bodyPr>
+          <a:lstStyle/>
+          <a:p>
+            <a:r>
+              <a:rPr lang="en-US" sz="2800" dirty="0" smtClean="0">
+                <a:solidFill>
+                  <a:srgbClr val="FF0000"/>
+                </a:solidFill>
+              </a:rPr>
+              <a:t>Continued…</a:t>
+            </a:r>
+            <a:endParaRPr lang="en-US" sz="2800" dirty="0">
+              <a:solidFill>
+                <a:srgbClr val="FF0000"/>
+              </a:solidFill>
+            </a:endParaRPr>
+          </a:p>
+        </p:txBody>
+      </p:sp>
+    </p:spTree>
+  </p:cSld>
+  <p:clrMapOvr>
+    <a:masterClrMapping/>
+  </p:clrMapOvr>
+  <p:transition>
+    <p:fade/>
+  </p:transition>
+  <p:timing>
+    <p:tnLst>
+      <p:par>
+        <p:cTn id="1" dur="indefinite" restart="never" nodeType="tmRoot"/>
+      </p:par>
+    </p:tnLst>
+  </p:timing>
+</p:sld>
+</file>
+
+<file path=ppt/slides/slide111.xml><?xml version="1.0" encoding="utf-8"?>
+<p:sld xmlns:a="http://schemas.openxmlformats.org/drawingml/2006/main" xmlns:r="http://schemas.openxmlformats.org/officeDocument/2006/relationships" xmlns:p="http://schemas.openxmlformats.org/presentationml/2006/main">
+  <p:cSld>
+    <p:spTree>
+      <p:nvGrpSpPr>
+        <p:cNvPr id="1" name=""/>
+        <p:cNvGrpSpPr/>
+        <p:nvPr/>
+      </p:nvGrpSpPr>
+      <p:grpSpPr>
+        <a:xfrm>
+          <a:off x="0" y="0"/>
+          <a:ext cx="0" cy="0"/>
+          <a:chOff x="0" y="0"/>
+          <a:chExt cx="0" cy="0"/>
+        </a:xfrm>
+      </p:grpSpPr>
+      <p:sp>
+        <p:nvSpPr>
+          <p:cNvPr id="2" name="Title 1"/>
+          <p:cNvSpPr>
+            <a:spLocks noGrp="1"/>
+          </p:cNvSpPr>
+          <p:nvPr>
+            <p:ph type="title"/>
+          </p:nvPr>
+        </p:nvSpPr>
+        <p:spPr/>
+        <p:txBody>
+          <a:bodyPr/>
+          <a:lstStyle/>
+          <a:p>
+            <a:r>
+              <a:rPr lang="en-US" dirty="0" smtClean="0"/>
+              <a:t>Grammar Context</a:t>
+            </a:r>
+            <a:endParaRPr lang="en-US" dirty="0"/>
+          </a:p>
+        </p:txBody>
+      </p:sp>
+      <p:sp>
+        <p:nvSpPr>
+          <p:cNvPr id="3" name="Text Placeholder 2"/>
+          <p:cNvSpPr>
+            <a:spLocks noGrp="1"/>
+          </p:cNvSpPr>
+          <p:nvPr>
+            <p:ph type="body" sz="quarter" idx="10"/>
+          </p:nvPr>
+        </p:nvSpPr>
+        <p:spPr>
+          <a:xfrm>
+            <a:off x="381000" y="1066800"/>
+            <a:ext cx="8382000" cy="4419600"/>
+          </a:xfrm>
+        </p:spPr>
+        <p:txBody>
+          <a:bodyPr/>
+          <a:lstStyle/>
+          <a:p>
+            <a:pPr>
+              <a:buNone/>
+            </a:pPr>
+            <a:r>
+              <a:rPr lang="en-US" sz="1800" dirty="0" smtClean="0"/>
+              <a:t> </a:t>
+            </a:r>
+            <a:r>
+              <a:rPr lang="en-US" sz="1800" dirty="0" smtClean="0"/>
+              <a:t>   template </a:t>
+            </a:r>
+            <a:r>
+              <a:rPr lang="en-US" sz="1800" dirty="0" smtClean="0"/>
+              <a:t>&lt;</a:t>
+            </a:r>
+            <a:r>
+              <a:rPr lang="en-US" sz="1800" dirty="0" err="1" smtClean="0"/>
+              <a:t>typename</a:t>
+            </a:r>
+            <a:r>
+              <a:rPr lang="en-US" sz="1800" dirty="0" smtClean="0"/>
+              <a:t> ID&gt;</a:t>
+            </a:r>
+          </a:p>
+          <a:p>
+            <a:pPr>
+              <a:buNone/>
+            </a:pPr>
+            <a:r>
+              <a:rPr lang="en-US" sz="1800" dirty="0" smtClean="0"/>
+              <a:t>    </a:t>
+            </a:r>
+            <a:r>
+              <a:rPr lang="en-US" sz="1800" dirty="0" err="1" smtClean="0"/>
+              <a:t>typename</a:t>
+            </a:r>
+            <a:r>
+              <a:rPr lang="en-US" sz="1800" dirty="0" smtClean="0"/>
+              <a:t> </a:t>
+            </a:r>
+            <a:r>
+              <a:rPr lang="en-US" sz="1800" dirty="0" err="1" smtClean="0"/>
+              <a:t>get_result</a:t>
+            </a:r>
+            <a:r>
+              <a:rPr lang="en-US" sz="1800" dirty="0" smtClean="0"/>
+              <a:t>&lt;ID&gt;::type</a:t>
+            </a:r>
+          </a:p>
+          <a:p>
+            <a:pPr>
+              <a:buNone/>
+            </a:pPr>
+            <a:r>
+              <a:rPr lang="en-US" sz="1800" dirty="0" smtClean="0"/>
+              <a:t>    </a:t>
+            </a:r>
+            <a:r>
+              <a:rPr lang="en-US" sz="1800" dirty="0" err="1" smtClean="0"/>
+              <a:t>get_impl</a:t>
+            </a:r>
+            <a:r>
+              <a:rPr lang="en-US" sz="1800" dirty="0" smtClean="0"/>
+              <a:t>(ID </a:t>
+            </a:r>
+            <a:r>
+              <a:rPr lang="en-US" sz="1800" dirty="0" err="1" smtClean="0"/>
+              <a:t>id</a:t>
+            </a:r>
+            <a:r>
+              <a:rPr lang="en-US" sz="1800" dirty="0" smtClean="0"/>
+              <a:t>, </a:t>
+            </a:r>
+            <a:r>
+              <a:rPr lang="en-US" sz="1800" dirty="0" err="1" smtClean="0"/>
+              <a:t>mpl</a:t>
+            </a:r>
+            <a:r>
+              <a:rPr lang="en-US" sz="1800" dirty="0" smtClean="0"/>
+              <a:t>::true_) const</a:t>
+            </a:r>
+          </a:p>
+          <a:p>
+            <a:pPr>
+              <a:buNone/>
+            </a:pPr>
+            <a:r>
+              <a:rPr lang="en-US" sz="1800" dirty="0" smtClean="0"/>
+              <a:t>    {</a:t>
+            </a:r>
+          </a:p>
+          <a:p>
+            <a:pPr>
+              <a:buNone/>
+            </a:pPr>
+            <a:r>
+              <a:rPr lang="en-US" sz="1800" dirty="0" smtClean="0"/>
+              <a:t>        </a:t>
+            </a:r>
+            <a:r>
+              <a:rPr lang="en-US" sz="1800" dirty="0" err="1" smtClean="0"/>
+              <a:t>typedef</a:t>
+            </a:r>
+            <a:r>
+              <a:rPr lang="en-US" sz="1800" dirty="0" smtClean="0"/>
+              <a:t> </a:t>
+            </a:r>
+            <a:r>
+              <a:rPr lang="en-US" sz="1800" dirty="0" err="1" smtClean="0"/>
+              <a:t>typename</a:t>
+            </a:r>
+            <a:r>
+              <a:rPr lang="en-US" sz="1800" dirty="0" smtClean="0"/>
+              <a:t> ID::type </a:t>
+            </a:r>
+            <a:r>
+              <a:rPr lang="en-US" sz="1800" dirty="0" err="1" smtClean="0"/>
+              <a:t>id_type</a:t>
+            </a:r>
+            <a:r>
+              <a:rPr lang="en-US" sz="1800" dirty="0" smtClean="0"/>
+              <a:t>;</a:t>
+            </a:r>
+          </a:p>
+          <a:p>
+            <a:pPr>
+              <a:buNone/>
+            </a:pPr>
+            <a:r>
+              <a:rPr lang="en-US" sz="1800" dirty="0" smtClean="0"/>
+              <a:t>        return fusion::</a:t>
+            </a:r>
+            <a:r>
+              <a:rPr lang="en-US" sz="1800" dirty="0" err="1" smtClean="0"/>
+              <a:t>at_key</a:t>
+            </a:r>
+            <a:r>
+              <a:rPr lang="en-US" sz="1800" dirty="0" smtClean="0"/>
+              <a:t>&lt;</a:t>
+            </a:r>
+            <a:r>
+              <a:rPr lang="en-US" sz="1800" dirty="0" err="1" smtClean="0"/>
+              <a:t>id_type</a:t>
+            </a:r>
+            <a:r>
+              <a:rPr lang="en-US" sz="1800" dirty="0" smtClean="0"/>
+              <a:t>&gt;(elements);</a:t>
+            </a:r>
+          </a:p>
+          <a:p>
+            <a:pPr>
+              <a:buNone/>
+            </a:pPr>
+            <a:r>
+              <a:rPr lang="en-US" sz="1800" dirty="0" smtClean="0"/>
+              <a:t>    }</a:t>
+            </a:r>
+          </a:p>
+          <a:p>
+            <a:pPr>
+              <a:buNone/>
+            </a:pPr>
+            <a:endParaRPr lang="en-US" sz="1800" dirty="0" smtClean="0"/>
+          </a:p>
+          <a:p>
+            <a:pPr>
+              <a:buNone/>
+            </a:pPr>
+            <a:r>
+              <a:rPr lang="en-US" sz="1800" dirty="0" smtClean="0"/>
+              <a:t>    template &lt;</a:t>
+            </a:r>
+            <a:r>
+              <a:rPr lang="en-US" sz="1800" dirty="0" err="1" smtClean="0"/>
+              <a:t>typename</a:t>
+            </a:r>
+            <a:r>
+              <a:rPr lang="en-US" sz="1800" dirty="0" smtClean="0"/>
+              <a:t> ID&gt;</a:t>
+            </a:r>
+          </a:p>
+          <a:p>
+            <a:pPr>
+              <a:buNone/>
+            </a:pPr>
+            <a:r>
+              <a:rPr lang="en-US" sz="1800" dirty="0" smtClean="0"/>
+              <a:t>    </a:t>
+            </a:r>
+            <a:r>
+              <a:rPr lang="en-US" sz="1800" dirty="0" err="1" smtClean="0"/>
+              <a:t>typename</a:t>
+            </a:r>
+            <a:r>
+              <a:rPr lang="en-US" sz="1800" dirty="0" smtClean="0"/>
+              <a:t> </a:t>
+            </a:r>
+            <a:r>
+              <a:rPr lang="en-US" sz="1800" dirty="0" err="1" smtClean="0"/>
+              <a:t>get_result</a:t>
+            </a:r>
+            <a:r>
+              <a:rPr lang="en-US" sz="1800" dirty="0" smtClean="0"/>
+              <a:t>&lt;ID&gt;::type</a:t>
+            </a:r>
+          </a:p>
+          <a:p>
+            <a:pPr>
+              <a:buNone/>
+            </a:pPr>
+            <a:r>
+              <a:rPr lang="en-US" sz="1800" dirty="0" smtClean="0"/>
+              <a:t>    </a:t>
+            </a:r>
+            <a:r>
+              <a:rPr lang="en-US" sz="1800" dirty="0" err="1" smtClean="0"/>
+              <a:t>get_impl</a:t>
+            </a:r>
+            <a:r>
+              <a:rPr lang="en-US" sz="1800" dirty="0" smtClean="0"/>
+              <a:t>(ID </a:t>
+            </a:r>
+            <a:r>
+              <a:rPr lang="en-US" sz="1800" dirty="0" err="1" smtClean="0"/>
+              <a:t>id</a:t>
+            </a:r>
+            <a:r>
+              <a:rPr lang="en-US" sz="1800" dirty="0" smtClean="0"/>
+              <a:t>, </a:t>
+            </a:r>
+            <a:r>
+              <a:rPr lang="en-US" sz="1800" dirty="0" err="1" smtClean="0"/>
+              <a:t>mpl</a:t>
+            </a:r>
+            <a:r>
+              <a:rPr lang="en-US" sz="1800" dirty="0" smtClean="0"/>
+              <a:t>::false_) const</a:t>
+            </a:r>
+          </a:p>
+          <a:p>
+            <a:pPr>
+              <a:buNone/>
+            </a:pPr>
+            <a:r>
+              <a:rPr lang="en-US" sz="1800" dirty="0" smtClean="0"/>
+              <a:t>    {</a:t>
+            </a:r>
+          </a:p>
+          <a:p>
+            <a:pPr>
+              <a:buNone/>
+            </a:pPr>
+            <a:r>
+              <a:rPr lang="en-US" sz="1800" dirty="0" smtClean="0"/>
+              <a:t>        return </a:t>
+            </a:r>
+            <a:r>
+              <a:rPr lang="en-US" sz="1800" dirty="0" err="1" smtClean="0"/>
+              <a:t>next.get</a:t>
+            </a:r>
+            <a:r>
+              <a:rPr lang="en-US" sz="1800" dirty="0" smtClean="0"/>
+              <a:t>(id);</a:t>
+            </a:r>
+          </a:p>
+          <a:p>
+            <a:pPr>
+              <a:buNone/>
+            </a:pPr>
+            <a:r>
+              <a:rPr lang="en-US" sz="1800" dirty="0" smtClean="0"/>
+              <a:t>    }</a:t>
+            </a:r>
+          </a:p>
+          <a:p>
+            <a:pPr>
+              <a:buNone/>
+            </a:pPr>
+            <a:endParaRPr lang="en-US" sz="1800" dirty="0"/>
+          </a:p>
+        </p:txBody>
+      </p:sp>
+    </p:spTree>
+  </p:cSld>
+  <p:clrMapOvr>
+    <a:masterClrMapping/>
+  </p:clrMapOvr>
+  <p:transition>
+    <p:fade/>
+  </p:transition>
+  <p:timing>
+    <p:tnLst>
+      <p:par>
+        <p:cTn id="1" dur="indefinite" restart="never" nodeType="tmRoot"/>
+      </p:par>
+    </p:tnLst>
+  </p:timing>
+</p:sld>
+</file>
+
+<file path=ppt/slides/slide112.xml><?xml version="1.0" encoding="utf-8"?>
+<p:sld xmlns:a="http://schemas.openxmlformats.org/drawingml/2006/main" xmlns:r="http://schemas.openxmlformats.org/officeDocument/2006/relationships" xmlns:p="http://schemas.openxmlformats.org/presentationml/2006/main">
+  <p:cSld>
+    <p:spTree>
+      <p:nvGrpSpPr>
+        <p:cNvPr id="1" name=""/>
+        <p:cNvGrpSpPr/>
+        <p:nvPr/>
+      </p:nvGrpSpPr>
+      <p:grpSpPr>
+        <a:xfrm>
+          <a:off x="0" y="0"/>
+          <a:ext cx="0" cy="0"/>
+          <a:chOff x="0" y="0"/>
+          <a:chExt cx="0" cy="0"/>
+        </a:xfrm>
+      </p:grpSpPr>
+      <p:sp>
+        <p:nvSpPr>
+          <p:cNvPr id="2" name="Title 1"/>
+          <p:cNvSpPr>
+            <a:spLocks noGrp="1"/>
+          </p:cNvSpPr>
+          <p:nvPr>
+            <p:ph type="title"/>
+          </p:nvPr>
+        </p:nvSpPr>
+        <p:spPr/>
+        <p:txBody>
+          <a:bodyPr/>
+          <a:lstStyle/>
+          <a:p>
+            <a:r>
+              <a:rPr lang="en-US" dirty="0" smtClean="0"/>
+              <a:t>Semantic Actions</a:t>
+            </a:r>
+            <a:endParaRPr lang="en-US" dirty="0"/>
+          </a:p>
+        </p:txBody>
+      </p:sp>
+      <p:sp>
+        <p:nvSpPr>
+          <p:cNvPr id="3" name="Text Placeholder 2"/>
+          <p:cNvSpPr>
+            <a:spLocks noGrp="1"/>
+          </p:cNvSpPr>
+          <p:nvPr>
+            <p:ph type="body" sz="quarter" idx="10"/>
+          </p:nvPr>
+        </p:nvSpPr>
+        <p:spPr>
+          <a:xfrm>
+            <a:off x="381000" y="990600"/>
+            <a:ext cx="8382000" cy="5367623"/>
+          </a:xfrm>
+        </p:spPr>
+        <p:txBody>
+          <a:bodyPr/>
+          <a:lstStyle/>
+          <a:p>
+            <a:pPr>
+              <a:buNone/>
+            </a:pPr>
+            <a:r>
+              <a:rPr lang="en-US" sz="1600" dirty="0" smtClean="0"/>
+              <a:t>template &lt;</a:t>
+            </a:r>
+            <a:r>
+              <a:rPr lang="en-US" sz="1600" dirty="0" err="1" smtClean="0"/>
+              <a:t>typename</a:t>
+            </a:r>
+            <a:r>
+              <a:rPr lang="en-US" sz="1600" dirty="0" smtClean="0"/>
+              <a:t> Subject, </a:t>
+            </a:r>
+            <a:r>
+              <a:rPr lang="en-US" sz="1600" dirty="0" err="1" smtClean="0"/>
+              <a:t>typename</a:t>
+            </a:r>
+            <a:r>
+              <a:rPr lang="en-US" sz="1600" dirty="0" smtClean="0"/>
+              <a:t> Action&gt;</a:t>
+            </a:r>
+          </a:p>
+          <a:p>
+            <a:pPr>
+              <a:buNone/>
+            </a:pPr>
+            <a:r>
+              <a:rPr lang="en-US" sz="1600" dirty="0" err="1" smtClean="0"/>
+              <a:t>struct</a:t>
+            </a:r>
+            <a:r>
+              <a:rPr lang="en-US" sz="1600" dirty="0" smtClean="0"/>
+              <a:t> action : </a:t>
+            </a:r>
+            <a:r>
+              <a:rPr lang="en-US" sz="1600" dirty="0" err="1" smtClean="0"/>
+              <a:t>unary_parser</a:t>
+            </a:r>
+            <a:r>
+              <a:rPr lang="en-US" sz="1600" dirty="0" smtClean="0"/>
+              <a:t>&lt;Subject, action&lt;Subject, Action&gt;&gt;</a:t>
+            </a:r>
+          </a:p>
+          <a:p>
+            <a:pPr>
+              <a:buNone/>
+            </a:pPr>
+            <a:r>
+              <a:rPr lang="en-US" sz="1600" dirty="0" smtClean="0"/>
+              <a:t>{</a:t>
+            </a:r>
+          </a:p>
+          <a:p>
+            <a:pPr>
+              <a:buNone/>
+            </a:pPr>
+            <a:r>
+              <a:rPr lang="en-US" sz="1600" dirty="0" smtClean="0"/>
+              <a:t>    </a:t>
+            </a:r>
+            <a:r>
+              <a:rPr lang="en-US" sz="1600" dirty="0" err="1" smtClean="0"/>
+              <a:t>typedef</a:t>
+            </a:r>
+            <a:r>
+              <a:rPr lang="en-US" sz="1600" dirty="0" smtClean="0"/>
+              <a:t> </a:t>
+            </a:r>
+            <a:r>
+              <a:rPr lang="en-US" sz="1600" dirty="0" err="1" smtClean="0"/>
+              <a:t>unary_parser</a:t>
+            </a:r>
+            <a:r>
+              <a:rPr lang="en-US" sz="1600" dirty="0" smtClean="0"/>
+              <a:t>&lt;Subject, action&lt;Subject, Action&gt;&gt; </a:t>
+            </a:r>
+            <a:r>
+              <a:rPr lang="en-US" sz="1600" dirty="0" err="1" smtClean="0"/>
+              <a:t>base_type</a:t>
+            </a:r>
+            <a:r>
+              <a:rPr lang="en-US" sz="1600" dirty="0" smtClean="0"/>
+              <a:t>;</a:t>
+            </a:r>
+          </a:p>
+          <a:p>
+            <a:pPr>
+              <a:buNone/>
+            </a:pPr>
+            <a:r>
+              <a:rPr lang="en-US" sz="1600" dirty="0" smtClean="0"/>
+              <a:t>    static </a:t>
+            </a:r>
+            <a:r>
+              <a:rPr lang="en-US" sz="1600" dirty="0" err="1" smtClean="0"/>
+              <a:t>bool</a:t>
+            </a:r>
+            <a:r>
+              <a:rPr lang="en-US" sz="1600" dirty="0" smtClean="0"/>
+              <a:t> const </a:t>
+            </a:r>
+            <a:r>
+              <a:rPr lang="en-US" sz="1600" dirty="0" err="1" smtClean="0"/>
+              <a:t>is_pass_through_unary</a:t>
+            </a:r>
+            <a:r>
+              <a:rPr lang="en-US" sz="1600" dirty="0" smtClean="0"/>
+              <a:t> = true;</a:t>
+            </a:r>
+          </a:p>
+          <a:p>
+            <a:pPr>
+              <a:buNone/>
+            </a:pPr>
+            <a:r>
+              <a:rPr lang="en-US" sz="1600" dirty="0" smtClean="0"/>
+              <a:t>    static </a:t>
+            </a:r>
+            <a:r>
+              <a:rPr lang="en-US" sz="1600" dirty="0" err="1" smtClean="0"/>
+              <a:t>bool</a:t>
+            </a:r>
+            <a:r>
+              <a:rPr lang="en-US" sz="1600" dirty="0" smtClean="0"/>
+              <a:t> const </a:t>
+            </a:r>
+            <a:r>
+              <a:rPr lang="en-US" sz="1600" dirty="0" err="1" smtClean="0"/>
+              <a:t>has_action</a:t>
+            </a:r>
+            <a:r>
+              <a:rPr lang="en-US" sz="1600" dirty="0" smtClean="0"/>
+              <a:t> = true;</a:t>
+            </a:r>
+          </a:p>
+          <a:p>
+            <a:pPr>
+              <a:buNone/>
+            </a:pPr>
+            <a:endParaRPr lang="en-US" sz="1600" dirty="0" smtClean="0"/>
+          </a:p>
+          <a:p>
+            <a:pPr>
+              <a:buNone/>
+            </a:pPr>
+            <a:r>
+              <a:rPr lang="en-US" sz="1600" dirty="0" smtClean="0"/>
+              <a:t>    action(Subject const&amp; subject, Action f)</a:t>
+            </a:r>
+          </a:p>
+          <a:p>
+            <a:pPr>
+              <a:buNone/>
+            </a:pPr>
+            <a:r>
+              <a:rPr lang="en-US" sz="1600" dirty="0" smtClean="0"/>
+              <a:t>      : </a:t>
+            </a:r>
+            <a:r>
+              <a:rPr lang="en-US" sz="1600" dirty="0" err="1" smtClean="0"/>
+              <a:t>base_type</a:t>
+            </a:r>
+            <a:r>
+              <a:rPr lang="en-US" sz="1600" dirty="0" smtClean="0"/>
+              <a:t>(subject), f(f) {}</a:t>
+            </a:r>
+          </a:p>
+          <a:p>
+            <a:pPr>
+              <a:buNone/>
+            </a:pPr>
+            <a:endParaRPr lang="en-US" sz="1600" dirty="0" smtClean="0"/>
+          </a:p>
+          <a:p>
+            <a:pPr>
+              <a:buNone/>
+            </a:pPr>
+            <a:r>
+              <a:rPr lang="en-US" sz="1600" dirty="0" smtClean="0"/>
+              <a:t>    </a:t>
+            </a:r>
+            <a:r>
+              <a:rPr lang="en-US" sz="1600" dirty="0" err="1" smtClean="0"/>
+              <a:t>typedef</a:t>
+            </a:r>
+            <a:r>
+              <a:rPr lang="en-US" sz="1600" dirty="0" smtClean="0"/>
+              <a:t> </a:t>
+            </a:r>
+            <a:r>
+              <a:rPr lang="en-US" sz="1600" dirty="0" err="1" smtClean="0"/>
+              <a:t>typename</a:t>
+            </a:r>
+            <a:r>
+              <a:rPr lang="en-US" sz="1600" dirty="0" smtClean="0"/>
+              <a:t> traits::</a:t>
+            </a:r>
+            <a:r>
+              <a:rPr lang="en-US" sz="1600" dirty="0" err="1" smtClean="0"/>
+              <a:t>attribute_of</a:t>
+            </a:r>
+            <a:r>
+              <a:rPr lang="en-US" sz="1600" dirty="0" smtClean="0"/>
+              <a:t>&lt;Subject&gt;::type </a:t>
+            </a:r>
+            <a:r>
+              <a:rPr lang="en-US" sz="1600" dirty="0" err="1" smtClean="0"/>
+              <a:t>attribute_type</a:t>
+            </a:r>
+            <a:r>
+              <a:rPr lang="en-US" sz="1600" dirty="0" smtClean="0"/>
+              <a:t>;</a:t>
+            </a:r>
+          </a:p>
+          <a:p>
+            <a:pPr>
+              <a:buNone/>
+            </a:pPr>
+            <a:endParaRPr lang="en-US" sz="1600" dirty="0" smtClean="0"/>
+          </a:p>
+          <a:p>
+            <a:pPr>
+              <a:buNone/>
+            </a:pPr>
+            <a:r>
+              <a:rPr lang="en-US" sz="1600" dirty="0" smtClean="0"/>
+              <a:t>    template &lt;</a:t>
+            </a:r>
+            <a:r>
+              <a:rPr lang="en-US" sz="1600" dirty="0" err="1" smtClean="0"/>
+              <a:t>typename</a:t>
+            </a:r>
+            <a:r>
+              <a:rPr lang="en-US" sz="1600" dirty="0" smtClean="0"/>
+              <a:t> </a:t>
+            </a:r>
+            <a:r>
+              <a:rPr lang="en-US" sz="1600" dirty="0" err="1" smtClean="0"/>
+              <a:t>Iterator</a:t>
+            </a:r>
+            <a:r>
+              <a:rPr lang="en-US" sz="1600" dirty="0" smtClean="0"/>
+              <a:t>, </a:t>
+            </a:r>
+            <a:r>
+              <a:rPr lang="en-US" sz="1600" dirty="0" err="1" smtClean="0"/>
+              <a:t>typename</a:t>
+            </a:r>
+            <a:r>
+              <a:rPr lang="en-US" sz="1600" dirty="0" smtClean="0"/>
+              <a:t> Context, </a:t>
+            </a:r>
+            <a:r>
+              <a:rPr lang="en-US" sz="1600" dirty="0" err="1" smtClean="0"/>
+              <a:t>typename</a:t>
+            </a:r>
+            <a:r>
+              <a:rPr lang="en-US" sz="1600" dirty="0" smtClean="0"/>
+              <a:t> Attribute&gt;</a:t>
+            </a:r>
+          </a:p>
+          <a:p>
+            <a:pPr>
+              <a:buNone/>
+            </a:pPr>
+            <a:r>
+              <a:rPr lang="en-US" sz="1600" dirty="0" smtClean="0"/>
+              <a:t>    </a:t>
+            </a:r>
+            <a:r>
+              <a:rPr lang="en-US" sz="1600" dirty="0" err="1" smtClean="0"/>
+              <a:t>bool</a:t>
+            </a:r>
+            <a:r>
+              <a:rPr lang="en-US" sz="1600" dirty="0" smtClean="0"/>
+              <a:t> parse(</a:t>
+            </a:r>
+            <a:r>
+              <a:rPr lang="en-US" sz="1600" dirty="0" err="1" smtClean="0"/>
+              <a:t>Iterator</a:t>
+            </a:r>
+            <a:r>
+              <a:rPr lang="en-US" sz="1600" dirty="0" smtClean="0"/>
+              <a:t>&amp; first, </a:t>
+            </a:r>
+            <a:r>
+              <a:rPr lang="en-US" sz="1600" dirty="0" err="1" smtClean="0"/>
+              <a:t>Iterator</a:t>
+            </a:r>
+            <a:r>
+              <a:rPr lang="en-US" sz="1600" dirty="0" smtClean="0"/>
+              <a:t> const&amp; last, Context const&amp; context, Attribute&amp; </a:t>
+            </a:r>
+            <a:r>
+              <a:rPr lang="en-US" sz="1600" dirty="0" err="1" smtClean="0"/>
+              <a:t>attr</a:t>
+            </a:r>
+            <a:r>
+              <a:rPr lang="en-US" sz="1600" dirty="0" smtClean="0"/>
+              <a:t>) const;</a:t>
+            </a:r>
+          </a:p>
+          <a:p>
+            <a:pPr>
+              <a:buNone/>
+            </a:pPr>
+            <a:endParaRPr lang="en-US" sz="1600" dirty="0" smtClean="0"/>
+          </a:p>
+          <a:p>
+            <a:pPr>
+              <a:buNone/>
+            </a:pPr>
+            <a:r>
+              <a:rPr lang="en-US" sz="1600" dirty="0" smtClean="0"/>
+              <a:t>    template &lt;</a:t>
+            </a:r>
+            <a:r>
+              <a:rPr lang="en-US" sz="1600" dirty="0" err="1" smtClean="0"/>
+              <a:t>typename</a:t>
+            </a:r>
+            <a:r>
+              <a:rPr lang="en-US" sz="1600" dirty="0" smtClean="0"/>
+              <a:t> </a:t>
+            </a:r>
+            <a:r>
+              <a:rPr lang="en-US" sz="1600" dirty="0" err="1" smtClean="0"/>
+              <a:t>Iterator</a:t>
+            </a:r>
+            <a:r>
+              <a:rPr lang="en-US" sz="1600" dirty="0" smtClean="0"/>
+              <a:t>, </a:t>
+            </a:r>
+            <a:r>
+              <a:rPr lang="en-US" sz="1600" dirty="0" err="1" smtClean="0"/>
+              <a:t>typename</a:t>
+            </a:r>
+            <a:r>
+              <a:rPr lang="en-US" sz="1600" dirty="0" smtClean="0"/>
+              <a:t> Context&gt;</a:t>
+            </a:r>
+          </a:p>
+          <a:p>
+            <a:pPr>
+              <a:buNone/>
+            </a:pPr>
+            <a:r>
+              <a:rPr lang="en-US" sz="1600" dirty="0" smtClean="0"/>
+              <a:t>    </a:t>
+            </a:r>
+            <a:r>
+              <a:rPr lang="en-US" sz="1600" dirty="0" err="1" smtClean="0"/>
+              <a:t>bool</a:t>
+            </a:r>
+            <a:r>
+              <a:rPr lang="en-US" sz="1600" dirty="0" smtClean="0"/>
+              <a:t> parse(</a:t>
+            </a:r>
+            <a:r>
+              <a:rPr lang="en-US" sz="1600" dirty="0" err="1" smtClean="0"/>
+              <a:t>Iterator</a:t>
+            </a:r>
+            <a:r>
+              <a:rPr lang="en-US" sz="1600" dirty="0" smtClean="0"/>
+              <a:t>&amp; first, </a:t>
+            </a:r>
+            <a:r>
+              <a:rPr lang="en-US" sz="1600" dirty="0" err="1" smtClean="0"/>
+              <a:t>Iterator</a:t>
+            </a:r>
+            <a:r>
+              <a:rPr lang="en-US" sz="1600" dirty="0" smtClean="0"/>
+              <a:t> const&amp; last, Context const&amp; context, </a:t>
+            </a:r>
+            <a:r>
+              <a:rPr lang="en-US" sz="1600" dirty="0" err="1" smtClean="0"/>
+              <a:t>unused_type</a:t>
+            </a:r>
+            <a:r>
+              <a:rPr lang="en-US" sz="1600" dirty="0" smtClean="0"/>
+              <a:t>) const;</a:t>
+            </a:r>
+          </a:p>
+          <a:p>
+            <a:pPr>
+              <a:buNone/>
+            </a:pPr>
+            <a:r>
+              <a:rPr lang="en-US" sz="1600" dirty="0" smtClean="0"/>
+              <a:t>      </a:t>
+            </a:r>
+          </a:p>
+          <a:p>
+            <a:pPr>
+              <a:buNone/>
+            </a:pPr>
+            <a:r>
+              <a:rPr lang="en-US" sz="1600" dirty="0" smtClean="0"/>
+              <a:t>    Action f;</a:t>
+            </a:r>
+          </a:p>
+          <a:p>
+            <a:pPr>
+              <a:buNone/>
+            </a:pPr>
+            <a:r>
+              <a:rPr lang="en-US" sz="1600" dirty="0" smtClean="0"/>
+              <a:t>};</a:t>
+            </a:r>
+            <a:endParaRPr lang="en-US" sz="1600" dirty="0"/>
+          </a:p>
+        </p:txBody>
+      </p:sp>
+    </p:spTree>
+  </p:cSld>
+  <p:clrMapOvr>
+    <a:masterClrMapping/>
+  </p:clrMapOvr>
+  <p:transition>
+    <p:fade/>
+  </p:transition>
+  <p:timing>
+    <p:tnLst>
+      <p:par>
+        <p:cTn id="1" dur="indefinite" restart="never" nodeType="tmRoot"/>
+      </p:par>
+    </p:tnLst>
+  </p:timing>
+</p:sld>
+</file>
+
+<file path=ppt/slides/slide113.xml><?xml version="1.0" encoding="utf-8"?>
+<p:sld xmlns:a="http://schemas.openxmlformats.org/drawingml/2006/main" xmlns:r="http://schemas.openxmlformats.org/officeDocument/2006/relationships" xmlns:p="http://schemas.openxmlformats.org/presentationml/2006/main">
+  <p:cSld>
+    <p:spTree>
+      <p:nvGrpSpPr>
+        <p:cNvPr id="1" name=""/>
+        <p:cNvGrpSpPr/>
+        <p:nvPr/>
+      </p:nvGrpSpPr>
+      <p:grpSpPr>
+        <a:xfrm>
+          <a:off x="0" y="0"/>
+          <a:ext cx="0" cy="0"/>
+          <a:chOff x="0" y="0"/>
+          <a:chExt cx="0" cy="0"/>
+        </a:xfrm>
+      </p:grpSpPr>
+      <p:sp>
+        <p:nvSpPr>
+          <p:cNvPr id="2" name="Title 1"/>
+          <p:cNvSpPr>
+            <a:spLocks noGrp="1"/>
+          </p:cNvSpPr>
+          <p:nvPr>
+            <p:ph type="title"/>
+          </p:nvPr>
+        </p:nvSpPr>
+        <p:spPr/>
+        <p:txBody>
+          <a:bodyPr/>
+          <a:lstStyle/>
+          <a:p>
+            <a:r>
+              <a:rPr lang="en-US" dirty="0" smtClean="0"/>
               <a:t>Semantic Actions</a:t>
             </a:r>
             <a:endParaRPr lang="en-US" dirty="0"/>
@@ -12448,7 +13627,7 @@
 </p:sld>
 </file>
 
-<file path=ppt/slides/slide111.xml><?xml version="1.0" encoding="utf-8"?>
+<file path=ppt/slides/slide114.xml><?xml version="1.0" encoding="utf-8"?>
 <p:sld xmlns:a="http://schemas.openxmlformats.org/drawingml/2006/main" xmlns:r="http://schemas.openxmlformats.org/officeDocument/2006/relationships" xmlns:p="http://schemas.openxmlformats.org/presentationml/2006/main">
   <p:cSld>
     <p:spTree>
@@ -12925,7 +14104,7 @@
 </p:sld>
 </file>
 
-<file path=ppt/slides/slide112.xml><?xml version="1.0" encoding="utf-8"?>
+<file path=ppt/slides/slide115.xml><?xml version="1.0" encoding="utf-8"?>
 <p:sld xmlns:a="http://schemas.openxmlformats.org/drawingml/2006/main" xmlns:r="http://schemas.openxmlformats.org/officeDocument/2006/relationships" xmlns:p="http://schemas.openxmlformats.org/presentationml/2006/main">
   <p:cSld>
     <p:spTree>
@@ -13220,7 +14399,7 @@
 </p:sld>
 </file>
 
-<file path=ppt/slides/slide113.xml><?xml version="1.0" encoding="utf-8"?>
+<file path=ppt/slides/slide116.xml><?xml version="1.0" encoding="utf-8"?>
 <p:sld xmlns:a="http://schemas.openxmlformats.org/drawingml/2006/main" xmlns:r="http://schemas.openxmlformats.org/officeDocument/2006/relationships" xmlns:p="http://schemas.openxmlformats.org/presentationml/2006/main">
   <p:cSld>
     <p:spTree>
@@ -13772,7 +14951,7 @@
 </p:sld>
 </file>
 
-<file path=ppt/slides/slide114.xml><?xml version="1.0" encoding="utf-8"?>
+<file path=ppt/slides/slide117.xml><?xml version="1.0" encoding="utf-8"?>
 <p:sld xmlns:a="http://schemas.openxmlformats.org/drawingml/2006/main" xmlns:r="http://schemas.openxmlformats.org/officeDocument/2006/relationships" xmlns:p="http://schemas.openxmlformats.org/presentationml/2006/main">
   <p:cSld>
     <p:spTree>
@@ -14011,7 +15190,7 @@
 </p:sld>
 </file>
 
-<file path=ppt/slides/slide115.xml><?xml version="1.0" encoding="utf-8"?>
+<file path=ppt/slides/slide118.xml><?xml version="1.0" encoding="utf-8"?>
 <p:sld xmlns:a="http://schemas.openxmlformats.org/drawingml/2006/main" xmlns:r="http://schemas.openxmlformats.org/officeDocument/2006/relationships" xmlns:p="http://schemas.openxmlformats.org/presentationml/2006/main">
   <p:cSld>
     <p:spTree>
@@ -14795,7 +15974,7 @@
 </p:sld>
 </file>
 
-<file path=ppt/slides/slide116.xml><?xml version="1.0" encoding="utf-8"?>
+<file path=ppt/slides/slide119.xml><?xml version="1.0" encoding="utf-8"?>
 <p:sld xmlns:a="http://schemas.openxmlformats.org/drawingml/2006/main" xmlns:r="http://schemas.openxmlformats.org/officeDocument/2006/relationships" xmlns:p="http://schemas.openxmlformats.org/presentationml/2006/main">
   <p:cSld>
     <p:spTree>
@@ -14940,210 +16119,6 @@
               <a:rPr lang="en-US" sz="2000" dirty="0" smtClean="0"/>
               <a:t>    ;</a:t>
             </a:r>
-          </a:p>
-        </p:txBody>
-      </p:sp>
-    </p:spTree>
-  </p:cSld>
-  <p:clrMapOvr>
-    <a:masterClrMapping/>
-  </p:clrMapOvr>
-  <p:transition>
-    <p:fade/>
-  </p:transition>
-  <p:timing>
-    <p:tnLst>
-      <p:par>
-        <p:cTn id="1" dur="indefinite" restart="never" nodeType="tmRoot"/>
-      </p:par>
-    </p:tnLst>
-  </p:timing>
-</p:sld>
-</file>
-
-<file path=ppt/slides/slide117.xml><?xml version="1.0" encoding="utf-8"?>
-<p:sld xmlns:a="http://schemas.openxmlformats.org/drawingml/2006/main" xmlns:r="http://schemas.openxmlformats.org/officeDocument/2006/relationships" xmlns:p="http://schemas.openxmlformats.org/presentationml/2006/main">
-  <p:cSld>
-    <p:spTree>
-      <p:nvGrpSpPr>
-        <p:cNvPr id="1" name=""/>
-        <p:cNvGrpSpPr/>
-        <p:nvPr/>
-      </p:nvGrpSpPr>
-      <p:grpSpPr>
-        <a:xfrm>
-          <a:off x="0" y="0"/>
-          <a:ext cx="0" cy="0"/>
-          <a:chOff x="0" y="0"/>
-          <a:chExt cx="0" cy="0"/>
-        </a:xfrm>
-      </p:grpSpPr>
-      <p:sp>
-        <p:nvSpPr>
-          <p:cNvPr id="2" name="Title 1"/>
-          <p:cNvSpPr>
-            <a:spLocks noGrp="1"/>
-          </p:cNvSpPr>
-          <p:nvPr>
-            <p:ph type="title"/>
-          </p:nvPr>
-        </p:nvSpPr>
-        <p:spPr/>
-        <p:txBody>
-          <a:bodyPr/>
-          <a:lstStyle/>
-          <a:p>
-            <a:r>
-              <a:rPr lang="en-US" dirty="0" smtClean="0"/>
-              <a:t>Wrapping Up</a:t>
-            </a:r>
-            <a:endParaRPr lang="en-US" dirty="0"/>
-          </a:p>
-        </p:txBody>
-      </p:sp>
-      <p:sp>
-        <p:nvSpPr>
-          <p:cNvPr id="3" name="Text Placeholder 2"/>
-          <p:cNvSpPr>
-            <a:spLocks noGrp="1"/>
-          </p:cNvSpPr>
-          <p:nvPr>
-            <p:ph type="body" sz="quarter" idx="10"/>
-          </p:nvPr>
-        </p:nvSpPr>
-        <p:spPr>
-          <a:xfrm>
-            <a:off x="381000" y="1411552"/>
-            <a:ext cx="8382000" cy="3896451"/>
-          </a:xfrm>
-        </p:spPr>
-        <p:txBody>
-          <a:bodyPr/>
-          <a:lstStyle/>
-          <a:p>
-            <a:r>
-              <a:rPr lang="en-US" dirty="0" smtClean="0"/>
-              <a:t>Spirit X3 is Evolving</a:t>
-            </a:r>
-          </a:p>
-          <a:p>
-            <a:r>
-              <a:rPr lang="en-US" dirty="0" smtClean="0">
-                <a:hlinkClick r:id="rId2"/>
-              </a:rPr>
-              <a:t>https://github.com/djowel/spirit_x3</a:t>
-            </a:r>
-            <a:endParaRPr lang="en-US" dirty="0" smtClean="0"/>
-          </a:p>
-          <a:p>
-            <a:r>
-              <a:rPr lang="en-US" dirty="0" smtClean="0"/>
-              <a:t>Contributors! We need you!</a:t>
-            </a:r>
-          </a:p>
-          <a:p>
-            <a:pPr lvl="1"/>
-            <a:r>
-              <a:rPr lang="en-US" dirty="0" smtClean="0"/>
-              <a:t>Documentation / Tutorials</a:t>
-            </a:r>
-          </a:p>
-          <a:p>
-            <a:pPr lvl="1"/>
-            <a:r>
-              <a:rPr lang="en-US" dirty="0" smtClean="0"/>
-              <a:t>Porting Karma</a:t>
-            </a:r>
-          </a:p>
-          <a:p>
-            <a:pPr lvl="1"/>
-            <a:r>
-              <a:rPr lang="en-US" dirty="0" smtClean="0"/>
-              <a:t>Porting </a:t>
-            </a:r>
-            <a:r>
-              <a:rPr lang="en-US" dirty="0" err="1" smtClean="0"/>
-              <a:t>Lex</a:t>
-            </a:r>
-            <a:endParaRPr lang="en-US" dirty="0" smtClean="0"/>
-          </a:p>
-          <a:p>
-            <a:pPr lvl="1"/>
-            <a:r>
-              <a:rPr lang="en-US" dirty="0" smtClean="0"/>
-              <a:t>Testing, Benchmarks</a:t>
-            </a:r>
-          </a:p>
-          <a:p>
-            <a:pPr lvl="1"/>
-            <a:r>
-              <a:rPr lang="en-US" dirty="0" smtClean="0"/>
-              <a:t>Fun stuff! (Experimental Research)</a:t>
-            </a:r>
-          </a:p>
-        </p:txBody>
-      </p:sp>
-    </p:spTree>
-  </p:cSld>
-  <p:clrMapOvr>
-    <a:masterClrMapping/>
-  </p:clrMapOvr>
-  <p:transition>
-    <p:fade/>
-  </p:transition>
-  <p:timing>
-    <p:tnLst>
-      <p:par>
-        <p:cTn id="1" dur="indefinite" restart="never" nodeType="tmRoot"/>
-      </p:par>
-    </p:tnLst>
-  </p:timing>
-</p:sld>
-</file>
-
-<file path=ppt/slides/slide118.xml><?xml version="1.0" encoding="utf-8"?>
-<p:sld xmlns:a="http://schemas.openxmlformats.org/drawingml/2006/main" xmlns:r="http://schemas.openxmlformats.org/officeDocument/2006/relationships" xmlns:p="http://schemas.openxmlformats.org/presentationml/2006/main">
-  <p:cSld>
-    <p:spTree>
-      <p:nvGrpSpPr>
-        <p:cNvPr id="1" name=""/>
-        <p:cNvGrpSpPr/>
-        <p:nvPr/>
-      </p:nvGrpSpPr>
-      <p:grpSpPr>
-        <a:xfrm>
-          <a:off x="0" y="0"/>
-          <a:ext cx="0" cy="0"/>
-          <a:chOff x="0" y="0"/>
-          <a:chExt cx="0" cy="0"/>
-        </a:xfrm>
-      </p:grpSpPr>
-      <p:sp>
-        <p:nvSpPr>
-          <p:cNvPr id="2" name="Title 1"/>
-          <p:cNvSpPr>
-            <a:spLocks noGrp="1"/>
-          </p:cNvSpPr>
-          <p:nvPr>
-            <p:ph type="ctrTitle"/>
-          </p:nvPr>
-        </p:nvSpPr>
-        <p:spPr>
-          <a:xfrm>
-            <a:off x="730250" y="2438400"/>
-            <a:ext cx="7681913" cy="990095"/>
-          </a:xfrm>
-        </p:spPr>
-        <p:txBody>
-          <a:bodyPr/>
-          <a:lstStyle/>
-          <a:p>
-            <a:pPr algn="ctr"/>
-            <a:r>
-              <a:rPr lang="en-US" dirty="0" smtClean="0"/>
-              <a:t>THANK YOU!!!</a:t>
-            </a:r>
-            <a:endParaRPr lang="en-US" dirty="0"/>
           </a:p>
         </p:txBody>
       </p:sp>
@@ -15924,6 +16899,210 @@
               </a:rPr>
               <a:t>sequence</a:t>
             </a:r>
+          </a:p>
+        </p:txBody>
+      </p:sp>
+    </p:spTree>
+  </p:cSld>
+  <p:clrMapOvr>
+    <a:masterClrMapping/>
+  </p:clrMapOvr>
+  <p:transition>
+    <p:fade/>
+  </p:transition>
+  <p:timing>
+    <p:tnLst>
+      <p:par>
+        <p:cTn id="1" dur="indefinite" restart="never" nodeType="tmRoot"/>
+      </p:par>
+    </p:tnLst>
+  </p:timing>
+</p:sld>
+</file>
+
+<file path=ppt/slides/slide120.xml><?xml version="1.0" encoding="utf-8"?>
+<p:sld xmlns:a="http://schemas.openxmlformats.org/drawingml/2006/main" xmlns:r="http://schemas.openxmlformats.org/officeDocument/2006/relationships" xmlns:p="http://schemas.openxmlformats.org/presentationml/2006/main">
+  <p:cSld>
+    <p:spTree>
+      <p:nvGrpSpPr>
+        <p:cNvPr id="1" name=""/>
+        <p:cNvGrpSpPr/>
+        <p:nvPr/>
+      </p:nvGrpSpPr>
+      <p:grpSpPr>
+        <a:xfrm>
+          <a:off x="0" y="0"/>
+          <a:ext cx="0" cy="0"/>
+          <a:chOff x="0" y="0"/>
+          <a:chExt cx="0" cy="0"/>
+        </a:xfrm>
+      </p:grpSpPr>
+      <p:sp>
+        <p:nvSpPr>
+          <p:cNvPr id="2" name="Title 1"/>
+          <p:cNvSpPr>
+            <a:spLocks noGrp="1"/>
+          </p:cNvSpPr>
+          <p:nvPr>
+            <p:ph type="title"/>
+          </p:nvPr>
+        </p:nvSpPr>
+        <p:spPr/>
+        <p:txBody>
+          <a:bodyPr/>
+          <a:lstStyle/>
+          <a:p>
+            <a:r>
+              <a:rPr lang="en-US" dirty="0" smtClean="0"/>
+              <a:t>Wrapping Up</a:t>
+            </a:r>
+            <a:endParaRPr lang="en-US" dirty="0"/>
+          </a:p>
+        </p:txBody>
+      </p:sp>
+      <p:sp>
+        <p:nvSpPr>
+          <p:cNvPr id="3" name="Text Placeholder 2"/>
+          <p:cNvSpPr>
+            <a:spLocks noGrp="1"/>
+          </p:cNvSpPr>
+          <p:nvPr>
+            <p:ph type="body" sz="quarter" idx="10"/>
+          </p:nvPr>
+        </p:nvSpPr>
+        <p:spPr>
+          <a:xfrm>
+            <a:off x="381000" y="1411552"/>
+            <a:ext cx="8382000" cy="3896451"/>
+          </a:xfrm>
+        </p:spPr>
+        <p:txBody>
+          <a:bodyPr/>
+          <a:lstStyle/>
+          <a:p>
+            <a:r>
+              <a:rPr lang="en-US" dirty="0" smtClean="0"/>
+              <a:t>Spirit X3 is Evolving</a:t>
+            </a:r>
+          </a:p>
+          <a:p>
+            <a:r>
+              <a:rPr lang="en-US" dirty="0" smtClean="0">
+                <a:hlinkClick r:id="rId2"/>
+              </a:rPr>
+              <a:t>https://github.com/djowel/spirit_x3</a:t>
+            </a:r>
+            <a:endParaRPr lang="en-US" dirty="0" smtClean="0"/>
+          </a:p>
+          <a:p>
+            <a:r>
+              <a:rPr lang="en-US" dirty="0" smtClean="0"/>
+              <a:t>Contributors! We need you!</a:t>
+            </a:r>
+          </a:p>
+          <a:p>
+            <a:pPr lvl="1"/>
+            <a:r>
+              <a:rPr lang="en-US" dirty="0" smtClean="0"/>
+              <a:t>Documentation / Tutorials</a:t>
+            </a:r>
+          </a:p>
+          <a:p>
+            <a:pPr lvl="1"/>
+            <a:r>
+              <a:rPr lang="en-US" dirty="0" smtClean="0"/>
+              <a:t>Porting Karma</a:t>
+            </a:r>
+          </a:p>
+          <a:p>
+            <a:pPr lvl="1"/>
+            <a:r>
+              <a:rPr lang="en-US" dirty="0" smtClean="0"/>
+              <a:t>Porting </a:t>
+            </a:r>
+            <a:r>
+              <a:rPr lang="en-US" dirty="0" err="1" smtClean="0"/>
+              <a:t>Lex</a:t>
+            </a:r>
+            <a:endParaRPr lang="en-US" dirty="0" smtClean="0"/>
+          </a:p>
+          <a:p>
+            <a:pPr lvl="1"/>
+            <a:r>
+              <a:rPr lang="en-US" dirty="0" smtClean="0"/>
+              <a:t>Testing, Benchmarks</a:t>
+            </a:r>
+          </a:p>
+          <a:p>
+            <a:pPr lvl="1"/>
+            <a:r>
+              <a:rPr lang="en-US" dirty="0" smtClean="0"/>
+              <a:t>Fun stuff! (Experimental Research)</a:t>
+            </a:r>
+          </a:p>
+        </p:txBody>
+      </p:sp>
+    </p:spTree>
+  </p:cSld>
+  <p:clrMapOvr>
+    <a:masterClrMapping/>
+  </p:clrMapOvr>
+  <p:transition>
+    <p:fade/>
+  </p:transition>
+  <p:timing>
+    <p:tnLst>
+      <p:par>
+        <p:cTn id="1" dur="indefinite" restart="never" nodeType="tmRoot"/>
+      </p:par>
+    </p:tnLst>
+  </p:timing>
+</p:sld>
+</file>
+
+<file path=ppt/slides/slide121.xml><?xml version="1.0" encoding="utf-8"?>
+<p:sld xmlns:a="http://schemas.openxmlformats.org/drawingml/2006/main" xmlns:r="http://schemas.openxmlformats.org/officeDocument/2006/relationships" xmlns:p="http://schemas.openxmlformats.org/presentationml/2006/main">
+  <p:cSld>
+    <p:spTree>
+      <p:nvGrpSpPr>
+        <p:cNvPr id="1" name=""/>
+        <p:cNvGrpSpPr/>
+        <p:nvPr/>
+      </p:nvGrpSpPr>
+      <p:grpSpPr>
+        <a:xfrm>
+          <a:off x="0" y="0"/>
+          <a:ext cx="0" cy="0"/>
+          <a:chOff x="0" y="0"/>
+          <a:chExt cx="0" cy="0"/>
+        </a:xfrm>
+      </p:grpSpPr>
+      <p:sp>
+        <p:nvSpPr>
+          <p:cNvPr id="2" name="Title 1"/>
+          <p:cNvSpPr>
+            <a:spLocks noGrp="1"/>
+          </p:cNvSpPr>
+          <p:nvPr>
+            <p:ph type="ctrTitle"/>
+          </p:nvPr>
+        </p:nvSpPr>
+        <p:spPr>
+          <a:xfrm>
+            <a:off x="730250" y="2438400"/>
+            <a:ext cx="7681913" cy="990095"/>
+          </a:xfrm>
+        </p:spPr>
+        <p:txBody>
+          <a:bodyPr/>
+          <a:lstStyle/>
+          <a:p>
+            <a:pPr algn="ctr"/>
+            <a:r>
+              <a:rPr lang="en-US" dirty="0" smtClean="0"/>
+              <a:t>THANK YOU!!!</a:t>
+            </a:r>
+            <a:endParaRPr lang="en-US" dirty="0"/>
           </a:p>
         </p:txBody>
       </p:sp>
@@ -23558,11 +24737,7 @@
           <a:p>
             <a:r>
               <a:rPr lang="en-US" dirty="0" smtClean="0"/>
-              <a:t>Minimal code base and </a:t>
-            </a:r>
-            <a:r>
-              <a:rPr lang="en-US" dirty="0" smtClean="0"/>
-              <a:t>dependencies</a:t>
+              <a:t>Minimal code base and dependencies</a:t>
             </a:r>
           </a:p>
           <a:p>
@@ -23592,7 +24767,6 @@
               <a:rPr lang="en-US" dirty="0" smtClean="0"/>
               <a:t>Proto?</a:t>
             </a:r>
-            <a:endParaRPr lang="en-US" dirty="0" smtClean="0"/>
           </a:p>
           <a:p>
             <a:r>

--- a/libs/spirit/doc/cppnow_2013/Inside Spirit X3.pptx
+++ b/libs/spirit/doc/cppnow_2013/Inside Spirit X3.pptx
@@ -663,7 +663,7 @@
             <a:fld id="{81331B57-0BE5-4F82-AA58-76F53EFF3ADA}" type="datetime8">
               <a:rPr lang="en-US" smtClean="0"/>
               <a:pPr/>
-              <a:t>5/15/2013 11:25 AM</a:t>
+              <a:t>5/15/2013 8:20 PM</a:t>
             </a:fld>
             <a:endParaRPr lang="en-US" dirty="0"/>
           </a:p>
@@ -1118,7 +1118,7 @@
             <a:fld id="{81331B57-0BE5-4F82-AA58-76F53EFF3ADA}" type="datetime8">
               <a:rPr lang="en-US" smtClean="0"/>
               <a:pPr/>
-              <a:t>5/15/2013 11:25 AM</a:t>
+              <a:t>5/15/2013 8:20 PM</a:t>
             </a:fld>
             <a:endParaRPr lang="en-US"/>
           </a:p>
@@ -5722,11 +5722,7 @@
           <a:p>
             <a:r>
               <a:rPr lang="en-US" sz="3600" dirty="0" smtClean="0"/>
-              <a:t>factor </a:t>
-            </a:r>
-            <a:r>
-              <a:rPr lang="en-US" sz="3600" dirty="0" smtClean="0"/>
-              <a:t>	←	integer   /    ‘(‘    </a:t>
+              <a:t>factor 	←	integer   /    ‘(‘    </a:t>
             </a:r>
             <a:r>
               <a:rPr lang="en-US" sz="3600" dirty="0" err="1" smtClean="0"/>
@@ -9706,11 +9702,7 @@
           <a:p>
             <a:r>
               <a:rPr lang="en-US" sz="3600" dirty="0" smtClean="0"/>
-              <a:t>factor </a:t>
-            </a:r>
-            <a:r>
-              <a:rPr lang="en-US" sz="3600" dirty="0" smtClean="0"/>
-              <a:t>	←	integer   /    ‘(‘    </a:t>
+              <a:t>factor 	←	integer   /    ‘(‘    </a:t>
             </a:r>
             <a:r>
               <a:rPr lang="en-US" sz="3600" dirty="0" err="1" smtClean="0"/>
@@ -12811,11 +12803,7 @@
             </a:pPr>
             <a:r>
               <a:rPr lang="en-US" dirty="0" smtClean="0"/>
-              <a:t>template </a:t>
-            </a:r>
-            <a:r>
-              <a:rPr lang="en-US" dirty="0" smtClean="0"/>
-              <a:t>&lt;</a:t>
+              <a:t>template &lt;</a:t>
             </a:r>
             <a:r>
               <a:rPr lang="en-US" dirty="0" err="1" smtClean="0"/>
@@ -14250,11 +14238,7 @@
           <a:p>
             <a:r>
               <a:rPr lang="en-US" dirty="0" smtClean="0"/>
-              <a:t>Let’s </a:t>
-            </a:r>
-            <a:r>
-              <a:rPr lang="en-US" dirty="0" smtClean="0"/>
-              <a:t>Build a Toy Spirit X3</a:t>
+              <a:t>Let’s Build a Toy Spirit X3</a:t>
             </a:r>
           </a:p>
           <a:p>
@@ -18245,11 +18229,7 @@
             </a:r>
             <a:r>
               <a:rPr lang="en-US" sz="2000" dirty="0" smtClean="0"/>
-              <a:t>::</a:t>
-            </a:r>
-            <a:r>
-              <a:rPr lang="en-US" sz="2000" dirty="0" smtClean="0"/>
-              <a:t>identity&lt;</a:t>
+              <a:t>::identity&lt;</a:t>
             </a:r>
             <a:r>
               <a:rPr lang="en-US" sz="2000" dirty="0" err="1" smtClean="0"/>
@@ -18637,15 +18617,7 @@
                   <a:schemeClr val="accent4"/>
                 </a:solidFill>
               </a:rPr>
-              <a:t>::</a:t>
-            </a:r>
-            <a:r>
-              <a:rPr lang="en-US" sz="2000" dirty="0" smtClean="0">
-                <a:solidFill>
-                  <a:schemeClr val="accent4"/>
-                </a:solidFill>
-              </a:rPr>
-              <a:t>identity&lt;</a:t>
+              <a:t>::identity&lt;</a:t>
             </a:r>
             <a:r>
               <a:rPr lang="en-US" sz="2000" dirty="0" err="1" smtClean="0">
@@ -20126,6 +20098,12 @@
           </a:p>
           <a:p>
             <a:r>
+              <a:rPr lang="en-US" dirty="0" smtClean="0"/>
+              <a:t>C++11</a:t>
+            </a:r>
+          </a:p>
+          <a:p>
+            <a:r>
               <a:rPr lang="en-US" dirty="0" err="1" smtClean="0"/>
               <a:t>Hackable</a:t>
             </a:r>
@@ -20171,20 +20149,124 @@
           <a:p>
             <a:r>
               <a:rPr lang="en-US" dirty="0" smtClean="0"/>
-              <a:t>Faster compile times</a:t>
+              <a:t>Better error handling</a:t>
             </a:r>
           </a:p>
           <a:p>
             <a:r>
               <a:rPr lang="en-US" dirty="0" smtClean="0"/>
-              <a:t>Better error handling</a:t>
-            </a:r>
-          </a:p>
-          <a:p>
+              <a:t>Faster </a:t>
+            </a:r>
             <a:r>
               <a:rPr lang="en-US" dirty="0" smtClean="0"/>
-              <a:t>C++11</a:t>
-            </a:r>
+              <a:t>compile </a:t>
+            </a:r>
+            <a:r>
+              <a:rPr lang="en-US" dirty="0" smtClean="0"/>
+              <a:t>times</a:t>
+            </a:r>
+            <a:endParaRPr lang="en-US" dirty="0" smtClean="0"/>
+          </a:p>
+        </p:txBody>
+      </p:sp>
+      <p:sp>
+        <p:nvSpPr>
+          <p:cNvPr id="4" name="Rectangle 3"/>
+          <p:cNvSpPr/>
+          <p:nvPr/>
+        </p:nvSpPr>
+        <p:spPr bwMode="auto">
+          <a:xfrm>
+            <a:off x="3886200" y="3733800"/>
+            <a:ext cx="4419600" cy="1219200"/>
+          </a:xfrm>
+          <a:prstGeom prst="rect">
+            <a:avLst/>
+          </a:prstGeom>
+          <a:ln>
+            <a:headEnd type="none" w="med" len="med"/>
+            <a:tailEnd type="none" w="med" len="med"/>
+          </a:ln>
+        </p:spPr>
+        <p:style>
+          <a:lnRef idx="1">
+            <a:schemeClr val="accent2"/>
+          </a:lnRef>
+          <a:fillRef idx="3">
+            <a:schemeClr val="accent2"/>
+          </a:fillRef>
+          <a:effectRef idx="2">
+            <a:schemeClr val="accent2"/>
+          </a:effectRef>
+          <a:fontRef idx="minor">
+            <a:schemeClr val="lt1"/>
+          </a:fontRef>
+        </p:style>
+        <p:txBody>
+          <a:bodyPr vert="horz" wrap="square" lIns="91436" tIns="45718" rIns="91436" bIns="45718" numCol="1" rtlCol="0" anchor="ctr" anchorCtr="0" compatLnSpc="1">
+            <a:prstTxWarp prst="textNoShape">
+              <a:avLst/>
+            </a:prstTxWarp>
+          </a:bodyPr>
+          <a:lstStyle/>
+          <a:p>
+            <a:pPr algn="ctr"/>
+            <a:r>
+              <a:rPr lang="en-US" sz="2800" dirty="0" smtClean="0"/>
+              <a:t>c</a:t>
+            </a:r>
+            <a:r>
+              <a:rPr lang="en-US" sz="2800" dirty="0" smtClean="0"/>
+              <a:t>alc4.cpp example</a:t>
+            </a:r>
+          </a:p>
+          <a:p>
+            <a:pPr algn="ctr"/>
+            <a:r>
+              <a:rPr lang="en-US" sz="2800" dirty="0" smtClean="0"/>
+              <a:t>SpiritX3</a:t>
+            </a:r>
+            <a:r>
+              <a:rPr lang="en-US" sz="2800" dirty="0" smtClean="0"/>
+              <a:t>: TOTAL :   4.27 </a:t>
+            </a:r>
+            <a:r>
+              <a:rPr lang="en-US" sz="2800" dirty="0" err="1" smtClean="0"/>
+              <a:t>secs</a:t>
+            </a:r>
+            <a:endParaRPr lang="en-US" sz="2800" dirty="0" smtClean="0"/>
+          </a:p>
+          <a:p>
+            <a:pPr algn="ctr"/>
+            <a:r>
+              <a:rPr lang="en-US" sz="2800" dirty="0" smtClean="0"/>
+              <a:t>Spirit2</a:t>
+            </a:r>
+            <a:r>
+              <a:rPr lang="en-US" sz="2800" dirty="0" smtClean="0"/>
+              <a:t>:  TOTAL :  10.00 </a:t>
+            </a:r>
+            <a:r>
+              <a:rPr lang="en-US" sz="2800" dirty="0" err="1" smtClean="0"/>
+              <a:t>secs</a:t>
+            </a:r>
+            <a:r>
+              <a:rPr lang="en-US" sz="2800" dirty="0" smtClean="0"/>
+              <a:t> </a:t>
+            </a:r>
+            <a:endParaRPr lang="en-US" sz="2400" dirty="0" smtClean="0">
+              <a:solidFill>
+                <a:srgbClr val="FFFFFF"/>
+              </a:solidFill>
+              <a:effectLst>
+                <a:outerShdw blurRad="38100" dist="38100" dir="2700000" algn="tl">
+                  <a:srgbClr val="000000">
+                    <a:alpha val="43137"/>
+                  </a:srgbClr>
+                </a:outerShdw>
+              </a:effectLst>
+              <a:latin typeface="Segoe" pitchFamily="34" charset="0"/>
+            </a:endParaRPr>
           </a:p>
         </p:txBody>
       </p:sp>
@@ -20199,9 +20281,126 @@
   <p:timing>
     <p:tnLst>
       <p:par>
-        <p:cTn id="1" dur="indefinite" restart="never" nodeType="tmRoot"/>
+        <p:cTn id="1" dur="indefinite" restart="never" nodeType="tmRoot">
+          <p:childTnLst>
+            <p:seq concurrent="1" nextAc="seek">
+              <p:cTn id="2" dur="indefinite" nodeType="mainSeq">
+                <p:childTnLst>
+                  <p:par>
+                    <p:cTn id="3" fill="hold">
+                      <p:stCondLst>
+                        <p:cond delay="indefinite"/>
+                      </p:stCondLst>
+                      <p:childTnLst>
+                        <p:par>
+                          <p:cTn id="4" fill="hold">
+                            <p:stCondLst>
+                              <p:cond delay="0"/>
+                            </p:stCondLst>
+                            <p:childTnLst>
+                              <p:par>
+                                <p:cTn id="5" presetID="2" presetClass="entr" presetSubtype="4" fill="hold" grpId="0" nodeType="clickEffect">
+                                  <p:stCondLst>
+                                    <p:cond delay="0"/>
+                                  </p:stCondLst>
+                                  <p:childTnLst>
+                                    <p:set>
+                                      <p:cBhvr>
+                                        <p:cTn id="6" dur="1" fill="hold">
+                                          <p:stCondLst>
+                                            <p:cond delay="0"/>
+                                          </p:stCondLst>
+                                        </p:cTn>
+                                        <p:tgtEl>
+                                          <p:spTgt spid="4"/>
+                                        </p:tgtEl>
+                                        <p:attrNameLst>
+                                          <p:attrName>style.visibility</p:attrName>
+                                        </p:attrNameLst>
+                                      </p:cBhvr>
+                                      <p:to>
+                                        <p:strVal val="visible"/>
+                                      </p:to>
+                                    </p:set>
+                                    <p:anim calcmode="lin" valueType="num">
+                                      <p:cBhvr additive="base">
+                                        <p:cTn id="7" dur="500" fill="hold"/>
+                                        <p:tgtEl>
+                                          <p:spTgt spid="4"/>
+                                        </p:tgtEl>
+                                        <p:attrNameLst>
+                                          <p:attrName>ppt_x</p:attrName>
+                                        </p:attrNameLst>
+                                      </p:cBhvr>
+                                      <p:tavLst>
+                                        <p:tav tm="0">
+                                          <p:val>
+                                            <p:strVal val="#ppt_x"/>
+                                          </p:val>
+                                        </p:tav>
+                                        <p:tav tm="100000">
+                                          <p:val>
+                                            <p:strVal val="#ppt_x"/>
+                                          </p:val>
+                                        </p:tav>
+                                      </p:tavLst>
+                                    </p:anim>
+                                    <p:anim calcmode="lin" valueType="num">
+                                      <p:cBhvr additive="base">
+                                        <p:cTn id="8" dur="500" fill="hold"/>
+                                        <p:tgtEl>
+                                          <p:spTgt spid="4"/>
+                                        </p:tgtEl>
+                                        <p:attrNameLst>
+                                          <p:attrName>ppt_y</p:attrName>
+                                        </p:attrNameLst>
+                                      </p:cBhvr>
+                                      <p:tavLst>
+                                        <p:tav tm="0">
+                                          <p:val>
+                                            <p:strVal val="1+#ppt_h/2"/>
+                                          </p:val>
+                                        </p:tav>
+                                        <p:tav tm="100000">
+                                          <p:val>
+                                            <p:strVal val="#ppt_y"/>
+                                          </p:val>
+                                        </p:tav>
+                                      </p:tavLst>
+                                    </p:anim>
+                                  </p:childTnLst>
+                                </p:cTn>
+                              </p:par>
+                            </p:childTnLst>
+                          </p:cTn>
+                        </p:par>
+                      </p:childTnLst>
+                    </p:cTn>
+                  </p:par>
+                </p:childTnLst>
+              </p:cTn>
+              <p:prevCondLst>
+                <p:cond evt="onPrev" delay="0">
+                  <p:tgtEl>
+                    <p:sldTgt/>
+                  </p:tgtEl>
+                </p:cond>
+              </p:prevCondLst>
+              <p:nextCondLst>
+                <p:cond evt="onNext" delay="0">
+                  <p:tgtEl>
+                    <p:sldTgt/>
+                  </p:tgtEl>
+                </p:cond>
+              </p:nextCondLst>
+            </p:seq>
+          </p:childTnLst>
+        </p:cTn>
       </p:par>
     </p:tnLst>
+    <p:bldLst>
+      <p:bldP spid="4" grpId="0" animBg="1"/>
+    </p:bldLst>
   </p:timing>
 </p:sld>
 </file>
@@ -21849,27 +22048,7 @@
             <a:pPr lvl="1"/>
             <a:r>
               <a:rPr lang="en-US" sz="2000" dirty="0" smtClean="0"/>
-              <a:t>a -&gt; </a:t>
-            </a:r>
-            <a:r>
-              <a:rPr lang="en-US" sz="2000" dirty="0" smtClean="0"/>
-              <a:t>T</a:t>
-            </a:r>
-            <a:r>
-              <a:rPr lang="en-US" sz="2000" dirty="0" smtClean="0"/>
-              <a:t>, </a:t>
-            </a:r>
-            <a:r>
-              <a:rPr lang="en-US" sz="2000" dirty="0" smtClean="0"/>
-              <a:t>b -&gt; </a:t>
-            </a:r>
-            <a:r>
-              <a:rPr lang="en-US" sz="2000" dirty="0" smtClean="0"/>
-              <a:t>U </a:t>
-            </a:r>
-            <a:r>
-              <a:rPr lang="en-US" sz="2000" dirty="0" smtClean="0"/>
-              <a:t>	 	→ 	(a &gt;&gt; b) -&gt; </a:t>
+              <a:t>a -&gt; T, b -&gt; U 	 	→ 	(a &gt;&gt; b) -&gt; </a:t>
             </a:r>
             <a:r>
               <a:rPr lang="en-US" sz="2000" dirty="0" err="1" smtClean="0"/>
@@ -21877,19 +22056,7 @@
             </a:r>
             <a:r>
               <a:rPr lang="en-US" sz="2000" dirty="0" smtClean="0"/>
-              <a:t>&lt;T, </a:t>
-            </a:r>
-            <a:r>
-              <a:rPr lang="en-US" sz="2000" dirty="0" smtClean="0"/>
-              <a:t>U</a:t>
-            </a:r>
-            <a:r>
-              <a:rPr lang="en-US" sz="2000" dirty="0" smtClean="0"/>
-              <a:t>&gt;</a:t>
-            </a:r>
-            <a:r>
-              <a:rPr lang="en-US" sz="2000" dirty="0" smtClean="0"/>
-              <a:t/>
+              <a:t>&lt;T, U&gt;</a:t>
             </a:r>
             <a:br>
               <a:rPr lang="en-US" sz="2000" dirty="0" smtClean="0"/>
@@ -21906,79 +22073,21 @@
             <a:pPr lvl="1"/>
             <a:r>
               <a:rPr lang="en-US" sz="2000" dirty="0" smtClean="0"/>
-              <a:t>a</a:t>
-            </a:r>
-            <a:r>
-              <a:rPr lang="en-US" sz="2000" dirty="0" smtClean="0"/>
-              <a:t> -&gt; T, b -&gt;unused</a:t>
-            </a:r>
-            <a:r>
-              <a:rPr lang="en-US" sz="2000" dirty="0" smtClean="0"/>
-              <a:t>	</a:t>
-            </a:r>
-            <a:r>
-              <a:rPr lang="en-US" sz="2000" dirty="0" smtClean="0"/>
-              <a:t>	→</a:t>
-            </a:r>
-            <a:r>
-              <a:rPr lang="en-US" sz="2000" dirty="0" smtClean="0"/>
-              <a:t>	</a:t>
-            </a:r>
-            <a:r>
-              <a:rPr lang="en-US" sz="2000" dirty="0" smtClean="0"/>
-              <a:t>T</a:t>
-            </a:r>
-            <a:endParaRPr lang="en-US" sz="2000" dirty="0" smtClean="0"/>
+              <a:t>a -&gt; T, b -&gt;unused		→	T</a:t>
+            </a:r>
           </a:p>
           <a:p>
             <a:pPr lvl="1"/>
             <a:r>
               <a:rPr lang="en-US" sz="2000" dirty="0" smtClean="0"/>
-              <a:t>a</a:t>
-            </a:r>
-            <a:r>
-              <a:rPr lang="en-US" sz="2000" dirty="0" smtClean="0"/>
-              <a:t> -&gt; unused</a:t>
-            </a:r>
-            <a:r>
-              <a:rPr lang="en-US" sz="2000" dirty="0" smtClean="0"/>
-              <a:t>, </a:t>
-            </a:r>
-            <a:r>
-              <a:rPr lang="en-US" sz="2000" dirty="0" smtClean="0"/>
-              <a:t>b -&gt;U</a:t>
-            </a:r>
-            <a:r>
-              <a:rPr lang="en-US" sz="2000" dirty="0" smtClean="0"/>
-              <a:t>	</a:t>
-            </a:r>
-            <a:r>
-              <a:rPr lang="en-US" sz="2000" dirty="0" smtClean="0"/>
-              <a:t>→</a:t>
-            </a:r>
-            <a:r>
-              <a:rPr lang="en-US" sz="2000" dirty="0" smtClean="0"/>
-              <a:t>	</a:t>
-            </a:r>
-            <a:r>
-              <a:rPr lang="en-US" sz="2000" dirty="0" smtClean="0"/>
-              <a:t>U</a:t>
-            </a:r>
-            <a:endParaRPr lang="en-US" sz="2000" dirty="0" smtClean="0"/>
+              <a:t>a -&gt; unused, b -&gt;U	→	U</a:t>
+            </a:r>
           </a:p>
           <a:p>
             <a:pPr lvl="1"/>
             <a:r>
               <a:rPr lang="en-US" sz="2000" dirty="0" smtClean="0"/>
-              <a:t>a</a:t>
-            </a:r>
-            <a:r>
-              <a:rPr lang="en-US" sz="2000" dirty="0" smtClean="0"/>
-              <a:t> -&gt; unused, b -&gt;unused</a:t>
-            </a:r>
-            <a:r>
-              <a:rPr lang="en-US" sz="2000" dirty="0" smtClean="0"/>
-              <a:t>	→	unused</a:t>
+              <a:t>a -&gt; unused, b -&gt;unused	→	unused</a:t>
             </a:r>
             <a:br>
               <a:rPr lang="en-US" sz="2000" dirty="0" smtClean="0"/>
@@ -21995,39 +22104,15 @@
             <a:pPr lvl="1"/>
             <a:r>
               <a:rPr lang="pt-BR" sz="2000" dirty="0" smtClean="0"/>
-              <a:t>(a &gt;&gt; b) := </a:t>
+              <a:t>(a &gt;&gt; b) := vector&lt;T&gt;	</a:t>
+            </a:r>
+            <a:r>
+              <a:rPr lang="en-US" sz="2000" dirty="0" smtClean="0"/>
+              <a:t>→	</a:t>
             </a:r>
             <a:r>
               <a:rPr lang="pt-BR" sz="2000" dirty="0" smtClean="0"/>
-              <a:t>vector&lt;T&gt;</a:t>
-            </a:r>
-            <a:r>
-              <a:rPr lang="pt-BR" sz="2000" dirty="0" smtClean="0"/>
-              <a:t>	</a:t>
-            </a:r>
-            <a:r>
-              <a:rPr lang="en-US" sz="2000" dirty="0" smtClean="0"/>
-              <a:t>→	</a:t>
-            </a:r>
-            <a:r>
-              <a:rPr lang="pt-BR" sz="2000" dirty="0" smtClean="0"/>
-              <a:t>a := </a:t>
-            </a:r>
-            <a:r>
-              <a:rPr lang="pt-BR" sz="2000" dirty="0" smtClean="0"/>
-              <a:t>T, </a:t>
-            </a:r>
-            <a:r>
-              <a:rPr lang="pt-BR" sz="2000" dirty="0" smtClean="0"/>
-              <a:t>b := </a:t>
-            </a:r>
-            <a:r>
-              <a:rPr lang="pt-BR" sz="2000" dirty="0" smtClean="0"/>
-              <a:t>T </a:t>
-            </a:r>
-            <a:r>
-              <a:rPr lang="pt-BR" sz="2000" dirty="0" smtClean="0"/>
-              <a:t/>
+              <a:t>a := T, b := T </a:t>
             </a:r>
             <a:br>
               <a:rPr lang="pt-BR" sz="2000" dirty="0" smtClean="0"/>
@@ -22050,19 +22135,7 @@
             </a:r>
             <a:r>
               <a:rPr lang="pt-BR" sz="2000" dirty="0" smtClean="0"/>
-              <a:t>vector&lt;T&gt;, </a:t>
-            </a:r>
-            <a:r>
-              <a:rPr lang="pt-BR" sz="2000" dirty="0" smtClean="0"/>
-              <a:t>b := </a:t>
-            </a:r>
-            <a:r>
-              <a:rPr lang="pt-BR" sz="2000" dirty="0" smtClean="0"/>
-              <a:t>T</a:t>
-            </a:r>
-            <a:r>
-              <a:rPr lang="pt-BR" sz="2000" dirty="0" smtClean="0"/>
-              <a:t/>
+              <a:t>vector&lt;T&gt;, b := T</a:t>
             </a:r>
             <a:br>
               <a:rPr lang="pt-BR" sz="2000" dirty="0" smtClean="0"/>
@@ -22077,23 +22150,7 @@
             </a:r>
             <a:r>
               <a:rPr lang="pt-BR" sz="2000" dirty="0" smtClean="0"/>
-              <a:t>a := </a:t>
-            </a:r>
-            <a:r>
-              <a:rPr lang="pt-BR" sz="2000" dirty="0" smtClean="0"/>
-              <a:t>T, </a:t>
-            </a:r>
-            <a:r>
-              <a:rPr lang="pt-BR" sz="2000" dirty="0" smtClean="0"/>
-              <a:t>b := </a:t>
-            </a:r>
-            <a:r>
-              <a:rPr lang="pt-BR" sz="2000" dirty="0" smtClean="0"/>
-              <a:t>vector&lt;T&gt;</a:t>
-            </a:r>
-            <a:r>
-              <a:rPr lang="pt-BR" sz="2000" dirty="0" smtClean="0"/>
-              <a:t/>
+              <a:t>a := T, b := vector&lt;T&gt;</a:t>
             </a:r>
             <a:br>
               <a:rPr lang="pt-BR" sz="2000" dirty="0" smtClean="0"/>
@@ -22108,21 +22165,8 @@
             </a:r>
             <a:r>
               <a:rPr lang="pt-BR" sz="2000" dirty="0" smtClean="0"/>
-              <a:t>a := </a:t>
-            </a:r>
-            <a:r>
-              <a:rPr lang="pt-BR" sz="2000" dirty="0" smtClean="0"/>
-              <a:t>vector&lt;T&gt;, </a:t>
-            </a:r>
-            <a:r>
-              <a:rPr lang="pt-BR" sz="2000" dirty="0" smtClean="0"/>
-              <a:t>b := </a:t>
-            </a:r>
-            <a:r>
-              <a:rPr lang="pt-BR" sz="2000" dirty="0" smtClean="0"/>
-              <a:t>vector&lt;T&gt; </a:t>
-            </a:r>
-            <a:endParaRPr lang="pt-BR" sz="2000" dirty="0" smtClean="0"/>
+              <a:t>a := vector&lt;T&gt;, b := vector&lt;T&gt; </a:t>
+            </a:r>
           </a:p>
         </p:txBody>
       </p:sp>
@@ -35266,15 +35310,7 @@
             </a:r>
             <a:r>
               <a:rPr lang="en-US" sz="2000" dirty="0" smtClean="0"/>
-              <a:t> (</a:t>
-            </a:r>
-            <a:r>
-              <a:rPr lang="en-US" sz="2000" dirty="0" smtClean="0"/>
-              <a:t>factor, </a:t>
-            </a:r>
-            <a:r>
-              <a:rPr lang="en-US" sz="2000" dirty="0" smtClean="0"/>
-              <a:t>term, </a:t>
+              <a:t> (factor, term, </a:t>
             </a:r>
             <a:r>
               <a:rPr lang="en-US" sz="2000" dirty="0" err="1" smtClean="0"/>
@@ -35324,11 +35360,7 @@
             </a:r>
             <a:r>
               <a:rPr lang="en-US" sz="2000" dirty="0" smtClean="0"/>
-              <a:t>(); </a:t>
-            </a:r>
-            <a:r>
-              <a:rPr lang="en-US" sz="2000" dirty="0" smtClean="0"/>
-              <a:t>}</a:t>
+              <a:t>(); }</a:t>
             </a:r>
             <a:endParaRPr lang="en-US" sz="2000" dirty="0"/>
           </a:p>
@@ -46843,11 +46875,7 @@
             </a:pPr>
             <a:r>
               <a:rPr lang="en-US" sz="2800" dirty="0" smtClean="0"/>
-              <a:t>factor   </a:t>
-            </a:r>
-            <a:r>
-              <a:rPr lang="en-US" sz="2800" dirty="0" smtClean="0"/>
-              <a:t>	←   	integer   /  '('   </a:t>
+              <a:t>factor   	←   	integer   /  '('   </a:t>
             </a:r>
             <a:r>
               <a:rPr lang="en-US" sz="2800" dirty="0" err="1" smtClean="0"/>
@@ -46864,37 +46892,8 @@
             </a:pPr>
             <a:r>
               <a:rPr lang="en-US" sz="2800" dirty="0" smtClean="0"/>
-              <a:t>term 	</a:t>
-            </a:r>
-            <a:r>
-              <a:rPr lang="en-US" sz="2800" dirty="0" smtClean="0"/>
-              <a:t>	←   </a:t>
-            </a:r>
-            <a:r>
-              <a:rPr lang="en-US" sz="2800" dirty="0" smtClean="0"/>
-              <a:t>	</a:t>
-            </a:r>
-            <a:r>
-              <a:rPr lang="en-US" sz="2800" dirty="0" smtClean="0"/>
-              <a:t>factor </a:t>
-            </a:r>
-            <a:r>
-              <a:rPr lang="en-US" sz="2800" dirty="0" smtClean="0"/>
-              <a:t>(('*'   </a:t>
-            </a:r>
-            <a:r>
-              <a:rPr lang="en-US" sz="2800" dirty="0" smtClean="0"/>
-              <a:t>factor)  </a:t>
-            </a:r>
-            <a:r>
-              <a:rPr lang="en-US" sz="2800" dirty="0" smtClean="0"/>
-              <a:t>/  ('/'   </a:t>
-            </a:r>
-            <a:r>
-              <a:rPr lang="en-US" sz="2800" dirty="0" smtClean="0"/>
-              <a:t>factor))*</a:t>
-            </a:r>
-            <a:endParaRPr lang="en-US" sz="2800" dirty="0" smtClean="0"/>
+              <a:t>term 		←   	factor (('*'   factor)  /  ('/'   factor))*</a:t>
+            </a:r>
           </a:p>
           <a:p>
             <a:pPr>
@@ -46906,15 +46905,7 @@
             </a:r>
             <a:r>
               <a:rPr lang="en-US" sz="2800" dirty="0" smtClean="0"/>
-              <a:t> 	</a:t>
-            </a:r>
-            <a:r>
-              <a:rPr lang="en-US" sz="2800" dirty="0" smtClean="0"/>
-              <a:t>	←   </a:t>
-            </a:r>
-            <a:r>
-              <a:rPr lang="en-US" sz="2800" dirty="0" smtClean="0"/>
-              <a:t>	term (('+' term)  /  ('-'   term))*</a:t>
+              <a:t> 		←   	term (('+' term)  /  ('-'   term))*</a:t>
             </a:r>
           </a:p>
           <a:p>
